--- a/BuildingAndLeveragingSocialServices.pptx
+++ b/BuildingAndLeveragingSocialServices.pptx
@@ -6,21 +6,32 @@
     <p:sldMasterId id="2147483779" r:id="rId5"/>
   </p:sldMasterIdLst>
   <p:notesMasterIdLst>
-    <p:notesMasterId r:id="rId10"/>
+    <p:notesMasterId r:id="rId21"/>
   </p:notesMasterIdLst>
   <p:handoutMasterIdLst>
-    <p:handoutMasterId r:id="rId11"/>
+    <p:handoutMasterId r:id="rId22"/>
   </p:handoutMasterIdLst>
   <p:sldIdLst>
     <p:sldId id="296" r:id="rId6"/>
     <p:sldId id="293" r:id="rId7"/>
     <p:sldId id="257" r:id="rId8"/>
-    <p:sldId id="292" r:id="rId9"/>
+    <p:sldId id="302" r:id="rId9"/>
+    <p:sldId id="311" r:id="rId10"/>
+    <p:sldId id="312" r:id="rId11"/>
+    <p:sldId id="305" r:id="rId12"/>
+    <p:sldId id="313" r:id="rId13"/>
+    <p:sldId id="306" r:id="rId14"/>
+    <p:sldId id="307" r:id="rId15"/>
+    <p:sldId id="308" r:id="rId16"/>
+    <p:sldId id="309" r:id="rId17"/>
+    <p:sldId id="310" r:id="rId18"/>
+    <p:sldId id="314" r:id="rId19"/>
+    <p:sldId id="292" r:id="rId20"/>
   </p:sldIdLst>
   <p:sldSz cx="12188825" cy="6858000"/>
   <p:notesSz cx="6858000" cy="9296400"/>
   <p:custDataLst>
-    <p:tags r:id="rId12"/>
+    <p:tags r:id="rId23"/>
   </p:custDataLst>
   <p:defaultTextStyle>
     <a:defPPr>
@@ -118,6 +129,32 @@
     </a:lvl9pPr>
   </p:defaultTextStyle>
   <p:extLst>
+    <p:ext uri="{521415D9-36F7-43E2-AB2F-B90AF26B5E84}">
+      <p14:sectionLst xmlns:p14="http://schemas.microsoft.com/office/powerpoint/2010/main">
+        <p14:section name="Default Section" id="{FA04AD43-4096-4684-AD44-842B2DA34F54}">
+          <p14:sldIdLst>
+            <p14:sldId id="296"/>
+            <p14:sldId id="293"/>
+            <p14:sldId id="257"/>
+            <p14:sldId id="302"/>
+            <p14:sldId id="311"/>
+            <p14:sldId id="312"/>
+            <p14:sldId id="305"/>
+            <p14:sldId id="313"/>
+            <p14:sldId id="306"/>
+            <p14:sldId id="307"/>
+            <p14:sldId id="308"/>
+            <p14:sldId id="309"/>
+            <p14:sldId id="310"/>
+            <p14:sldId id="314"/>
+            <p14:sldId id="292"/>
+          </p14:sldIdLst>
+        </p14:section>
+        <p14:section name="Appendix" id="{35B9704C-0886-4D18-A219-839351B9C2CD}">
+          <p14:sldIdLst/>
+        </p14:section>
+      </p14:sectionLst>
+    </p:ext>
     <p:ext uri="{EFAFB233-063F-42B5-8137-9DF3F51BA10A}">
       <p15:sldGuideLst xmlns:p15="http://schemas.microsoft.com/office/powerpoint/2012/main">
         <p15:guide id="1" orient="horz" pos="895">
@@ -175,6 +212,5099 @@
 </p:presentation>
 </file>
 
+<file path=ppt/diagrams/colors1.xml><?xml version="1.0" encoding="utf-8"?>
+<dgm:colorsDef xmlns:dgm="http://schemas.openxmlformats.org/drawingml/2006/diagram" xmlns:a="http://schemas.openxmlformats.org/drawingml/2006/main" uniqueId="urn:microsoft.com/office/officeart/2005/8/colors/accent2_2">
+  <dgm:title val=""/>
+  <dgm:desc val=""/>
+  <dgm:catLst>
+    <dgm:cat type="accent2" pri="11200"/>
+  </dgm:catLst>
+  <dgm:styleLbl name="node0">
+    <dgm:fillClrLst meth="repeat">
+      <a:schemeClr val="accent2"/>
+    </dgm:fillClrLst>
+    <dgm:linClrLst meth="repeat">
+      <a:schemeClr val="lt1"/>
+    </dgm:linClrLst>
+    <dgm:effectClrLst/>
+    <dgm:txLinClrLst/>
+    <dgm:txFillClrLst/>
+    <dgm:txEffectClrLst/>
+  </dgm:styleLbl>
+  <dgm:styleLbl name="node1">
+    <dgm:fillClrLst meth="repeat">
+      <a:schemeClr val="accent2"/>
+    </dgm:fillClrLst>
+    <dgm:linClrLst meth="repeat">
+      <a:schemeClr val="lt1"/>
+    </dgm:linClrLst>
+    <dgm:effectClrLst/>
+    <dgm:txLinClrLst/>
+    <dgm:txFillClrLst/>
+    <dgm:txEffectClrLst/>
+  </dgm:styleLbl>
+  <dgm:styleLbl name="alignNode1">
+    <dgm:fillClrLst meth="repeat">
+      <a:schemeClr val="accent2"/>
+    </dgm:fillClrLst>
+    <dgm:linClrLst meth="repeat">
+      <a:schemeClr val="accent2"/>
+    </dgm:linClrLst>
+    <dgm:effectClrLst/>
+    <dgm:txLinClrLst/>
+    <dgm:txFillClrLst/>
+    <dgm:txEffectClrLst/>
+  </dgm:styleLbl>
+  <dgm:styleLbl name="lnNode1">
+    <dgm:fillClrLst meth="repeat">
+      <a:schemeClr val="accent2"/>
+    </dgm:fillClrLst>
+    <dgm:linClrLst meth="repeat">
+      <a:schemeClr val="lt1"/>
+    </dgm:linClrLst>
+    <dgm:effectClrLst/>
+    <dgm:txLinClrLst/>
+    <dgm:txFillClrLst/>
+    <dgm:txEffectClrLst/>
+  </dgm:styleLbl>
+  <dgm:styleLbl name="vennNode1">
+    <dgm:fillClrLst meth="repeat">
+      <a:schemeClr val="accent2">
+        <a:alpha val="50000"/>
+      </a:schemeClr>
+    </dgm:fillClrLst>
+    <dgm:linClrLst meth="repeat">
+      <a:schemeClr val="lt1"/>
+    </dgm:linClrLst>
+    <dgm:effectClrLst/>
+    <dgm:txLinClrLst/>
+    <dgm:txFillClrLst/>
+    <dgm:txEffectClrLst/>
+  </dgm:styleLbl>
+  <dgm:styleLbl name="node2">
+    <dgm:fillClrLst meth="repeat">
+      <a:schemeClr val="accent2"/>
+    </dgm:fillClrLst>
+    <dgm:linClrLst meth="repeat">
+      <a:schemeClr val="lt1"/>
+    </dgm:linClrLst>
+    <dgm:effectClrLst/>
+    <dgm:txLinClrLst/>
+    <dgm:txFillClrLst/>
+    <dgm:txEffectClrLst/>
+  </dgm:styleLbl>
+  <dgm:styleLbl name="node3">
+    <dgm:fillClrLst meth="repeat">
+      <a:schemeClr val="accent2"/>
+    </dgm:fillClrLst>
+    <dgm:linClrLst meth="repeat">
+      <a:schemeClr val="lt1"/>
+    </dgm:linClrLst>
+    <dgm:effectClrLst/>
+    <dgm:txLinClrLst/>
+    <dgm:txFillClrLst/>
+    <dgm:txEffectClrLst/>
+  </dgm:styleLbl>
+  <dgm:styleLbl name="node4">
+    <dgm:fillClrLst meth="repeat">
+      <a:schemeClr val="accent2"/>
+    </dgm:fillClrLst>
+    <dgm:linClrLst meth="repeat">
+      <a:schemeClr val="lt1"/>
+    </dgm:linClrLst>
+    <dgm:effectClrLst/>
+    <dgm:txLinClrLst/>
+    <dgm:txFillClrLst/>
+    <dgm:txEffectClrLst/>
+  </dgm:styleLbl>
+  <dgm:styleLbl name="fgImgPlace1">
+    <dgm:fillClrLst meth="repeat">
+      <a:schemeClr val="accent2">
+        <a:tint val="50000"/>
+      </a:schemeClr>
+    </dgm:fillClrLst>
+    <dgm:linClrLst meth="repeat">
+      <a:schemeClr val="lt1"/>
+    </dgm:linClrLst>
+    <dgm:effectClrLst/>
+    <dgm:txLinClrLst/>
+    <dgm:txFillClrLst meth="repeat">
+      <a:schemeClr val="lt1"/>
+    </dgm:txFillClrLst>
+    <dgm:txEffectClrLst/>
+  </dgm:styleLbl>
+  <dgm:styleLbl name="alignImgPlace1">
+    <dgm:fillClrLst meth="repeat">
+      <a:schemeClr val="accent2">
+        <a:tint val="50000"/>
+      </a:schemeClr>
+    </dgm:fillClrLst>
+    <dgm:linClrLst meth="repeat">
+      <a:schemeClr val="lt1"/>
+    </dgm:linClrLst>
+    <dgm:effectClrLst/>
+    <dgm:txLinClrLst/>
+    <dgm:txFillClrLst meth="repeat">
+      <a:schemeClr val="lt1"/>
+    </dgm:txFillClrLst>
+    <dgm:txEffectClrLst/>
+  </dgm:styleLbl>
+  <dgm:styleLbl name="bgImgPlace1">
+    <dgm:fillClrLst meth="repeat">
+      <a:schemeClr val="accent2">
+        <a:tint val="50000"/>
+      </a:schemeClr>
+    </dgm:fillClrLst>
+    <dgm:linClrLst meth="repeat">
+      <a:schemeClr val="lt1"/>
+    </dgm:linClrLst>
+    <dgm:effectClrLst/>
+    <dgm:txLinClrLst/>
+    <dgm:txFillClrLst meth="repeat">
+      <a:schemeClr val="lt1"/>
+    </dgm:txFillClrLst>
+    <dgm:txEffectClrLst/>
+  </dgm:styleLbl>
+  <dgm:styleLbl name="sibTrans2D1">
+    <dgm:fillClrLst meth="repeat">
+      <a:schemeClr val="accent2">
+        <a:tint val="60000"/>
+      </a:schemeClr>
+    </dgm:fillClrLst>
+    <dgm:linClrLst meth="repeat">
+      <a:schemeClr val="accent2">
+        <a:tint val="60000"/>
+      </a:schemeClr>
+    </dgm:linClrLst>
+    <dgm:effectClrLst/>
+    <dgm:txLinClrLst/>
+    <dgm:txFillClrLst/>
+    <dgm:txEffectClrLst/>
+  </dgm:styleLbl>
+  <dgm:styleLbl name="fgSibTrans2D1">
+    <dgm:fillClrLst meth="repeat">
+      <a:schemeClr val="accent2">
+        <a:tint val="60000"/>
+      </a:schemeClr>
+    </dgm:fillClrLst>
+    <dgm:linClrLst meth="repeat">
+      <a:schemeClr val="accent2">
+        <a:tint val="60000"/>
+      </a:schemeClr>
+    </dgm:linClrLst>
+    <dgm:effectClrLst/>
+    <dgm:txLinClrLst/>
+    <dgm:txFillClrLst/>
+    <dgm:txEffectClrLst/>
+  </dgm:styleLbl>
+  <dgm:styleLbl name="bgSibTrans2D1">
+    <dgm:fillClrLst meth="repeat">
+      <a:schemeClr val="accent2">
+        <a:tint val="60000"/>
+      </a:schemeClr>
+    </dgm:fillClrLst>
+    <dgm:linClrLst meth="repeat">
+      <a:schemeClr val="accent2">
+        <a:tint val="60000"/>
+      </a:schemeClr>
+    </dgm:linClrLst>
+    <dgm:effectClrLst/>
+    <dgm:txLinClrLst/>
+    <dgm:txFillClrLst/>
+    <dgm:txEffectClrLst/>
+  </dgm:styleLbl>
+  <dgm:styleLbl name="sibTrans1D1">
+    <dgm:fillClrLst meth="repeat">
+      <a:schemeClr val="accent2"/>
+    </dgm:fillClrLst>
+    <dgm:linClrLst meth="repeat">
+      <a:schemeClr val="accent2"/>
+    </dgm:linClrLst>
+    <dgm:effectClrLst/>
+    <dgm:txLinClrLst/>
+    <dgm:txFillClrLst meth="repeat">
+      <a:schemeClr val="tx1"/>
+    </dgm:txFillClrLst>
+    <dgm:txEffectClrLst/>
+  </dgm:styleLbl>
+  <dgm:styleLbl name="callout">
+    <dgm:fillClrLst meth="repeat">
+      <a:schemeClr val="accent2"/>
+    </dgm:fillClrLst>
+    <dgm:linClrLst meth="repeat">
+      <a:schemeClr val="accent2">
+        <a:tint val="50000"/>
+      </a:schemeClr>
+    </dgm:linClrLst>
+    <dgm:effectClrLst/>
+    <dgm:txLinClrLst/>
+    <dgm:txFillClrLst meth="repeat">
+      <a:schemeClr val="tx1"/>
+    </dgm:txFillClrLst>
+    <dgm:txEffectClrLst/>
+  </dgm:styleLbl>
+  <dgm:styleLbl name="asst0">
+    <dgm:fillClrLst meth="repeat">
+      <a:schemeClr val="accent2"/>
+    </dgm:fillClrLst>
+    <dgm:linClrLst meth="repeat">
+      <a:schemeClr val="lt1"/>
+    </dgm:linClrLst>
+    <dgm:effectClrLst/>
+    <dgm:txLinClrLst/>
+    <dgm:txFillClrLst/>
+    <dgm:txEffectClrLst/>
+  </dgm:styleLbl>
+  <dgm:styleLbl name="asst1">
+    <dgm:fillClrLst meth="repeat">
+      <a:schemeClr val="accent2"/>
+    </dgm:fillClrLst>
+    <dgm:linClrLst meth="repeat">
+      <a:schemeClr val="lt1"/>
+    </dgm:linClrLst>
+    <dgm:effectClrLst/>
+    <dgm:txLinClrLst/>
+    <dgm:txFillClrLst/>
+    <dgm:txEffectClrLst/>
+  </dgm:styleLbl>
+  <dgm:styleLbl name="asst2">
+    <dgm:fillClrLst meth="repeat">
+      <a:schemeClr val="accent2"/>
+    </dgm:fillClrLst>
+    <dgm:linClrLst meth="repeat">
+      <a:schemeClr val="lt1"/>
+    </dgm:linClrLst>
+    <dgm:effectClrLst/>
+    <dgm:txLinClrLst/>
+    <dgm:txFillClrLst/>
+    <dgm:txEffectClrLst/>
+  </dgm:styleLbl>
+  <dgm:styleLbl name="asst3">
+    <dgm:fillClrLst meth="repeat">
+      <a:schemeClr val="accent2"/>
+    </dgm:fillClrLst>
+    <dgm:linClrLst meth="repeat">
+      <a:schemeClr val="lt1"/>
+    </dgm:linClrLst>
+    <dgm:effectClrLst/>
+    <dgm:txLinClrLst/>
+    <dgm:txFillClrLst/>
+    <dgm:txEffectClrLst/>
+  </dgm:styleLbl>
+  <dgm:styleLbl name="asst4">
+    <dgm:fillClrLst meth="repeat">
+      <a:schemeClr val="accent2"/>
+    </dgm:fillClrLst>
+    <dgm:linClrLst meth="repeat">
+      <a:schemeClr val="lt1"/>
+    </dgm:linClrLst>
+    <dgm:effectClrLst/>
+    <dgm:txLinClrLst/>
+    <dgm:txFillClrLst/>
+    <dgm:txEffectClrLst/>
+  </dgm:styleLbl>
+  <dgm:styleLbl name="parChTrans2D1">
+    <dgm:fillClrLst meth="repeat">
+      <a:schemeClr val="accent2">
+        <a:tint val="60000"/>
+      </a:schemeClr>
+    </dgm:fillClrLst>
+    <dgm:linClrLst meth="repeat">
+      <a:schemeClr val="accent2">
+        <a:tint val="60000"/>
+      </a:schemeClr>
+    </dgm:linClrLst>
+    <dgm:effectClrLst/>
+    <dgm:txLinClrLst/>
+    <dgm:txFillClrLst meth="repeat">
+      <a:schemeClr val="lt1"/>
+    </dgm:txFillClrLst>
+    <dgm:txEffectClrLst/>
+  </dgm:styleLbl>
+  <dgm:styleLbl name="parChTrans2D2">
+    <dgm:fillClrLst meth="repeat">
+      <a:schemeClr val="accent2"/>
+    </dgm:fillClrLst>
+    <dgm:linClrLst meth="repeat">
+      <a:schemeClr val="accent2"/>
+    </dgm:linClrLst>
+    <dgm:effectClrLst/>
+    <dgm:txLinClrLst/>
+    <dgm:txFillClrLst meth="repeat">
+      <a:schemeClr val="lt1"/>
+    </dgm:txFillClrLst>
+    <dgm:txEffectClrLst/>
+  </dgm:styleLbl>
+  <dgm:styleLbl name="parChTrans2D3">
+    <dgm:fillClrLst meth="repeat">
+      <a:schemeClr val="accent2"/>
+    </dgm:fillClrLst>
+    <dgm:linClrLst meth="repeat">
+      <a:schemeClr val="accent2"/>
+    </dgm:linClrLst>
+    <dgm:effectClrLst/>
+    <dgm:txLinClrLst/>
+    <dgm:txFillClrLst meth="repeat">
+      <a:schemeClr val="lt1"/>
+    </dgm:txFillClrLst>
+    <dgm:txEffectClrLst/>
+  </dgm:styleLbl>
+  <dgm:styleLbl name="parChTrans2D4">
+    <dgm:fillClrLst meth="repeat">
+      <a:schemeClr val="accent2"/>
+    </dgm:fillClrLst>
+    <dgm:linClrLst meth="repeat">
+      <a:schemeClr val="accent2"/>
+    </dgm:linClrLst>
+    <dgm:effectClrLst/>
+    <dgm:txLinClrLst/>
+    <dgm:txFillClrLst meth="repeat">
+      <a:schemeClr val="lt1"/>
+    </dgm:txFillClrLst>
+    <dgm:txEffectClrLst/>
+  </dgm:styleLbl>
+  <dgm:styleLbl name="parChTrans1D1">
+    <dgm:fillClrLst meth="repeat">
+      <a:schemeClr val="accent2"/>
+    </dgm:fillClrLst>
+    <dgm:linClrLst meth="repeat">
+      <a:schemeClr val="accent2">
+        <a:shade val="60000"/>
+      </a:schemeClr>
+    </dgm:linClrLst>
+    <dgm:effectClrLst/>
+    <dgm:txLinClrLst/>
+    <dgm:txFillClrLst meth="repeat">
+      <a:schemeClr val="tx1"/>
+    </dgm:txFillClrLst>
+    <dgm:txEffectClrLst/>
+  </dgm:styleLbl>
+  <dgm:styleLbl name="parChTrans1D2">
+    <dgm:fillClrLst meth="repeat">
+      <a:schemeClr val="accent2"/>
+    </dgm:fillClrLst>
+    <dgm:linClrLst meth="repeat">
+      <a:schemeClr val="accent2">
+        <a:shade val="60000"/>
+      </a:schemeClr>
+    </dgm:linClrLst>
+    <dgm:effectClrLst/>
+    <dgm:txLinClrLst/>
+    <dgm:txFillClrLst meth="repeat">
+      <a:schemeClr val="tx1"/>
+    </dgm:txFillClrLst>
+    <dgm:txEffectClrLst/>
+  </dgm:styleLbl>
+  <dgm:styleLbl name="parChTrans1D3">
+    <dgm:fillClrLst meth="repeat">
+      <a:schemeClr val="accent2"/>
+    </dgm:fillClrLst>
+    <dgm:linClrLst meth="repeat">
+      <a:schemeClr val="accent2">
+        <a:shade val="80000"/>
+      </a:schemeClr>
+    </dgm:linClrLst>
+    <dgm:effectClrLst/>
+    <dgm:txLinClrLst/>
+    <dgm:txFillClrLst meth="repeat">
+      <a:schemeClr val="tx1"/>
+    </dgm:txFillClrLst>
+    <dgm:txEffectClrLst/>
+  </dgm:styleLbl>
+  <dgm:styleLbl name="parChTrans1D4">
+    <dgm:fillClrLst meth="repeat">
+      <a:schemeClr val="accent2"/>
+    </dgm:fillClrLst>
+    <dgm:linClrLst meth="repeat">
+      <a:schemeClr val="accent2">
+        <a:shade val="80000"/>
+      </a:schemeClr>
+    </dgm:linClrLst>
+    <dgm:effectClrLst/>
+    <dgm:txLinClrLst/>
+    <dgm:txFillClrLst meth="repeat">
+      <a:schemeClr val="tx1"/>
+    </dgm:txFillClrLst>
+    <dgm:txEffectClrLst/>
+  </dgm:styleLbl>
+  <dgm:styleLbl name="fgAcc1">
+    <dgm:fillClrLst meth="repeat">
+      <a:schemeClr val="lt1">
+        <a:alpha val="90000"/>
+      </a:schemeClr>
+    </dgm:fillClrLst>
+    <dgm:linClrLst meth="repeat">
+      <a:schemeClr val="accent2"/>
+    </dgm:linClrLst>
+    <dgm:effectClrLst/>
+    <dgm:txLinClrLst/>
+    <dgm:txFillClrLst meth="repeat">
+      <a:schemeClr val="dk1"/>
+    </dgm:txFillClrLst>
+    <dgm:txEffectClrLst/>
+  </dgm:styleLbl>
+  <dgm:styleLbl name="conFgAcc1">
+    <dgm:fillClrLst meth="repeat">
+      <a:schemeClr val="lt1">
+        <a:alpha val="90000"/>
+      </a:schemeClr>
+    </dgm:fillClrLst>
+    <dgm:linClrLst meth="repeat">
+      <a:schemeClr val="accent2"/>
+    </dgm:linClrLst>
+    <dgm:effectClrLst/>
+    <dgm:txLinClrLst/>
+    <dgm:txFillClrLst meth="repeat">
+      <a:schemeClr val="dk1"/>
+    </dgm:txFillClrLst>
+    <dgm:txEffectClrLst/>
+  </dgm:styleLbl>
+  <dgm:styleLbl name="alignAcc1">
+    <dgm:fillClrLst meth="repeat">
+      <a:schemeClr val="lt1">
+        <a:alpha val="90000"/>
+      </a:schemeClr>
+    </dgm:fillClrLst>
+    <dgm:linClrLst meth="repeat">
+      <a:schemeClr val="accent2"/>
+    </dgm:linClrLst>
+    <dgm:effectClrLst/>
+    <dgm:txLinClrLst/>
+    <dgm:txFillClrLst meth="repeat">
+      <a:schemeClr val="dk1"/>
+    </dgm:txFillClrLst>
+    <dgm:txEffectClrLst/>
+  </dgm:styleLbl>
+  <dgm:styleLbl name="trAlignAcc1">
+    <dgm:fillClrLst meth="repeat">
+      <a:schemeClr val="lt1">
+        <a:alpha val="40000"/>
+      </a:schemeClr>
+    </dgm:fillClrLst>
+    <dgm:linClrLst meth="repeat">
+      <a:schemeClr val="accent2"/>
+    </dgm:linClrLst>
+    <dgm:effectClrLst/>
+    <dgm:txLinClrLst/>
+    <dgm:txFillClrLst meth="repeat">
+      <a:schemeClr val="dk1"/>
+    </dgm:txFillClrLst>
+    <dgm:txEffectClrLst/>
+  </dgm:styleLbl>
+  <dgm:styleLbl name="bgAcc1">
+    <dgm:fillClrLst meth="repeat">
+      <a:schemeClr val="lt1">
+        <a:alpha val="90000"/>
+      </a:schemeClr>
+    </dgm:fillClrLst>
+    <dgm:linClrLst meth="repeat">
+      <a:schemeClr val="accent2"/>
+    </dgm:linClrLst>
+    <dgm:effectClrLst/>
+    <dgm:txLinClrLst/>
+    <dgm:txFillClrLst meth="repeat">
+      <a:schemeClr val="dk1"/>
+    </dgm:txFillClrLst>
+    <dgm:txEffectClrLst/>
+  </dgm:styleLbl>
+  <dgm:styleLbl name="solidFgAcc1">
+    <dgm:fillClrLst meth="repeat">
+      <a:schemeClr val="lt1"/>
+    </dgm:fillClrLst>
+    <dgm:linClrLst meth="repeat">
+      <a:schemeClr val="accent2"/>
+    </dgm:linClrLst>
+    <dgm:effectClrLst/>
+    <dgm:txLinClrLst/>
+    <dgm:txFillClrLst meth="repeat">
+      <a:schemeClr val="dk1"/>
+    </dgm:txFillClrLst>
+    <dgm:txEffectClrLst/>
+  </dgm:styleLbl>
+  <dgm:styleLbl name="solidAlignAcc1">
+    <dgm:fillClrLst meth="repeat">
+      <a:schemeClr val="lt1"/>
+    </dgm:fillClrLst>
+    <dgm:linClrLst meth="repeat">
+      <a:schemeClr val="accent2"/>
+    </dgm:linClrLst>
+    <dgm:effectClrLst/>
+    <dgm:txLinClrLst/>
+    <dgm:txFillClrLst meth="repeat">
+      <a:schemeClr val="dk1"/>
+    </dgm:txFillClrLst>
+    <dgm:txEffectClrLst/>
+  </dgm:styleLbl>
+  <dgm:styleLbl name="solidBgAcc1">
+    <dgm:fillClrLst meth="repeat">
+      <a:schemeClr val="lt1"/>
+    </dgm:fillClrLst>
+    <dgm:linClrLst meth="repeat">
+      <a:schemeClr val="accent2"/>
+    </dgm:linClrLst>
+    <dgm:effectClrLst/>
+    <dgm:txLinClrLst/>
+    <dgm:txFillClrLst meth="repeat">
+      <a:schemeClr val="dk1"/>
+    </dgm:txFillClrLst>
+    <dgm:txEffectClrLst/>
+  </dgm:styleLbl>
+  <dgm:styleLbl name="fgAccFollowNode1">
+    <dgm:fillClrLst meth="repeat">
+      <a:schemeClr val="accent2">
+        <a:alpha val="90000"/>
+        <a:tint val="40000"/>
+      </a:schemeClr>
+    </dgm:fillClrLst>
+    <dgm:linClrLst meth="repeat">
+      <a:schemeClr val="accent2">
+        <a:alpha val="90000"/>
+        <a:tint val="40000"/>
+      </a:schemeClr>
+    </dgm:linClrLst>
+    <dgm:effectClrLst/>
+    <dgm:txLinClrLst/>
+    <dgm:txFillClrLst meth="repeat">
+      <a:schemeClr val="dk1"/>
+    </dgm:txFillClrLst>
+    <dgm:txEffectClrLst/>
+  </dgm:styleLbl>
+  <dgm:styleLbl name="alignAccFollowNode1">
+    <dgm:fillClrLst meth="repeat">
+      <a:schemeClr val="accent2">
+        <a:alpha val="90000"/>
+        <a:tint val="40000"/>
+      </a:schemeClr>
+    </dgm:fillClrLst>
+    <dgm:linClrLst meth="repeat">
+      <a:schemeClr val="accent2">
+        <a:alpha val="90000"/>
+        <a:tint val="40000"/>
+      </a:schemeClr>
+    </dgm:linClrLst>
+    <dgm:effectClrLst/>
+    <dgm:txLinClrLst/>
+    <dgm:txFillClrLst meth="repeat">
+      <a:schemeClr val="dk1"/>
+    </dgm:txFillClrLst>
+    <dgm:txEffectClrLst/>
+  </dgm:styleLbl>
+  <dgm:styleLbl name="bgAccFollowNode1">
+    <dgm:fillClrLst meth="repeat">
+      <a:schemeClr val="accent2">
+        <a:alpha val="90000"/>
+        <a:tint val="40000"/>
+      </a:schemeClr>
+    </dgm:fillClrLst>
+    <dgm:linClrLst meth="repeat">
+      <a:schemeClr val="accent2">
+        <a:alpha val="90000"/>
+        <a:tint val="40000"/>
+      </a:schemeClr>
+    </dgm:linClrLst>
+    <dgm:effectClrLst/>
+    <dgm:txLinClrLst/>
+    <dgm:txFillClrLst meth="repeat">
+      <a:schemeClr val="dk1"/>
+    </dgm:txFillClrLst>
+    <dgm:txEffectClrLst/>
+  </dgm:styleLbl>
+  <dgm:styleLbl name="fgAcc0">
+    <dgm:fillClrLst meth="repeat">
+      <a:schemeClr val="lt1">
+        <a:alpha val="90000"/>
+      </a:schemeClr>
+    </dgm:fillClrLst>
+    <dgm:linClrLst meth="repeat">
+      <a:schemeClr val="accent2"/>
+    </dgm:linClrLst>
+    <dgm:effectClrLst/>
+    <dgm:txLinClrLst/>
+    <dgm:txFillClrLst meth="repeat">
+      <a:schemeClr val="dk1"/>
+    </dgm:txFillClrLst>
+    <dgm:txEffectClrLst/>
+  </dgm:styleLbl>
+  <dgm:styleLbl name="fgAcc2">
+    <dgm:fillClrLst meth="repeat">
+      <a:schemeClr val="lt1">
+        <a:alpha val="90000"/>
+      </a:schemeClr>
+    </dgm:fillClrLst>
+    <dgm:linClrLst meth="repeat">
+      <a:schemeClr val="accent2"/>
+    </dgm:linClrLst>
+    <dgm:effectClrLst/>
+    <dgm:txLinClrLst/>
+    <dgm:txFillClrLst meth="repeat">
+      <a:schemeClr val="dk1"/>
+    </dgm:txFillClrLst>
+    <dgm:txEffectClrLst/>
+  </dgm:styleLbl>
+  <dgm:styleLbl name="fgAcc3">
+    <dgm:fillClrLst meth="repeat">
+      <a:schemeClr val="lt1">
+        <a:alpha val="90000"/>
+      </a:schemeClr>
+    </dgm:fillClrLst>
+    <dgm:linClrLst meth="repeat">
+      <a:schemeClr val="accent2"/>
+    </dgm:linClrLst>
+    <dgm:effectClrLst/>
+    <dgm:txLinClrLst/>
+    <dgm:txFillClrLst meth="repeat">
+      <a:schemeClr val="dk1"/>
+    </dgm:txFillClrLst>
+    <dgm:txEffectClrLst/>
+  </dgm:styleLbl>
+  <dgm:styleLbl name="fgAcc4">
+    <dgm:fillClrLst meth="repeat">
+      <a:schemeClr val="lt1">
+        <a:alpha val="90000"/>
+      </a:schemeClr>
+    </dgm:fillClrLst>
+    <dgm:linClrLst meth="repeat">
+      <a:schemeClr val="accent2"/>
+    </dgm:linClrLst>
+    <dgm:effectClrLst/>
+    <dgm:txLinClrLst/>
+    <dgm:txFillClrLst meth="repeat">
+      <a:schemeClr val="dk1"/>
+    </dgm:txFillClrLst>
+    <dgm:txEffectClrLst/>
+  </dgm:styleLbl>
+  <dgm:styleLbl name="bgShp">
+    <dgm:fillClrLst meth="repeat">
+      <a:schemeClr val="accent2">
+        <a:tint val="40000"/>
+      </a:schemeClr>
+    </dgm:fillClrLst>
+    <dgm:linClrLst meth="repeat">
+      <a:schemeClr val="accent2"/>
+    </dgm:linClrLst>
+    <dgm:effectClrLst/>
+    <dgm:txLinClrLst/>
+    <dgm:txFillClrLst meth="repeat">
+      <a:schemeClr val="dk1"/>
+    </dgm:txFillClrLst>
+    <dgm:txEffectClrLst/>
+  </dgm:styleLbl>
+  <dgm:styleLbl name="dkBgShp">
+    <dgm:fillClrLst meth="repeat">
+      <a:schemeClr val="accent2">
+        <a:shade val="80000"/>
+      </a:schemeClr>
+    </dgm:fillClrLst>
+    <dgm:linClrLst meth="repeat">
+      <a:schemeClr val="accent2"/>
+    </dgm:linClrLst>
+    <dgm:effectClrLst/>
+    <dgm:txLinClrLst/>
+    <dgm:txFillClrLst meth="repeat">
+      <a:schemeClr val="lt1"/>
+    </dgm:txFillClrLst>
+    <dgm:txEffectClrLst/>
+  </dgm:styleLbl>
+  <dgm:styleLbl name="trBgShp">
+    <dgm:fillClrLst meth="repeat">
+      <a:schemeClr val="accent2">
+        <a:tint val="50000"/>
+        <a:alpha val="40000"/>
+      </a:schemeClr>
+    </dgm:fillClrLst>
+    <dgm:linClrLst meth="repeat">
+      <a:schemeClr val="accent2"/>
+    </dgm:linClrLst>
+    <dgm:effectClrLst/>
+    <dgm:txLinClrLst/>
+    <dgm:txFillClrLst meth="repeat">
+      <a:schemeClr val="lt1"/>
+    </dgm:txFillClrLst>
+    <dgm:txEffectClrLst/>
+  </dgm:styleLbl>
+  <dgm:styleLbl name="fgShp">
+    <dgm:fillClrLst meth="repeat">
+      <a:schemeClr val="accent2">
+        <a:tint val="60000"/>
+      </a:schemeClr>
+    </dgm:fillClrLst>
+    <dgm:linClrLst meth="repeat">
+      <a:schemeClr val="lt1"/>
+    </dgm:linClrLst>
+    <dgm:effectClrLst/>
+    <dgm:txLinClrLst/>
+    <dgm:txFillClrLst meth="repeat">
+      <a:schemeClr val="dk1"/>
+    </dgm:txFillClrLst>
+    <dgm:txEffectClrLst/>
+  </dgm:styleLbl>
+  <dgm:styleLbl name="revTx">
+    <dgm:fillClrLst meth="repeat">
+      <a:schemeClr val="lt1">
+        <a:alpha val="0"/>
+      </a:schemeClr>
+    </dgm:fillClrLst>
+    <dgm:linClrLst meth="repeat">
+      <a:schemeClr val="dk1">
+        <a:alpha val="0"/>
+      </a:schemeClr>
+    </dgm:linClrLst>
+    <dgm:effectClrLst/>
+    <dgm:txLinClrLst/>
+    <dgm:txFillClrLst meth="repeat">
+      <a:schemeClr val="tx1"/>
+    </dgm:txFillClrLst>
+    <dgm:txEffectClrLst/>
+  </dgm:styleLbl>
+</dgm:colorsDef>
+</file>
+
+<file path=ppt/diagrams/colors2.xml><?xml version="1.0" encoding="utf-8"?>
+<dgm:colorsDef xmlns:dgm="http://schemas.openxmlformats.org/drawingml/2006/diagram" xmlns:a="http://schemas.openxmlformats.org/drawingml/2006/main" uniqueId="urn:microsoft.com/office/officeart/2005/8/colors/accent2_3">
+  <dgm:title val=""/>
+  <dgm:desc val=""/>
+  <dgm:catLst>
+    <dgm:cat type="accent2" pri="11300"/>
+  </dgm:catLst>
+  <dgm:styleLbl name="node0">
+    <dgm:fillClrLst meth="repeat">
+      <a:schemeClr val="accent2">
+        <a:shade val="80000"/>
+      </a:schemeClr>
+    </dgm:fillClrLst>
+    <dgm:linClrLst meth="repeat">
+      <a:schemeClr val="lt1"/>
+    </dgm:linClrLst>
+    <dgm:effectClrLst/>
+    <dgm:txLinClrLst/>
+    <dgm:txFillClrLst/>
+    <dgm:txEffectClrLst/>
+  </dgm:styleLbl>
+  <dgm:styleLbl name="node1">
+    <dgm:fillClrLst>
+      <a:schemeClr val="accent2">
+        <a:shade val="80000"/>
+      </a:schemeClr>
+      <a:schemeClr val="accent2">
+        <a:tint val="70000"/>
+      </a:schemeClr>
+    </dgm:fillClrLst>
+    <dgm:linClrLst meth="repeat">
+      <a:schemeClr val="lt1"/>
+    </dgm:linClrLst>
+    <dgm:effectClrLst/>
+    <dgm:txLinClrLst/>
+    <dgm:txFillClrLst/>
+    <dgm:txEffectClrLst/>
+  </dgm:styleLbl>
+  <dgm:styleLbl name="alignNode1">
+    <dgm:fillClrLst>
+      <a:schemeClr val="accent2">
+        <a:shade val="80000"/>
+      </a:schemeClr>
+      <a:schemeClr val="accent2">
+        <a:tint val="70000"/>
+      </a:schemeClr>
+    </dgm:fillClrLst>
+    <dgm:linClrLst>
+      <a:schemeClr val="accent2">
+        <a:shade val="80000"/>
+      </a:schemeClr>
+      <a:schemeClr val="accent2">
+        <a:tint val="70000"/>
+      </a:schemeClr>
+    </dgm:linClrLst>
+    <dgm:effectClrLst/>
+    <dgm:txLinClrLst/>
+    <dgm:txFillClrLst/>
+    <dgm:txEffectClrLst/>
+  </dgm:styleLbl>
+  <dgm:styleLbl name="lnNode1">
+    <dgm:fillClrLst>
+      <a:schemeClr val="accent2">
+        <a:shade val="80000"/>
+      </a:schemeClr>
+      <a:schemeClr val="accent2">
+        <a:tint val="70000"/>
+      </a:schemeClr>
+    </dgm:fillClrLst>
+    <dgm:linClrLst meth="repeat">
+      <a:schemeClr val="lt1"/>
+    </dgm:linClrLst>
+    <dgm:effectClrLst/>
+    <dgm:txLinClrLst/>
+    <dgm:txFillClrLst/>
+    <dgm:txEffectClrLst/>
+  </dgm:styleLbl>
+  <dgm:styleLbl name="vennNode1">
+    <dgm:fillClrLst>
+      <a:schemeClr val="accent2">
+        <a:shade val="80000"/>
+        <a:alpha val="50000"/>
+      </a:schemeClr>
+      <a:schemeClr val="accent2">
+        <a:tint val="70000"/>
+        <a:alpha val="50000"/>
+      </a:schemeClr>
+    </dgm:fillClrLst>
+    <dgm:linClrLst meth="repeat">
+      <a:schemeClr val="lt1"/>
+    </dgm:linClrLst>
+    <dgm:effectClrLst/>
+    <dgm:txLinClrLst/>
+    <dgm:txFillClrLst/>
+    <dgm:txEffectClrLst/>
+  </dgm:styleLbl>
+  <dgm:styleLbl name="node2">
+    <dgm:fillClrLst>
+      <a:schemeClr val="accent2">
+        <a:tint val="99000"/>
+      </a:schemeClr>
+    </dgm:fillClrLst>
+    <dgm:linClrLst meth="repeat">
+      <a:schemeClr val="lt1"/>
+    </dgm:linClrLst>
+    <dgm:effectClrLst/>
+    <dgm:txLinClrLst/>
+    <dgm:txFillClrLst/>
+    <dgm:txEffectClrLst/>
+  </dgm:styleLbl>
+  <dgm:styleLbl name="node3">
+    <dgm:fillClrLst>
+      <a:schemeClr val="accent2">
+        <a:tint val="80000"/>
+      </a:schemeClr>
+    </dgm:fillClrLst>
+    <dgm:linClrLst meth="repeat">
+      <a:schemeClr val="lt1"/>
+    </dgm:linClrLst>
+    <dgm:effectClrLst/>
+    <dgm:txLinClrLst/>
+    <dgm:txFillClrLst/>
+    <dgm:txEffectClrLst/>
+  </dgm:styleLbl>
+  <dgm:styleLbl name="node4">
+    <dgm:fillClrLst>
+      <a:schemeClr val="accent2">
+        <a:tint val="70000"/>
+      </a:schemeClr>
+    </dgm:fillClrLst>
+    <dgm:linClrLst meth="repeat">
+      <a:schemeClr val="lt1"/>
+    </dgm:linClrLst>
+    <dgm:effectClrLst/>
+    <dgm:txLinClrLst/>
+    <dgm:txFillClrLst/>
+    <dgm:txEffectClrLst/>
+  </dgm:styleLbl>
+  <dgm:styleLbl name="fgImgPlace1">
+    <dgm:fillClrLst>
+      <a:schemeClr val="accent2">
+        <a:tint val="50000"/>
+      </a:schemeClr>
+      <a:schemeClr val="accent2">
+        <a:tint val="20000"/>
+      </a:schemeClr>
+    </dgm:fillClrLst>
+    <dgm:linClrLst meth="repeat">
+      <a:schemeClr val="lt1"/>
+    </dgm:linClrLst>
+    <dgm:effectClrLst/>
+    <dgm:txLinClrLst/>
+    <dgm:txFillClrLst meth="repeat">
+      <a:schemeClr val="lt1"/>
+    </dgm:txFillClrLst>
+    <dgm:txEffectClrLst/>
+  </dgm:styleLbl>
+  <dgm:styleLbl name="alignImgPlace1">
+    <dgm:fillClrLst>
+      <a:schemeClr val="accent2">
+        <a:tint val="50000"/>
+      </a:schemeClr>
+      <a:schemeClr val="accent2">
+        <a:tint val="20000"/>
+      </a:schemeClr>
+    </dgm:fillClrLst>
+    <dgm:linClrLst meth="repeat">
+      <a:schemeClr val="lt1"/>
+    </dgm:linClrLst>
+    <dgm:effectClrLst/>
+    <dgm:txLinClrLst/>
+    <dgm:txFillClrLst meth="repeat">
+      <a:schemeClr val="lt1"/>
+    </dgm:txFillClrLst>
+    <dgm:txEffectClrLst/>
+  </dgm:styleLbl>
+  <dgm:styleLbl name="bgImgPlace1">
+    <dgm:fillClrLst>
+      <a:schemeClr val="accent2">
+        <a:tint val="50000"/>
+      </a:schemeClr>
+      <a:schemeClr val="accent2">
+        <a:tint val="20000"/>
+      </a:schemeClr>
+    </dgm:fillClrLst>
+    <dgm:linClrLst meth="repeat">
+      <a:schemeClr val="lt1"/>
+    </dgm:linClrLst>
+    <dgm:effectClrLst/>
+    <dgm:txLinClrLst/>
+    <dgm:txFillClrLst meth="repeat">
+      <a:schemeClr val="lt1"/>
+    </dgm:txFillClrLst>
+    <dgm:txEffectClrLst/>
+  </dgm:styleLbl>
+  <dgm:styleLbl name="sibTrans2D1">
+    <dgm:fillClrLst>
+      <a:schemeClr val="accent2">
+        <a:shade val="90000"/>
+      </a:schemeClr>
+      <a:schemeClr val="accent2">
+        <a:tint val="70000"/>
+      </a:schemeClr>
+    </dgm:fillClrLst>
+    <dgm:linClrLst>
+      <a:schemeClr val="accent2">
+        <a:shade val="90000"/>
+      </a:schemeClr>
+      <a:schemeClr val="accent2">
+        <a:tint val="70000"/>
+      </a:schemeClr>
+    </dgm:linClrLst>
+    <dgm:effectClrLst/>
+    <dgm:txLinClrLst/>
+    <dgm:txFillClrLst/>
+    <dgm:txEffectClrLst/>
+  </dgm:styleLbl>
+  <dgm:styleLbl name="fgSibTrans2D1">
+    <dgm:fillClrLst>
+      <a:schemeClr val="accent2">
+        <a:shade val="90000"/>
+      </a:schemeClr>
+      <a:schemeClr val="accent2">
+        <a:tint val="70000"/>
+      </a:schemeClr>
+    </dgm:fillClrLst>
+    <dgm:linClrLst>
+      <a:schemeClr val="accent2">
+        <a:shade val="90000"/>
+      </a:schemeClr>
+      <a:schemeClr val="accent2">
+        <a:tint val="70000"/>
+      </a:schemeClr>
+    </dgm:linClrLst>
+    <dgm:effectClrLst/>
+    <dgm:txLinClrLst/>
+    <dgm:txFillClrLst meth="repeat">
+      <a:schemeClr val="lt1"/>
+    </dgm:txFillClrLst>
+    <dgm:txEffectClrLst/>
+  </dgm:styleLbl>
+  <dgm:styleLbl name="bgSibTrans2D1">
+    <dgm:fillClrLst>
+      <a:schemeClr val="accent2">
+        <a:shade val="90000"/>
+      </a:schemeClr>
+      <a:schemeClr val="accent2">
+        <a:tint val="70000"/>
+      </a:schemeClr>
+    </dgm:fillClrLst>
+    <dgm:linClrLst>
+      <a:schemeClr val="accent2">
+        <a:shade val="90000"/>
+      </a:schemeClr>
+      <a:schemeClr val="accent2">
+        <a:tint val="70000"/>
+      </a:schemeClr>
+    </dgm:linClrLst>
+    <dgm:effectClrLst/>
+    <dgm:txLinClrLst/>
+    <dgm:txFillClrLst meth="repeat">
+      <a:schemeClr val="lt1"/>
+    </dgm:txFillClrLst>
+    <dgm:txEffectClrLst/>
+  </dgm:styleLbl>
+  <dgm:styleLbl name="sibTrans1D1">
+    <dgm:fillClrLst>
+      <a:schemeClr val="accent2">
+        <a:shade val="90000"/>
+      </a:schemeClr>
+      <a:schemeClr val="accent2">
+        <a:tint val="70000"/>
+      </a:schemeClr>
+    </dgm:fillClrLst>
+    <dgm:linClrLst>
+      <a:schemeClr val="accent2">
+        <a:shade val="90000"/>
+      </a:schemeClr>
+      <a:schemeClr val="accent2">
+        <a:tint val="70000"/>
+      </a:schemeClr>
+    </dgm:linClrLst>
+    <dgm:effectClrLst/>
+    <dgm:txLinClrLst/>
+    <dgm:txFillClrLst meth="repeat">
+      <a:schemeClr val="tx1"/>
+    </dgm:txFillClrLst>
+    <dgm:txEffectClrLst/>
+  </dgm:styleLbl>
+  <dgm:styleLbl name="callout">
+    <dgm:fillClrLst meth="repeat">
+      <a:schemeClr val="accent2"/>
+    </dgm:fillClrLst>
+    <dgm:linClrLst meth="repeat">
+      <a:schemeClr val="accent2"/>
+    </dgm:linClrLst>
+    <dgm:effectClrLst/>
+    <dgm:txLinClrLst/>
+    <dgm:txFillClrLst meth="repeat">
+      <a:schemeClr val="tx1"/>
+    </dgm:txFillClrLst>
+    <dgm:txEffectClrLst/>
+  </dgm:styleLbl>
+  <dgm:styleLbl name="asst0">
+    <dgm:fillClrLst meth="repeat">
+      <a:schemeClr val="accent2">
+        <a:shade val="80000"/>
+      </a:schemeClr>
+    </dgm:fillClrLst>
+    <dgm:linClrLst meth="repeat">
+      <a:schemeClr val="lt1"/>
+    </dgm:linClrLst>
+    <dgm:effectClrLst/>
+    <dgm:txLinClrLst/>
+    <dgm:txFillClrLst/>
+    <dgm:txEffectClrLst/>
+  </dgm:styleLbl>
+  <dgm:styleLbl name="asst1">
+    <dgm:fillClrLst meth="repeat">
+      <a:schemeClr val="accent2">
+        <a:shade val="80000"/>
+      </a:schemeClr>
+    </dgm:fillClrLst>
+    <dgm:linClrLst meth="repeat">
+      <a:schemeClr val="lt1"/>
+    </dgm:linClrLst>
+    <dgm:effectClrLst/>
+    <dgm:txLinClrLst/>
+    <dgm:txFillClrLst/>
+    <dgm:txEffectClrLst/>
+  </dgm:styleLbl>
+  <dgm:styleLbl name="asst2">
+    <dgm:fillClrLst>
+      <a:schemeClr val="accent2">
+        <a:tint val="99000"/>
+      </a:schemeClr>
+    </dgm:fillClrLst>
+    <dgm:linClrLst meth="repeat">
+      <a:schemeClr val="lt1"/>
+    </dgm:linClrLst>
+    <dgm:effectClrLst/>
+    <dgm:txLinClrLst/>
+    <dgm:txFillClrLst/>
+    <dgm:txEffectClrLst/>
+  </dgm:styleLbl>
+  <dgm:styleLbl name="asst3">
+    <dgm:fillClrLst>
+      <a:schemeClr val="accent2">
+        <a:tint val="80000"/>
+      </a:schemeClr>
+    </dgm:fillClrLst>
+    <dgm:linClrLst meth="repeat">
+      <a:schemeClr val="lt1"/>
+    </dgm:linClrLst>
+    <dgm:effectClrLst/>
+    <dgm:txLinClrLst/>
+    <dgm:txFillClrLst/>
+    <dgm:txEffectClrLst/>
+  </dgm:styleLbl>
+  <dgm:styleLbl name="asst4">
+    <dgm:fillClrLst>
+      <a:schemeClr val="accent2">
+        <a:tint val="70000"/>
+      </a:schemeClr>
+    </dgm:fillClrLst>
+    <dgm:linClrLst meth="repeat">
+      <a:schemeClr val="lt1"/>
+    </dgm:linClrLst>
+    <dgm:effectClrLst/>
+    <dgm:txLinClrLst/>
+    <dgm:txFillClrLst/>
+    <dgm:txEffectClrLst/>
+  </dgm:styleLbl>
+  <dgm:styleLbl name="parChTrans2D1">
+    <dgm:fillClrLst meth="repeat">
+      <a:schemeClr val="accent2">
+        <a:tint val="60000"/>
+      </a:schemeClr>
+    </dgm:fillClrLst>
+    <dgm:linClrLst meth="repeat">
+      <a:schemeClr val="accent2">
+        <a:tint val="60000"/>
+      </a:schemeClr>
+    </dgm:linClrLst>
+    <dgm:effectClrLst/>
+    <dgm:txLinClrLst/>
+    <dgm:txFillClrLst meth="repeat">
+      <a:schemeClr val="lt1"/>
+    </dgm:txFillClrLst>
+    <dgm:txEffectClrLst/>
+  </dgm:styleLbl>
+  <dgm:styleLbl name="parChTrans2D2">
+    <dgm:fillClrLst meth="repeat">
+      <a:schemeClr val="accent2">
+        <a:tint val="90000"/>
+      </a:schemeClr>
+    </dgm:fillClrLst>
+    <dgm:linClrLst meth="repeat">
+      <a:schemeClr val="accent2">
+        <a:tint val="90000"/>
+      </a:schemeClr>
+    </dgm:linClrLst>
+    <dgm:effectClrLst/>
+    <dgm:txLinClrLst/>
+    <dgm:txFillClrLst/>
+    <dgm:txEffectClrLst/>
+  </dgm:styleLbl>
+  <dgm:styleLbl name="parChTrans2D3">
+    <dgm:fillClrLst meth="repeat">
+      <a:schemeClr val="accent2">
+        <a:tint val="70000"/>
+      </a:schemeClr>
+    </dgm:fillClrLst>
+    <dgm:linClrLst meth="repeat">
+      <a:schemeClr val="accent2">
+        <a:tint val="70000"/>
+      </a:schemeClr>
+    </dgm:linClrLst>
+    <dgm:effectClrLst/>
+    <dgm:txLinClrLst/>
+    <dgm:txFillClrLst/>
+    <dgm:txEffectClrLst/>
+  </dgm:styleLbl>
+  <dgm:styleLbl name="parChTrans2D4">
+    <dgm:fillClrLst meth="repeat">
+      <a:schemeClr val="accent2">
+        <a:tint val="50000"/>
+      </a:schemeClr>
+    </dgm:fillClrLst>
+    <dgm:linClrLst meth="repeat">
+      <a:schemeClr val="accent2">
+        <a:tint val="50000"/>
+      </a:schemeClr>
+    </dgm:linClrLst>
+    <dgm:effectClrLst/>
+    <dgm:txLinClrLst/>
+    <dgm:txFillClrLst meth="repeat">
+      <a:schemeClr val="lt1"/>
+    </dgm:txFillClrLst>
+    <dgm:txEffectClrLst/>
+  </dgm:styleLbl>
+  <dgm:styleLbl name="parChTrans1D1">
+    <dgm:fillClrLst meth="repeat">
+      <a:schemeClr val="accent2">
+        <a:shade val="80000"/>
+      </a:schemeClr>
+    </dgm:fillClrLst>
+    <dgm:linClrLst meth="repeat">
+      <a:schemeClr val="accent2">
+        <a:shade val="80000"/>
+      </a:schemeClr>
+    </dgm:linClrLst>
+    <dgm:effectClrLst/>
+    <dgm:txLinClrLst/>
+    <dgm:txFillClrLst meth="repeat">
+      <a:schemeClr val="tx1"/>
+    </dgm:txFillClrLst>
+    <dgm:txEffectClrLst/>
+  </dgm:styleLbl>
+  <dgm:styleLbl name="parChTrans1D2">
+    <dgm:fillClrLst meth="repeat">
+      <a:schemeClr val="accent2">
+        <a:tint val="99000"/>
+      </a:schemeClr>
+    </dgm:fillClrLst>
+    <dgm:linClrLst meth="repeat">
+      <a:schemeClr val="accent2">
+        <a:tint val="99000"/>
+      </a:schemeClr>
+    </dgm:linClrLst>
+    <dgm:effectClrLst/>
+    <dgm:txLinClrLst/>
+    <dgm:txFillClrLst meth="repeat">
+      <a:schemeClr val="tx1"/>
+    </dgm:txFillClrLst>
+    <dgm:txEffectClrLst/>
+  </dgm:styleLbl>
+  <dgm:styleLbl name="parChTrans1D3">
+    <dgm:fillClrLst meth="repeat">
+      <a:schemeClr val="accent2">
+        <a:tint val="80000"/>
+      </a:schemeClr>
+    </dgm:fillClrLst>
+    <dgm:linClrLst meth="repeat">
+      <a:schemeClr val="accent2">
+        <a:tint val="80000"/>
+      </a:schemeClr>
+    </dgm:linClrLst>
+    <dgm:effectClrLst/>
+    <dgm:txLinClrLst/>
+    <dgm:txFillClrLst meth="repeat">
+      <a:schemeClr val="tx1"/>
+    </dgm:txFillClrLst>
+    <dgm:txEffectClrLst/>
+  </dgm:styleLbl>
+  <dgm:styleLbl name="parChTrans1D4">
+    <dgm:fillClrLst meth="repeat">
+      <a:schemeClr val="accent2">
+        <a:tint val="70000"/>
+      </a:schemeClr>
+    </dgm:fillClrLst>
+    <dgm:linClrLst meth="repeat">
+      <a:schemeClr val="accent2">
+        <a:tint val="70000"/>
+      </a:schemeClr>
+    </dgm:linClrLst>
+    <dgm:effectClrLst/>
+    <dgm:txLinClrLst/>
+    <dgm:txFillClrLst meth="repeat">
+      <a:schemeClr val="tx1"/>
+    </dgm:txFillClrLst>
+    <dgm:txEffectClrLst/>
+  </dgm:styleLbl>
+  <dgm:styleLbl name="fgAcc1">
+    <dgm:fillClrLst meth="repeat">
+      <a:schemeClr val="lt1">
+        <a:alpha val="90000"/>
+      </a:schemeClr>
+    </dgm:fillClrLst>
+    <dgm:linClrLst>
+      <a:schemeClr val="accent2">
+        <a:shade val="80000"/>
+      </a:schemeClr>
+      <a:schemeClr val="accent2">
+        <a:tint val="70000"/>
+      </a:schemeClr>
+    </dgm:linClrLst>
+    <dgm:effectClrLst/>
+    <dgm:txLinClrLst/>
+    <dgm:txFillClrLst meth="repeat">
+      <a:schemeClr val="dk1"/>
+    </dgm:txFillClrLst>
+    <dgm:txEffectClrLst/>
+  </dgm:styleLbl>
+  <dgm:styleLbl name="conFgAcc1">
+    <dgm:fillClrLst meth="repeat">
+      <a:schemeClr val="lt1">
+        <a:alpha val="90000"/>
+      </a:schemeClr>
+    </dgm:fillClrLst>
+    <dgm:linClrLst>
+      <a:schemeClr val="accent2">
+        <a:shade val="80000"/>
+      </a:schemeClr>
+      <a:schemeClr val="accent2">
+        <a:tint val="70000"/>
+      </a:schemeClr>
+    </dgm:linClrLst>
+    <dgm:effectClrLst/>
+    <dgm:txLinClrLst/>
+    <dgm:txFillClrLst meth="repeat">
+      <a:schemeClr val="dk1"/>
+    </dgm:txFillClrLst>
+    <dgm:txEffectClrLst/>
+  </dgm:styleLbl>
+  <dgm:styleLbl name="alignAcc1">
+    <dgm:fillClrLst meth="repeat">
+      <a:schemeClr val="lt1">
+        <a:alpha val="90000"/>
+      </a:schemeClr>
+    </dgm:fillClrLst>
+    <dgm:linClrLst>
+      <a:schemeClr val="accent2">
+        <a:shade val="80000"/>
+      </a:schemeClr>
+      <a:schemeClr val="accent2">
+        <a:tint val="70000"/>
+      </a:schemeClr>
+    </dgm:linClrLst>
+    <dgm:effectClrLst/>
+    <dgm:txLinClrLst/>
+    <dgm:txFillClrLst meth="repeat">
+      <a:schemeClr val="dk1"/>
+    </dgm:txFillClrLst>
+    <dgm:txEffectClrLst/>
+  </dgm:styleLbl>
+  <dgm:styleLbl name="trAlignAcc1">
+    <dgm:fillClrLst meth="repeat">
+      <a:schemeClr val="lt1">
+        <a:alpha val="40000"/>
+      </a:schemeClr>
+    </dgm:fillClrLst>
+    <dgm:linClrLst meth="repeat">
+      <a:schemeClr val="accent2"/>
+    </dgm:linClrLst>
+    <dgm:effectClrLst/>
+    <dgm:txLinClrLst/>
+    <dgm:txFillClrLst meth="repeat">
+      <a:schemeClr val="dk1"/>
+    </dgm:txFillClrLst>
+    <dgm:txEffectClrLst/>
+  </dgm:styleLbl>
+  <dgm:styleLbl name="bgAcc1">
+    <dgm:fillClrLst meth="repeat">
+      <a:schemeClr val="lt1">
+        <a:alpha val="90000"/>
+      </a:schemeClr>
+    </dgm:fillClrLst>
+    <dgm:linClrLst>
+      <a:schemeClr val="accent2">
+        <a:shade val="80000"/>
+      </a:schemeClr>
+      <a:schemeClr val="accent2">
+        <a:tint val="70000"/>
+      </a:schemeClr>
+    </dgm:linClrLst>
+    <dgm:effectClrLst/>
+    <dgm:txLinClrLst/>
+    <dgm:txFillClrLst meth="repeat">
+      <a:schemeClr val="dk1"/>
+    </dgm:txFillClrLst>
+    <dgm:txEffectClrLst/>
+  </dgm:styleLbl>
+  <dgm:styleLbl name="solidFgAcc1">
+    <dgm:fillClrLst meth="repeat">
+      <a:schemeClr val="lt1"/>
+    </dgm:fillClrLst>
+    <dgm:linClrLst>
+      <a:schemeClr val="accent2">
+        <a:shade val="80000"/>
+      </a:schemeClr>
+      <a:schemeClr val="accent2">
+        <a:tint val="70000"/>
+      </a:schemeClr>
+    </dgm:linClrLst>
+    <dgm:effectClrLst/>
+    <dgm:txLinClrLst/>
+    <dgm:txFillClrLst meth="repeat">
+      <a:schemeClr val="dk1"/>
+    </dgm:txFillClrLst>
+    <dgm:txEffectClrLst/>
+  </dgm:styleLbl>
+  <dgm:styleLbl name="solidAlignAcc1">
+    <dgm:fillClrLst meth="repeat">
+      <a:schemeClr val="lt1"/>
+    </dgm:fillClrLst>
+    <dgm:linClrLst meth="repeat">
+      <a:schemeClr val="accent2"/>
+    </dgm:linClrLst>
+    <dgm:effectClrLst/>
+    <dgm:txLinClrLst/>
+    <dgm:txFillClrLst meth="repeat">
+      <a:schemeClr val="dk1"/>
+    </dgm:txFillClrLst>
+    <dgm:txEffectClrLst/>
+  </dgm:styleLbl>
+  <dgm:styleLbl name="solidBgAcc1">
+    <dgm:fillClrLst meth="repeat">
+      <a:schemeClr val="lt1"/>
+    </dgm:fillClrLst>
+    <dgm:linClrLst meth="repeat">
+      <a:schemeClr val="accent2"/>
+    </dgm:linClrLst>
+    <dgm:effectClrLst/>
+    <dgm:txLinClrLst/>
+    <dgm:txFillClrLst meth="repeat">
+      <a:schemeClr val="dk1"/>
+    </dgm:txFillClrLst>
+    <dgm:txEffectClrLst/>
+  </dgm:styleLbl>
+  <dgm:styleLbl name="fgAccFollowNode1">
+    <dgm:fillClrLst meth="repeat">
+      <a:schemeClr val="accent2">
+        <a:alpha val="90000"/>
+        <a:tint val="40000"/>
+      </a:schemeClr>
+    </dgm:fillClrLst>
+    <dgm:linClrLst meth="repeat">
+      <a:schemeClr val="accent2">
+        <a:alpha val="90000"/>
+        <a:tint val="40000"/>
+      </a:schemeClr>
+    </dgm:linClrLst>
+    <dgm:effectClrLst/>
+    <dgm:txLinClrLst/>
+    <dgm:txFillClrLst meth="repeat">
+      <a:schemeClr val="dk1"/>
+    </dgm:txFillClrLst>
+    <dgm:txEffectClrLst/>
+  </dgm:styleLbl>
+  <dgm:styleLbl name="alignAccFollowNode1">
+    <dgm:fillClrLst meth="repeat">
+      <a:schemeClr val="accent2">
+        <a:alpha val="90000"/>
+        <a:tint val="40000"/>
+      </a:schemeClr>
+    </dgm:fillClrLst>
+    <dgm:linClrLst meth="repeat">
+      <a:schemeClr val="accent2">
+        <a:alpha val="90000"/>
+        <a:tint val="40000"/>
+      </a:schemeClr>
+    </dgm:linClrLst>
+    <dgm:effectClrLst/>
+    <dgm:txLinClrLst/>
+    <dgm:txFillClrLst meth="repeat">
+      <a:schemeClr val="dk1"/>
+    </dgm:txFillClrLst>
+    <dgm:txEffectClrLst/>
+  </dgm:styleLbl>
+  <dgm:styleLbl name="bgAccFollowNode1">
+    <dgm:fillClrLst meth="repeat">
+      <a:schemeClr val="accent2">
+        <a:alpha val="90000"/>
+        <a:tint val="40000"/>
+      </a:schemeClr>
+    </dgm:fillClrLst>
+    <dgm:linClrLst meth="repeat">
+      <a:schemeClr val="lt1"/>
+    </dgm:linClrLst>
+    <dgm:effectClrLst/>
+    <dgm:txLinClrLst/>
+    <dgm:txFillClrLst meth="repeat">
+      <a:schemeClr val="dk1"/>
+    </dgm:txFillClrLst>
+    <dgm:txEffectClrLst/>
+  </dgm:styleLbl>
+  <dgm:styleLbl name="fgAcc0">
+    <dgm:fillClrLst meth="repeat">
+      <a:schemeClr val="lt1">
+        <a:alpha val="90000"/>
+      </a:schemeClr>
+    </dgm:fillClrLst>
+    <dgm:linClrLst meth="repeat">
+      <a:schemeClr val="accent2">
+        <a:shade val="80000"/>
+      </a:schemeClr>
+    </dgm:linClrLst>
+    <dgm:effectClrLst/>
+    <dgm:txLinClrLst/>
+    <dgm:txFillClrLst meth="repeat">
+      <a:schemeClr val="dk1"/>
+    </dgm:txFillClrLst>
+    <dgm:txEffectClrLst/>
+  </dgm:styleLbl>
+  <dgm:styleLbl name="fgAcc2">
+    <dgm:fillClrLst meth="repeat">
+      <a:schemeClr val="lt1">
+        <a:alpha val="90000"/>
+      </a:schemeClr>
+    </dgm:fillClrLst>
+    <dgm:linClrLst meth="repeat">
+      <a:schemeClr val="accent2">
+        <a:tint val="99000"/>
+      </a:schemeClr>
+    </dgm:linClrLst>
+    <dgm:effectClrLst/>
+    <dgm:txLinClrLst/>
+    <dgm:txFillClrLst meth="repeat">
+      <a:schemeClr val="dk1"/>
+    </dgm:txFillClrLst>
+    <dgm:txEffectClrLst/>
+  </dgm:styleLbl>
+  <dgm:styleLbl name="fgAcc3">
+    <dgm:fillClrLst meth="repeat">
+      <a:schemeClr val="lt1">
+        <a:alpha val="90000"/>
+      </a:schemeClr>
+    </dgm:fillClrLst>
+    <dgm:linClrLst meth="repeat">
+      <a:schemeClr val="accent2">
+        <a:tint val="80000"/>
+      </a:schemeClr>
+    </dgm:linClrLst>
+    <dgm:effectClrLst/>
+    <dgm:txLinClrLst/>
+    <dgm:txFillClrLst meth="repeat">
+      <a:schemeClr val="dk1"/>
+    </dgm:txFillClrLst>
+    <dgm:txEffectClrLst/>
+  </dgm:styleLbl>
+  <dgm:styleLbl name="fgAcc4">
+    <dgm:fillClrLst meth="repeat">
+      <a:schemeClr val="lt1">
+        <a:alpha val="90000"/>
+      </a:schemeClr>
+    </dgm:fillClrLst>
+    <dgm:linClrLst meth="repeat">
+      <a:schemeClr val="accent2">
+        <a:tint val="70000"/>
+      </a:schemeClr>
+    </dgm:linClrLst>
+    <dgm:effectClrLst/>
+    <dgm:txLinClrLst/>
+    <dgm:txFillClrLst meth="repeat">
+      <a:schemeClr val="dk1"/>
+    </dgm:txFillClrLst>
+    <dgm:txEffectClrLst/>
+  </dgm:styleLbl>
+  <dgm:styleLbl name="bgShp">
+    <dgm:fillClrLst meth="repeat">
+      <a:schemeClr val="accent2">
+        <a:tint val="40000"/>
+      </a:schemeClr>
+    </dgm:fillClrLst>
+    <dgm:linClrLst meth="repeat">
+      <a:schemeClr val="dk1"/>
+    </dgm:linClrLst>
+    <dgm:effectClrLst/>
+    <dgm:txLinClrLst/>
+    <dgm:txFillClrLst meth="repeat">
+      <a:schemeClr val="dk1"/>
+    </dgm:txFillClrLst>
+    <dgm:txEffectClrLst/>
+  </dgm:styleLbl>
+  <dgm:styleLbl name="dkBgShp">
+    <dgm:fillClrLst meth="repeat">
+      <a:schemeClr val="accent2">
+        <a:shade val="90000"/>
+      </a:schemeClr>
+    </dgm:fillClrLst>
+    <dgm:linClrLst meth="repeat">
+      <a:schemeClr val="dk1"/>
+    </dgm:linClrLst>
+    <dgm:effectClrLst/>
+    <dgm:txLinClrLst/>
+    <dgm:txFillClrLst meth="repeat">
+      <a:schemeClr val="lt1"/>
+    </dgm:txFillClrLst>
+    <dgm:txEffectClrLst/>
+  </dgm:styleLbl>
+  <dgm:styleLbl name="trBgShp">
+    <dgm:fillClrLst meth="repeat">
+      <a:schemeClr val="accent2">
+        <a:tint val="50000"/>
+        <a:alpha val="40000"/>
+      </a:schemeClr>
+    </dgm:fillClrLst>
+    <dgm:linClrLst meth="repeat">
+      <a:schemeClr val="accent2"/>
+    </dgm:linClrLst>
+    <dgm:effectClrLst/>
+    <dgm:txLinClrLst/>
+    <dgm:txFillClrLst meth="repeat">
+      <a:schemeClr val="lt1"/>
+    </dgm:txFillClrLst>
+    <dgm:txEffectClrLst/>
+  </dgm:styleLbl>
+  <dgm:styleLbl name="fgShp">
+    <dgm:fillClrLst meth="repeat">
+      <a:schemeClr val="accent2">
+        <a:tint val="40000"/>
+      </a:schemeClr>
+    </dgm:fillClrLst>
+    <dgm:linClrLst meth="repeat">
+      <a:schemeClr val="lt1"/>
+    </dgm:linClrLst>
+    <dgm:effectClrLst/>
+    <dgm:txLinClrLst/>
+    <dgm:txFillClrLst meth="repeat">
+      <a:schemeClr val="dk1"/>
+    </dgm:txFillClrLst>
+    <dgm:txEffectClrLst/>
+  </dgm:styleLbl>
+  <dgm:styleLbl name="revTx">
+    <dgm:fillClrLst meth="repeat">
+      <a:schemeClr val="lt1">
+        <a:alpha val="0"/>
+      </a:schemeClr>
+    </dgm:fillClrLst>
+    <dgm:linClrLst meth="repeat">
+      <a:schemeClr val="dk1">
+        <a:alpha val="0"/>
+      </a:schemeClr>
+    </dgm:linClrLst>
+    <dgm:effectClrLst/>
+    <dgm:txLinClrLst/>
+    <dgm:txFillClrLst meth="repeat">
+      <a:schemeClr val="tx1"/>
+    </dgm:txFillClrLst>
+    <dgm:txEffectClrLst/>
+  </dgm:styleLbl>
+</dgm:colorsDef>
+</file>
+
+<file path=ppt/diagrams/data1.xml><?xml version="1.0" encoding="utf-8"?>
+<dgm:dataModel xmlns:dgm="http://schemas.openxmlformats.org/drawingml/2006/diagram" xmlns:a="http://schemas.openxmlformats.org/drawingml/2006/main">
+  <dgm:ptLst>
+    <dgm:pt modelId="{FF107C6E-4402-4CD4-9856-A1F2869B7830}" type="doc">
+      <dgm:prSet loTypeId="urn:microsoft.com/office/officeart/2005/8/layout/process1" loCatId="process" qsTypeId="urn:microsoft.com/office/officeart/2005/8/quickstyle/simple1" qsCatId="simple" csTypeId="urn:microsoft.com/office/officeart/2005/8/colors/accent2_2" csCatId="accent2" phldr="1"/>
+      <dgm:spPr/>
+    </dgm:pt>
+    <dgm:pt modelId="{19692FE1-A9A3-4078-8CF0-CE6FC1925D03}">
+      <dgm:prSet phldrT="[Text]"/>
+      <dgm:spPr/>
+      <dgm:t>
+        <a:bodyPr/>
+        <a:lstStyle/>
+        <a:p>
+          <a:r>
+            <a:rPr lang="en-US" dirty="0" smtClean="0"/>
+            <a:t>Redirect to </a:t>
+          </a:r>
+          <a:r>
+            <a:rPr lang="en-US" dirty="0" err="1" smtClean="0"/>
+            <a:t>OAuth</a:t>
+          </a:r>
+          <a:r>
+            <a:rPr lang="en-US" dirty="0" smtClean="0"/>
+            <a:t> Provider</a:t>
+          </a:r>
+          <a:endParaRPr lang="en-US" dirty="0"/>
+        </a:p>
+      </dgm:t>
+    </dgm:pt>
+    <dgm:pt modelId="{65954ABF-3A17-4D96-A34D-8A56541A976C}" type="parTrans" cxnId="{B0D29382-4122-45EF-851F-20B1D44BF332}">
+      <dgm:prSet/>
+      <dgm:spPr/>
+      <dgm:t>
+        <a:bodyPr/>
+        <a:lstStyle/>
+        <a:p>
+          <a:endParaRPr lang="en-US"/>
+        </a:p>
+      </dgm:t>
+    </dgm:pt>
+    <dgm:pt modelId="{47543F26-DD98-4C49-BBDC-20AC18EEEFC3}" type="sibTrans" cxnId="{B0D29382-4122-45EF-851F-20B1D44BF332}">
+      <dgm:prSet/>
+      <dgm:spPr/>
+      <dgm:t>
+        <a:bodyPr/>
+        <a:lstStyle/>
+        <a:p>
+          <a:endParaRPr lang="en-US"/>
+        </a:p>
+      </dgm:t>
+    </dgm:pt>
+    <dgm:pt modelId="{6CB67931-177B-4D80-B01F-B050DDBAA862}">
+      <dgm:prSet phldrT="[Text]"/>
+      <dgm:spPr/>
+      <dgm:t>
+        <a:bodyPr/>
+        <a:lstStyle/>
+        <a:p>
+          <a:r>
+            <a:rPr lang="en-US" dirty="0" smtClean="0"/>
+            <a:t>User Grants </a:t>
+          </a:r>
+          <a:r>
+            <a:rPr lang="en-US" dirty="0" err="1" smtClean="0"/>
+            <a:t>Authorizatoin</a:t>
+          </a:r>
+          <a:endParaRPr lang="en-US" dirty="0"/>
+        </a:p>
+      </dgm:t>
+    </dgm:pt>
+    <dgm:pt modelId="{E93203AA-31B8-4074-8E57-7DDA193FC43A}" type="parTrans" cxnId="{93993448-8B58-4A73-897B-55E5DB863EB3}">
+      <dgm:prSet/>
+      <dgm:spPr/>
+      <dgm:t>
+        <a:bodyPr/>
+        <a:lstStyle/>
+        <a:p>
+          <a:endParaRPr lang="en-US"/>
+        </a:p>
+      </dgm:t>
+    </dgm:pt>
+    <dgm:pt modelId="{5B08C4C8-E79C-4E2E-B7BA-5A58811245AE}" type="sibTrans" cxnId="{93993448-8B58-4A73-897B-55E5DB863EB3}">
+      <dgm:prSet/>
+      <dgm:spPr/>
+      <dgm:t>
+        <a:bodyPr/>
+        <a:lstStyle/>
+        <a:p>
+          <a:endParaRPr lang="en-US"/>
+        </a:p>
+      </dgm:t>
+    </dgm:pt>
+    <dgm:pt modelId="{F8809BC5-B71D-40A3-9946-20E994604D4A}">
+      <dgm:prSet phldrT="[Text]"/>
+      <dgm:spPr/>
+      <dgm:t>
+        <a:bodyPr/>
+        <a:lstStyle/>
+        <a:p>
+          <a:r>
+            <a:rPr lang="en-US" dirty="0" smtClean="0"/>
+            <a:t>Redirect back to Application with Access Token</a:t>
+          </a:r>
+          <a:endParaRPr lang="en-US" dirty="0"/>
+        </a:p>
+      </dgm:t>
+    </dgm:pt>
+    <dgm:pt modelId="{4F39E729-13F6-4A90-9A31-5671F151C8A4}" type="parTrans" cxnId="{7704FA9B-F02A-4401-838E-8EA08DC56179}">
+      <dgm:prSet/>
+      <dgm:spPr/>
+      <dgm:t>
+        <a:bodyPr/>
+        <a:lstStyle/>
+        <a:p>
+          <a:endParaRPr lang="en-US"/>
+        </a:p>
+      </dgm:t>
+    </dgm:pt>
+    <dgm:pt modelId="{5EF7A11D-768C-4870-8E29-48B513AA5577}" type="sibTrans" cxnId="{7704FA9B-F02A-4401-838E-8EA08DC56179}">
+      <dgm:prSet/>
+      <dgm:spPr/>
+      <dgm:t>
+        <a:bodyPr/>
+        <a:lstStyle/>
+        <a:p>
+          <a:endParaRPr lang="en-US"/>
+        </a:p>
+      </dgm:t>
+    </dgm:pt>
+    <dgm:pt modelId="{2681CC71-8D86-4E1B-B5E4-DCE7FEE331C2}" type="pres">
+      <dgm:prSet presAssocID="{FF107C6E-4402-4CD4-9856-A1F2869B7830}" presName="Name0" presStyleCnt="0">
+        <dgm:presLayoutVars>
+          <dgm:dir/>
+          <dgm:resizeHandles val="exact"/>
+        </dgm:presLayoutVars>
+      </dgm:prSet>
+      <dgm:spPr/>
+    </dgm:pt>
+    <dgm:pt modelId="{FDB55EF5-F1FB-4153-B779-6B90BA61633A}" type="pres">
+      <dgm:prSet presAssocID="{19692FE1-A9A3-4078-8CF0-CE6FC1925D03}" presName="node" presStyleLbl="node1" presStyleIdx="0" presStyleCnt="3">
+        <dgm:presLayoutVars>
+          <dgm:bulletEnabled val="1"/>
+        </dgm:presLayoutVars>
+      </dgm:prSet>
+      <dgm:spPr/>
+      <dgm:t>
+        <a:bodyPr/>
+        <a:lstStyle/>
+        <a:p>
+          <a:endParaRPr lang="en-US"/>
+        </a:p>
+      </dgm:t>
+    </dgm:pt>
+    <dgm:pt modelId="{92C0EBCF-B9CE-43D0-B550-1BD25C55AB00}" type="pres">
+      <dgm:prSet presAssocID="{47543F26-DD98-4C49-BBDC-20AC18EEEFC3}" presName="sibTrans" presStyleLbl="sibTrans2D1" presStyleIdx="0" presStyleCnt="2"/>
+      <dgm:spPr/>
+    </dgm:pt>
+    <dgm:pt modelId="{00C5882B-210D-42B3-BBC3-79BEFE761744}" type="pres">
+      <dgm:prSet presAssocID="{47543F26-DD98-4C49-BBDC-20AC18EEEFC3}" presName="connectorText" presStyleLbl="sibTrans2D1" presStyleIdx="0" presStyleCnt="2"/>
+      <dgm:spPr/>
+    </dgm:pt>
+    <dgm:pt modelId="{3547CF04-73E2-4057-8B21-86FCF3EE346C}" type="pres">
+      <dgm:prSet presAssocID="{6CB67931-177B-4D80-B01F-B050DDBAA862}" presName="node" presStyleLbl="node1" presStyleIdx="1" presStyleCnt="3">
+        <dgm:presLayoutVars>
+          <dgm:bulletEnabled val="1"/>
+        </dgm:presLayoutVars>
+      </dgm:prSet>
+      <dgm:spPr/>
+      <dgm:t>
+        <a:bodyPr/>
+        <a:lstStyle/>
+        <a:p>
+          <a:endParaRPr lang="en-US"/>
+        </a:p>
+      </dgm:t>
+    </dgm:pt>
+    <dgm:pt modelId="{BCE4B2D9-8E67-49A7-9EC8-8FEC2EBB88A9}" type="pres">
+      <dgm:prSet presAssocID="{5B08C4C8-E79C-4E2E-B7BA-5A58811245AE}" presName="sibTrans" presStyleLbl="sibTrans2D1" presStyleIdx="1" presStyleCnt="2"/>
+      <dgm:spPr/>
+    </dgm:pt>
+    <dgm:pt modelId="{A9FF5DDD-1440-4D6C-9666-FF4C68191D16}" type="pres">
+      <dgm:prSet presAssocID="{5B08C4C8-E79C-4E2E-B7BA-5A58811245AE}" presName="connectorText" presStyleLbl="sibTrans2D1" presStyleIdx="1" presStyleCnt="2"/>
+      <dgm:spPr/>
+    </dgm:pt>
+    <dgm:pt modelId="{45A9E1DE-7796-44A0-92A2-9BA9D837F534}" type="pres">
+      <dgm:prSet presAssocID="{F8809BC5-B71D-40A3-9946-20E994604D4A}" presName="node" presStyleLbl="node1" presStyleIdx="2" presStyleCnt="3">
+        <dgm:presLayoutVars>
+          <dgm:bulletEnabled val="1"/>
+        </dgm:presLayoutVars>
+      </dgm:prSet>
+      <dgm:spPr/>
+    </dgm:pt>
+  </dgm:ptLst>
+  <dgm:cxnLst>
+    <dgm:cxn modelId="{F4A028E0-D340-45F6-9626-492EFB4AF175}" type="presOf" srcId="{FF107C6E-4402-4CD4-9856-A1F2869B7830}" destId="{2681CC71-8D86-4E1B-B5E4-DCE7FEE331C2}" srcOrd="0" destOrd="0" presId="urn:microsoft.com/office/officeart/2005/8/layout/process1"/>
+    <dgm:cxn modelId="{5F20E1E2-8E43-4B7A-84F0-02C8A418BA0B}" type="presOf" srcId="{F8809BC5-B71D-40A3-9946-20E994604D4A}" destId="{45A9E1DE-7796-44A0-92A2-9BA9D837F534}" srcOrd="0" destOrd="0" presId="urn:microsoft.com/office/officeart/2005/8/layout/process1"/>
+    <dgm:cxn modelId="{5CF75362-ABC3-43EC-9522-4DE31BFB01E1}" type="presOf" srcId="{6CB67931-177B-4D80-B01F-B050DDBAA862}" destId="{3547CF04-73E2-4057-8B21-86FCF3EE346C}" srcOrd="0" destOrd="0" presId="urn:microsoft.com/office/officeart/2005/8/layout/process1"/>
+    <dgm:cxn modelId="{B0D29382-4122-45EF-851F-20B1D44BF332}" srcId="{FF107C6E-4402-4CD4-9856-A1F2869B7830}" destId="{19692FE1-A9A3-4078-8CF0-CE6FC1925D03}" srcOrd="0" destOrd="0" parTransId="{65954ABF-3A17-4D96-A34D-8A56541A976C}" sibTransId="{47543F26-DD98-4C49-BBDC-20AC18EEEFC3}"/>
+    <dgm:cxn modelId="{AA09C205-AFB0-4CFF-B142-6FDF9FD3B418}" type="presOf" srcId="{5B08C4C8-E79C-4E2E-B7BA-5A58811245AE}" destId="{A9FF5DDD-1440-4D6C-9666-FF4C68191D16}" srcOrd="1" destOrd="0" presId="urn:microsoft.com/office/officeart/2005/8/layout/process1"/>
+    <dgm:cxn modelId="{7704FA9B-F02A-4401-838E-8EA08DC56179}" srcId="{FF107C6E-4402-4CD4-9856-A1F2869B7830}" destId="{F8809BC5-B71D-40A3-9946-20E994604D4A}" srcOrd="2" destOrd="0" parTransId="{4F39E729-13F6-4A90-9A31-5671F151C8A4}" sibTransId="{5EF7A11D-768C-4870-8E29-48B513AA5577}"/>
+    <dgm:cxn modelId="{938C186F-3196-4ECE-A960-88230FA00CDF}" type="presOf" srcId="{19692FE1-A9A3-4078-8CF0-CE6FC1925D03}" destId="{FDB55EF5-F1FB-4153-B779-6B90BA61633A}" srcOrd="0" destOrd="0" presId="urn:microsoft.com/office/officeart/2005/8/layout/process1"/>
+    <dgm:cxn modelId="{7BD9C179-14D2-4C94-80F4-C361BEAF33FF}" type="presOf" srcId="{47543F26-DD98-4C49-BBDC-20AC18EEEFC3}" destId="{92C0EBCF-B9CE-43D0-B550-1BD25C55AB00}" srcOrd="0" destOrd="0" presId="urn:microsoft.com/office/officeart/2005/8/layout/process1"/>
+    <dgm:cxn modelId="{93993448-8B58-4A73-897B-55E5DB863EB3}" srcId="{FF107C6E-4402-4CD4-9856-A1F2869B7830}" destId="{6CB67931-177B-4D80-B01F-B050DDBAA862}" srcOrd="1" destOrd="0" parTransId="{E93203AA-31B8-4074-8E57-7DDA193FC43A}" sibTransId="{5B08C4C8-E79C-4E2E-B7BA-5A58811245AE}"/>
+    <dgm:cxn modelId="{BAD3495E-DB97-4E5A-B3F9-9781F4CAC5FE}" type="presOf" srcId="{5B08C4C8-E79C-4E2E-B7BA-5A58811245AE}" destId="{BCE4B2D9-8E67-49A7-9EC8-8FEC2EBB88A9}" srcOrd="0" destOrd="0" presId="urn:microsoft.com/office/officeart/2005/8/layout/process1"/>
+    <dgm:cxn modelId="{07796816-A924-46A1-B42A-70BBCAEA44DA}" type="presOf" srcId="{47543F26-DD98-4C49-BBDC-20AC18EEEFC3}" destId="{00C5882B-210D-42B3-BBC3-79BEFE761744}" srcOrd="1" destOrd="0" presId="urn:microsoft.com/office/officeart/2005/8/layout/process1"/>
+    <dgm:cxn modelId="{22994D8D-24AD-4F8E-9A5A-21B9AFDEC3A8}" type="presParOf" srcId="{2681CC71-8D86-4E1B-B5E4-DCE7FEE331C2}" destId="{FDB55EF5-F1FB-4153-B779-6B90BA61633A}" srcOrd="0" destOrd="0" presId="urn:microsoft.com/office/officeart/2005/8/layout/process1"/>
+    <dgm:cxn modelId="{8B2913EE-0035-47D4-9B3A-09856E058A7E}" type="presParOf" srcId="{2681CC71-8D86-4E1B-B5E4-DCE7FEE331C2}" destId="{92C0EBCF-B9CE-43D0-B550-1BD25C55AB00}" srcOrd="1" destOrd="0" presId="urn:microsoft.com/office/officeart/2005/8/layout/process1"/>
+    <dgm:cxn modelId="{CA1029F3-10EE-42BB-80C8-E3B467BCA2E7}" type="presParOf" srcId="{92C0EBCF-B9CE-43D0-B550-1BD25C55AB00}" destId="{00C5882B-210D-42B3-BBC3-79BEFE761744}" srcOrd="0" destOrd="0" presId="urn:microsoft.com/office/officeart/2005/8/layout/process1"/>
+    <dgm:cxn modelId="{D4AB52CB-889C-4C69-A834-9B1619C5625D}" type="presParOf" srcId="{2681CC71-8D86-4E1B-B5E4-DCE7FEE331C2}" destId="{3547CF04-73E2-4057-8B21-86FCF3EE346C}" srcOrd="2" destOrd="0" presId="urn:microsoft.com/office/officeart/2005/8/layout/process1"/>
+    <dgm:cxn modelId="{2A40E4B5-B900-4F90-8515-0162C49BD258}" type="presParOf" srcId="{2681CC71-8D86-4E1B-B5E4-DCE7FEE331C2}" destId="{BCE4B2D9-8E67-49A7-9EC8-8FEC2EBB88A9}" srcOrd="3" destOrd="0" presId="urn:microsoft.com/office/officeart/2005/8/layout/process1"/>
+    <dgm:cxn modelId="{968581FE-8B49-4551-A816-5C215E166ECB}" type="presParOf" srcId="{BCE4B2D9-8E67-49A7-9EC8-8FEC2EBB88A9}" destId="{A9FF5DDD-1440-4D6C-9666-FF4C68191D16}" srcOrd="0" destOrd="0" presId="urn:microsoft.com/office/officeart/2005/8/layout/process1"/>
+    <dgm:cxn modelId="{12C87EE5-438F-46D9-B271-B537CC406CA6}" type="presParOf" srcId="{2681CC71-8D86-4E1B-B5E4-DCE7FEE331C2}" destId="{45A9E1DE-7796-44A0-92A2-9BA9D837F534}" srcOrd="4" destOrd="0" presId="urn:microsoft.com/office/officeart/2005/8/layout/process1"/>
+  </dgm:cxnLst>
+  <dgm:bg/>
+  <dgm:whole/>
+  <dgm:extLst>
+    <a:ext uri="http://schemas.microsoft.com/office/drawing/2008/diagram">
+      <dsp:dataModelExt xmlns:dsp="http://schemas.microsoft.com/office/drawing/2008/diagram" relId="rId6" minVer="http://schemas.openxmlformats.org/drawingml/2006/diagram"/>
+    </a:ext>
+  </dgm:extLst>
+</dgm:dataModel>
+</file>
+
+<file path=ppt/diagrams/data2.xml><?xml version="1.0" encoding="utf-8"?>
+<dgm:dataModel xmlns:dgm="http://schemas.openxmlformats.org/drawingml/2006/diagram" xmlns:a="http://schemas.openxmlformats.org/drawingml/2006/main">
+  <dgm:ptLst>
+    <dgm:pt modelId="{8019D613-BFCC-4688-A3AE-0A372190074E}" type="doc">
+      <dgm:prSet loTypeId="urn:microsoft.com/office/officeart/2005/8/layout/hProcess9" loCatId="process" qsTypeId="urn:microsoft.com/office/officeart/2005/8/quickstyle/simple1" qsCatId="simple" csTypeId="urn:microsoft.com/office/officeart/2005/8/colors/accent2_3" csCatId="accent2" phldr="1"/>
+      <dgm:spPr/>
+    </dgm:pt>
+    <dgm:pt modelId="{ED46C028-9181-4237-A9EF-33475FA0BF5D}">
+      <dgm:prSet phldrT="[Text]"/>
+      <dgm:spPr/>
+      <dgm:t>
+        <a:bodyPr/>
+        <a:lstStyle/>
+        <a:p>
+          <a:r>
+            <a:rPr lang="en-US" dirty="0" smtClean="0"/>
+            <a:t>User</a:t>
+          </a:r>
+          <a:endParaRPr lang="en-US" dirty="0"/>
+        </a:p>
+      </dgm:t>
+    </dgm:pt>
+    <dgm:pt modelId="{BF372887-FC66-4081-856F-DC0F9C218583}" type="parTrans" cxnId="{7A3489F1-E5C0-44D7-B1DD-6F4D3DACC1FC}">
+      <dgm:prSet/>
+      <dgm:spPr/>
+      <dgm:t>
+        <a:bodyPr/>
+        <a:lstStyle/>
+        <a:p>
+          <a:endParaRPr lang="en-US"/>
+        </a:p>
+      </dgm:t>
+    </dgm:pt>
+    <dgm:pt modelId="{E09598DD-6FED-4ECF-94D0-099F40A79DF8}" type="sibTrans" cxnId="{7A3489F1-E5C0-44D7-B1DD-6F4D3DACC1FC}">
+      <dgm:prSet/>
+      <dgm:spPr/>
+      <dgm:t>
+        <a:bodyPr/>
+        <a:lstStyle/>
+        <a:p>
+          <a:endParaRPr lang="en-US"/>
+        </a:p>
+      </dgm:t>
+    </dgm:pt>
+    <dgm:pt modelId="{9418FB2F-E69C-4FBC-B86A-5834CC8A2F88}">
+      <dgm:prSet phldrT="[Text]"/>
+      <dgm:spPr/>
+      <dgm:t>
+        <a:bodyPr/>
+        <a:lstStyle/>
+        <a:p>
+          <a:r>
+            <a:rPr lang="en-US" dirty="0" smtClean="0"/>
+            <a:t>Action</a:t>
+          </a:r>
+          <a:endParaRPr lang="en-US" dirty="0"/>
+        </a:p>
+      </dgm:t>
+    </dgm:pt>
+    <dgm:pt modelId="{0926678E-E79D-40DB-85F0-C83E5C336560}" type="parTrans" cxnId="{47996408-8E70-4D33-ADB1-92E0E0D9B1D8}">
+      <dgm:prSet/>
+      <dgm:spPr/>
+      <dgm:t>
+        <a:bodyPr/>
+        <a:lstStyle/>
+        <a:p>
+          <a:endParaRPr lang="en-US"/>
+        </a:p>
+      </dgm:t>
+    </dgm:pt>
+    <dgm:pt modelId="{9FD69980-DCE0-4C2E-A8A7-01C1C0E7B05D}" type="sibTrans" cxnId="{47996408-8E70-4D33-ADB1-92E0E0D9B1D8}">
+      <dgm:prSet/>
+      <dgm:spPr/>
+      <dgm:t>
+        <a:bodyPr/>
+        <a:lstStyle/>
+        <a:p>
+          <a:endParaRPr lang="en-US"/>
+        </a:p>
+      </dgm:t>
+    </dgm:pt>
+    <dgm:pt modelId="{2BCAF8FD-8821-4D95-8E96-77C6A5E9B6DA}">
+      <dgm:prSet phldrT="[Text]"/>
+      <dgm:spPr/>
+      <dgm:t>
+        <a:bodyPr/>
+        <a:lstStyle/>
+        <a:p>
+          <a:r>
+            <a:rPr lang="en-US" dirty="0" smtClean="0"/>
+            <a:t>Object</a:t>
+          </a:r>
+          <a:endParaRPr lang="en-US" dirty="0"/>
+        </a:p>
+      </dgm:t>
+    </dgm:pt>
+    <dgm:pt modelId="{32660ABF-CDD9-4AF1-8B74-DAAE4DA05A88}" type="parTrans" cxnId="{6B4DBA58-23B0-4FAC-93EC-86EF59E201B0}">
+      <dgm:prSet/>
+      <dgm:spPr/>
+      <dgm:t>
+        <a:bodyPr/>
+        <a:lstStyle/>
+        <a:p>
+          <a:endParaRPr lang="en-US"/>
+        </a:p>
+      </dgm:t>
+    </dgm:pt>
+    <dgm:pt modelId="{E8A0E925-C7F0-4137-ABB8-D7A7CF2D5B87}" type="sibTrans" cxnId="{6B4DBA58-23B0-4FAC-93EC-86EF59E201B0}">
+      <dgm:prSet/>
+      <dgm:spPr/>
+      <dgm:t>
+        <a:bodyPr/>
+        <a:lstStyle/>
+        <a:p>
+          <a:endParaRPr lang="en-US"/>
+        </a:p>
+      </dgm:t>
+    </dgm:pt>
+    <dgm:pt modelId="{DD3D08AD-6556-436C-A600-0ABC2A412F1C}" type="pres">
+      <dgm:prSet presAssocID="{8019D613-BFCC-4688-A3AE-0A372190074E}" presName="CompostProcess" presStyleCnt="0">
+        <dgm:presLayoutVars>
+          <dgm:dir/>
+          <dgm:resizeHandles val="exact"/>
+        </dgm:presLayoutVars>
+      </dgm:prSet>
+      <dgm:spPr/>
+    </dgm:pt>
+    <dgm:pt modelId="{BD37985E-E86B-41B7-912F-EF30355CBBD2}" type="pres">
+      <dgm:prSet presAssocID="{8019D613-BFCC-4688-A3AE-0A372190074E}" presName="arrow" presStyleLbl="bgShp" presStyleIdx="0" presStyleCnt="1" custScaleX="40885" custLinFactNeighborX="110"/>
+      <dgm:spPr/>
+    </dgm:pt>
+    <dgm:pt modelId="{FC8A8016-BFF1-4FF0-9966-899B38F81994}" type="pres">
+      <dgm:prSet presAssocID="{8019D613-BFCC-4688-A3AE-0A372190074E}" presName="linearProcess" presStyleCnt="0"/>
+      <dgm:spPr/>
+    </dgm:pt>
+    <dgm:pt modelId="{5C9129F5-B66A-4DC0-93D3-2378F9F3F064}" type="pres">
+      <dgm:prSet presAssocID="{ED46C028-9181-4237-A9EF-33475FA0BF5D}" presName="textNode" presStyleLbl="node1" presStyleIdx="0" presStyleCnt="3" custScaleY="250000">
+        <dgm:presLayoutVars>
+          <dgm:bulletEnabled val="1"/>
+        </dgm:presLayoutVars>
+      </dgm:prSet>
+      <dgm:spPr/>
+    </dgm:pt>
+    <dgm:pt modelId="{1AE68709-D0C1-4FBA-83E9-9F2D3E0A9B45}" type="pres">
+      <dgm:prSet presAssocID="{E09598DD-6FED-4ECF-94D0-099F40A79DF8}" presName="sibTrans" presStyleCnt="0"/>
+      <dgm:spPr/>
+    </dgm:pt>
+    <dgm:pt modelId="{1FD25DFA-72B0-417C-B799-1F99751210AF}" type="pres">
+      <dgm:prSet presAssocID="{9418FB2F-E69C-4FBC-B86A-5834CC8A2F88}" presName="textNode" presStyleLbl="node1" presStyleIdx="1" presStyleCnt="3" custLinFactNeighborX="-27960">
+        <dgm:presLayoutVars>
+          <dgm:bulletEnabled val="1"/>
+        </dgm:presLayoutVars>
+      </dgm:prSet>
+      <dgm:spPr/>
+    </dgm:pt>
+    <dgm:pt modelId="{A1B4F979-6924-4924-BB75-9F296BF9B123}" type="pres">
+      <dgm:prSet presAssocID="{9FD69980-DCE0-4C2E-A8A7-01C1C0E7B05D}" presName="sibTrans" presStyleCnt="0"/>
+      <dgm:spPr/>
+    </dgm:pt>
+    <dgm:pt modelId="{E8F2EE42-1493-4F0E-BC36-F1AA75FA66E0}" type="pres">
+      <dgm:prSet presAssocID="{2BCAF8FD-8821-4D95-8E96-77C6A5E9B6DA}" presName="textNode" presStyleLbl="node1" presStyleIdx="2" presStyleCnt="3" custScaleY="245238">
+        <dgm:presLayoutVars>
+          <dgm:bulletEnabled val="1"/>
+        </dgm:presLayoutVars>
+      </dgm:prSet>
+      <dgm:spPr/>
+    </dgm:pt>
+  </dgm:ptLst>
+  <dgm:cxnLst>
+    <dgm:cxn modelId="{EB1E5844-9702-494A-AF20-C991BA19DB62}" type="presOf" srcId="{2BCAF8FD-8821-4D95-8E96-77C6A5E9B6DA}" destId="{E8F2EE42-1493-4F0E-BC36-F1AA75FA66E0}" srcOrd="0" destOrd="0" presId="urn:microsoft.com/office/officeart/2005/8/layout/hProcess9"/>
+    <dgm:cxn modelId="{6B4DBA58-23B0-4FAC-93EC-86EF59E201B0}" srcId="{8019D613-BFCC-4688-A3AE-0A372190074E}" destId="{2BCAF8FD-8821-4D95-8E96-77C6A5E9B6DA}" srcOrd="2" destOrd="0" parTransId="{32660ABF-CDD9-4AF1-8B74-DAAE4DA05A88}" sibTransId="{E8A0E925-C7F0-4137-ABB8-D7A7CF2D5B87}"/>
+    <dgm:cxn modelId="{C4FE68B3-655E-42DF-94FC-871444AA3E55}" type="presOf" srcId="{ED46C028-9181-4237-A9EF-33475FA0BF5D}" destId="{5C9129F5-B66A-4DC0-93D3-2378F9F3F064}" srcOrd="0" destOrd="0" presId="urn:microsoft.com/office/officeart/2005/8/layout/hProcess9"/>
+    <dgm:cxn modelId="{37DD2BF9-F544-4C6E-B38D-7E7F16CD3775}" type="presOf" srcId="{8019D613-BFCC-4688-A3AE-0A372190074E}" destId="{DD3D08AD-6556-436C-A600-0ABC2A412F1C}" srcOrd="0" destOrd="0" presId="urn:microsoft.com/office/officeart/2005/8/layout/hProcess9"/>
+    <dgm:cxn modelId="{7A3489F1-E5C0-44D7-B1DD-6F4D3DACC1FC}" srcId="{8019D613-BFCC-4688-A3AE-0A372190074E}" destId="{ED46C028-9181-4237-A9EF-33475FA0BF5D}" srcOrd="0" destOrd="0" parTransId="{BF372887-FC66-4081-856F-DC0F9C218583}" sibTransId="{E09598DD-6FED-4ECF-94D0-099F40A79DF8}"/>
+    <dgm:cxn modelId="{47996408-8E70-4D33-ADB1-92E0E0D9B1D8}" srcId="{8019D613-BFCC-4688-A3AE-0A372190074E}" destId="{9418FB2F-E69C-4FBC-B86A-5834CC8A2F88}" srcOrd="1" destOrd="0" parTransId="{0926678E-E79D-40DB-85F0-C83E5C336560}" sibTransId="{9FD69980-DCE0-4C2E-A8A7-01C1C0E7B05D}"/>
+    <dgm:cxn modelId="{454872E5-9EC0-4C7B-8B2D-E6D7EF4225DE}" type="presOf" srcId="{9418FB2F-E69C-4FBC-B86A-5834CC8A2F88}" destId="{1FD25DFA-72B0-417C-B799-1F99751210AF}" srcOrd="0" destOrd="0" presId="urn:microsoft.com/office/officeart/2005/8/layout/hProcess9"/>
+    <dgm:cxn modelId="{C73F5A0B-CBEE-4083-82D0-258E84003F07}" type="presParOf" srcId="{DD3D08AD-6556-436C-A600-0ABC2A412F1C}" destId="{BD37985E-E86B-41B7-912F-EF30355CBBD2}" srcOrd="0" destOrd="0" presId="urn:microsoft.com/office/officeart/2005/8/layout/hProcess9"/>
+    <dgm:cxn modelId="{19492E66-2C8B-415B-91D0-F2DCAABDA708}" type="presParOf" srcId="{DD3D08AD-6556-436C-A600-0ABC2A412F1C}" destId="{FC8A8016-BFF1-4FF0-9966-899B38F81994}" srcOrd="1" destOrd="0" presId="urn:microsoft.com/office/officeart/2005/8/layout/hProcess9"/>
+    <dgm:cxn modelId="{21D93A7E-B2EA-44A7-9F21-232FA4563B9A}" type="presParOf" srcId="{FC8A8016-BFF1-4FF0-9966-899B38F81994}" destId="{5C9129F5-B66A-4DC0-93D3-2378F9F3F064}" srcOrd="0" destOrd="0" presId="urn:microsoft.com/office/officeart/2005/8/layout/hProcess9"/>
+    <dgm:cxn modelId="{AA4DABD3-8F9E-4F63-8689-08014D3DC1FE}" type="presParOf" srcId="{FC8A8016-BFF1-4FF0-9966-899B38F81994}" destId="{1AE68709-D0C1-4FBA-83E9-9F2D3E0A9B45}" srcOrd="1" destOrd="0" presId="urn:microsoft.com/office/officeart/2005/8/layout/hProcess9"/>
+    <dgm:cxn modelId="{EA36A838-D266-47F4-A3EB-7C628AB5C334}" type="presParOf" srcId="{FC8A8016-BFF1-4FF0-9966-899B38F81994}" destId="{1FD25DFA-72B0-417C-B799-1F99751210AF}" srcOrd="2" destOrd="0" presId="urn:microsoft.com/office/officeart/2005/8/layout/hProcess9"/>
+    <dgm:cxn modelId="{E538A459-3A50-4552-904D-0BFF9FE44E70}" type="presParOf" srcId="{FC8A8016-BFF1-4FF0-9966-899B38F81994}" destId="{A1B4F979-6924-4924-BB75-9F296BF9B123}" srcOrd="3" destOrd="0" presId="urn:microsoft.com/office/officeart/2005/8/layout/hProcess9"/>
+    <dgm:cxn modelId="{7DAC29D4-E459-423C-8D75-F61065D95233}" type="presParOf" srcId="{FC8A8016-BFF1-4FF0-9966-899B38F81994}" destId="{E8F2EE42-1493-4F0E-BC36-F1AA75FA66E0}" srcOrd="4" destOrd="0" presId="urn:microsoft.com/office/officeart/2005/8/layout/hProcess9"/>
+  </dgm:cxnLst>
+  <dgm:bg/>
+  <dgm:whole/>
+  <dgm:extLst>
+    <a:ext uri="http://schemas.microsoft.com/office/drawing/2008/diagram">
+      <dsp:dataModelExt xmlns:dsp="http://schemas.microsoft.com/office/drawing/2008/diagram" relId="rId6" minVer="http://schemas.openxmlformats.org/drawingml/2006/diagram"/>
+    </a:ext>
+  </dgm:extLst>
+</dgm:dataModel>
+</file>
+
+<file path=ppt/diagrams/drawing1.xml><?xml version="1.0" encoding="utf-8"?>
+<dsp:drawing xmlns:dgm="http://schemas.openxmlformats.org/drawingml/2006/diagram" xmlns:dsp="http://schemas.microsoft.com/office/drawing/2008/diagram" xmlns:a="http://schemas.openxmlformats.org/drawingml/2006/main">
+  <dsp:spTree>
+    <dsp:nvGrpSpPr>
+      <dsp:cNvPr id="0" name=""/>
+      <dsp:cNvGrpSpPr/>
+    </dsp:nvGrpSpPr>
+    <dsp:grpSpPr/>
+    <dsp:sp modelId="{FDB55EF5-F1FB-4153-B779-6B90BA61633A}">
+      <dsp:nvSpPr>
+        <dsp:cNvPr id="0" name=""/>
+        <dsp:cNvSpPr/>
+      </dsp:nvSpPr>
+      <dsp:spPr>
+        <a:xfrm>
+          <a:off x="9798" y="121486"/>
+          <a:ext cx="2928793" cy="1757276"/>
+        </a:xfrm>
+        <a:prstGeom prst="roundRect">
+          <a:avLst>
+            <a:gd name="adj" fmla="val 10000"/>
+          </a:avLst>
+        </a:prstGeom>
+        <a:solidFill>
+          <a:schemeClr val="accent2">
+            <a:hueOff val="0"/>
+            <a:satOff val="0"/>
+            <a:lumOff val="0"/>
+            <a:alphaOff val="0"/>
+          </a:schemeClr>
+        </a:solidFill>
+        <a:ln w="25400" cap="flat" cmpd="sng" algn="ctr">
+          <a:solidFill>
+            <a:schemeClr val="lt1">
+              <a:hueOff val="0"/>
+              <a:satOff val="0"/>
+              <a:lumOff val="0"/>
+              <a:alphaOff val="0"/>
+            </a:schemeClr>
+          </a:solidFill>
+          <a:prstDash val="solid"/>
+        </a:ln>
+        <a:effectLst/>
+      </dsp:spPr>
+      <dsp:style>
+        <a:lnRef idx="2">
+          <a:scrgbClr r="0" g="0" b="0"/>
+        </a:lnRef>
+        <a:fillRef idx="1">
+          <a:scrgbClr r="0" g="0" b="0"/>
+        </a:fillRef>
+        <a:effectRef idx="0">
+          <a:scrgbClr r="0" g="0" b="0"/>
+        </a:effectRef>
+        <a:fontRef idx="minor">
+          <a:schemeClr val="lt1"/>
+        </a:fontRef>
+      </dsp:style>
+      <dsp:txBody>
+        <a:bodyPr spcFirstLastPara="0" vert="horz" wrap="square" lIns="106680" tIns="106680" rIns="106680" bIns="106680" numCol="1" spcCol="1270" anchor="ctr" anchorCtr="0">
+          <a:noAutofit/>
+        </a:bodyPr>
+        <a:lstStyle/>
+        <a:p>
+          <a:pPr lvl="0" algn="ctr" defTabSz="1244600">
+            <a:lnSpc>
+              <a:spcPct val="90000"/>
+            </a:lnSpc>
+            <a:spcBef>
+              <a:spcPct val="0"/>
+            </a:spcBef>
+            <a:spcAft>
+              <a:spcPct val="35000"/>
+            </a:spcAft>
+          </a:pPr>
+          <a:r>
+            <a:rPr lang="en-US" sz="2800" kern="1200" dirty="0" smtClean="0"/>
+            <a:t>Redirect to </a:t>
+          </a:r>
+          <a:r>
+            <a:rPr lang="en-US" sz="2800" kern="1200" dirty="0" err="1" smtClean="0"/>
+            <a:t>OAuth</a:t>
+          </a:r>
+          <a:r>
+            <a:rPr lang="en-US" sz="2800" kern="1200" dirty="0" smtClean="0"/>
+            <a:t> Provider</a:t>
+          </a:r>
+          <a:endParaRPr lang="en-US" sz="2800" kern="1200" dirty="0"/>
+        </a:p>
+      </dsp:txBody>
+      <dsp:txXfrm>
+        <a:off x="61267" y="172955"/>
+        <a:ext cx="2825855" cy="1654338"/>
+      </dsp:txXfrm>
+    </dsp:sp>
+    <dsp:sp modelId="{92C0EBCF-B9CE-43D0-B550-1BD25C55AB00}">
+      <dsp:nvSpPr>
+        <dsp:cNvPr id="0" name=""/>
+        <dsp:cNvSpPr/>
+      </dsp:nvSpPr>
+      <dsp:spPr>
+        <a:xfrm>
+          <a:off x="3231471" y="636954"/>
+          <a:ext cx="620904" cy="726340"/>
+        </a:xfrm>
+        <a:prstGeom prst="rightArrow">
+          <a:avLst>
+            <a:gd name="adj1" fmla="val 60000"/>
+            <a:gd name="adj2" fmla="val 50000"/>
+          </a:avLst>
+        </a:prstGeom>
+        <a:solidFill>
+          <a:schemeClr val="accent2">
+            <a:tint val="60000"/>
+            <a:hueOff val="0"/>
+            <a:satOff val="0"/>
+            <a:lumOff val="0"/>
+            <a:alphaOff val="0"/>
+          </a:schemeClr>
+        </a:solidFill>
+        <a:ln>
+          <a:noFill/>
+        </a:ln>
+        <a:effectLst/>
+      </dsp:spPr>
+      <dsp:style>
+        <a:lnRef idx="0">
+          <a:scrgbClr r="0" g="0" b="0"/>
+        </a:lnRef>
+        <a:fillRef idx="1">
+          <a:scrgbClr r="0" g="0" b="0"/>
+        </a:fillRef>
+        <a:effectRef idx="0">
+          <a:scrgbClr r="0" g="0" b="0"/>
+        </a:effectRef>
+        <a:fontRef idx="minor">
+          <a:schemeClr val="lt1"/>
+        </a:fontRef>
+      </dsp:style>
+      <dsp:txBody>
+        <a:bodyPr spcFirstLastPara="0" vert="horz" wrap="square" lIns="0" tIns="0" rIns="0" bIns="0" numCol="1" spcCol="1270" anchor="ctr" anchorCtr="0">
+          <a:noAutofit/>
+        </a:bodyPr>
+        <a:lstStyle/>
+        <a:p>
+          <a:pPr lvl="0" algn="ctr" defTabSz="977900">
+            <a:lnSpc>
+              <a:spcPct val="90000"/>
+            </a:lnSpc>
+            <a:spcBef>
+              <a:spcPct val="0"/>
+            </a:spcBef>
+            <a:spcAft>
+              <a:spcPct val="35000"/>
+            </a:spcAft>
+          </a:pPr>
+          <a:endParaRPr lang="en-US" sz="2200" kern="1200"/>
+        </a:p>
+      </dsp:txBody>
+      <dsp:txXfrm>
+        <a:off x="3231471" y="782222"/>
+        <a:ext cx="434633" cy="435804"/>
+      </dsp:txXfrm>
+    </dsp:sp>
+    <dsp:sp modelId="{3547CF04-73E2-4057-8B21-86FCF3EE346C}">
+      <dsp:nvSpPr>
+        <dsp:cNvPr id="0" name=""/>
+        <dsp:cNvSpPr/>
+      </dsp:nvSpPr>
+      <dsp:spPr>
+        <a:xfrm>
+          <a:off x="4110109" y="121486"/>
+          <a:ext cx="2928793" cy="1757276"/>
+        </a:xfrm>
+        <a:prstGeom prst="roundRect">
+          <a:avLst>
+            <a:gd name="adj" fmla="val 10000"/>
+          </a:avLst>
+        </a:prstGeom>
+        <a:solidFill>
+          <a:schemeClr val="accent2">
+            <a:hueOff val="0"/>
+            <a:satOff val="0"/>
+            <a:lumOff val="0"/>
+            <a:alphaOff val="0"/>
+          </a:schemeClr>
+        </a:solidFill>
+        <a:ln w="25400" cap="flat" cmpd="sng" algn="ctr">
+          <a:solidFill>
+            <a:schemeClr val="lt1">
+              <a:hueOff val="0"/>
+              <a:satOff val="0"/>
+              <a:lumOff val="0"/>
+              <a:alphaOff val="0"/>
+            </a:schemeClr>
+          </a:solidFill>
+          <a:prstDash val="solid"/>
+        </a:ln>
+        <a:effectLst/>
+      </dsp:spPr>
+      <dsp:style>
+        <a:lnRef idx="2">
+          <a:scrgbClr r="0" g="0" b="0"/>
+        </a:lnRef>
+        <a:fillRef idx="1">
+          <a:scrgbClr r="0" g="0" b="0"/>
+        </a:fillRef>
+        <a:effectRef idx="0">
+          <a:scrgbClr r="0" g="0" b="0"/>
+        </a:effectRef>
+        <a:fontRef idx="minor">
+          <a:schemeClr val="lt1"/>
+        </a:fontRef>
+      </dsp:style>
+      <dsp:txBody>
+        <a:bodyPr spcFirstLastPara="0" vert="horz" wrap="square" lIns="106680" tIns="106680" rIns="106680" bIns="106680" numCol="1" spcCol="1270" anchor="ctr" anchorCtr="0">
+          <a:noAutofit/>
+        </a:bodyPr>
+        <a:lstStyle/>
+        <a:p>
+          <a:pPr lvl="0" algn="ctr" defTabSz="1244600">
+            <a:lnSpc>
+              <a:spcPct val="90000"/>
+            </a:lnSpc>
+            <a:spcBef>
+              <a:spcPct val="0"/>
+            </a:spcBef>
+            <a:spcAft>
+              <a:spcPct val="35000"/>
+            </a:spcAft>
+          </a:pPr>
+          <a:r>
+            <a:rPr lang="en-US" sz="2800" kern="1200" dirty="0" smtClean="0"/>
+            <a:t>User Grants </a:t>
+          </a:r>
+          <a:r>
+            <a:rPr lang="en-US" sz="2800" kern="1200" dirty="0" err="1" smtClean="0"/>
+            <a:t>Authorizatoin</a:t>
+          </a:r>
+          <a:endParaRPr lang="en-US" sz="2800" kern="1200" dirty="0"/>
+        </a:p>
+      </dsp:txBody>
+      <dsp:txXfrm>
+        <a:off x="4161578" y="172955"/>
+        <a:ext cx="2825855" cy="1654338"/>
+      </dsp:txXfrm>
+    </dsp:sp>
+    <dsp:sp modelId="{BCE4B2D9-8E67-49A7-9EC8-8FEC2EBB88A9}">
+      <dsp:nvSpPr>
+        <dsp:cNvPr id="0" name=""/>
+        <dsp:cNvSpPr/>
+      </dsp:nvSpPr>
+      <dsp:spPr>
+        <a:xfrm>
+          <a:off x="7331782" y="636954"/>
+          <a:ext cx="620904" cy="726340"/>
+        </a:xfrm>
+        <a:prstGeom prst="rightArrow">
+          <a:avLst>
+            <a:gd name="adj1" fmla="val 60000"/>
+            <a:gd name="adj2" fmla="val 50000"/>
+          </a:avLst>
+        </a:prstGeom>
+        <a:solidFill>
+          <a:schemeClr val="accent2">
+            <a:tint val="60000"/>
+            <a:hueOff val="0"/>
+            <a:satOff val="0"/>
+            <a:lumOff val="0"/>
+            <a:alphaOff val="0"/>
+          </a:schemeClr>
+        </a:solidFill>
+        <a:ln>
+          <a:noFill/>
+        </a:ln>
+        <a:effectLst/>
+      </dsp:spPr>
+      <dsp:style>
+        <a:lnRef idx="0">
+          <a:scrgbClr r="0" g="0" b="0"/>
+        </a:lnRef>
+        <a:fillRef idx="1">
+          <a:scrgbClr r="0" g="0" b="0"/>
+        </a:fillRef>
+        <a:effectRef idx="0">
+          <a:scrgbClr r="0" g="0" b="0"/>
+        </a:effectRef>
+        <a:fontRef idx="minor">
+          <a:schemeClr val="lt1"/>
+        </a:fontRef>
+      </dsp:style>
+      <dsp:txBody>
+        <a:bodyPr spcFirstLastPara="0" vert="horz" wrap="square" lIns="0" tIns="0" rIns="0" bIns="0" numCol="1" spcCol="1270" anchor="ctr" anchorCtr="0">
+          <a:noAutofit/>
+        </a:bodyPr>
+        <a:lstStyle/>
+        <a:p>
+          <a:pPr lvl="0" algn="ctr" defTabSz="977900">
+            <a:lnSpc>
+              <a:spcPct val="90000"/>
+            </a:lnSpc>
+            <a:spcBef>
+              <a:spcPct val="0"/>
+            </a:spcBef>
+            <a:spcAft>
+              <a:spcPct val="35000"/>
+            </a:spcAft>
+          </a:pPr>
+          <a:endParaRPr lang="en-US" sz="2200" kern="1200"/>
+        </a:p>
+      </dsp:txBody>
+      <dsp:txXfrm>
+        <a:off x="7331782" y="782222"/>
+        <a:ext cx="434633" cy="435804"/>
+      </dsp:txXfrm>
+    </dsp:sp>
+    <dsp:sp modelId="{45A9E1DE-7796-44A0-92A2-9BA9D837F534}">
+      <dsp:nvSpPr>
+        <dsp:cNvPr id="0" name=""/>
+        <dsp:cNvSpPr/>
+      </dsp:nvSpPr>
+      <dsp:spPr>
+        <a:xfrm>
+          <a:off x="8210420" y="121486"/>
+          <a:ext cx="2928793" cy="1757276"/>
+        </a:xfrm>
+        <a:prstGeom prst="roundRect">
+          <a:avLst>
+            <a:gd name="adj" fmla="val 10000"/>
+          </a:avLst>
+        </a:prstGeom>
+        <a:solidFill>
+          <a:schemeClr val="accent2">
+            <a:hueOff val="0"/>
+            <a:satOff val="0"/>
+            <a:lumOff val="0"/>
+            <a:alphaOff val="0"/>
+          </a:schemeClr>
+        </a:solidFill>
+        <a:ln w="25400" cap="flat" cmpd="sng" algn="ctr">
+          <a:solidFill>
+            <a:schemeClr val="lt1">
+              <a:hueOff val="0"/>
+              <a:satOff val="0"/>
+              <a:lumOff val="0"/>
+              <a:alphaOff val="0"/>
+            </a:schemeClr>
+          </a:solidFill>
+          <a:prstDash val="solid"/>
+        </a:ln>
+        <a:effectLst/>
+      </dsp:spPr>
+      <dsp:style>
+        <a:lnRef idx="2">
+          <a:scrgbClr r="0" g="0" b="0"/>
+        </a:lnRef>
+        <a:fillRef idx="1">
+          <a:scrgbClr r="0" g="0" b="0"/>
+        </a:fillRef>
+        <a:effectRef idx="0">
+          <a:scrgbClr r="0" g="0" b="0"/>
+        </a:effectRef>
+        <a:fontRef idx="minor">
+          <a:schemeClr val="lt1"/>
+        </a:fontRef>
+      </dsp:style>
+      <dsp:txBody>
+        <a:bodyPr spcFirstLastPara="0" vert="horz" wrap="square" lIns="106680" tIns="106680" rIns="106680" bIns="106680" numCol="1" spcCol="1270" anchor="ctr" anchorCtr="0">
+          <a:noAutofit/>
+        </a:bodyPr>
+        <a:lstStyle/>
+        <a:p>
+          <a:pPr lvl="0" algn="ctr" defTabSz="1244600">
+            <a:lnSpc>
+              <a:spcPct val="90000"/>
+            </a:lnSpc>
+            <a:spcBef>
+              <a:spcPct val="0"/>
+            </a:spcBef>
+            <a:spcAft>
+              <a:spcPct val="35000"/>
+            </a:spcAft>
+          </a:pPr>
+          <a:r>
+            <a:rPr lang="en-US" sz="2800" kern="1200" dirty="0" smtClean="0"/>
+            <a:t>Redirect back to Application with Access Token</a:t>
+          </a:r>
+          <a:endParaRPr lang="en-US" sz="2800" kern="1200" dirty="0"/>
+        </a:p>
+      </dsp:txBody>
+      <dsp:txXfrm>
+        <a:off x="8261889" y="172955"/>
+        <a:ext cx="2825855" cy="1654338"/>
+      </dsp:txXfrm>
+    </dsp:sp>
+  </dsp:spTree>
+</dsp:drawing>
+</file>
+
+<file path=ppt/diagrams/drawing2.xml><?xml version="1.0" encoding="utf-8"?>
+<dsp:drawing xmlns:dgm="http://schemas.openxmlformats.org/drawingml/2006/diagram" xmlns:dsp="http://schemas.microsoft.com/office/drawing/2008/diagram" xmlns:a="http://schemas.openxmlformats.org/drawingml/2006/main">
+  <dsp:spTree>
+    <dsp:nvGrpSpPr>
+      <dsp:cNvPr id="0" name=""/>
+      <dsp:cNvGrpSpPr/>
+    </dsp:nvGrpSpPr>
+    <dsp:grpSpPr/>
+    <dsp:sp modelId="{BD37985E-E86B-41B7-912F-EF30355CBBD2}">
+      <dsp:nvSpPr>
+        <dsp:cNvPr id="0" name=""/>
+        <dsp:cNvSpPr/>
+      </dsp:nvSpPr>
+      <dsp:spPr>
+        <a:xfrm>
+          <a:off x="3647664" y="0"/>
+          <a:ext cx="3874532" cy="2000250"/>
+        </a:xfrm>
+        <a:prstGeom prst="rightArrow">
+          <a:avLst/>
+        </a:prstGeom>
+        <a:solidFill>
+          <a:schemeClr val="accent2">
+            <a:tint val="40000"/>
+            <a:hueOff val="0"/>
+            <a:satOff val="0"/>
+            <a:lumOff val="0"/>
+            <a:alphaOff val="0"/>
+          </a:schemeClr>
+        </a:solidFill>
+        <a:ln>
+          <a:noFill/>
+        </a:ln>
+        <a:effectLst/>
+      </dsp:spPr>
+      <dsp:style>
+        <a:lnRef idx="0">
+          <a:scrgbClr r="0" g="0" b="0"/>
+        </a:lnRef>
+        <a:fillRef idx="1">
+          <a:scrgbClr r="0" g="0" b="0"/>
+        </a:fillRef>
+        <a:effectRef idx="0">
+          <a:scrgbClr r="0" g="0" b="0"/>
+        </a:effectRef>
+        <a:fontRef idx="minor"/>
+      </dsp:style>
+    </dsp:sp>
+    <dsp:sp modelId="{5C9129F5-B66A-4DC0-93D3-2378F9F3F064}">
+      <dsp:nvSpPr>
+        <dsp:cNvPr id="0" name=""/>
+        <dsp:cNvSpPr/>
+      </dsp:nvSpPr>
+      <dsp:spPr>
+        <a:xfrm>
+          <a:off x="0" y="0"/>
+          <a:ext cx="3344703" cy="2000250"/>
+        </a:xfrm>
+        <a:prstGeom prst="roundRect">
+          <a:avLst/>
+        </a:prstGeom>
+        <a:solidFill>
+          <a:schemeClr val="accent2">
+            <a:shade val="80000"/>
+            <a:hueOff val="0"/>
+            <a:satOff val="0"/>
+            <a:lumOff val="0"/>
+            <a:alphaOff val="0"/>
+          </a:schemeClr>
+        </a:solidFill>
+        <a:ln w="25400" cap="flat" cmpd="sng" algn="ctr">
+          <a:solidFill>
+            <a:schemeClr val="lt1">
+              <a:hueOff val="0"/>
+              <a:satOff val="0"/>
+              <a:lumOff val="0"/>
+              <a:alphaOff val="0"/>
+            </a:schemeClr>
+          </a:solidFill>
+          <a:prstDash val="solid"/>
+        </a:ln>
+        <a:effectLst/>
+      </dsp:spPr>
+      <dsp:style>
+        <a:lnRef idx="2">
+          <a:scrgbClr r="0" g="0" b="0"/>
+        </a:lnRef>
+        <a:fillRef idx="1">
+          <a:scrgbClr r="0" g="0" b="0"/>
+        </a:fillRef>
+        <a:effectRef idx="0">
+          <a:scrgbClr r="0" g="0" b="0"/>
+        </a:effectRef>
+        <a:fontRef idx="minor">
+          <a:schemeClr val="lt1"/>
+        </a:fontRef>
+      </dsp:style>
+      <dsp:txBody>
+        <a:bodyPr spcFirstLastPara="0" vert="horz" wrap="square" lIns="118110" tIns="118110" rIns="118110" bIns="118110" numCol="1" spcCol="1270" anchor="ctr" anchorCtr="0">
+          <a:noAutofit/>
+        </a:bodyPr>
+        <a:lstStyle/>
+        <a:p>
+          <a:pPr lvl="0" algn="ctr" defTabSz="1377950">
+            <a:lnSpc>
+              <a:spcPct val="90000"/>
+            </a:lnSpc>
+            <a:spcBef>
+              <a:spcPct val="0"/>
+            </a:spcBef>
+            <a:spcAft>
+              <a:spcPct val="35000"/>
+            </a:spcAft>
+          </a:pPr>
+          <a:r>
+            <a:rPr lang="en-US" sz="3100" kern="1200" dirty="0" smtClean="0"/>
+            <a:t>User</a:t>
+          </a:r>
+          <a:endParaRPr lang="en-US" sz="3100" kern="1200" dirty="0"/>
+        </a:p>
+      </dsp:txBody>
+      <dsp:txXfrm>
+        <a:off x="97644" y="97644"/>
+        <a:ext cx="3149415" cy="1804962"/>
+      </dsp:txXfrm>
+    </dsp:sp>
+    <dsp:sp modelId="{1FD25DFA-72B0-417C-B799-1F99751210AF}">
+      <dsp:nvSpPr>
+        <dsp:cNvPr id="0" name=""/>
+        <dsp:cNvSpPr/>
+      </dsp:nvSpPr>
+      <dsp:spPr>
+        <a:xfrm>
+          <a:off x="3746291" y="600075"/>
+          <a:ext cx="3344703" cy="800100"/>
+        </a:xfrm>
+        <a:prstGeom prst="roundRect">
+          <a:avLst/>
+        </a:prstGeom>
+        <a:solidFill>
+          <a:schemeClr val="accent2">
+            <a:shade val="80000"/>
+            <a:hueOff val="285527"/>
+            <a:satOff val="-9433"/>
+            <a:lumOff val="17283"/>
+            <a:alphaOff val="0"/>
+          </a:schemeClr>
+        </a:solidFill>
+        <a:ln w="25400" cap="flat" cmpd="sng" algn="ctr">
+          <a:solidFill>
+            <a:schemeClr val="lt1">
+              <a:hueOff val="0"/>
+              <a:satOff val="0"/>
+              <a:lumOff val="0"/>
+              <a:alphaOff val="0"/>
+            </a:schemeClr>
+          </a:solidFill>
+          <a:prstDash val="solid"/>
+        </a:ln>
+        <a:effectLst/>
+      </dsp:spPr>
+      <dsp:style>
+        <a:lnRef idx="2">
+          <a:scrgbClr r="0" g="0" b="0"/>
+        </a:lnRef>
+        <a:fillRef idx="1">
+          <a:scrgbClr r="0" g="0" b="0"/>
+        </a:fillRef>
+        <a:effectRef idx="0">
+          <a:scrgbClr r="0" g="0" b="0"/>
+        </a:effectRef>
+        <a:fontRef idx="minor">
+          <a:schemeClr val="lt1"/>
+        </a:fontRef>
+      </dsp:style>
+      <dsp:txBody>
+        <a:bodyPr spcFirstLastPara="0" vert="horz" wrap="square" lIns="118110" tIns="118110" rIns="118110" bIns="118110" numCol="1" spcCol="1270" anchor="ctr" anchorCtr="0">
+          <a:noAutofit/>
+        </a:bodyPr>
+        <a:lstStyle/>
+        <a:p>
+          <a:pPr lvl="0" algn="ctr" defTabSz="1377950">
+            <a:lnSpc>
+              <a:spcPct val="90000"/>
+            </a:lnSpc>
+            <a:spcBef>
+              <a:spcPct val="0"/>
+            </a:spcBef>
+            <a:spcAft>
+              <a:spcPct val="35000"/>
+            </a:spcAft>
+          </a:pPr>
+          <a:r>
+            <a:rPr lang="en-US" sz="3100" kern="1200" dirty="0" smtClean="0"/>
+            <a:t>Action</a:t>
+          </a:r>
+          <a:endParaRPr lang="en-US" sz="3100" kern="1200" dirty="0"/>
+        </a:p>
+      </dsp:txBody>
+      <dsp:txXfrm>
+        <a:off x="3785349" y="639133"/>
+        <a:ext cx="3266587" cy="721984"/>
+      </dsp:txXfrm>
+    </dsp:sp>
+    <dsp:sp modelId="{E8F2EE42-1493-4F0E-BC36-F1AA75FA66E0}">
+      <dsp:nvSpPr>
+        <dsp:cNvPr id="0" name=""/>
+        <dsp:cNvSpPr/>
+      </dsp:nvSpPr>
+      <dsp:spPr>
+        <a:xfrm>
+          <a:off x="7804309" y="19050"/>
+          <a:ext cx="3344703" cy="1962149"/>
+        </a:xfrm>
+        <a:prstGeom prst="roundRect">
+          <a:avLst/>
+        </a:prstGeom>
+        <a:solidFill>
+          <a:schemeClr val="accent2">
+            <a:shade val="80000"/>
+            <a:hueOff val="571054"/>
+            <a:satOff val="-18867"/>
+            <a:lumOff val="34566"/>
+            <a:alphaOff val="0"/>
+          </a:schemeClr>
+        </a:solidFill>
+        <a:ln w="25400" cap="flat" cmpd="sng" algn="ctr">
+          <a:solidFill>
+            <a:schemeClr val="lt1">
+              <a:hueOff val="0"/>
+              <a:satOff val="0"/>
+              <a:lumOff val="0"/>
+              <a:alphaOff val="0"/>
+            </a:schemeClr>
+          </a:solidFill>
+          <a:prstDash val="solid"/>
+        </a:ln>
+        <a:effectLst/>
+      </dsp:spPr>
+      <dsp:style>
+        <a:lnRef idx="2">
+          <a:scrgbClr r="0" g="0" b="0"/>
+        </a:lnRef>
+        <a:fillRef idx="1">
+          <a:scrgbClr r="0" g="0" b="0"/>
+        </a:fillRef>
+        <a:effectRef idx="0">
+          <a:scrgbClr r="0" g="0" b="0"/>
+        </a:effectRef>
+        <a:fontRef idx="minor">
+          <a:schemeClr val="lt1"/>
+        </a:fontRef>
+      </dsp:style>
+      <dsp:txBody>
+        <a:bodyPr spcFirstLastPara="0" vert="horz" wrap="square" lIns="118110" tIns="118110" rIns="118110" bIns="118110" numCol="1" spcCol="1270" anchor="ctr" anchorCtr="0">
+          <a:noAutofit/>
+        </a:bodyPr>
+        <a:lstStyle/>
+        <a:p>
+          <a:pPr lvl="0" algn="ctr" defTabSz="1377950">
+            <a:lnSpc>
+              <a:spcPct val="90000"/>
+            </a:lnSpc>
+            <a:spcBef>
+              <a:spcPct val="0"/>
+            </a:spcBef>
+            <a:spcAft>
+              <a:spcPct val="35000"/>
+            </a:spcAft>
+          </a:pPr>
+          <a:r>
+            <a:rPr lang="en-US" sz="3100" kern="1200" dirty="0" smtClean="0"/>
+            <a:t>Object</a:t>
+          </a:r>
+          <a:endParaRPr lang="en-US" sz="3100" kern="1200" dirty="0"/>
+        </a:p>
+      </dsp:txBody>
+      <dsp:txXfrm>
+        <a:off x="7900093" y="114834"/>
+        <a:ext cx="3153135" cy="1770581"/>
+      </dsp:txXfrm>
+    </dsp:sp>
+  </dsp:spTree>
+</dsp:drawing>
+</file>
+
+<file path=ppt/diagrams/layout1.xml><?xml version="1.0" encoding="utf-8"?>
+<dgm:layoutDef xmlns:dgm="http://schemas.openxmlformats.org/drawingml/2006/diagram" xmlns:a="http://schemas.openxmlformats.org/drawingml/2006/main" uniqueId="urn:microsoft.com/office/officeart/2005/8/layout/process1">
+  <dgm:title val=""/>
+  <dgm:desc val=""/>
+  <dgm:catLst>
+    <dgm:cat type="process" pri="1000"/>
+    <dgm:cat type="convert" pri="15000"/>
+  </dgm:catLst>
+  <dgm:sampData useDef="1">
+    <dgm:dataModel>
+      <dgm:ptLst/>
+      <dgm:bg/>
+      <dgm:whole/>
+    </dgm:dataModel>
+  </dgm:sampData>
+  <dgm:styleData>
+    <dgm:dataModel>
+      <dgm:ptLst>
+        <dgm:pt modelId="0" type="doc"/>
+        <dgm:pt modelId="1"/>
+        <dgm:pt modelId="2"/>
+      </dgm:ptLst>
+      <dgm:cxnLst>
+        <dgm:cxn modelId="3" srcId="0" destId="1" srcOrd="0" destOrd="0"/>
+        <dgm:cxn modelId="4" srcId="0" destId="2" srcOrd="1" destOrd="0"/>
+      </dgm:cxnLst>
+      <dgm:bg/>
+      <dgm:whole/>
+    </dgm:dataModel>
+  </dgm:styleData>
+  <dgm:clrData>
+    <dgm:dataModel>
+      <dgm:ptLst>
+        <dgm:pt modelId="0" type="doc"/>
+        <dgm:pt modelId="1"/>
+        <dgm:pt modelId="2"/>
+        <dgm:pt modelId="3"/>
+        <dgm:pt modelId="4"/>
+      </dgm:ptLst>
+      <dgm:cxnLst>
+        <dgm:cxn modelId="5" srcId="0" destId="1" srcOrd="0" destOrd="0"/>
+        <dgm:cxn modelId="6" srcId="0" destId="2" srcOrd="1" destOrd="0"/>
+        <dgm:cxn modelId="7" srcId="0" destId="3" srcOrd="2" destOrd="0"/>
+        <dgm:cxn modelId="8" srcId="0" destId="4" srcOrd="3" destOrd="0"/>
+      </dgm:cxnLst>
+      <dgm:bg/>
+      <dgm:whole/>
+    </dgm:dataModel>
+  </dgm:clrData>
+  <dgm:layoutNode name="Name0">
+    <dgm:varLst>
+      <dgm:dir/>
+      <dgm:resizeHandles val="exact"/>
+    </dgm:varLst>
+    <dgm:choose name="Name1">
+      <dgm:if name="Name2" func="var" arg="dir" op="equ" val="norm">
+        <dgm:alg type="lin"/>
+      </dgm:if>
+      <dgm:else name="Name3">
+        <dgm:alg type="lin">
+          <dgm:param type="linDir" val="fromR"/>
+        </dgm:alg>
+      </dgm:else>
+    </dgm:choose>
+    <dgm:shape xmlns:r="http://schemas.openxmlformats.org/officeDocument/2006/relationships" r:blip="">
+      <dgm:adjLst/>
+    </dgm:shape>
+    <dgm:presOf/>
+    <dgm:constrLst>
+      <dgm:constr type="w" for="ch" ptType="node" refType="w"/>
+      <dgm:constr type="h" for="ch" ptType="node" op="equ"/>
+      <dgm:constr type="primFontSz" for="ch" ptType="node" op="equ" val="65"/>
+      <dgm:constr type="w" for="ch" ptType="sibTrans" refType="w" refFor="ch" refPtType="node" op="equ" fact="0.4"/>
+      <dgm:constr type="h" for="ch" ptType="sibTrans" op="equ"/>
+      <dgm:constr type="primFontSz" for="des" forName="connectorText" op="equ" val="55"/>
+      <dgm:constr type="primFontSz" for="des" forName="connectorText" refType="primFontSz" refFor="ch" refPtType="node" op="lte" fact="0.8"/>
+    </dgm:constrLst>
+    <dgm:ruleLst/>
+    <dgm:forEach name="nodesForEach" axis="ch" ptType="node">
+      <dgm:layoutNode name="node">
+        <dgm:varLst>
+          <dgm:bulletEnabled val="1"/>
+        </dgm:varLst>
+        <dgm:alg type="tx"/>
+        <dgm:shape xmlns:r="http://schemas.openxmlformats.org/officeDocument/2006/relationships" type="roundRect" r:blip="">
+          <dgm:adjLst>
+            <dgm:adj idx="1" val="0.1"/>
+          </dgm:adjLst>
+        </dgm:shape>
+        <dgm:presOf axis="desOrSelf" ptType="node"/>
+        <dgm:constrLst>
+          <dgm:constr type="h" refType="w" fact="0.6"/>
+          <dgm:constr type="tMarg" refType="primFontSz" fact="0.3"/>
+          <dgm:constr type="bMarg" refType="primFontSz" fact="0.3"/>
+          <dgm:constr type="lMarg" refType="primFontSz" fact="0.3"/>
+          <dgm:constr type="rMarg" refType="primFontSz" fact="0.3"/>
+        </dgm:constrLst>
+        <dgm:ruleLst>
+          <dgm:rule type="primFontSz" val="18" fact="NaN" max="NaN"/>
+          <dgm:rule type="h" val="NaN" fact="1.5" max="NaN"/>
+          <dgm:rule type="primFontSz" val="5" fact="NaN" max="NaN"/>
+          <dgm:rule type="h" val="INF" fact="NaN" max="NaN"/>
+        </dgm:ruleLst>
+      </dgm:layoutNode>
+      <dgm:forEach name="sibTransForEach" axis="followSib" ptType="sibTrans" cnt="1">
+        <dgm:layoutNode name="sibTrans">
+          <dgm:alg type="conn">
+            <dgm:param type="begPts" val="auto"/>
+            <dgm:param type="endPts" val="auto"/>
+          </dgm:alg>
+          <dgm:shape xmlns:r="http://schemas.openxmlformats.org/officeDocument/2006/relationships" type="conn" r:blip="">
+            <dgm:adjLst/>
+          </dgm:shape>
+          <dgm:presOf axis="self"/>
+          <dgm:constrLst>
+            <dgm:constr type="h" refType="w" fact="0.62"/>
+            <dgm:constr type="connDist"/>
+            <dgm:constr type="begPad" refType="connDist" fact="0.25"/>
+            <dgm:constr type="endPad" refType="connDist" fact="0.22"/>
+          </dgm:constrLst>
+          <dgm:ruleLst/>
+          <dgm:layoutNode name="connectorText">
+            <dgm:alg type="tx">
+              <dgm:param type="autoTxRot" val="grav"/>
+            </dgm:alg>
+            <dgm:shape xmlns:r="http://schemas.openxmlformats.org/officeDocument/2006/relationships" type="conn" r:blip="" hideGeom="1">
+              <dgm:adjLst/>
+            </dgm:shape>
+            <dgm:presOf axis="self"/>
+            <dgm:constrLst>
+              <dgm:constr type="lMarg"/>
+              <dgm:constr type="rMarg"/>
+              <dgm:constr type="tMarg"/>
+              <dgm:constr type="bMarg"/>
+            </dgm:constrLst>
+            <dgm:ruleLst>
+              <dgm:rule type="primFontSz" val="5" fact="NaN" max="NaN"/>
+            </dgm:ruleLst>
+          </dgm:layoutNode>
+        </dgm:layoutNode>
+      </dgm:forEach>
+    </dgm:forEach>
+  </dgm:layoutNode>
+</dgm:layoutDef>
+</file>
+
+<file path=ppt/diagrams/layout2.xml><?xml version="1.0" encoding="utf-8"?>
+<dgm:layoutDef xmlns:dgm="http://schemas.openxmlformats.org/drawingml/2006/diagram" xmlns:a="http://schemas.openxmlformats.org/drawingml/2006/main" uniqueId="urn:microsoft.com/office/officeart/2005/8/layout/hProcess9">
+  <dgm:title val=""/>
+  <dgm:desc val=""/>
+  <dgm:catLst>
+    <dgm:cat type="process" pri="5000"/>
+    <dgm:cat type="convert" pri="13000"/>
+  </dgm:catLst>
+  <dgm:sampData useDef="1">
+    <dgm:dataModel>
+      <dgm:ptLst/>
+      <dgm:bg/>
+      <dgm:whole/>
+    </dgm:dataModel>
+  </dgm:sampData>
+  <dgm:styleData>
+    <dgm:dataModel>
+      <dgm:ptLst>
+        <dgm:pt modelId="0" type="doc"/>
+        <dgm:pt modelId="1"/>
+        <dgm:pt modelId="2"/>
+      </dgm:ptLst>
+      <dgm:cxnLst>
+        <dgm:cxn modelId="3" srcId="0" destId="1" srcOrd="0" destOrd="0"/>
+        <dgm:cxn modelId="4" srcId="0" destId="2" srcOrd="1" destOrd="0"/>
+      </dgm:cxnLst>
+      <dgm:bg/>
+      <dgm:whole/>
+    </dgm:dataModel>
+  </dgm:styleData>
+  <dgm:clrData>
+    <dgm:dataModel>
+      <dgm:ptLst>
+        <dgm:pt modelId="0" type="doc"/>
+        <dgm:pt modelId="1"/>
+        <dgm:pt modelId="2"/>
+        <dgm:pt modelId="3"/>
+        <dgm:pt modelId="4"/>
+      </dgm:ptLst>
+      <dgm:cxnLst>
+        <dgm:cxn modelId="5" srcId="0" destId="1" srcOrd="0" destOrd="0"/>
+        <dgm:cxn modelId="6" srcId="0" destId="2" srcOrd="1" destOrd="0"/>
+        <dgm:cxn modelId="7" srcId="0" destId="3" srcOrd="2" destOrd="0"/>
+        <dgm:cxn modelId="8" srcId="0" destId="4" srcOrd="3" destOrd="0"/>
+      </dgm:cxnLst>
+      <dgm:bg/>
+      <dgm:whole/>
+    </dgm:dataModel>
+  </dgm:clrData>
+  <dgm:layoutNode name="CompostProcess">
+    <dgm:varLst>
+      <dgm:dir/>
+      <dgm:resizeHandles val="exact"/>
+    </dgm:varLst>
+    <dgm:alg type="composite">
+      <dgm:param type="horzAlign" val="ctr"/>
+      <dgm:param type="vertAlign" val="mid"/>
+    </dgm:alg>
+    <dgm:shape xmlns:r="http://schemas.openxmlformats.org/officeDocument/2006/relationships" r:blip="">
+      <dgm:adjLst/>
+    </dgm:shape>
+    <dgm:presOf/>
+    <dgm:constrLst>
+      <dgm:constr type="w" for="ch" forName="arrow" refType="w" fact="0.85"/>
+      <dgm:constr type="h" for="ch" forName="arrow" refType="h"/>
+      <dgm:constr type="ctrX" for="ch" forName="arrow" refType="w" fact="0.5"/>
+      <dgm:constr type="ctrY" for="ch" forName="arrow" refType="h" fact="0.5"/>
+      <dgm:constr type="w" for="ch" forName="linearProcess" refType="w"/>
+      <dgm:constr type="h" for="ch" forName="linearProcess" refType="h" fact="0.4"/>
+      <dgm:constr type="ctrX" for="ch" forName="linearProcess" refType="w" fact="0.5"/>
+      <dgm:constr type="ctrY" for="ch" forName="linearProcess" refType="h" fact="0.5"/>
+    </dgm:constrLst>
+    <dgm:ruleLst/>
+    <dgm:layoutNode name="arrow" styleLbl="bgShp">
+      <dgm:alg type="sp"/>
+      <dgm:choose name="Name0">
+        <dgm:if name="Name1" func="var" arg="dir" op="equ" val="norm">
+          <dgm:shape xmlns:r="http://schemas.openxmlformats.org/officeDocument/2006/relationships" type="rightArrow" r:blip="">
+            <dgm:adjLst/>
+          </dgm:shape>
+        </dgm:if>
+        <dgm:else name="Name2">
+          <dgm:shape xmlns:r="http://schemas.openxmlformats.org/officeDocument/2006/relationships" type="leftArrow" r:blip="">
+            <dgm:adjLst/>
+          </dgm:shape>
+        </dgm:else>
+      </dgm:choose>
+      <dgm:presOf/>
+      <dgm:constrLst/>
+      <dgm:ruleLst/>
+    </dgm:layoutNode>
+    <dgm:layoutNode name="linearProcess">
+      <dgm:choose name="Name3">
+        <dgm:if name="Name4" func="var" arg="dir" op="equ" val="norm">
+          <dgm:alg type="lin"/>
+        </dgm:if>
+        <dgm:else name="Name5">
+          <dgm:alg type="lin">
+            <dgm:param type="linDir" val="fromR"/>
+          </dgm:alg>
+        </dgm:else>
+      </dgm:choose>
+      <dgm:shape xmlns:r="http://schemas.openxmlformats.org/officeDocument/2006/relationships" r:blip="">
+        <dgm:adjLst/>
+      </dgm:shape>
+      <dgm:presOf/>
+      <dgm:constrLst>
+        <dgm:constr type="userA" for="ch" ptType="node" refType="w"/>
+        <dgm:constr type="h" for="ch" ptType="node" refType="h"/>
+        <dgm:constr type="w" for="ch" ptType="node" op="equ"/>
+        <dgm:constr type="w" for="ch" forName="sibTrans" refType="w" fact="0.05"/>
+        <dgm:constr type="primFontSz" for="ch" ptType="node" op="equ" val="65"/>
+      </dgm:constrLst>
+      <dgm:ruleLst/>
+      <dgm:forEach name="Name6" axis="ch" ptType="node">
+        <dgm:layoutNode name="textNode" styleLbl="node1">
+          <dgm:varLst>
+            <dgm:bulletEnabled val="1"/>
+          </dgm:varLst>
+          <dgm:alg type="tx"/>
+          <dgm:shape xmlns:r="http://schemas.openxmlformats.org/officeDocument/2006/relationships" type="roundRect" r:blip="">
+            <dgm:adjLst/>
+          </dgm:shape>
+          <dgm:presOf axis="desOrSelf" ptType="node"/>
+          <dgm:constrLst>
+            <dgm:constr type="userA"/>
+            <dgm:constr type="w" refType="userA" fact="0.3"/>
+            <dgm:constr type="tMarg" refType="primFontSz" fact="0.3"/>
+            <dgm:constr type="bMarg" refType="primFontSz" fact="0.3"/>
+            <dgm:constr type="lMarg" refType="primFontSz" fact="0.3"/>
+            <dgm:constr type="rMarg" refType="primFontSz" fact="0.3"/>
+          </dgm:constrLst>
+          <dgm:ruleLst>
+            <dgm:rule type="w" val="NaN" fact="1" max="NaN"/>
+            <dgm:rule type="primFontSz" val="5" fact="NaN" max="NaN"/>
+          </dgm:ruleLst>
+        </dgm:layoutNode>
+        <dgm:forEach name="Name7" axis="followSib" ptType="sibTrans" cnt="1">
+          <dgm:layoutNode name="sibTrans">
+            <dgm:alg type="sp"/>
+            <dgm:shape xmlns:r="http://schemas.openxmlformats.org/officeDocument/2006/relationships" r:blip="">
+              <dgm:adjLst/>
+            </dgm:shape>
+            <dgm:presOf/>
+            <dgm:constrLst/>
+            <dgm:ruleLst/>
+          </dgm:layoutNode>
+        </dgm:forEach>
+      </dgm:forEach>
+    </dgm:layoutNode>
+  </dgm:layoutNode>
+</dgm:layoutDef>
+</file>
+
+<file path=ppt/diagrams/quickStyle1.xml><?xml version="1.0" encoding="utf-8"?>
+<dgm:styleDef xmlns:dgm="http://schemas.openxmlformats.org/drawingml/2006/diagram" xmlns:a="http://schemas.openxmlformats.org/drawingml/2006/main" uniqueId="urn:microsoft.com/office/officeart/2005/8/quickstyle/simple1">
+  <dgm:title val=""/>
+  <dgm:desc val=""/>
+  <dgm:catLst>
+    <dgm:cat type="simple" pri="10100"/>
+  </dgm:catLst>
+  <dgm:scene3d>
+    <a:camera prst="orthographicFront"/>
+    <a:lightRig rig="threePt" dir="t"/>
+  </dgm:scene3d>
+  <dgm:styleLbl name="node0">
+    <dgm:scene3d>
+      <a:camera prst="orthographicFront"/>
+      <a:lightRig rig="threePt" dir="t"/>
+    </dgm:scene3d>
+    <dgm:sp3d/>
+    <dgm:txPr/>
+    <dgm:style>
+      <a:lnRef idx="2">
+        <a:scrgbClr r="0" g="0" b="0"/>
+      </a:lnRef>
+      <a:fillRef idx="1">
+        <a:scrgbClr r="0" g="0" b="0"/>
+      </a:fillRef>
+      <a:effectRef idx="0">
+        <a:scrgbClr r="0" g="0" b="0"/>
+      </a:effectRef>
+      <a:fontRef idx="minor">
+        <a:schemeClr val="lt1"/>
+      </a:fontRef>
+    </dgm:style>
+  </dgm:styleLbl>
+  <dgm:styleLbl name="lnNode1">
+    <dgm:scene3d>
+      <a:camera prst="orthographicFront"/>
+      <a:lightRig rig="threePt" dir="t"/>
+    </dgm:scene3d>
+    <dgm:sp3d/>
+    <dgm:txPr/>
+    <dgm:style>
+      <a:lnRef idx="2">
+        <a:scrgbClr r="0" g="0" b="0"/>
+      </a:lnRef>
+      <a:fillRef idx="1">
+        <a:scrgbClr r="0" g="0" b="0"/>
+      </a:fillRef>
+      <a:effectRef idx="0">
+        <a:scrgbClr r="0" g="0" b="0"/>
+      </a:effectRef>
+      <a:fontRef idx="minor">
+        <a:schemeClr val="lt1"/>
+      </a:fontRef>
+    </dgm:style>
+  </dgm:styleLbl>
+  <dgm:styleLbl name="vennNode1">
+    <dgm:scene3d>
+      <a:camera prst="orthographicFront"/>
+      <a:lightRig rig="threePt" dir="t"/>
+    </dgm:scene3d>
+    <dgm:sp3d/>
+    <dgm:txPr/>
+    <dgm:style>
+      <a:lnRef idx="2">
+        <a:scrgbClr r="0" g="0" b="0"/>
+      </a:lnRef>
+      <a:fillRef idx="1">
+        <a:scrgbClr r="0" g="0" b="0"/>
+      </a:fillRef>
+      <a:effectRef idx="0">
+        <a:scrgbClr r="0" g="0" b="0"/>
+      </a:effectRef>
+      <a:fontRef idx="minor">
+        <a:schemeClr val="tx1"/>
+      </a:fontRef>
+    </dgm:style>
+  </dgm:styleLbl>
+  <dgm:styleLbl name="alignNode1">
+    <dgm:scene3d>
+      <a:camera prst="orthographicFront"/>
+      <a:lightRig rig="threePt" dir="t"/>
+    </dgm:scene3d>
+    <dgm:sp3d/>
+    <dgm:txPr/>
+    <dgm:style>
+      <a:lnRef idx="2">
+        <a:scrgbClr r="0" g="0" b="0"/>
+      </a:lnRef>
+      <a:fillRef idx="1">
+        <a:scrgbClr r="0" g="0" b="0"/>
+      </a:fillRef>
+      <a:effectRef idx="0">
+        <a:scrgbClr r="0" g="0" b="0"/>
+      </a:effectRef>
+      <a:fontRef idx="minor">
+        <a:schemeClr val="lt1"/>
+      </a:fontRef>
+    </dgm:style>
+  </dgm:styleLbl>
+  <dgm:styleLbl name="node1">
+    <dgm:scene3d>
+      <a:camera prst="orthographicFront"/>
+      <a:lightRig rig="threePt" dir="t"/>
+    </dgm:scene3d>
+    <dgm:sp3d/>
+    <dgm:txPr/>
+    <dgm:style>
+      <a:lnRef idx="2">
+        <a:scrgbClr r="0" g="0" b="0"/>
+      </a:lnRef>
+      <a:fillRef idx="1">
+        <a:scrgbClr r="0" g="0" b="0"/>
+      </a:fillRef>
+      <a:effectRef idx="0">
+        <a:scrgbClr r="0" g="0" b="0"/>
+      </a:effectRef>
+      <a:fontRef idx="minor">
+        <a:schemeClr val="lt1"/>
+      </a:fontRef>
+    </dgm:style>
+  </dgm:styleLbl>
+  <dgm:styleLbl name="node2">
+    <dgm:scene3d>
+      <a:camera prst="orthographicFront"/>
+      <a:lightRig rig="threePt" dir="t"/>
+    </dgm:scene3d>
+    <dgm:sp3d/>
+    <dgm:txPr/>
+    <dgm:style>
+      <a:lnRef idx="2">
+        <a:scrgbClr r="0" g="0" b="0"/>
+      </a:lnRef>
+      <a:fillRef idx="1">
+        <a:scrgbClr r="0" g="0" b="0"/>
+      </a:fillRef>
+      <a:effectRef idx="0">
+        <a:scrgbClr r="0" g="0" b="0"/>
+      </a:effectRef>
+      <a:fontRef idx="minor">
+        <a:schemeClr val="lt1"/>
+      </a:fontRef>
+    </dgm:style>
+  </dgm:styleLbl>
+  <dgm:styleLbl name="node3">
+    <dgm:scene3d>
+      <a:camera prst="orthographicFront"/>
+      <a:lightRig rig="threePt" dir="t"/>
+    </dgm:scene3d>
+    <dgm:sp3d/>
+    <dgm:txPr/>
+    <dgm:style>
+      <a:lnRef idx="2">
+        <a:scrgbClr r="0" g="0" b="0"/>
+      </a:lnRef>
+      <a:fillRef idx="1">
+        <a:scrgbClr r="0" g="0" b="0"/>
+      </a:fillRef>
+      <a:effectRef idx="0">
+        <a:scrgbClr r="0" g="0" b="0"/>
+      </a:effectRef>
+      <a:fontRef idx="minor">
+        <a:schemeClr val="lt1"/>
+      </a:fontRef>
+    </dgm:style>
+  </dgm:styleLbl>
+  <dgm:styleLbl name="node4">
+    <dgm:scene3d>
+      <a:camera prst="orthographicFront"/>
+      <a:lightRig rig="threePt" dir="t"/>
+    </dgm:scene3d>
+    <dgm:sp3d/>
+    <dgm:txPr/>
+    <dgm:style>
+      <a:lnRef idx="2">
+        <a:scrgbClr r="0" g="0" b="0"/>
+      </a:lnRef>
+      <a:fillRef idx="1">
+        <a:scrgbClr r="0" g="0" b="0"/>
+      </a:fillRef>
+      <a:effectRef idx="0">
+        <a:scrgbClr r="0" g="0" b="0"/>
+      </a:effectRef>
+      <a:fontRef idx="minor">
+        <a:schemeClr val="lt1"/>
+      </a:fontRef>
+    </dgm:style>
+  </dgm:styleLbl>
+  <dgm:styleLbl name="fgImgPlace1">
+    <dgm:scene3d>
+      <a:camera prst="orthographicFront"/>
+      <a:lightRig rig="threePt" dir="t"/>
+    </dgm:scene3d>
+    <dgm:sp3d/>
+    <dgm:txPr/>
+    <dgm:style>
+      <a:lnRef idx="2">
+        <a:scrgbClr r="0" g="0" b="0"/>
+      </a:lnRef>
+      <a:fillRef idx="1">
+        <a:scrgbClr r="0" g="0" b="0"/>
+      </a:fillRef>
+      <a:effectRef idx="0">
+        <a:scrgbClr r="0" g="0" b="0"/>
+      </a:effectRef>
+      <a:fontRef idx="minor"/>
+    </dgm:style>
+  </dgm:styleLbl>
+  <dgm:styleLbl name="alignImgPlace1">
+    <dgm:scene3d>
+      <a:camera prst="orthographicFront"/>
+      <a:lightRig rig="threePt" dir="t"/>
+    </dgm:scene3d>
+    <dgm:sp3d/>
+    <dgm:txPr/>
+    <dgm:style>
+      <a:lnRef idx="2">
+        <a:scrgbClr r="0" g="0" b="0"/>
+      </a:lnRef>
+      <a:fillRef idx="1">
+        <a:scrgbClr r="0" g="0" b="0"/>
+      </a:fillRef>
+      <a:effectRef idx="0">
+        <a:scrgbClr r="0" g="0" b="0"/>
+      </a:effectRef>
+      <a:fontRef idx="minor"/>
+    </dgm:style>
+  </dgm:styleLbl>
+  <dgm:styleLbl name="bgImgPlace1">
+    <dgm:scene3d>
+      <a:camera prst="orthographicFront"/>
+      <a:lightRig rig="threePt" dir="t"/>
+    </dgm:scene3d>
+    <dgm:sp3d/>
+    <dgm:txPr/>
+    <dgm:style>
+      <a:lnRef idx="2">
+        <a:scrgbClr r="0" g="0" b="0"/>
+      </a:lnRef>
+      <a:fillRef idx="1">
+        <a:scrgbClr r="0" g="0" b="0"/>
+      </a:fillRef>
+      <a:effectRef idx="0">
+        <a:scrgbClr r="0" g="0" b="0"/>
+      </a:effectRef>
+      <a:fontRef idx="minor"/>
+    </dgm:style>
+  </dgm:styleLbl>
+  <dgm:styleLbl name="sibTrans2D1">
+    <dgm:scene3d>
+      <a:camera prst="orthographicFront"/>
+      <a:lightRig rig="threePt" dir="t"/>
+    </dgm:scene3d>
+    <dgm:sp3d/>
+    <dgm:txPr/>
+    <dgm:style>
+      <a:lnRef idx="0">
+        <a:scrgbClr r="0" g="0" b="0"/>
+      </a:lnRef>
+      <a:fillRef idx="1">
+        <a:scrgbClr r="0" g="0" b="0"/>
+      </a:fillRef>
+      <a:effectRef idx="0">
+        <a:scrgbClr r="0" g="0" b="0"/>
+      </a:effectRef>
+      <a:fontRef idx="minor">
+        <a:schemeClr val="lt1"/>
+      </a:fontRef>
+    </dgm:style>
+  </dgm:styleLbl>
+  <dgm:styleLbl name="fgSibTrans2D1">
+    <dgm:scene3d>
+      <a:camera prst="orthographicFront"/>
+      <a:lightRig rig="threePt" dir="t"/>
+    </dgm:scene3d>
+    <dgm:sp3d/>
+    <dgm:txPr/>
+    <dgm:style>
+      <a:lnRef idx="0">
+        <a:scrgbClr r="0" g="0" b="0"/>
+      </a:lnRef>
+      <a:fillRef idx="1">
+        <a:scrgbClr r="0" g="0" b="0"/>
+      </a:fillRef>
+      <a:effectRef idx="0">
+        <a:scrgbClr r="0" g="0" b="0"/>
+      </a:effectRef>
+      <a:fontRef idx="minor">
+        <a:schemeClr val="lt1"/>
+      </a:fontRef>
+    </dgm:style>
+  </dgm:styleLbl>
+  <dgm:styleLbl name="bgSibTrans2D1">
+    <dgm:scene3d>
+      <a:camera prst="orthographicFront"/>
+      <a:lightRig rig="threePt" dir="t"/>
+    </dgm:scene3d>
+    <dgm:sp3d/>
+    <dgm:txPr/>
+    <dgm:style>
+      <a:lnRef idx="0">
+        <a:scrgbClr r="0" g="0" b="0"/>
+      </a:lnRef>
+      <a:fillRef idx="1">
+        <a:scrgbClr r="0" g="0" b="0"/>
+      </a:fillRef>
+      <a:effectRef idx="0">
+        <a:scrgbClr r="0" g="0" b="0"/>
+      </a:effectRef>
+      <a:fontRef idx="minor">
+        <a:schemeClr val="lt1"/>
+      </a:fontRef>
+    </dgm:style>
+  </dgm:styleLbl>
+  <dgm:styleLbl name="sibTrans1D1">
+    <dgm:scene3d>
+      <a:camera prst="orthographicFront"/>
+      <a:lightRig rig="threePt" dir="t"/>
+    </dgm:scene3d>
+    <dgm:sp3d/>
+    <dgm:txPr/>
+    <dgm:style>
+      <a:lnRef idx="1">
+        <a:scrgbClr r="0" g="0" b="0"/>
+      </a:lnRef>
+      <a:fillRef idx="0">
+        <a:scrgbClr r="0" g="0" b="0"/>
+      </a:fillRef>
+      <a:effectRef idx="0">
+        <a:scrgbClr r="0" g="0" b="0"/>
+      </a:effectRef>
+      <a:fontRef idx="minor"/>
+    </dgm:style>
+  </dgm:styleLbl>
+  <dgm:styleLbl name="callout">
+    <dgm:scene3d>
+      <a:camera prst="orthographicFront"/>
+      <a:lightRig rig="threePt" dir="t"/>
+    </dgm:scene3d>
+    <dgm:sp3d/>
+    <dgm:txPr/>
+    <dgm:style>
+      <a:lnRef idx="2">
+        <a:scrgbClr r="0" g="0" b="0"/>
+      </a:lnRef>
+      <a:fillRef idx="1">
+        <a:scrgbClr r="0" g="0" b="0"/>
+      </a:fillRef>
+      <a:effectRef idx="0">
+        <a:scrgbClr r="0" g="0" b="0"/>
+      </a:effectRef>
+      <a:fontRef idx="minor"/>
+    </dgm:style>
+  </dgm:styleLbl>
+  <dgm:styleLbl name="asst0">
+    <dgm:scene3d>
+      <a:camera prst="orthographicFront"/>
+      <a:lightRig rig="threePt" dir="t"/>
+    </dgm:scene3d>
+    <dgm:sp3d/>
+    <dgm:txPr/>
+    <dgm:style>
+      <a:lnRef idx="2">
+        <a:scrgbClr r="0" g="0" b="0"/>
+      </a:lnRef>
+      <a:fillRef idx="1">
+        <a:scrgbClr r="0" g="0" b="0"/>
+      </a:fillRef>
+      <a:effectRef idx="0">
+        <a:scrgbClr r="0" g="0" b="0"/>
+      </a:effectRef>
+      <a:fontRef idx="minor">
+        <a:schemeClr val="lt1"/>
+      </a:fontRef>
+    </dgm:style>
+  </dgm:styleLbl>
+  <dgm:styleLbl name="asst1">
+    <dgm:scene3d>
+      <a:camera prst="orthographicFront"/>
+      <a:lightRig rig="threePt" dir="t"/>
+    </dgm:scene3d>
+    <dgm:sp3d/>
+    <dgm:txPr/>
+    <dgm:style>
+      <a:lnRef idx="2">
+        <a:scrgbClr r="0" g="0" b="0"/>
+      </a:lnRef>
+      <a:fillRef idx="1">
+        <a:scrgbClr r="0" g="0" b="0"/>
+      </a:fillRef>
+      <a:effectRef idx="0">
+        <a:scrgbClr r="0" g="0" b="0"/>
+      </a:effectRef>
+      <a:fontRef idx="minor">
+        <a:schemeClr val="lt1"/>
+      </a:fontRef>
+    </dgm:style>
+  </dgm:styleLbl>
+  <dgm:styleLbl name="asst2">
+    <dgm:scene3d>
+      <a:camera prst="orthographicFront"/>
+      <a:lightRig rig="threePt" dir="t"/>
+    </dgm:scene3d>
+    <dgm:sp3d/>
+    <dgm:txPr/>
+    <dgm:style>
+      <a:lnRef idx="2">
+        <a:scrgbClr r="0" g="0" b="0"/>
+      </a:lnRef>
+      <a:fillRef idx="1">
+        <a:scrgbClr r="0" g="0" b="0"/>
+      </a:fillRef>
+      <a:effectRef idx="0">
+        <a:scrgbClr r="0" g="0" b="0"/>
+      </a:effectRef>
+      <a:fontRef idx="minor">
+        <a:schemeClr val="lt1"/>
+      </a:fontRef>
+    </dgm:style>
+  </dgm:styleLbl>
+  <dgm:styleLbl name="asst3">
+    <dgm:scene3d>
+      <a:camera prst="orthographicFront"/>
+      <a:lightRig rig="threePt" dir="t"/>
+    </dgm:scene3d>
+    <dgm:sp3d/>
+    <dgm:txPr/>
+    <dgm:style>
+      <a:lnRef idx="2">
+        <a:scrgbClr r="0" g="0" b="0"/>
+      </a:lnRef>
+      <a:fillRef idx="1">
+        <a:scrgbClr r="0" g="0" b="0"/>
+      </a:fillRef>
+      <a:effectRef idx="0">
+        <a:scrgbClr r="0" g="0" b="0"/>
+      </a:effectRef>
+      <a:fontRef idx="minor">
+        <a:schemeClr val="lt1"/>
+      </a:fontRef>
+    </dgm:style>
+  </dgm:styleLbl>
+  <dgm:styleLbl name="asst4">
+    <dgm:scene3d>
+      <a:camera prst="orthographicFront"/>
+      <a:lightRig rig="threePt" dir="t"/>
+    </dgm:scene3d>
+    <dgm:sp3d/>
+    <dgm:txPr/>
+    <dgm:style>
+      <a:lnRef idx="2">
+        <a:scrgbClr r="0" g="0" b="0"/>
+      </a:lnRef>
+      <a:fillRef idx="1">
+        <a:scrgbClr r="0" g="0" b="0"/>
+      </a:fillRef>
+      <a:effectRef idx="0">
+        <a:scrgbClr r="0" g="0" b="0"/>
+      </a:effectRef>
+      <a:fontRef idx="minor">
+        <a:schemeClr val="lt1"/>
+      </a:fontRef>
+    </dgm:style>
+  </dgm:styleLbl>
+  <dgm:styleLbl name="parChTrans2D1">
+    <dgm:scene3d>
+      <a:camera prst="orthographicFront"/>
+      <a:lightRig rig="threePt" dir="t"/>
+    </dgm:scene3d>
+    <dgm:sp3d/>
+    <dgm:txPr/>
+    <dgm:style>
+      <a:lnRef idx="2">
+        <a:scrgbClr r="0" g="0" b="0"/>
+      </a:lnRef>
+      <a:fillRef idx="1">
+        <a:scrgbClr r="0" g="0" b="0"/>
+      </a:fillRef>
+      <a:effectRef idx="0">
+        <a:scrgbClr r="0" g="0" b="0"/>
+      </a:effectRef>
+      <a:fontRef idx="minor">
+        <a:schemeClr val="lt1"/>
+      </a:fontRef>
+    </dgm:style>
+  </dgm:styleLbl>
+  <dgm:styleLbl name="parChTrans2D2">
+    <dgm:scene3d>
+      <a:camera prst="orthographicFront"/>
+      <a:lightRig rig="threePt" dir="t"/>
+    </dgm:scene3d>
+    <dgm:sp3d/>
+    <dgm:txPr/>
+    <dgm:style>
+      <a:lnRef idx="2">
+        <a:scrgbClr r="0" g="0" b="0"/>
+      </a:lnRef>
+      <a:fillRef idx="1">
+        <a:scrgbClr r="0" g="0" b="0"/>
+      </a:fillRef>
+      <a:effectRef idx="0">
+        <a:scrgbClr r="0" g="0" b="0"/>
+      </a:effectRef>
+      <a:fontRef idx="minor">
+        <a:schemeClr val="lt1"/>
+      </a:fontRef>
+    </dgm:style>
+  </dgm:styleLbl>
+  <dgm:styleLbl name="parChTrans2D3">
+    <dgm:scene3d>
+      <a:camera prst="orthographicFront"/>
+      <a:lightRig rig="threePt" dir="t"/>
+    </dgm:scene3d>
+    <dgm:sp3d/>
+    <dgm:txPr/>
+    <dgm:style>
+      <a:lnRef idx="2">
+        <a:scrgbClr r="0" g="0" b="0"/>
+      </a:lnRef>
+      <a:fillRef idx="1">
+        <a:scrgbClr r="0" g="0" b="0"/>
+      </a:fillRef>
+      <a:effectRef idx="0">
+        <a:scrgbClr r="0" g="0" b="0"/>
+      </a:effectRef>
+      <a:fontRef idx="minor">
+        <a:schemeClr val="lt1"/>
+      </a:fontRef>
+    </dgm:style>
+  </dgm:styleLbl>
+  <dgm:styleLbl name="parChTrans2D4">
+    <dgm:scene3d>
+      <a:camera prst="orthographicFront"/>
+      <a:lightRig rig="threePt" dir="t"/>
+    </dgm:scene3d>
+    <dgm:sp3d/>
+    <dgm:txPr/>
+    <dgm:style>
+      <a:lnRef idx="2">
+        <a:scrgbClr r="0" g="0" b="0"/>
+      </a:lnRef>
+      <a:fillRef idx="1">
+        <a:scrgbClr r="0" g="0" b="0"/>
+      </a:fillRef>
+      <a:effectRef idx="0">
+        <a:scrgbClr r="0" g="0" b="0"/>
+      </a:effectRef>
+      <a:fontRef idx="minor">
+        <a:schemeClr val="lt1"/>
+      </a:fontRef>
+    </dgm:style>
+  </dgm:styleLbl>
+  <dgm:styleLbl name="parChTrans1D1">
+    <dgm:scene3d>
+      <a:camera prst="orthographicFront"/>
+      <a:lightRig rig="threePt" dir="t"/>
+    </dgm:scene3d>
+    <dgm:sp3d/>
+    <dgm:txPr/>
+    <dgm:style>
+      <a:lnRef idx="2">
+        <a:scrgbClr r="0" g="0" b="0"/>
+      </a:lnRef>
+      <a:fillRef idx="0">
+        <a:scrgbClr r="0" g="0" b="0"/>
+      </a:fillRef>
+      <a:effectRef idx="0">
+        <a:scrgbClr r="0" g="0" b="0"/>
+      </a:effectRef>
+      <a:fontRef idx="minor"/>
+    </dgm:style>
+  </dgm:styleLbl>
+  <dgm:styleLbl name="parChTrans1D2">
+    <dgm:scene3d>
+      <a:camera prst="orthographicFront"/>
+      <a:lightRig rig="threePt" dir="t"/>
+    </dgm:scene3d>
+    <dgm:sp3d/>
+    <dgm:txPr/>
+    <dgm:style>
+      <a:lnRef idx="2">
+        <a:scrgbClr r="0" g="0" b="0"/>
+      </a:lnRef>
+      <a:fillRef idx="0">
+        <a:scrgbClr r="0" g="0" b="0"/>
+      </a:fillRef>
+      <a:effectRef idx="0">
+        <a:scrgbClr r="0" g="0" b="0"/>
+      </a:effectRef>
+      <a:fontRef idx="minor"/>
+    </dgm:style>
+  </dgm:styleLbl>
+  <dgm:styleLbl name="parChTrans1D3">
+    <dgm:scene3d>
+      <a:camera prst="orthographicFront"/>
+      <a:lightRig rig="threePt" dir="t"/>
+    </dgm:scene3d>
+    <dgm:sp3d/>
+    <dgm:txPr/>
+    <dgm:style>
+      <a:lnRef idx="2">
+        <a:scrgbClr r="0" g="0" b="0"/>
+      </a:lnRef>
+      <a:fillRef idx="0">
+        <a:scrgbClr r="0" g="0" b="0"/>
+      </a:fillRef>
+      <a:effectRef idx="0">
+        <a:scrgbClr r="0" g="0" b="0"/>
+      </a:effectRef>
+      <a:fontRef idx="minor"/>
+    </dgm:style>
+  </dgm:styleLbl>
+  <dgm:styleLbl name="parChTrans1D4">
+    <dgm:scene3d>
+      <a:camera prst="orthographicFront"/>
+      <a:lightRig rig="threePt" dir="t"/>
+    </dgm:scene3d>
+    <dgm:sp3d/>
+    <dgm:txPr/>
+    <dgm:style>
+      <a:lnRef idx="2">
+        <a:scrgbClr r="0" g="0" b="0"/>
+      </a:lnRef>
+      <a:fillRef idx="0">
+        <a:scrgbClr r="0" g="0" b="0"/>
+      </a:fillRef>
+      <a:effectRef idx="0">
+        <a:scrgbClr r="0" g="0" b="0"/>
+      </a:effectRef>
+      <a:fontRef idx="minor"/>
+    </dgm:style>
+  </dgm:styleLbl>
+  <dgm:styleLbl name="fgAcc1">
+    <dgm:scene3d>
+      <a:camera prst="orthographicFront"/>
+      <a:lightRig rig="threePt" dir="t"/>
+    </dgm:scene3d>
+    <dgm:sp3d/>
+    <dgm:txPr/>
+    <dgm:style>
+      <a:lnRef idx="2">
+        <a:scrgbClr r="0" g="0" b="0"/>
+      </a:lnRef>
+      <a:fillRef idx="1">
+        <a:scrgbClr r="0" g="0" b="0"/>
+      </a:fillRef>
+      <a:effectRef idx="0">
+        <a:scrgbClr r="0" g="0" b="0"/>
+      </a:effectRef>
+      <a:fontRef idx="minor"/>
+    </dgm:style>
+  </dgm:styleLbl>
+  <dgm:styleLbl name="conFgAcc1">
+    <dgm:scene3d>
+      <a:camera prst="orthographicFront"/>
+      <a:lightRig rig="threePt" dir="t"/>
+    </dgm:scene3d>
+    <dgm:sp3d/>
+    <dgm:txPr/>
+    <dgm:style>
+      <a:lnRef idx="2">
+        <a:scrgbClr r="0" g="0" b="0"/>
+      </a:lnRef>
+      <a:fillRef idx="1">
+        <a:scrgbClr r="0" g="0" b="0"/>
+      </a:fillRef>
+      <a:effectRef idx="0">
+        <a:scrgbClr r="0" g="0" b="0"/>
+      </a:effectRef>
+      <a:fontRef idx="minor"/>
+    </dgm:style>
+  </dgm:styleLbl>
+  <dgm:styleLbl name="alignAcc1">
+    <dgm:scene3d>
+      <a:camera prst="orthographicFront"/>
+      <a:lightRig rig="threePt" dir="t"/>
+    </dgm:scene3d>
+    <dgm:sp3d/>
+    <dgm:txPr/>
+    <dgm:style>
+      <a:lnRef idx="2">
+        <a:scrgbClr r="0" g="0" b="0"/>
+      </a:lnRef>
+      <a:fillRef idx="1">
+        <a:scrgbClr r="0" g="0" b="0"/>
+      </a:fillRef>
+      <a:effectRef idx="0">
+        <a:scrgbClr r="0" g="0" b="0"/>
+      </a:effectRef>
+      <a:fontRef idx="minor"/>
+    </dgm:style>
+  </dgm:styleLbl>
+  <dgm:styleLbl name="trAlignAcc1">
+    <dgm:scene3d>
+      <a:camera prst="orthographicFront"/>
+      <a:lightRig rig="threePt" dir="t"/>
+    </dgm:scene3d>
+    <dgm:sp3d/>
+    <dgm:txPr/>
+    <dgm:style>
+      <a:lnRef idx="1">
+        <a:scrgbClr r="0" g="0" b="0"/>
+      </a:lnRef>
+      <a:fillRef idx="1">
+        <a:scrgbClr r="0" g="0" b="0"/>
+      </a:fillRef>
+      <a:effectRef idx="0">
+        <a:scrgbClr r="0" g="0" b="0"/>
+      </a:effectRef>
+      <a:fontRef idx="minor"/>
+    </dgm:style>
+  </dgm:styleLbl>
+  <dgm:styleLbl name="bgAcc1">
+    <dgm:scene3d>
+      <a:camera prst="orthographicFront"/>
+      <a:lightRig rig="threePt" dir="t"/>
+    </dgm:scene3d>
+    <dgm:sp3d/>
+    <dgm:txPr/>
+    <dgm:style>
+      <a:lnRef idx="2">
+        <a:scrgbClr r="0" g="0" b="0"/>
+      </a:lnRef>
+      <a:fillRef idx="1">
+        <a:scrgbClr r="0" g="0" b="0"/>
+      </a:fillRef>
+      <a:effectRef idx="0">
+        <a:scrgbClr r="0" g="0" b="0"/>
+      </a:effectRef>
+      <a:fontRef idx="minor"/>
+    </dgm:style>
+  </dgm:styleLbl>
+  <dgm:styleLbl name="solidFgAcc1">
+    <dgm:scene3d>
+      <a:camera prst="orthographicFront"/>
+      <a:lightRig rig="threePt" dir="t"/>
+    </dgm:scene3d>
+    <dgm:sp3d/>
+    <dgm:txPr/>
+    <dgm:style>
+      <a:lnRef idx="2">
+        <a:scrgbClr r="0" g="0" b="0"/>
+      </a:lnRef>
+      <a:fillRef idx="1">
+        <a:scrgbClr r="0" g="0" b="0"/>
+      </a:fillRef>
+      <a:effectRef idx="0">
+        <a:scrgbClr r="0" g="0" b="0"/>
+      </a:effectRef>
+      <a:fontRef idx="minor"/>
+    </dgm:style>
+  </dgm:styleLbl>
+  <dgm:styleLbl name="solidAlignAcc1">
+    <dgm:scene3d>
+      <a:camera prst="orthographicFront"/>
+      <a:lightRig rig="threePt" dir="t"/>
+    </dgm:scene3d>
+    <dgm:sp3d/>
+    <dgm:txPr/>
+    <dgm:style>
+      <a:lnRef idx="2">
+        <a:scrgbClr r="0" g="0" b="0"/>
+      </a:lnRef>
+      <a:fillRef idx="1">
+        <a:scrgbClr r="0" g="0" b="0"/>
+      </a:fillRef>
+      <a:effectRef idx="0">
+        <a:scrgbClr r="0" g="0" b="0"/>
+      </a:effectRef>
+      <a:fontRef idx="minor"/>
+    </dgm:style>
+  </dgm:styleLbl>
+  <dgm:styleLbl name="solidBgAcc1">
+    <dgm:scene3d>
+      <a:camera prst="orthographicFront"/>
+      <a:lightRig rig="threePt" dir="t"/>
+    </dgm:scene3d>
+    <dgm:sp3d/>
+    <dgm:txPr/>
+    <dgm:style>
+      <a:lnRef idx="2">
+        <a:scrgbClr r="0" g="0" b="0"/>
+      </a:lnRef>
+      <a:fillRef idx="1">
+        <a:scrgbClr r="0" g="0" b="0"/>
+      </a:fillRef>
+      <a:effectRef idx="0">
+        <a:scrgbClr r="0" g="0" b="0"/>
+      </a:effectRef>
+      <a:fontRef idx="minor"/>
+    </dgm:style>
+  </dgm:styleLbl>
+  <dgm:styleLbl name="fgAccFollowNode1">
+    <dgm:scene3d>
+      <a:camera prst="orthographicFront"/>
+      <a:lightRig rig="threePt" dir="t"/>
+    </dgm:scene3d>
+    <dgm:sp3d/>
+    <dgm:txPr/>
+    <dgm:style>
+      <a:lnRef idx="2">
+        <a:scrgbClr r="0" g="0" b="0"/>
+      </a:lnRef>
+      <a:fillRef idx="1">
+        <a:scrgbClr r="0" g="0" b="0"/>
+      </a:fillRef>
+      <a:effectRef idx="0">
+        <a:scrgbClr r="0" g="0" b="0"/>
+      </a:effectRef>
+      <a:fontRef idx="minor"/>
+    </dgm:style>
+  </dgm:styleLbl>
+  <dgm:styleLbl name="alignAccFollowNode1">
+    <dgm:scene3d>
+      <a:camera prst="orthographicFront"/>
+      <a:lightRig rig="threePt" dir="t"/>
+    </dgm:scene3d>
+    <dgm:sp3d/>
+    <dgm:txPr/>
+    <dgm:style>
+      <a:lnRef idx="2">
+        <a:scrgbClr r="0" g="0" b="0"/>
+      </a:lnRef>
+      <a:fillRef idx="1">
+        <a:scrgbClr r="0" g="0" b="0"/>
+      </a:fillRef>
+      <a:effectRef idx="0">
+        <a:scrgbClr r="0" g="0" b="0"/>
+      </a:effectRef>
+      <a:fontRef idx="minor"/>
+    </dgm:style>
+  </dgm:styleLbl>
+  <dgm:styleLbl name="bgAccFollowNode1">
+    <dgm:scene3d>
+      <a:camera prst="orthographicFront"/>
+      <a:lightRig rig="threePt" dir="t"/>
+    </dgm:scene3d>
+    <dgm:sp3d/>
+    <dgm:txPr/>
+    <dgm:style>
+      <a:lnRef idx="2">
+        <a:scrgbClr r="0" g="0" b="0"/>
+      </a:lnRef>
+      <a:fillRef idx="1">
+        <a:scrgbClr r="0" g="0" b="0"/>
+      </a:fillRef>
+      <a:effectRef idx="0">
+        <a:scrgbClr r="0" g="0" b="0"/>
+      </a:effectRef>
+      <a:fontRef idx="minor"/>
+    </dgm:style>
+  </dgm:styleLbl>
+  <dgm:styleLbl name="fgAcc0">
+    <dgm:scene3d>
+      <a:camera prst="orthographicFront"/>
+      <a:lightRig rig="threePt" dir="t"/>
+    </dgm:scene3d>
+    <dgm:sp3d/>
+    <dgm:txPr/>
+    <dgm:style>
+      <a:lnRef idx="2">
+        <a:scrgbClr r="0" g="0" b="0"/>
+      </a:lnRef>
+      <a:fillRef idx="1">
+        <a:scrgbClr r="0" g="0" b="0"/>
+      </a:fillRef>
+      <a:effectRef idx="0">
+        <a:scrgbClr r="0" g="0" b="0"/>
+      </a:effectRef>
+      <a:fontRef idx="minor"/>
+    </dgm:style>
+  </dgm:styleLbl>
+  <dgm:styleLbl name="fgAcc2">
+    <dgm:scene3d>
+      <a:camera prst="orthographicFront"/>
+      <a:lightRig rig="threePt" dir="t"/>
+    </dgm:scene3d>
+    <dgm:sp3d/>
+    <dgm:txPr/>
+    <dgm:style>
+      <a:lnRef idx="2">
+        <a:scrgbClr r="0" g="0" b="0"/>
+      </a:lnRef>
+      <a:fillRef idx="1">
+        <a:scrgbClr r="0" g="0" b="0"/>
+      </a:fillRef>
+      <a:effectRef idx="0">
+        <a:scrgbClr r="0" g="0" b="0"/>
+      </a:effectRef>
+      <a:fontRef idx="minor"/>
+    </dgm:style>
+  </dgm:styleLbl>
+  <dgm:styleLbl name="fgAcc3">
+    <dgm:scene3d>
+      <a:camera prst="orthographicFront"/>
+      <a:lightRig rig="threePt" dir="t"/>
+    </dgm:scene3d>
+    <dgm:sp3d/>
+    <dgm:txPr/>
+    <dgm:style>
+      <a:lnRef idx="2">
+        <a:scrgbClr r="0" g="0" b="0"/>
+      </a:lnRef>
+      <a:fillRef idx="1">
+        <a:scrgbClr r="0" g="0" b="0"/>
+      </a:fillRef>
+      <a:effectRef idx="0">
+        <a:scrgbClr r="0" g="0" b="0"/>
+      </a:effectRef>
+      <a:fontRef idx="minor"/>
+    </dgm:style>
+  </dgm:styleLbl>
+  <dgm:styleLbl name="fgAcc4">
+    <dgm:scene3d>
+      <a:camera prst="orthographicFront"/>
+      <a:lightRig rig="threePt" dir="t"/>
+    </dgm:scene3d>
+    <dgm:sp3d/>
+    <dgm:txPr/>
+    <dgm:style>
+      <a:lnRef idx="2">
+        <a:scrgbClr r="0" g="0" b="0"/>
+      </a:lnRef>
+      <a:fillRef idx="1">
+        <a:scrgbClr r="0" g="0" b="0"/>
+      </a:fillRef>
+      <a:effectRef idx="0">
+        <a:scrgbClr r="0" g="0" b="0"/>
+      </a:effectRef>
+      <a:fontRef idx="minor"/>
+    </dgm:style>
+  </dgm:styleLbl>
+  <dgm:styleLbl name="bgShp">
+    <dgm:scene3d>
+      <a:camera prst="orthographicFront"/>
+      <a:lightRig rig="threePt" dir="t"/>
+    </dgm:scene3d>
+    <dgm:sp3d/>
+    <dgm:txPr/>
+    <dgm:style>
+      <a:lnRef idx="0">
+        <a:scrgbClr r="0" g="0" b="0"/>
+      </a:lnRef>
+      <a:fillRef idx="1">
+        <a:scrgbClr r="0" g="0" b="0"/>
+      </a:fillRef>
+      <a:effectRef idx="0">
+        <a:scrgbClr r="0" g="0" b="0"/>
+      </a:effectRef>
+      <a:fontRef idx="minor"/>
+    </dgm:style>
+  </dgm:styleLbl>
+  <dgm:styleLbl name="dkBgShp">
+    <dgm:scene3d>
+      <a:camera prst="orthographicFront"/>
+      <a:lightRig rig="threePt" dir="t"/>
+    </dgm:scene3d>
+    <dgm:sp3d/>
+    <dgm:txPr/>
+    <dgm:style>
+      <a:lnRef idx="0">
+        <a:scrgbClr r="0" g="0" b="0"/>
+      </a:lnRef>
+      <a:fillRef idx="1">
+        <a:scrgbClr r="0" g="0" b="0"/>
+      </a:fillRef>
+      <a:effectRef idx="0">
+        <a:scrgbClr r="0" g="0" b="0"/>
+      </a:effectRef>
+      <a:fontRef idx="minor"/>
+    </dgm:style>
+  </dgm:styleLbl>
+  <dgm:styleLbl name="trBgShp">
+    <dgm:scene3d>
+      <a:camera prst="orthographicFront"/>
+      <a:lightRig rig="threePt" dir="t"/>
+    </dgm:scene3d>
+    <dgm:sp3d/>
+    <dgm:txPr/>
+    <dgm:style>
+      <a:lnRef idx="0">
+        <a:scrgbClr r="0" g="0" b="0"/>
+      </a:lnRef>
+      <a:fillRef idx="1">
+        <a:scrgbClr r="0" g="0" b="0"/>
+      </a:fillRef>
+      <a:effectRef idx="0">
+        <a:scrgbClr r="0" g="0" b="0"/>
+      </a:effectRef>
+      <a:fontRef idx="minor"/>
+    </dgm:style>
+  </dgm:styleLbl>
+  <dgm:styleLbl name="fgShp">
+    <dgm:scene3d>
+      <a:camera prst="orthographicFront"/>
+      <a:lightRig rig="threePt" dir="t"/>
+    </dgm:scene3d>
+    <dgm:sp3d/>
+    <dgm:txPr/>
+    <dgm:style>
+      <a:lnRef idx="2">
+        <a:scrgbClr r="0" g="0" b="0"/>
+      </a:lnRef>
+      <a:fillRef idx="1">
+        <a:scrgbClr r="0" g="0" b="0"/>
+      </a:fillRef>
+      <a:effectRef idx="0">
+        <a:scrgbClr r="0" g="0" b="0"/>
+      </a:effectRef>
+      <a:fontRef idx="minor"/>
+    </dgm:style>
+  </dgm:styleLbl>
+  <dgm:styleLbl name="revTx">
+    <dgm:scene3d>
+      <a:camera prst="orthographicFront"/>
+      <a:lightRig rig="threePt" dir="t"/>
+    </dgm:scene3d>
+    <dgm:sp3d/>
+    <dgm:txPr/>
+    <dgm:style>
+      <a:lnRef idx="0">
+        <a:scrgbClr r="0" g="0" b="0"/>
+      </a:lnRef>
+      <a:fillRef idx="0">
+        <a:scrgbClr r="0" g="0" b="0"/>
+      </a:fillRef>
+      <a:effectRef idx="0">
+        <a:scrgbClr r="0" g="0" b="0"/>
+      </a:effectRef>
+      <a:fontRef idx="minor"/>
+    </dgm:style>
+  </dgm:styleLbl>
+</dgm:styleDef>
+</file>
+
+<file path=ppt/diagrams/quickStyle2.xml><?xml version="1.0" encoding="utf-8"?>
+<dgm:styleDef xmlns:dgm="http://schemas.openxmlformats.org/drawingml/2006/diagram" xmlns:a="http://schemas.openxmlformats.org/drawingml/2006/main" uniqueId="urn:microsoft.com/office/officeart/2005/8/quickstyle/simple1">
+  <dgm:title val=""/>
+  <dgm:desc val=""/>
+  <dgm:catLst>
+    <dgm:cat type="simple" pri="10100"/>
+  </dgm:catLst>
+  <dgm:scene3d>
+    <a:camera prst="orthographicFront"/>
+    <a:lightRig rig="threePt" dir="t"/>
+  </dgm:scene3d>
+  <dgm:styleLbl name="node0">
+    <dgm:scene3d>
+      <a:camera prst="orthographicFront"/>
+      <a:lightRig rig="threePt" dir="t"/>
+    </dgm:scene3d>
+    <dgm:sp3d/>
+    <dgm:txPr/>
+    <dgm:style>
+      <a:lnRef idx="2">
+        <a:scrgbClr r="0" g="0" b="0"/>
+      </a:lnRef>
+      <a:fillRef idx="1">
+        <a:scrgbClr r="0" g="0" b="0"/>
+      </a:fillRef>
+      <a:effectRef idx="0">
+        <a:scrgbClr r="0" g="0" b="0"/>
+      </a:effectRef>
+      <a:fontRef idx="minor">
+        <a:schemeClr val="lt1"/>
+      </a:fontRef>
+    </dgm:style>
+  </dgm:styleLbl>
+  <dgm:styleLbl name="lnNode1">
+    <dgm:scene3d>
+      <a:camera prst="orthographicFront"/>
+      <a:lightRig rig="threePt" dir="t"/>
+    </dgm:scene3d>
+    <dgm:sp3d/>
+    <dgm:txPr/>
+    <dgm:style>
+      <a:lnRef idx="2">
+        <a:scrgbClr r="0" g="0" b="0"/>
+      </a:lnRef>
+      <a:fillRef idx="1">
+        <a:scrgbClr r="0" g="0" b="0"/>
+      </a:fillRef>
+      <a:effectRef idx="0">
+        <a:scrgbClr r="0" g="0" b="0"/>
+      </a:effectRef>
+      <a:fontRef idx="minor">
+        <a:schemeClr val="lt1"/>
+      </a:fontRef>
+    </dgm:style>
+  </dgm:styleLbl>
+  <dgm:styleLbl name="vennNode1">
+    <dgm:scene3d>
+      <a:camera prst="orthographicFront"/>
+      <a:lightRig rig="threePt" dir="t"/>
+    </dgm:scene3d>
+    <dgm:sp3d/>
+    <dgm:txPr/>
+    <dgm:style>
+      <a:lnRef idx="2">
+        <a:scrgbClr r="0" g="0" b="0"/>
+      </a:lnRef>
+      <a:fillRef idx="1">
+        <a:scrgbClr r="0" g="0" b="0"/>
+      </a:fillRef>
+      <a:effectRef idx="0">
+        <a:scrgbClr r="0" g="0" b="0"/>
+      </a:effectRef>
+      <a:fontRef idx="minor">
+        <a:schemeClr val="tx1"/>
+      </a:fontRef>
+    </dgm:style>
+  </dgm:styleLbl>
+  <dgm:styleLbl name="alignNode1">
+    <dgm:scene3d>
+      <a:camera prst="orthographicFront"/>
+      <a:lightRig rig="threePt" dir="t"/>
+    </dgm:scene3d>
+    <dgm:sp3d/>
+    <dgm:txPr/>
+    <dgm:style>
+      <a:lnRef idx="2">
+        <a:scrgbClr r="0" g="0" b="0"/>
+      </a:lnRef>
+      <a:fillRef idx="1">
+        <a:scrgbClr r="0" g="0" b="0"/>
+      </a:fillRef>
+      <a:effectRef idx="0">
+        <a:scrgbClr r="0" g="0" b="0"/>
+      </a:effectRef>
+      <a:fontRef idx="minor">
+        <a:schemeClr val="lt1"/>
+      </a:fontRef>
+    </dgm:style>
+  </dgm:styleLbl>
+  <dgm:styleLbl name="node1">
+    <dgm:scene3d>
+      <a:camera prst="orthographicFront"/>
+      <a:lightRig rig="threePt" dir="t"/>
+    </dgm:scene3d>
+    <dgm:sp3d/>
+    <dgm:txPr/>
+    <dgm:style>
+      <a:lnRef idx="2">
+        <a:scrgbClr r="0" g="0" b="0"/>
+      </a:lnRef>
+      <a:fillRef idx="1">
+        <a:scrgbClr r="0" g="0" b="0"/>
+      </a:fillRef>
+      <a:effectRef idx="0">
+        <a:scrgbClr r="0" g="0" b="0"/>
+      </a:effectRef>
+      <a:fontRef idx="minor">
+        <a:schemeClr val="lt1"/>
+      </a:fontRef>
+    </dgm:style>
+  </dgm:styleLbl>
+  <dgm:styleLbl name="node2">
+    <dgm:scene3d>
+      <a:camera prst="orthographicFront"/>
+      <a:lightRig rig="threePt" dir="t"/>
+    </dgm:scene3d>
+    <dgm:sp3d/>
+    <dgm:txPr/>
+    <dgm:style>
+      <a:lnRef idx="2">
+        <a:scrgbClr r="0" g="0" b="0"/>
+      </a:lnRef>
+      <a:fillRef idx="1">
+        <a:scrgbClr r="0" g="0" b="0"/>
+      </a:fillRef>
+      <a:effectRef idx="0">
+        <a:scrgbClr r="0" g="0" b="0"/>
+      </a:effectRef>
+      <a:fontRef idx="minor">
+        <a:schemeClr val="lt1"/>
+      </a:fontRef>
+    </dgm:style>
+  </dgm:styleLbl>
+  <dgm:styleLbl name="node3">
+    <dgm:scene3d>
+      <a:camera prst="orthographicFront"/>
+      <a:lightRig rig="threePt" dir="t"/>
+    </dgm:scene3d>
+    <dgm:sp3d/>
+    <dgm:txPr/>
+    <dgm:style>
+      <a:lnRef idx="2">
+        <a:scrgbClr r="0" g="0" b="0"/>
+      </a:lnRef>
+      <a:fillRef idx="1">
+        <a:scrgbClr r="0" g="0" b="0"/>
+      </a:fillRef>
+      <a:effectRef idx="0">
+        <a:scrgbClr r="0" g="0" b="0"/>
+      </a:effectRef>
+      <a:fontRef idx="minor">
+        <a:schemeClr val="lt1"/>
+      </a:fontRef>
+    </dgm:style>
+  </dgm:styleLbl>
+  <dgm:styleLbl name="node4">
+    <dgm:scene3d>
+      <a:camera prst="orthographicFront"/>
+      <a:lightRig rig="threePt" dir="t"/>
+    </dgm:scene3d>
+    <dgm:sp3d/>
+    <dgm:txPr/>
+    <dgm:style>
+      <a:lnRef idx="2">
+        <a:scrgbClr r="0" g="0" b="0"/>
+      </a:lnRef>
+      <a:fillRef idx="1">
+        <a:scrgbClr r="0" g="0" b="0"/>
+      </a:fillRef>
+      <a:effectRef idx="0">
+        <a:scrgbClr r="0" g="0" b="0"/>
+      </a:effectRef>
+      <a:fontRef idx="minor">
+        <a:schemeClr val="lt1"/>
+      </a:fontRef>
+    </dgm:style>
+  </dgm:styleLbl>
+  <dgm:styleLbl name="fgImgPlace1">
+    <dgm:scene3d>
+      <a:camera prst="orthographicFront"/>
+      <a:lightRig rig="threePt" dir="t"/>
+    </dgm:scene3d>
+    <dgm:sp3d/>
+    <dgm:txPr/>
+    <dgm:style>
+      <a:lnRef idx="2">
+        <a:scrgbClr r="0" g="0" b="0"/>
+      </a:lnRef>
+      <a:fillRef idx="1">
+        <a:scrgbClr r="0" g="0" b="0"/>
+      </a:fillRef>
+      <a:effectRef idx="0">
+        <a:scrgbClr r="0" g="0" b="0"/>
+      </a:effectRef>
+      <a:fontRef idx="minor"/>
+    </dgm:style>
+  </dgm:styleLbl>
+  <dgm:styleLbl name="alignImgPlace1">
+    <dgm:scene3d>
+      <a:camera prst="orthographicFront"/>
+      <a:lightRig rig="threePt" dir="t"/>
+    </dgm:scene3d>
+    <dgm:sp3d/>
+    <dgm:txPr/>
+    <dgm:style>
+      <a:lnRef idx="2">
+        <a:scrgbClr r="0" g="0" b="0"/>
+      </a:lnRef>
+      <a:fillRef idx="1">
+        <a:scrgbClr r="0" g="0" b="0"/>
+      </a:fillRef>
+      <a:effectRef idx="0">
+        <a:scrgbClr r="0" g="0" b="0"/>
+      </a:effectRef>
+      <a:fontRef idx="minor"/>
+    </dgm:style>
+  </dgm:styleLbl>
+  <dgm:styleLbl name="bgImgPlace1">
+    <dgm:scene3d>
+      <a:camera prst="orthographicFront"/>
+      <a:lightRig rig="threePt" dir="t"/>
+    </dgm:scene3d>
+    <dgm:sp3d/>
+    <dgm:txPr/>
+    <dgm:style>
+      <a:lnRef idx="2">
+        <a:scrgbClr r="0" g="0" b="0"/>
+      </a:lnRef>
+      <a:fillRef idx="1">
+        <a:scrgbClr r="0" g="0" b="0"/>
+      </a:fillRef>
+      <a:effectRef idx="0">
+        <a:scrgbClr r="0" g="0" b="0"/>
+      </a:effectRef>
+      <a:fontRef idx="minor"/>
+    </dgm:style>
+  </dgm:styleLbl>
+  <dgm:styleLbl name="sibTrans2D1">
+    <dgm:scene3d>
+      <a:camera prst="orthographicFront"/>
+      <a:lightRig rig="threePt" dir="t"/>
+    </dgm:scene3d>
+    <dgm:sp3d/>
+    <dgm:txPr/>
+    <dgm:style>
+      <a:lnRef idx="0">
+        <a:scrgbClr r="0" g="0" b="0"/>
+      </a:lnRef>
+      <a:fillRef idx="1">
+        <a:scrgbClr r="0" g="0" b="0"/>
+      </a:fillRef>
+      <a:effectRef idx="0">
+        <a:scrgbClr r="0" g="0" b="0"/>
+      </a:effectRef>
+      <a:fontRef idx="minor">
+        <a:schemeClr val="lt1"/>
+      </a:fontRef>
+    </dgm:style>
+  </dgm:styleLbl>
+  <dgm:styleLbl name="fgSibTrans2D1">
+    <dgm:scene3d>
+      <a:camera prst="orthographicFront"/>
+      <a:lightRig rig="threePt" dir="t"/>
+    </dgm:scene3d>
+    <dgm:sp3d/>
+    <dgm:txPr/>
+    <dgm:style>
+      <a:lnRef idx="0">
+        <a:scrgbClr r="0" g="0" b="0"/>
+      </a:lnRef>
+      <a:fillRef idx="1">
+        <a:scrgbClr r="0" g="0" b="0"/>
+      </a:fillRef>
+      <a:effectRef idx="0">
+        <a:scrgbClr r="0" g="0" b="0"/>
+      </a:effectRef>
+      <a:fontRef idx="minor">
+        <a:schemeClr val="lt1"/>
+      </a:fontRef>
+    </dgm:style>
+  </dgm:styleLbl>
+  <dgm:styleLbl name="bgSibTrans2D1">
+    <dgm:scene3d>
+      <a:camera prst="orthographicFront"/>
+      <a:lightRig rig="threePt" dir="t"/>
+    </dgm:scene3d>
+    <dgm:sp3d/>
+    <dgm:txPr/>
+    <dgm:style>
+      <a:lnRef idx="0">
+        <a:scrgbClr r="0" g="0" b="0"/>
+      </a:lnRef>
+      <a:fillRef idx="1">
+        <a:scrgbClr r="0" g="0" b="0"/>
+      </a:fillRef>
+      <a:effectRef idx="0">
+        <a:scrgbClr r="0" g="0" b="0"/>
+      </a:effectRef>
+      <a:fontRef idx="minor">
+        <a:schemeClr val="lt1"/>
+      </a:fontRef>
+    </dgm:style>
+  </dgm:styleLbl>
+  <dgm:styleLbl name="sibTrans1D1">
+    <dgm:scene3d>
+      <a:camera prst="orthographicFront"/>
+      <a:lightRig rig="threePt" dir="t"/>
+    </dgm:scene3d>
+    <dgm:sp3d/>
+    <dgm:txPr/>
+    <dgm:style>
+      <a:lnRef idx="1">
+        <a:scrgbClr r="0" g="0" b="0"/>
+      </a:lnRef>
+      <a:fillRef idx="0">
+        <a:scrgbClr r="0" g="0" b="0"/>
+      </a:fillRef>
+      <a:effectRef idx="0">
+        <a:scrgbClr r="0" g="0" b="0"/>
+      </a:effectRef>
+      <a:fontRef idx="minor"/>
+    </dgm:style>
+  </dgm:styleLbl>
+  <dgm:styleLbl name="callout">
+    <dgm:scene3d>
+      <a:camera prst="orthographicFront"/>
+      <a:lightRig rig="threePt" dir="t"/>
+    </dgm:scene3d>
+    <dgm:sp3d/>
+    <dgm:txPr/>
+    <dgm:style>
+      <a:lnRef idx="2">
+        <a:scrgbClr r="0" g="0" b="0"/>
+      </a:lnRef>
+      <a:fillRef idx="1">
+        <a:scrgbClr r="0" g="0" b="0"/>
+      </a:fillRef>
+      <a:effectRef idx="0">
+        <a:scrgbClr r="0" g="0" b="0"/>
+      </a:effectRef>
+      <a:fontRef idx="minor"/>
+    </dgm:style>
+  </dgm:styleLbl>
+  <dgm:styleLbl name="asst0">
+    <dgm:scene3d>
+      <a:camera prst="orthographicFront"/>
+      <a:lightRig rig="threePt" dir="t"/>
+    </dgm:scene3d>
+    <dgm:sp3d/>
+    <dgm:txPr/>
+    <dgm:style>
+      <a:lnRef idx="2">
+        <a:scrgbClr r="0" g="0" b="0"/>
+      </a:lnRef>
+      <a:fillRef idx="1">
+        <a:scrgbClr r="0" g="0" b="0"/>
+      </a:fillRef>
+      <a:effectRef idx="0">
+        <a:scrgbClr r="0" g="0" b="0"/>
+      </a:effectRef>
+      <a:fontRef idx="minor">
+        <a:schemeClr val="lt1"/>
+      </a:fontRef>
+    </dgm:style>
+  </dgm:styleLbl>
+  <dgm:styleLbl name="asst1">
+    <dgm:scene3d>
+      <a:camera prst="orthographicFront"/>
+      <a:lightRig rig="threePt" dir="t"/>
+    </dgm:scene3d>
+    <dgm:sp3d/>
+    <dgm:txPr/>
+    <dgm:style>
+      <a:lnRef idx="2">
+        <a:scrgbClr r="0" g="0" b="0"/>
+      </a:lnRef>
+      <a:fillRef idx="1">
+        <a:scrgbClr r="0" g="0" b="0"/>
+      </a:fillRef>
+      <a:effectRef idx="0">
+        <a:scrgbClr r="0" g="0" b="0"/>
+      </a:effectRef>
+      <a:fontRef idx="minor">
+        <a:schemeClr val="lt1"/>
+      </a:fontRef>
+    </dgm:style>
+  </dgm:styleLbl>
+  <dgm:styleLbl name="asst2">
+    <dgm:scene3d>
+      <a:camera prst="orthographicFront"/>
+      <a:lightRig rig="threePt" dir="t"/>
+    </dgm:scene3d>
+    <dgm:sp3d/>
+    <dgm:txPr/>
+    <dgm:style>
+      <a:lnRef idx="2">
+        <a:scrgbClr r="0" g="0" b="0"/>
+      </a:lnRef>
+      <a:fillRef idx="1">
+        <a:scrgbClr r="0" g="0" b="0"/>
+      </a:fillRef>
+      <a:effectRef idx="0">
+        <a:scrgbClr r="0" g="0" b="0"/>
+      </a:effectRef>
+      <a:fontRef idx="minor">
+        <a:schemeClr val="lt1"/>
+      </a:fontRef>
+    </dgm:style>
+  </dgm:styleLbl>
+  <dgm:styleLbl name="asst3">
+    <dgm:scene3d>
+      <a:camera prst="orthographicFront"/>
+      <a:lightRig rig="threePt" dir="t"/>
+    </dgm:scene3d>
+    <dgm:sp3d/>
+    <dgm:txPr/>
+    <dgm:style>
+      <a:lnRef idx="2">
+        <a:scrgbClr r="0" g="0" b="0"/>
+      </a:lnRef>
+      <a:fillRef idx="1">
+        <a:scrgbClr r="0" g="0" b="0"/>
+      </a:fillRef>
+      <a:effectRef idx="0">
+        <a:scrgbClr r="0" g="0" b="0"/>
+      </a:effectRef>
+      <a:fontRef idx="minor">
+        <a:schemeClr val="lt1"/>
+      </a:fontRef>
+    </dgm:style>
+  </dgm:styleLbl>
+  <dgm:styleLbl name="asst4">
+    <dgm:scene3d>
+      <a:camera prst="orthographicFront"/>
+      <a:lightRig rig="threePt" dir="t"/>
+    </dgm:scene3d>
+    <dgm:sp3d/>
+    <dgm:txPr/>
+    <dgm:style>
+      <a:lnRef idx="2">
+        <a:scrgbClr r="0" g="0" b="0"/>
+      </a:lnRef>
+      <a:fillRef idx="1">
+        <a:scrgbClr r="0" g="0" b="0"/>
+      </a:fillRef>
+      <a:effectRef idx="0">
+        <a:scrgbClr r="0" g="0" b="0"/>
+      </a:effectRef>
+      <a:fontRef idx="minor">
+        <a:schemeClr val="lt1"/>
+      </a:fontRef>
+    </dgm:style>
+  </dgm:styleLbl>
+  <dgm:styleLbl name="parChTrans2D1">
+    <dgm:scene3d>
+      <a:camera prst="orthographicFront"/>
+      <a:lightRig rig="threePt" dir="t"/>
+    </dgm:scene3d>
+    <dgm:sp3d/>
+    <dgm:txPr/>
+    <dgm:style>
+      <a:lnRef idx="2">
+        <a:scrgbClr r="0" g="0" b="0"/>
+      </a:lnRef>
+      <a:fillRef idx="1">
+        <a:scrgbClr r="0" g="0" b="0"/>
+      </a:fillRef>
+      <a:effectRef idx="0">
+        <a:scrgbClr r="0" g="0" b="0"/>
+      </a:effectRef>
+      <a:fontRef idx="minor">
+        <a:schemeClr val="lt1"/>
+      </a:fontRef>
+    </dgm:style>
+  </dgm:styleLbl>
+  <dgm:styleLbl name="parChTrans2D2">
+    <dgm:scene3d>
+      <a:camera prst="orthographicFront"/>
+      <a:lightRig rig="threePt" dir="t"/>
+    </dgm:scene3d>
+    <dgm:sp3d/>
+    <dgm:txPr/>
+    <dgm:style>
+      <a:lnRef idx="2">
+        <a:scrgbClr r="0" g="0" b="0"/>
+      </a:lnRef>
+      <a:fillRef idx="1">
+        <a:scrgbClr r="0" g="0" b="0"/>
+      </a:fillRef>
+      <a:effectRef idx="0">
+        <a:scrgbClr r="0" g="0" b="0"/>
+      </a:effectRef>
+      <a:fontRef idx="minor">
+        <a:schemeClr val="lt1"/>
+      </a:fontRef>
+    </dgm:style>
+  </dgm:styleLbl>
+  <dgm:styleLbl name="parChTrans2D3">
+    <dgm:scene3d>
+      <a:camera prst="orthographicFront"/>
+      <a:lightRig rig="threePt" dir="t"/>
+    </dgm:scene3d>
+    <dgm:sp3d/>
+    <dgm:txPr/>
+    <dgm:style>
+      <a:lnRef idx="2">
+        <a:scrgbClr r="0" g="0" b="0"/>
+      </a:lnRef>
+      <a:fillRef idx="1">
+        <a:scrgbClr r="0" g="0" b="0"/>
+      </a:fillRef>
+      <a:effectRef idx="0">
+        <a:scrgbClr r="0" g="0" b="0"/>
+      </a:effectRef>
+      <a:fontRef idx="minor">
+        <a:schemeClr val="lt1"/>
+      </a:fontRef>
+    </dgm:style>
+  </dgm:styleLbl>
+  <dgm:styleLbl name="parChTrans2D4">
+    <dgm:scene3d>
+      <a:camera prst="orthographicFront"/>
+      <a:lightRig rig="threePt" dir="t"/>
+    </dgm:scene3d>
+    <dgm:sp3d/>
+    <dgm:txPr/>
+    <dgm:style>
+      <a:lnRef idx="2">
+        <a:scrgbClr r="0" g="0" b="0"/>
+      </a:lnRef>
+      <a:fillRef idx="1">
+        <a:scrgbClr r="0" g="0" b="0"/>
+      </a:fillRef>
+      <a:effectRef idx="0">
+        <a:scrgbClr r="0" g="0" b="0"/>
+      </a:effectRef>
+      <a:fontRef idx="minor">
+        <a:schemeClr val="lt1"/>
+      </a:fontRef>
+    </dgm:style>
+  </dgm:styleLbl>
+  <dgm:styleLbl name="parChTrans1D1">
+    <dgm:scene3d>
+      <a:camera prst="orthographicFront"/>
+      <a:lightRig rig="threePt" dir="t"/>
+    </dgm:scene3d>
+    <dgm:sp3d/>
+    <dgm:txPr/>
+    <dgm:style>
+      <a:lnRef idx="2">
+        <a:scrgbClr r="0" g="0" b="0"/>
+      </a:lnRef>
+      <a:fillRef idx="0">
+        <a:scrgbClr r="0" g="0" b="0"/>
+      </a:fillRef>
+      <a:effectRef idx="0">
+        <a:scrgbClr r="0" g="0" b="0"/>
+      </a:effectRef>
+      <a:fontRef idx="minor"/>
+    </dgm:style>
+  </dgm:styleLbl>
+  <dgm:styleLbl name="parChTrans1D2">
+    <dgm:scene3d>
+      <a:camera prst="orthographicFront"/>
+      <a:lightRig rig="threePt" dir="t"/>
+    </dgm:scene3d>
+    <dgm:sp3d/>
+    <dgm:txPr/>
+    <dgm:style>
+      <a:lnRef idx="2">
+        <a:scrgbClr r="0" g="0" b="0"/>
+      </a:lnRef>
+      <a:fillRef idx="0">
+        <a:scrgbClr r="0" g="0" b="0"/>
+      </a:fillRef>
+      <a:effectRef idx="0">
+        <a:scrgbClr r="0" g="0" b="0"/>
+      </a:effectRef>
+      <a:fontRef idx="minor"/>
+    </dgm:style>
+  </dgm:styleLbl>
+  <dgm:styleLbl name="parChTrans1D3">
+    <dgm:scene3d>
+      <a:camera prst="orthographicFront"/>
+      <a:lightRig rig="threePt" dir="t"/>
+    </dgm:scene3d>
+    <dgm:sp3d/>
+    <dgm:txPr/>
+    <dgm:style>
+      <a:lnRef idx="2">
+        <a:scrgbClr r="0" g="0" b="0"/>
+      </a:lnRef>
+      <a:fillRef idx="0">
+        <a:scrgbClr r="0" g="0" b="0"/>
+      </a:fillRef>
+      <a:effectRef idx="0">
+        <a:scrgbClr r="0" g="0" b="0"/>
+      </a:effectRef>
+      <a:fontRef idx="minor"/>
+    </dgm:style>
+  </dgm:styleLbl>
+  <dgm:styleLbl name="parChTrans1D4">
+    <dgm:scene3d>
+      <a:camera prst="orthographicFront"/>
+      <a:lightRig rig="threePt" dir="t"/>
+    </dgm:scene3d>
+    <dgm:sp3d/>
+    <dgm:txPr/>
+    <dgm:style>
+      <a:lnRef idx="2">
+        <a:scrgbClr r="0" g="0" b="0"/>
+      </a:lnRef>
+      <a:fillRef idx="0">
+        <a:scrgbClr r="0" g="0" b="0"/>
+      </a:fillRef>
+      <a:effectRef idx="0">
+        <a:scrgbClr r="0" g="0" b="0"/>
+      </a:effectRef>
+      <a:fontRef idx="minor"/>
+    </dgm:style>
+  </dgm:styleLbl>
+  <dgm:styleLbl name="fgAcc1">
+    <dgm:scene3d>
+      <a:camera prst="orthographicFront"/>
+      <a:lightRig rig="threePt" dir="t"/>
+    </dgm:scene3d>
+    <dgm:sp3d/>
+    <dgm:txPr/>
+    <dgm:style>
+      <a:lnRef idx="2">
+        <a:scrgbClr r="0" g="0" b="0"/>
+      </a:lnRef>
+      <a:fillRef idx="1">
+        <a:scrgbClr r="0" g="0" b="0"/>
+      </a:fillRef>
+      <a:effectRef idx="0">
+        <a:scrgbClr r="0" g="0" b="0"/>
+      </a:effectRef>
+      <a:fontRef idx="minor"/>
+    </dgm:style>
+  </dgm:styleLbl>
+  <dgm:styleLbl name="conFgAcc1">
+    <dgm:scene3d>
+      <a:camera prst="orthographicFront"/>
+      <a:lightRig rig="threePt" dir="t"/>
+    </dgm:scene3d>
+    <dgm:sp3d/>
+    <dgm:txPr/>
+    <dgm:style>
+      <a:lnRef idx="2">
+        <a:scrgbClr r="0" g="0" b="0"/>
+      </a:lnRef>
+      <a:fillRef idx="1">
+        <a:scrgbClr r="0" g="0" b="0"/>
+      </a:fillRef>
+      <a:effectRef idx="0">
+        <a:scrgbClr r="0" g="0" b="0"/>
+      </a:effectRef>
+      <a:fontRef idx="minor"/>
+    </dgm:style>
+  </dgm:styleLbl>
+  <dgm:styleLbl name="alignAcc1">
+    <dgm:scene3d>
+      <a:camera prst="orthographicFront"/>
+      <a:lightRig rig="threePt" dir="t"/>
+    </dgm:scene3d>
+    <dgm:sp3d/>
+    <dgm:txPr/>
+    <dgm:style>
+      <a:lnRef idx="2">
+        <a:scrgbClr r="0" g="0" b="0"/>
+      </a:lnRef>
+      <a:fillRef idx="1">
+        <a:scrgbClr r="0" g="0" b="0"/>
+      </a:fillRef>
+      <a:effectRef idx="0">
+        <a:scrgbClr r="0" g="0" b="0"/>
+      </a:effectRef>
+      <a:fontRef idx="minor"/>
+    </dgm:style>
+  </dgm:styleLbl>
+  <dgm:styleLbl name="trAlignAcc1">
+    <dgm:scene3d>
+      <a:camera prst="orthographicFront"/>
+      <a:lightRig rig="threePt" dir="t"/>
+    </dgm:scene3d>
+    <dgm:sp3d/>
+    <dgm:txPr/>
+    <dgm:style>
+      <a:lnRef idx="1">
+        <a:scrgbClr r="0" g="0" b="0"/>
+      </a:lnRef>
+      <a:fillRef idx="1">
+        <a:scrgbClr r="0" g="0" b="0"/>
+      </a:fillRef>
+      <a:effectRef idx="0">
+        <a:scrgbClr r="0" g="0" b="0"/>
+      </a:effectRef>
+      <a:fontRef idx="minor"/>
+    </dgm:style>
+  </dgm:styleLbl>
+  <dgm:styleLbl name="bgAcc1">
+    <dgm:scene3d>
+      <a:camera prst="orthographicFront"/>
+      <a:lightRig rig="threePt" dir="t"/>
+    </dgm:scene3d>
+    <dgm:sp3d/>
+    <dgm:txPr/>
+    <dgm:style>
+      <a:lnRef idx="2">
+        <a:scrgbClr r="0" g="0" b="0"/>
+      </a:lnRef>
+      <a:fillRef idx="1">
+        <a:scrgbClr r="0" g="0" b="0"/>
+      </a:fillRef>
+      <a:effectRef idx="0">
+        <a:scrgbClr r="0" g="0" b="0"/>
+      </a:effectRef>
+      <a:fontRef idx="minor"/>
+    </dgm:style>
+  </dgm:styleLbl>
+  <dgm:styleLbl name="solidFgAcc1">
+    <dgm:scene3d>
+      <a:camera prst="orthographicFront"/>
+      <a:lightRig rig="threePt" dir="t"/>
+    </dgm:scene3d>
+    <dgm:sp3d/>
+    <dgm:txPr/>
+    <dgm:style>
+      <a:lnRef idx="2">
+        <a:scrgbClr r="0" g="0" b="0"/>
+      </a:lnRef>
+      <a:fillRef idx="1">
+        <a:scrgbClr r="0" g="0" b="0"/>
+      </a:fillRef>
+      <a:effectRef idx="0">
+        <a:scrgbClr r="0" g="0" b="0"/>
+      </a:effectRef>
+      <a:fontRef idx="minor"/>
+    </dgm:style>
+  </dgm:styleLbl>
+  <dgm:styleLbl name="solidAlignAcc1">
+    <dgm:scene3d>
+      <a:camera prst="orthographicFront"/>
+      <a:lightRig rig="threePt" dir="t"/>
+    </dgm:scene3d>
+    <dgm:sp3d/>
+    <dgm:txPr/>
+    <dgm:style>
+      <a:lnRef idx="2">
+        <a:scrgbClr r="0" g="0" b="0"/>
+      </a:lnRef>
+      <a:fillRef idx="1">
+        <a:scrgbClr r="0" g="0" b="0"/>
+      </a:fillRef>
+      <a:effectRef idx="0">
+        <a:scrgbClr r="0" g="0" b="0"/>
+      </a:effectRef>
+      <a:fontRef idx="minor"/>
+    </dgm:style>
+  </dgm:styleLbl>
+  <dgm:styleLbl name="solidBgAcc1">
+    <dgm:scene3d>
+      <a:camera prst="orthographicFront"/>
+      <a:lightRig rig="threePt" dir="t"/>
+    </dgm:scene3d>
+    <dgm:sp3d/>
+    <dgm:txPr/>
+    <dgm:style>
+      <a:lnRef idx="2">
+        <a:scrgbClr r="0" g="0" b="0"/>
+      </a:lnRef>
+      <a:fillRef idx="1">
+        <a:scrgbClr r="0" g="0" b="0"/>
+      </a:fillRef>
+      <a:effectRef idx="0">
+        <a:scrgbClr r="0" g="0" b="0"/>
+      </a:effectRef>
+      <a:fontRef idx="minor"/>
+    </dgm:style>
+  </dgm:styleLbl>
+  <dgm:styleLbl name="fgAccFollowNode1">
+    <dgm:scene3d>
+      <a:camera prst="orthographicFront"/>
+      <a:lightRig rig="threePt" dir="t"/>
+    </dgm:scene3d>
+    <dgm:sp3d/>
+    <dgm:txPr/>
+    <dgm:style>
+      <a:lnRef idx="2">
+        <a:scrgbClr r="0" g="0" b="0"/>
+      </a:lnRef>
+      <a:fillRef idx="1">
+        <a:scrgbClr r="0" g="0" b="0"/>
+      </a:fillRef>
+      <a:effectRef idx="0">
+        <a:scrgbClr r="0" g="0" b="0"/>
+      </a:effectRef>
+      <a:fontRef idx="minor"/>
+    </dgm:style>
+  </dgm:styleLbl>
+  <dgm:styleLbl name="alignAccFollowNode1">
+    <dgm:scene3d>
+      <a:camera prst="orthographicFront"/>
+      <a:lightRig rig="threePt" dir="t"/>
+    </dgm:scene3d>
+    <dgm:sp3d/>
+    <dgm:txPr/>
+    <dgm:style>
+      <a:lnRef idx="2">
+        <a:scrgbClr r="0" g="0" b="0"/>
+      </a:lnRef>
+      <a:fillRef idx="1">
+        <a:scrgbClr r="0" g="0" b="0"/>
+      </a:fillRef>
+      <a:effectRef idx="0">
+        <a:scrgbClr r="0" g="0" b="0"/>
+      </a:effectRef>
+      <a:fontRef idx="minor"/>
+    </dgm:style>
+  </dgm:styleLbl>
+  <dgm:styleLbl name="bgAccFollowNode1">
+    <dgm:scene3d>
+      <a:camera prst="orthographicFront"/>
+      <a:lightRig rig="threePt" dir="t"/>
+    </dgm:scene3d>
+    <dgm:sp3d/>
+    <dgm:txPr/>
+    <dgm:style>
+      <a:lnRef idx="2">
+        <a:scrgbClr r="0" g="0" b="0"/>
+      </a:lnRef>
+      <a:fillRef idx="1">
+        <a:scrgbClr r="0" g="0" b="0"/>
+      </a:fillRef>
+      <a:effectRef idx="0">
+        <a:scrgbClr r="0" g="0" b="0"/>
+      </a:effectRef>
+      <a:fontRef idx="minor"/>
+    </dgm:style>
+  </dgm:styleLbl>
+  <dgm:styleLbl name="fgAcc0">
+    <dgm:scene3d>
+      <a:camera prst="orthographicFront"/>
+      <a:lightRig rig="threePt" dir="t"/>
+    </dgm:scene3d>
+    <dgm:sp3d/>
+    <dgm:txPr/>
+    <dgm:style>
+      <a:lnRef idx="2">
+        <a:scrgbClr r="0" g="0" b="0"/>
+      </a:lnRef>
+      <a:fillRef idx="1">
+        <a:scrgbClr r="0" g="0" b="0"/>
+      </a:fillRef>
+      <a:effectRef idx="0">
+        <a:scrgbClr r="0" g="0" b="0"/>
+      </a:effectRef>
+      <a:fontRef idx="minor"/>
+    </dgm:style>
+  </dgm:styleLbl>
+  <dgm:styleLbl name="fgAcc2">
+    <dgm:scene3d>
+      <a:camera prst="orthographicFront"/>
+      <a:lightRig rig="threePt" dir="t"/>
+    </dgm:scene3d>
+    <dgm:sp3d/>
+    <dgm:txPr/>
+    <dgm:style>
+      <a:lnRef idx="2">
+        <a:scrgbClr r="0" g="0" b="0"/>
+      </a:lnRef>
+      <a:fillRef idx="1">
+        <a:scrgbClr r="0" g="0" b="0"/>
+      </a:fillRef>
+      <a:effectRef idx="0">
+        <a:scrgbClr r="0" g="0" b="0"/>
+      </a:effectRef>
+      <a:fontRef idx="minor"/>
+    </dgm:style>
+  </dgm:styleLbl>
+  <dgm:styleLbl name="fgAcc3">
+    <dgm:scene3d>
+      <a:camera prst="orthographicFront"/>
+      <a:lightRig rig="threePt" dir="t"/>
+    </dgm:scene3d>
+    <dgm:sp3d/>
+    <dgm:txPr/>
+    <dgm:style>
+      <a:lnRef idx="2">
+        <a:scrgbClr r="0" g="0" b="0"/>
+      </a:lnRef>
+      <a:fillRef idx="1">
+        <a:scrgbClr r="0" g="0" b="0"/>
+      </a:fillRef>
+      <a:effectRef idx="0">
+        <a:scrgbClr r="0" g="0" b="0"/>
+      </a:effectRef>
+      <a:fontRef idx="minor"/>
+    </dgm:style>
+  </dgm:styleLbl>
+  <dgm:styleLbl name="fgAcc4">
+    <dgm:scene3d>
+      <a:camera prst="orthographicFront"/>
+      <a:lightRig rig="threePt" dir="t"/>
+    </dgm:scene3d>
+    <dgm:sp3d/>
+    <dgm:txPr/>
+    <dgm:style>
+      <a:lnRef idx="2">
+        <a:scrgbClr r="0" g="0" b="0"/>
+      </a:lnRef>
+      <a:fillRef idx="1">
+        <a:scrgbClr r="0" g="0" b="0"/>
+      </a:fillRef>
+      <a:effectRef idx="0">
+        <a:scrgbClr r="0" g="0" b="0"/>
+      </a:effectRef>
+      <a:fontRef idx="minor"/>
+    </dgm:style>
+  </dgm:styleLbl>
+  <dgm:styleLbl name="bgShp">
+    <dgm:scene3d>
+      <a:camera prst="orthographicFront"/>
+      <a:lightRig rig="threePt" dir="t"/>
+    </dgm:scene3d>
+    <dgm:sp3d/>
+    <dgm:txPr/>
+    <dgm:style>
+      <a:lnRef idx="0">
+        <a:scrgbClr r="0" g="0" b="0"/>
+      </a:lnRef>
+      <a:fillRef idx="1">
+        <a:scrgbClr r="0" g="0" b="0"/>
+      </a:fillRef>
+      <a:effectRef idx="0">
+        <a:scrgbClr r="0" g="0" b="0"/>
+      </a:effectRef>
+      <a:fontRef idx="minor"/>
+    </dgm:style>
+  </dgm:styleLbl>
+  <dgm:styleLbl name="dkBgShp">
+    <dgm:scene3d>
+      <a:camera prst="orthographicFront"/>
+      <a:lightRig rig="threePt" dir="t"/>
+    </dgm:scene3d>
+    <dgm:sp3d/>
+    <dgm:txPr/>
+    <dgm:style>
+      <a:lnRef idx="0">
+        <a:scrgbClr r="0" g="0" b="0"/>
+      </a:lnRef>
+      <a:fillRef idx="1">
+        <a:scrgbClr r="0" g="0" b="0"/>
+      </a:fillRef>
+      <a:effectRef idx="0">
+        <a:scrgbClr r="0" g="0" b="0"/>
+      </a:effectRef>
+      <a:fontRef idx="minor"/>
+    </dgm:style>
+  </dgm:styleLbl>
+  <dgm:styleLbl name="trBgShp">
+    <dgm:scene3d>
+      <a:camera prst="orthographicFront"/>
+      <a:lightRig rig="threePt" dir="t"/>
+    </dgm:scene3d>
+    <dgm:sp3d/>
+    <dgm:txPr/>
+    <dgm:style>
+      <a:lnRef idx="0">
+        <a:scrgbClr r="0" g="0" b="0"/>
+      </a:lnRef>
+      <a:fillRef idx="1">
+        <a:scrgbClr r="0" g="0" b="0"/>
+      </a:fillRef>
+      <a:effectRef idx="0">
+        <a:scrgbClr r="0" g="0" b="0"/>
+      </a:effectRef>
+      <a:fontRef idx="minor"/>
+    </dgm:style>
+  </dgm:styleLbl>
+  <dgm:styleLbl name="fgShp">
+    <dgm:scene3d>
+      <a:camera prst="orthographicFront"/>
+      <a:lightRig rig="threePt" dir="t"/>
+    </dgm:scene3d>
+    <dgm:sp3d/>
+    <dgm:txPr/>
+    <dgm:style>
+      <a:lnRef idx="2">
+        <a:scrgbClr r="0" g="0" b="0"/>
+      </a:lnRef>
+      <a:fillRef idx="1">
+        <a:scrgbClr r="0" g="0" b="0"/>
+      </a:fillRef>
+      <a:effectRef idx="0">
+        <a:scrgbClr r="0" g="0" b="0"/>
+      </a:effectRef>
+      <a:fontRef idx="minor"/>
+    </dgm:style>
+  </dgm:styleLbl>
+  <dgm:styleLbl name="revTx">
+    <dgm:scene3d>
+      <a:camera prst="orthographicFront"/>
+      <a:lightRig rig="threePt" dir="t"/>
+    </dgm:scene3d>
+    <dgm:sp3d/>
+    <dgm:txPr/>
+    <dgm:style>
+      <a:lnRef idx="0">
+        <a:scrgbClr r="0" g="0" b="0"/>
+      </a:lnRef>
+      <a:fillRef idx="0">
+        <a:scrgbClr r="0" g="0" b="0"/>
+      </a:fillRef>
+      <a:effectRef idx="0">
+        <a:scrgbClr r="0" g="0" b="0"/>
+      </a:effectRef>
+      <a:fontRef idx="minor"/>
+    </dgm:style>
+  </dgm:styleLbl>
+</dgm:styleDef>
+</file>
+
 <file path=ppt/handoutMasters/handoutMaster1.xml><?xml version="1.0" encoding="utf-8"?>
 <p:handoutMaster xmlns:a="http://schemas.openxmlformats.org/drawingml/2006/main" xmlns:r="http://schemas.openxmlformats.org/officeDocument/2006/relationships" xmlns:p="http://schemas.openxmlformats.org/presentationml/2006/main">
   <p:cSld>
@@ -267,7 +5397,7 @@
               <a:rPr lang="en-US" smtClean="0">
                 <a:latin typeface="Segoe UI" pitchFamily="34" charset="0"/>
               </a:rPr>
-              <a:t>11/8/2012</a:t>
+              <a:t>11/27/2012</a:t>
             </a:fld>
             <a:endParaRPr lang="en-US" dirty="0">
               <a:latin typeface="Segoe UI" pitchFamily="34" charset="0"/>
@@ -449,7 +5579,7 @@
             <a:fld id="{CAE3F082-F902-42D8-A765-720E172C3194}" type="datetimeFigureOut">
               <a:rPr lang="en-US" smtClean="0"/>
               <a:pPr/>
-              <a:t>11/8/2012</a:t>
+              <a:t>11/27/2012</a:t>
             </a:fld>
             <a:endParaRPr lang="en-US" dirty="0"/>
           </a:p>
@@ -720,6 +5850,180 @@
     </a:lvl9pPr>
   </p:notesStyle>
 </p:notesMaster>
+</file>
+
+<file path=ppt/notesSlides/notesSlide1.xml><?xml version="1.0" encoding="utf-8"?>
+<p:notes xmlns:a="http://schemas.openxmlformats.org/drawingml/2006/main" xmlns:r="http://schemas.openxmlformats.org/officeDocument/2006/relationships" xmlns:p="http://schemas.openxmlformats.org/presentationml/2006/main">
+  <p:cSld>
+    <p:spTree>
+      <p:nvGrpSpPr>
+        <p:cNvPr id="1" name=""/>
+        <p:cNvGrpSpPr/>
+        <p:nvPr/>
+      </p:nvGrpSpPr>
+      <p:grpSpPr>
+        <a:xfrm>
+          <a:off x="0" y="0"/>
+          <a:ext cx="0" cy="0"/>
+          <a:chOff x="0" y="0"/>
+          <a:chExt cx="0" cy="0"/>
+        </a:xfrm>
+      </p:grpSpPr>
+      <p:sp>
+        <p:nvSpPr>
+          <p:cNvPr id="2" name="Slide Image Placeholder 1"/>
+          <p:cNvSpPr>
+            <a:spLocks noGrp="1" noRot="1" noChangeAspect="1"/>
+          </p:cNvSpPr>
+          <p:nvPr>
+            <p:ph type="sldImg"/>
+          </p:nvPr>
+        </p:nvSpPr>
+        <p:spPr/>
+      </p:sp>
+      <p:sp>
+        <p:nvSpPr>
+          <p:cNvPr id="3" name="Notes Placeholder 2"/>
+          <p:cNvSpPr>
+            <a:spLocks noGrp="1"/>
+          </p:cNvSpPr>
+          <p:nvPr>
+            <p:ph type="body" idx="1"/>
+          </p:nvPr>
+        </p:nvSpPr>
+        <p:spPr/>
+        <p:txBody>
+          <a:bodyPr/>
+          <a:lstStyle/>
+          <a:p>
+            <a:endParaRPr lang="en-US" dirty="0"/>
+          </a:p>
+        </p:txBody>
+      </p:sp>
+      <p:sp>
+        <p:nvSpPr>
+          <p:cNvPr id="4" name="Slide Number Placeholder 3"/>
+          <p:cNvSpPr>
+            <a:spLocks noGrp="1"/>
+          </p:cNvSpPr>
+          <p:nvPr>
+            <p:ph type="sldNum" sz="quarter" idx="10"/>
+          </p:nvPr>
+        </p:nvSpPr>
+        <p:spPr/>
+        <p:txBody>
+          <a:bodyPr/>
+          <a:lstStyle/>
+          <a:p>
+            <a:fld id="{82AABF77-E2E4-44CA-BA5C-65E132CF08D8}" type="slidenum">
+              <a:rPr lang="en-US" smtClean="0"/>
+              <a:pPr/>
+              <a:t>5</a:t>
+            </a:fld>
+            <a:endParaRPr lang="en-US" dirty="0"/>
+          </a:p>
+        </p:txBody>
+      </p:sp>
+    </p:spTree>
+    <p:extLst>
+      <p:ext uri="{BB962C8B-B14F-4D97-AF65-F5344CB8AC3E}">
+        <p14:creationId xmlns:p14="http://schemas.microsoft.com/office/powerpoint/2010/main" val="1464658431"/>
+      </p:ext>
+    </p:extLst>
+  </p:cSld>
+  <p:clrMapOvr>
+    <a:masterClrMapping/>
+  </p:clrMapOvr>
+</p:notes>
+</file>
+
+<file path=ppt/notesSlides/notesSlide2.xml><?xml version="1.0" encoding="utf-8"?>
+<p:notes xmlns:a="http://schemas.openxmlformats.org/drawingml/2006/main" xmlns:r="http://schemas.openxmlformats.org/officeDocument/2006/relationships" xmlns:p="http://schemas.openxmlformats.org/presentationml/2006/main">
+  <p:cSld>
+    <p:spTree>
+      <p:nvGrpSpPr>
+        <p:cNvPr id="1" name=""/>
+        <p:cNvGrpSpPr/>
+        <p:nvPr/>
+      </p:nvGrpSpPr>
+      <p:grpSpPr>
+        <a:xfrm>
+          <a:off x="0" y="0"/>
+          <a:ext cx="0" cy="0"/>
+          <a:chOff x="0" y="0"/>
+          <a:chExt cx="0" cy="0"/>
+        </a:xfrm>
+      </p:grpSpPr>
+      <p:sp>
+        <p:nvSpPr>
+          <p:cNvPr id="2" name="Slide Image Placeholder 1"/>
+          <p:cNvSpPr>
+            <a:spLocks noGrp="1" noRot="1" noChangeAspect="1"/>
+          </p:cNvSpPr>
+          <p:nvPr>
+            <p:ph type="sldImg"/>
+          </p:nvPr>
+        </p:nvSpPr>
+        <p:spPr/>
+      </p:sp>
+      <p:sp>
+        <p:nvSpPr>
+          <p:cNvPr id="3" name="Notes Placeholder 2"/>
+          <p:cNvSpPr>
+            <a:spLocks noGrp="1"/>
+          </p:cNvSpPr>
+          <p:nvPr>
+            <p:ph type="body" idx="1"/>
+          </p:nvPr>
+        </p:nvSpPr>
+        <p:spPr/>
+        <p:txBody>
+          <a:bodyPr/>
+          <a:lstStyle/>
+          <a:p>
+            <a:r>
+              <a:rPr lang="en-US" dirty="0" smtClean="0"/>
+              <a:t>Image Source: </a:t>
+            </a:r>
+            <a:endParaRPr lang="en-US" dirty="0"/>
+          </a:p>
+        </p:txBody>
+      </p:sp>
+      <p:sp>
+        <p:nvSpPr>
+          <p:cNvPr id="4" name="Slide Number Placeholder 3"/>
+          <p:cNvSpPr>
+            <a:spLocks noGrp="1"/>
+          </p:cNvSpPr>
+          <p:nvPr>
+            <p:ph type="sldNum" sz="quarter" idx="10"/>
+          </p:nvPr>
+        </p:nvSpPr>
+        <p:spPr/>
+        <p:txBody>
+          <a:bodyPr/>
+          <a:lstStyle/>
+          <a:p>
+            <a:fld id="{82AABF77-E2E4-44CA-BA5C-65E132CF08D8}" type="slidenum">
+              <a:rPr lang="en-US" smtClean="0"/>
+              <a:pPr/>
+              <a:t>10</a:t>
+            </a:fld>
+            <a:endParaRPr lang="en-US" dirty="0"/>
+          </a:p>
+        </p:txBody>
+      </p:sp>
+    </p:spTree>
+    <p:extLst>
+      <p:ext uri="{BB962C8B-B14F-4D97-AF65-F5344CB8AC3E}">
+        <p14:creationId xmlns:p14="http://schemas.microsoft.com/office/powerpoint/2010/main" val="4122137329"/>
+      </p:ext>
+    </p:extLst>
+  </p:cSld>
+  <p:clrMapOvr>
+    <a:masterClrMapping/>
+  </p:clrMapOvr>
+</p:notes>
 </file>
 
 <file path=ppt/slideLayouts/slideLayout1.xml><?xml version="1.0" encoding="utf-8"?>
@@ -6036,8 +11340,8 @@
 </file>
 
 <file path=ppt/slideLayouts/slideLayout19.xml><?xml version="1.0" encoding="utf-8"?>
-<p:sldLayout xmlns:a="http://schemas.openxmlformats.org/drawingml/2006/main" xmlns:r="http://schemas.openxmlformats.org/officeDocument/2006/relationships" xmlns:p="http://schemas.openxmlformats.org/presentationml/2006/main" preserve="1">
-  <p:cSld name="Use for slides with Software Code">
+<p:sldLayout xmlns:a="http://schemas.openxmlformats.org/drawingml/2006/main" xmlns:r="http://schemas.openxmlformats.org/officeDocument/2006/relationships" xmlns:p="http://schemas.openxmlformats.org/presentationml/2006/main" type="obj">
+  <p:cSld name="Title and Content">
     <p:spTree>
       <p:nvGrpSpPr>
         <p:cNvPr id="1" name=""/>
@@ -6068,7 +11372,7 @@
           <a:lstStyle/>
           <a:p>
             <a:r>
-              <a:rPr lang="en-US" dirty="0" smtClean="0"/>
+              <a:rPr lang="en-US" smtClean="0"/>
               <a:t>Click to edit Master title style</a:t>
             </a:r>
             <a:endParaRPr lang="en-US" dirty="0"/>
@@ -6077,105 +11381,178 @@
       </p:sp>
       <p:sp>
         <p:nvSpPr>
-          <p:cNvPr id="6" name="Text Placeholder 5"/>
+          <p:cNvPr id="3" name="Content Placeholder 2"/>
           <p:cNvSpPr>
             <a:spLocks noGrp="1"/>
           </p:cNvSpPr>
           <p:nvPr>
-            <p:ph type="body" sz="quarter" idx="10"/>
+            <p:ph idx="1"/>
+          </p:nvPr>
+        </p:nvSpPr>
+        <p:spPr/>
+        <p:txBody>
+          <a:bodyPr/>
+          <a:lstStyle/>
+          <a:p>
+            <a:pPr lvl="0"/>
+            <a:r>
+              <a:rPr lang="en-US" dirty="0" smtClean="0"/>
+              <a:t>Click to edit Master text styles</a:t>
+            </a:r>
+          </a:p>
+          <a:p>
+            <a:pPr lvl="1"/>
+            <a:r>
+              <a:rPr lang="en-US" dirty="0" smtClean="0"/>
+              <a:t>Second level</a:t>
+            </a:r>
+          </a:p>
+          <a:p>
+            <a:pPr lvl="2"/>
+            <a:r>
+              <a:rPr lang="en-US" dirty="0" smtClean="0"/>
+              <a:t>Third level</a:t>
+            </a:r>
+          </a:p>
+          <a:p>
+            <a:pPr lvl="3"/>
+            <a:r>
+              <a:rPr lang="en-US" dirty="0" smtClean="0"/>
+              <a:t>Fourth level</a:t>
+            </a:r>
+          </a:p>
+          <a:p>
+            <a:pPr lvl="4"/>
+            <a:r>
+              <a:rPr lang="en-US" dirty="0" smtClean="0"/>
+              <a:t>Fifth level</a:t>
+            </a:r>
+            <a:endParaRPr lang="en-US" dirty="0"/>
+          </a:p>
+        </p:txBody>
+      </p:sp>
+      <p:sp>
+        <p:nvSpPr>
+          <p:cNvPr id="4" name="Date Placeholder 3"/>
+          <p:cNvSpPr>
+            <a:spLocks noGrp="1"/>
+          </p:cNvSpPr>
+          <p:nvPr>
+            <p:ph type="dt" sz="half" idx="10"/>
           </p:nvPr>
         </p:nvSpPr>
         <p:spPr>
           <a:xfrm>
-            <a:off x="519114" y="1905000"/>
-            <a:ext cx="11149012" cy="1618905"/>
+            <a:off x="1096995" y="6459786"/>
+            <a:ext cx="2471627" cy="365125"/>
           </a:xfrm>
+          <a:prstGeom prst="rect">
+            <a:avLst/>
+          </a:prstGeom>
         </p:spPr>
+        <p:txBody>
+          <a:bodyPr/>
+          <a:lstStyle/>
+          <a:p>
+            <a:fld id="{3C05B25D-F090-4D40-A1CE-42B188CFF7D8}" type="datetimeFigureOut">
+              <a:rPr lang="en-US" smtClean="0"/>
+              <a:t>11/27/2012</a:t>
+            </a:fld>
+            <a:endParaRPr lang="en-US"/>
+          </a:p>
+        </p:txBody>
+      </p:sp>
+      <p:sp>
+        <p:nvSpPr>
+          <p:cNvPr id="5" name="Footer Placeholder 4"/>
+          <p:cNvSpPr>
+            <a:spLocks noGrp="1"/>
+          </p:cNvSpPr>
+          <p:nvPr>
+            <p:ph type="ftr" sz="quarter" idx="11"/>
+          </p:nvPr>
+        </p:nvSpPr>
+        <p:spPr>
+          <a:xfrm>
+            <a:off x="3685225" y="6459786"/>
+            <a:ext cx="4821548" cy="365125"/>
+          </a:xfrm>
+          <a:prstGeom prst="rect">
+            <a:avLst/>
+          </a:prstGeom>
+        </p:spPr>
+        <p:style>
+          <a:lnRef idx="2">
+            <a:schemeClr val="accent1"/>
+          </a:lnRef>
+          <a:fillRef idx="1">
+            <a:schemeClr val="lt1"/>
+          </a:fillRef>
+          <a:effectRef idx="0">
+            <a:schemeClr val="accent1"/>
+          </a:effectRef>
+          <a:fontRef idx="none"/>
+        </p:style>
         <p:txBody>
           <a:bodyPr/>
           <a:lstStyle>
             <a:lvl1pPr>
-              <a:lnSpc>
-                <a:spcPct val="90000"/>
-              </a:lnSpc>
-              <a:defRPr sz="2400"/>
+              <a:defRPr sz="1600">
+                <a:solidFill>
+                  <a:srgbClr val="FF0000"/>
+                </a:solidFill>
+              </a:defRPr>
             </a:lvl1pPr>
-            <a:lvl2pPr>
-              <a:lnSpc>
-                <a:spcPct val="90000"/>
-              </a:lnSpc>
-              <a:defRPr sz="2000"/>
-            </a:lvl2pPr>
-            <a:lvl3pPr>
-              <a:lnSpc>
-                <a:spcPct val="90000"/>
-              </a:lnSpc>
-              <a:defRPr sz="1800"/>
-            </a:lvl3pPr>
-            <a:lvl4pPr>
-              <a:lnSpc>
-                <a:spcPct val="90000"/>
-              </a:lnSpc>
-              <a:defRPr sz="1800"/>
-            </a:lvl4pPr>
-            <a:lvl5pPr>
-              <a:lnSpc>
-                <a:spcPct val="90000"/>
-              </a:lnSpc>
-              <a:defRPr sz="1800"/>
-            </a:lvl5pPr>
           </a:lstStyle>
           <a:p>
-            <a:pPr lvl="0"/>
             <a:r>
               <a:rPr lang="en-US" dirty="0" smtClean="0"/>
-              <a:t>Click to edit Master text styles</a:t>
+              <a:t>MICROSOFT CONFIDENTIAL – INTERNAL USE ONLY</a:t>
             </a:r>
           </a:p>
+        </p:txBody>
+      </p:sp>
+      <p:sp>
+        <p:nvSpPr>
+          <p:cNvPr id="6" name="Slide Number Placeholder 5"/>
+          <p:cNvSpPr>
+            <a:spLocks noGrp="1"/>
+          </p:cNvSpPr>
+          <p:nvPr>
+            <p:ph type="sldNum" sz="quarter" idx="12"/>
+          </p:nvPr>
+        </p:nvSpPr>
+        <p:spPr>
+          <a:xfrm>
+            <a:off x="9897880" y="6459786"/>
+            <a:ext cx="1311683" cy="365125"/>
+          </a:xfrm>
+          <a:prstGeom prst="rect">
+            <a:avLst/>
+          </a:prstGeom>
+        </p:spPr>
+        <p:txBody>
+          <a:bodyPr/>
+          <a:lstStyle/>
           <a:p>
-            <a:pPr lvl="1"/>
-            <a:r>
-              <a:rPr lang="en-US" dirty="0" smtClean="0"/>
-              <a:t>Second level</a:t>
-            </a:r>
-          </a:p>
-          <a:p>
-            <a:pPr lvl="2"/>
-            <a:r>
-              <a:rPr lang="en-US" dirty="0" smtClean="0"/>
-              <a:t>Third level</a:t>
-            </a:r>
-          </a:p>
-          <a:p>
-            <a:pPr lvl="3"/>
-            <a:r>
-              <a:rPr lang="en-US" dirty="0" smtClean="0"/>
-              <a:t>Fourth level</a:t>
-            </a:r>
-          </a:p>
-          <a:p>
-            <a:pPr lvl="4"/>
-            <a:r>
-              <a:rPr lang="en-US" dirty="0" smtClean="0"/>
-              <a:t>Fifth level</a:t>
-            </a:r>
-            <a:endParaRPr lang="en-US" dirty="0"/>
+            <a:fld id="{8C245972-37C2-429B-8989-1E8C5331DB07}" type="slidenum">
+              <a:rPr lang="en-US" smtClean="0"/>
+              <a:t>‹#›</a:t>
+            </a:fld>
+            <a:endParaRPr lang="en-US"/>
           </a:p>
         </p:txBody>
       </p:sp>
     </p:spTree>
     <p:extLst>
       <p:ext uri="{BB962C8B-B14F-4D97-AF65-F5344CB8AC3E}">
-        <p14:creationId xmlns:p14="http://schemas.microsoft.com/office/powerpoint/2010/main" val="1078997337"/>
+        <p14:creationId xmlns:p14="http://schemas.microsoft.com/office/powerpoint/2010/main" val="1137373777"/>
       </p:ext>
     </p:extLst>
   </p:cSld>
   <p:clrMapOvr>
     <a:masterClrMapping/>
   </p:clrMapOvr>
-  <p:transition>
-    <p:fade/>
-  </p:transition>
   <p:timing>
     <p:tnLst>
       <p:par>
@@ -6512,6 +11889,308 @@
     <p:extLst>
       <p:ext uri="{BB962C8B-B14F-4D97-AF65-F5344CB8AC3E}">
         <p14:creationId xmlns:p14="http://schemas.microsoft.com/office/powerpoint/2010/main" val="505028237"/>
+      </p:ext>
+    </p:extLst>
+  </p:cSld>
+  <p:clrMapOvr>
+    <a:masterClrMapping/>
+  </p:clrMapOvr>
+  <p:transition>
+    <p:fade/>
+  </p:transition>
+  <p:timing>
+    <p:tnLst>
+      <p:par>
+        <p:cTn id="1" dur="indefinite" restart="never" nodeType="tmRoot"/>
+      </p:par>
+    </p:tnLst>
+  </p:timing>
+</p:sldLayout>
+</file>
+
+<file path=ppt/slideLayouts/slideLayout20.xml><?xml version="1.0" encoding="utf-8"?>
+<p:sldLayout xmlns:a="http://schemas.openxmlformats.org/drawingml/2006/main" xmlns:r="http://schemas.openxmlformats.org/officeDocument/2006/relationships" xmlns:p="http://schemas.openxmlformats.org/presentationml/2006/main">
+  <p:cSld name="Use for slides with Software Code">
+    <p:spTree>
+      <p:nvGrpSpPr>
+        <p:cNvPr id="1" name=""/>
+        <p:cNvGrpSpPr/>
+        <p:nvPr/>
+      </p:nvGrpSpPr>
+      <p:grpSpPr>
+        <a:xfrm>
+          <a:off x="0" y="0"/>
+          <a:ext cx="0" cy="0"/>
+          <a:chOff x="0" y="0"/>
+          <a:chExt cx="0" cy="0"/>
+        </a:xfrm>
+      </p:grpSpPr>
+      <p:sp>
+        <p:nvSpPr>
+          <p:cNvPr id="2" name="Title 1"/>
+          <p:cNvSpPr>
+            <a:spLocks noGrp="1"/>
+          </p:cNvSpPr>
+          <p:nvPr>
+            <p:ph type="title"/>
+          </p:nvPr>
+        </p:nvSpPr>
+        <p:spPr/>
+        <p:txBody>
+          <a:bodyPr/>
+          <a:lstStyle/>
+          <a:p>
+            <a:r>
+              <a:rPr lang="en-US" dirty="0" smtClean="0"/>
+              <a:t>Click to edit Master title style</a:t>
+            </a:r>
+            <a:endParaRPr lang="en-US" dirty="0"/>
+          </a:p>
+        </p:txBody>
+      </p:sp>
+      <p:sp>
+        <p:nvSpPr>
+          <p:cNvPr id="6" name="Text Placeholder 5"/>
+          <p:cNvSpPr>
+            <a:spLocks noGrp="1"/>
+          </p:cNvSpPr>
+          <p:nvPr>
+            <p:ph type="body" sz="quarter" idx="10"/>
+          </p:nvPr>
+        </p:nvSpPr>
+        <p:spPr>
+          <a:xfrm>
+            <a:off x="519114" y="1905000"/>
+            <a:ext cx="11149012" cy="1618905"/>
+          </a:xfrm>
+        </p:spPr>
+        <p:txBody>
+          <a:bodyPr/>
+          <a:lstStyle>
+            <a:lvl1pPr>
+              <a:lnSpc>
+                <a:spcPct val="90000"/>
+              </a:lnSpc>
+              <a:defRPr sz="2400"/>
+            </a:lvl1pPr>
+            <a:lvl2pPr>
+              <a:lnSpc>
+                <a:spcPct val="90000"/>
+              </a:lnSpc>
+              <a:defRPr sz="2000"/>
+            </a:lvl2pPr>
+            <a:lvl3pPr>
+              <a:lnSpc>
+                <a:spcPct val="90000"/>
+              </a:lnSpc>
+              <a:defRPr sz="1800"/>
+            </a:lvl3pPr>
+            <a:lvl4pPr>
+              <a:lnSpc>
+                <a:spcPct val="90000"/>
+              </a:lnSpc>
+              <a:defRPr sz="1800"/>
+            </a:lvl4pPr>
+            <a:lvl5pPr>
+              <a:lnSpc>
+                <a:spcPct val="90000"/>
+              </a:lnSpc>
+              <a:defRPr sz="1800"/>
+            </a:lvl5pPr>
+          </a:lstStyle>
+          <a:p>
+            <a:pPr lvl="0"/>
+            <a:r>
+              <a:rPr lang="en-US" dirty="0" smtClean="0"/>
+              <a:t>Click to edit Master text styles</a:t>
+            </a:r>
+          </a:p>
+          <a:p>
+            <a:pPr lvl="1"/>
+            <a:r>
+              <a:rPr lang="en-US" dirty="0" smtClean="0"/>
+              <a:t>Second level</a:t>
+            </a:r>
+          </a:p>
+          <a:p>
+            <a:pPr lvl="2"/>
+            <a:r>
+              <a:rPr lang="en-US" dirty="0" smtClean="0"/>
+              <a:t>Third level</a:t>
+            </a:r>
+          </a:p>
+          <a:p>
+            <a:pPr lvl="3"/>
+            <a:r>
+              <a:rPr lang="en-US" dirty="0" smtClean="0"/>
+              <a:t>Fourth level</a:t>
+            </a:r>
+          </a:p>
+          <a:p>
+            <a:pPr lvl="4"/>
+            <a:r>
+              <a:rPr lang="en-US" dirty="0" smtClean="0"/>
+              <a:t>Fifth level</a:t>
+            </a:r>
+            <a:endParaRPr lang="en-US" dirty="0"/>
+          </a:p>
+        </p:txBody>
+      </p:sp>
+    </p:spTree>
+    <p:extLst>
+      <p:ext uri="{BB962C8B-B14F-4D97-AF65-F5344CB8AC3E}">
+        <p14:creationId xmlns:p14="http://schemas.microsoft.com/office/powerpoint/2010/main" val="473773067"/>
+      </p:ext>
+    </p:extLst>
+  </p:cSld>
+  <p:clrMapOvr>
+    <a:masterClrMapping/>
+  </p:clrMapOvr>
+  <p:transition>
+    <p:fade/>
+  </p:transition>
+  <p:timing>
+    <p:tnLst>
+      <p:par>
+        <p:cTn id="1" dur="indefinite" restart="never" nodeType="tmRoot"/>
+      </p:par>
+    </p:tnLst>
+  </p:timing>
+</p:sldLayout>
+</file>
+
+<file path=ppt/slideLayouts/slideLayout21.xml><?xml version="1.0" encoding="utf-8"?>
+<p:sldLayout xmlns:a="http://schemas.openxmlformats.org/drawingml/2006/main" xmlns:r="http://schemas.openxmlformats.org/officeDocument/2006/relationships" xmlns:p="http://schemas.openxmlformats.org/presentationml/2006/main" preserve="1">
+  <p:cSld name="Use for slides with Software Code">
+    <p:spTree>
+      <p:nvGrpSpPr>
+        <p:cNvPr id="1" name=""/>
+        <p:cNvGrpSpPr/>
+        <p:nvPr/>
+      </p:nvGrpSpPr>
+      <p:grpSpPr>
+        <a:xfrm>
+          <a:off x="0" y="0"/>
+          <a:ext cx="0" cy="0"/>
+          <a:chOff x="0" y="0"/>
+          <a:chExt cx="0" cy="0"/>
+        </a:xfrm>
+      </p:grpSpPr>
+      <p:sp>
+        <p:nvSpPr>
+          <p:cNvPr id="2" name="Title 1"/>
+          <p:cNvSpPr>
+            <a:spLocks noGrp="1"/>
+          </p:cNvSpPr>
+          <p:nvPr>
+            <p:ph type="title"/>
+          </p:nvPr>
+        </p:nvSpPr>
+        <p:spPr/>
+        <p:txBody>
+          <a:bodyPr/>
+          <a:lstStyle/>
+          <a:p>
+            <a:r>
+              <a:rPr lang="en-US" dirty="0" smtClean="0"/>
+              <a:t>Click to edit Master title style</a:t>
+            </a:r>
+            <a:endParaRPr lang="en-US" dirty="0"/>
+          </a:p>
+        </p:txBody>
+      </p:sp>
+      <p:sp>
+        <p:nvSpPr>
+          <p:cNvPr id="6" name="Text Placeholder 5"/>
+          <p:cNvSpPr>
+            <a:spLocks noGrp="1"/>
+          </p:cNvSpPr>
+          <p:nvPr>
+            <p:ph type="body" sz="quarter" idx="10"/>
+          </p:nvPr>
+        </p:nvSpPr>
+        <p:spPr>
+          <a:xfrm>
+            <a:off x="519114" y="1905000"/>
+            <a:ext cx="11149012" cy="1618905"/>
+          </a:xfrm>
+        </p:spPr>
+        <p:txBody>
+          <a:bodyPr/>
+          <a:lstStyle>
+            <a:lvl1pPr>
+              <a:lnSpc>
+                <a:spcPct val="90000"/>
+              </a:lnSpc>
+              <a:defRPr sz="2400"/>
+            </a:lvl1pPr>
+            <a:lvl2pPr>
+              <a:lnSpc>
+                <a:spcPct val="90000"/>
+              </a:lnSpc>
+              <a:defRPr sz="2000"/>
+            </a:lvl2pPr>
+            <a:lvl3pPr>
+              <a:lnSpc>
+                <a:spcPct val="90000"/>
+              </a:lnSpc>
+              <a:defRPr sz="1800"/>
+            </a:lvl3pPr>
+            <a:lvl4pPr>
+              <a:lnSpc>
+                <a:spcPct val="90000"/>
+              </a:lnSpc>
+              <a:defRPr sz="1800"/>
+            </a:lvl4pPr>
+            <a:lvl5pPr>
+              <a:lnSpc>
+                <a:spcPct val="90000"/>
+              </a:lnSpc>
+              <a:defRPr sz="1800"/>
+            </a:lvl5pPr>
+          </a:lstStyle>
+          <a:p>
+            <a:pPr lvl="0"/>
+            <a:r>
+              <a:rPr lang="en-US" dirty="0" smtClean="0"/>
+              <a:t>Click to edit Master text styles</a:t>
+            </a:r>
+          </a:p>
+          <a:p>
+            <a:pPr lvl="1"/>
+            <a:r>
+              <a:rPr lang="en-US" dirty="0" smtClean="0"/>
+              <a:t>Second level</a:t>
+            </a:r>
+          </a:p>
+          <a:p>
+            <a:pPr lvl="2"/>
+            <a:r>
+              <a:rPr lang="en-US" dirty="0" smtClean="0"/>
+              <a:t>Third level</a:t>
+            </a:r>
+          </a:p>
+          <a:p>
+            <a:pPr lvl="3"/>
+            <a:r>
+              <a:rPr lang="en-US" dirty="0" smtClean="0"/>
+              <a:t>Fourth level</a:t>
+            </a:r>
+          </a:p>
+          <a:p>
+            <a:pPr lvl="4"/>
+            <a:r>
+              <a:rPr lang="en-US" dirty="0" smtClean="0"/>
+              <a:t>Fifth level</a:t>
+            </a:r>
+            <a:endParaRPr lang="en-US" dirty="0"/>
+          </a:p>
+        </p:txBody>
+      </p:sp>
+    </p:spTree>
+    <p:extLst>
+      <p:ext uri="{BB962C8B-B14F-4D97-AF65-F5344CB8AC3E}">
+        <p14:creationId xmlns:p14="http://schemas.microsoft.com/office/powerpoint/2010/main" val="1078997337"/>
       </p:ext>
     </p:extLst>
   </p:cSld>
@@ -11189,6 +16868,8 @@
     <p:sldLayoutId id="2147483776" r:id="rId16"/>
     <p:sldLayoutId id="2147483777" r:id="rId17"/>
     <p:sldLayoutId id="2147483778" r:id="rId18"/>
+    <p:sldLayoutId id="2147483781" r:id="rId19"/>
+    <p:sldLayoutId id="2147483782" r:id="rId20"/>
   </p:sldLayoutIdLst>
   <p:transition>
     <p:fade/>
@@ -14234,6 +19915,2130 @@
 </p:sld>
 </file>
 
+<file path=ppt/slides/slide10.xml><?xml version="1.0" encoding="utf-8"?>
+<p:sld xmlns:a="http://schemas.openxmlformats.org/drawingml/2006/main" xmlns:r="http://schemas.openxmlformats.org/officeDocument/2006/relationships" xmlns:p="http://schemas.openxmlformats.org/presentationml/2006/main">
+  <p:cSld>
+    <p:spTree>
+      <p:nvGrpSpPr>
+        <p:cNvPr id="1" name=""/>
+        <p:cNvGrpSpPr/>
+        <p:nvPr/>
+      </p:nvGrpSpPr>
+      <p:grpSpPr>
+        <a:xfrm>
+          <a:off x="0" y="0"/>
+          <a:ext cx="0" cy="0"/>
+          <a:chOff x="0" y="0"/>
+          <a:chExt cx="0" cy="0"/>
+        </a:xfrm>
+      </p:grpSpPr>
+      <p:sp>
+        <p:nvSpPr>
+          <p:cNvPr id="2" name="Title 1"/>
+          <p:cNvSpPr>
+            <a:spLocks noGrp="1"/>
+          </p:cNvSpPr>
+          <p:nvPr>
+            <p:ph type="title"/>
+          </p:nvPr>
+        </p:nvSpPr>
+        <p:spPr/>
+        <p:txBody>
+          <a:bodyPr/>
+          <a:lstStyle/>
+          <a:p>
+            <a:r>
+              <a:rPr lang="en-US" dirty="0" smtClean="0"/>
+              <a:t>Facebook Graph API</a:t>
+            </a:r>
+            <a:endParaRPr lang="en-US" dirty="0"/>
+          </a:p>
+        </p:txBody>
+      </p:sp>
+      <p:sp>
+        <p:nvSpPr>
+          <p:cNvPr id="26" name="Content Placeholder 25"/>
+          <p:cNvSpPr>
+            <a:spLocks noGrp="1"/>
+          </p:cNvSpPr>
+          <p:nvPr>
+            <p:ph type="body" sz="quarter" idx="10"/>
+          </p:nvPr>
+        </p:nvSpPr>
+        <p:spPr>
+          <a:xfrm>
+            <a:off x="519113" y="1447799"/>
+            <a:ext cx="5360988" cy="946413"/>
+          </a:xfrm>
+        </p:spPr>
+        <p:txBody>
+          <a:bodyPr/>
+          <a:lstStyle/>
+          <a:p>
+            <a:r>
+              <a:rPr lang="en-US" dirty="0" smtClean="0"/>
+              <a:t>Network of User, Actions, and Objects</a:t>
+            </a:r>
+          </a:p>
+          <a:p>
+            <a:r>
+              <a:rPr lang="en-US" dirty="0" smtClean="0"/>
+              <a:t>REST API</a:t>
+            </a:r>
+          </a:p>
+          <a:p>
+            <a:r>
+              <a:rPr lang="en-US" dirty="0" smtClean="0"/>
+              <a:t>JSON Format</a:t>
+            </a:r>
+          </a:p>
+          <a:p>
+            <a:r>
+              <a:rPr lang="en-US" dirty="0" smtClean="0"/>
+              <a:t>Deep integration with Facebook</a:t>
+            </a:r>
+          </a:p>
+          <a:p>
+            <a:endParaRPr lang="en-US" dirty="0"/>
+          </a:p>
+        </p:txBody>
+      </p:sp>
+      <p:sp>
+        <p:nvSpPr>
+          <p:cNvPr id="28" name="Rectangle 27"/>
+          <p:cNvSpPr/>
+          <p:nvPr/>
+        </p:nvSpPr>
+        <p:spPr>
+          <a:xfrm>
+            <a:off x="6586106" y="1348800"/>
+            <a:ext cx="6092825" cy="5509200"/>
+          </a:xfrm>
+          <a:prstGeom prst="rect">
+            <a:avLst/>
+          </a:prstGeom>
+        </p:spPr>
+        <p:txBody>
+          <a:bodyPr>
+            <a:spAutoFit/>
+          </a:bodyPr>
+          <a:lstStyle/>
+          <a:p>
+            <a:r>
+              <a:rPr lang="en-US" sz="1600" dirty="0">
+                <a:solidFill>
+                  <a:srgbClr val="333333"/>
+                </a:solidFill>
+                <a:latin typeface="Consolas" panose="020B0609020204030204" pitchFamily="49" charset="0"/>
+                <a:cs typeface="Consolas" panose="020B0609020204030204" pitchFamily="49" charset="0"/>
+              </a:rPr>
+              <a:t>{</a:t>
+            </a:r>
+            <a:r>
+              <a:rPr lang="en-US" sz="1600" dirty="0">
+                <a:latin typeface="Consolas" panose="020B0609020204030204" pitchFamily="49" charset="0"/>
+                <a:cs typeface="Consolas" panose="020B0609020204030204" pitchFamily="49" charset="0"/>
+              </a:rPr>
+              <a:t/>
+            </a:r>
+            <a:br>
+              <a:rPr lang="en-US" sz="1600" dirty="0">
+                <a:latin typeface="Consolas" panose="020B0609020204030204" pitchFamily="49" charset="0"/>
+                <a:cs typeface="Consolas" panose="020B0609020204030204" pitchFamily="49" charset="0"/>
+              </a:rPr>
+            </a:br>
+            <a:r>
+              <a:rPr lang="en-US" sz="1600" dirty="0">
+                <a:solidFill>
+                  <a:srgbClr val="333333"/>
+                </a:solidFill>
+                <a:latin typeface="Consolas" panose="020B0609020204030204" pitchFamily="49" charset="0"/>
+                <a:cs typeface="Consolas" panose="020B0609020204030204" pitchFamily="49" charset="0"/>
+              </a:rPr>
+              <a:t>  "id": </a:t>
+            </a:r>
+            <a:r>
+              <a:rPr lang="en-US" sz="1600" dirty="0">
+                <a:solidFill>
+                  <a:srgbClr val="008000"/>
+                </a:solidFill>
+                <a:latin typeface="Consolas" panose="020B0609020204030204" pitchFamily="49" charset="0"/>
+                <a:cs typeface="Consolas" panose="020B0609020204030204" pitchFamily="49" charset="0"/>
+              </a:rPr>
+              <a:t>"</a:t>
+            </a:r>
+            <a:r>
+              <a:rPr lang="en-US" sz="1600" dirty="0">
+                <a:solidFill>
+                  <a:srgbClr val="3B5998"/>
+                </a:solidFill>
+                <a:latin typeface="Consolas" panose="020B0609020204030204" pitchFamily="49" charset="0"/>
+                <a:cs typeface="Consolas" panose="020B0609020204030204" pitchFamily="49" charset="0"/>
+                <a:hlinkClick r:id="rId3"/>
+              </a:rPr>
+              <a:t>14812017</a:t>
+            </a:r>
+            <a:r>
+              <a:rPr lang="en-US" sz="1600" dirty="0">
+                <a:solidFill>
+                  <a:srgbClr val="008000"/>
+                </a:solidFill>
+                <a:latin typeface="Consolas" panose="020B0609020204030204" pitchFamily="49" charset="0"/>
+                <a:cs typeface="Consolas" panose="020B0609020204030204" pitchFamily="49" charset="0"/>
+              </a:rPr>
+              <a:t>"</a:t>
+            </a:r>
+            <a:r>
+              <a:rPr lang="en-US" sz="1600" dirty="0">
+                <a:solidFill>
+                  <a:srgbClr val="333333"/>
+                </a:solidFill>
+                <a:latin typeface="Consolas" panose="020B0609020204030204" pitchFamily="49" charset="0"/>
+                <a:cs typeface="Consolas" panose="020B0609020204030204" pitchFamily="49" charset="0"/>
+              </a:rPr>
+              <a:t>, </a:t>
+            </a:r>
+            <a:r>
+              <a:rPr lang="en-US" sz="1600" dirty="0">
+                <a:latin typeface="Consolas" panose="020B0609020204030204" pitchFamily="49" charset="0"/>
+                <a:cs typeface="Consolas" panose="020B0609020204030204" pitchFamily="49" charset="0"/>
+              </a:rPr>
+              <a:t/>
+            </a:r>
+            <a:br>
+              <a:rPr lang="en-US" sz="1600" dirty="0">
+                <a:latin typeface="Consolas" panose="020B0609020204030204" pitchFamily="49" charset="0"/>
+                <a:cs typeface="Consolas" panose="020B0609020204030204" pitchFamily="49" charset="0"/>
+              </a:rPr>
+            </a:br>
+            <a:r>
+              <a:rPr lang="en-US" sz="1600" dirty="0">
+                <a:solidFill>
+                  <a:srgbClr val="333333"/>
+                </a:solidFill>
+                <a:latin typeface="Consolas" panose="020B0609020204030204" pitchFamily="49" charset="0"/>
+                <a:cs typeface="Consolas" panose="020B0609020204030204" pitchFamily="49" charset="0"/>
+              </a:rPr>
+              <a:t>  "name": </a:t>
+            </a:r>
+            <a:r>
+              <a:rPr lang="en-US" sz="1600" dirty="0">
+                <a:solidFill>
+                  <a:srgbClr val="008000"/>
+                </a:solidFill>
+                <a:latin typeface="Consolas" panose="020B0609020204030204" pitchFamily="49" charset="0"/>
+                <a:cs typeface="Consolas" panose="020B0609020204030204" pitchFamily="49" charset="0"/>
+              </a:rPr>
+              <a:t>"Nathan Totten"</a:t>
+            </a:r>
+            <a:r>
+              <a:rPr lang="en-US" sz="1600" dirty="0">
+                <a:solidFill>
+                  <a:srgbClr val="333333"/>
+                </a:solidFill>
+                <a:latin typeface="Consolas" panose="020B0609020204030204" pitchFamily="49" charset="0"/>
+                <a:cs typeface="Consolas" panose="020B0609020204030204" pitchFamily="49" charset="0"/>
+              </a:rPr>
+              <a:t>, </a:t>
+            </a:r>
+            <a:r>
+              <a:rPr lang="en-US" sz="1600" dirty="0">
+                <a:latin typeface="Consolas" panose="020B0609020204030204" pitchFamily="49" charset="0"/>
+                <a:cs typeface="Consolas" panose="020B0609020204030204" pitchFamily="49" charset="0"/>
+              </a:rPr>
+              <a:t/>
+            </a:r>
+            <a:br>
+              <a:rPr lang="en-US" sz="1600" dirty="0">
+                <a:latin typeface="Consolas" panose="020B0609020204030204" pitchFamily="49" charset="0"/>
+                <a:cs typeface="Consolas" panose="020B0609020204030204" pitchFamily="49" charset="0"/>
+              </a:rPr>
+            </a:br>
+            <a:r>
+              <a:rPr lang="en-US" sz="1600" dirty="0">
+                <a:solidFill>
+                  <a:srgbClr val="333333"/>
+                </a:solidFill>
+                <a:latin typeface="Consolas" panose="020B0609020204030204" pitchFamily="49" charset="0"/>
+                <a:cs typeface="Consolas" panose="020B0609020204030204" pitchFamily="49" charset="0"/>
+              </a:rPr>
+              <a:t>  "</a:t>
+            </a:r>
+            <a:r>
+              <a:rPr lang="en-US" sz="1600" dirty="0" err="1">
+                <a:solidFill>
+                  <a:srgbClr val="333333"/>
+                </a:solidFill>
+                <a:latin typeface="Consolas" panose="020B0609020204030204" pitchFamily="49" charset="0"/>
+                <a:cs typeface="Consolas" panose="020B0609020204030204" pitchFamily="49" charset="0"/>
+              </a:rPr>
+              <a:t>first_name</a:t>
+            </a:r>
+            <a:r>
+              <a:rPr lang="en-US" sz="1600" dirty="0">
+                <a:solidFill>
+                  <a:srgbClr val="333333"/>
+                </a:solidFill>
+                <a:latin typeface="Consolas" panose="020B0609020204030204" pitchFamily="49" charset="0"/>
+                <a:cs typeface="Consolas" panose="020B0609020204030204" pitchFamily="49" charset="0"/>
+              </a:rPr>
+              <a:t>": </a:t>
+            </a:r>
+            <a:r>
+              <a:rPr lang="en-US" sz="1600" dirty="0">
+                <a:solidFill>
+                  <a:srgbClr val="008000"/>
+                </a:solidFill>
+                <a:latin typeface="Consolas" panose="020B0609020204030204" pitchFamily="49" charset="0"/>
+                <a:cs typeface="Consolas" panose="020B0609020204030204" pitchFamily="49" charset="0"/>
+              </a:rPr>
+              <a:t>"Nathan"</a:t>
+            </a:r>
+            <a:r>
+              <a:rPr lang="en-US" sz="1600" dirty="0">
+                <a:solidFill>
+                  <a:srgbClr val="333333"/>
+                </a:solidFill>
+                <a:latin typeface="Consolas" panose="020B0609020204030204" pitchFamily="49" charset="0"/>
+                <a:cs typeface="Consolas" panose="020B0609020204030204" pitchFamily="49" charset="0"/>
+              </a:rPr>
+              <a:t>, </a:t>
+            </a:r>
+            <a:r>
+              <a:rPr lang="en-US" sz="1600" dirty="0">
+                <a:latin typeface="Consolas" panose="020B0609020204030204" pitchFamily="49" charset="0"/>
+                <a:cs typeface="Consolas" panose="020B0609020204030204" pitchFamily="49" charset="0"/>
+              </a:rPr>
+              <a:t/>
+            </a:r>
+            <a:br>
+              <a:rPr lang="en-US" sz="1600" dirty="0">
+                <a:latin typeface="Consolas" panose="020B0609020204030204" pitchFamily="49" charset="0"/>
+                <a:cs typeface="Consolas" panose="020B0609020204030204" pitchFamily="49" charset="0"/>
+              </a:rPr>
+            </a:br>
+            <a:r>
+              <a:rPr lang="en-US" sz="1600" dirty="0">
+                <a:solidFill>
+                  <a:srgbClr val="333333"/>
+                </a:solidFill>
+                <a:latin typeface="Consolas" panose="020B0609020204030204" pitchFamily="49" charset="0"/>
+                <a:cs typeface="Consolas" panose="020B0609020204030204" pitchFamily="49" charset="0"/>
+              </a:rPr>
+              <a:t>  "</a:t>
+            </a:r>
+            <a:r>
+              <a:rPr lang="en-US" sz="1600" dirty="0" err="1">
+                <a:solidFill>
+                  <a:srgbClr val="333333"/>
+                </a:solidFill>
+                <a:latin typeface="Consolas" panose="020B0609020204030204" pitchFamily="49" charset="0"/>
+                <a:cs typeface="Consolas" panose="020B0609020204030204" pitchFamily="49" charset="0"/>
+              </a:rPr>
+              <a:t>last_name</a:t>
+            </a:r>
+            <a:r>
+              <a:rPr lang="en-US" sz="1600" dirty="0">
+                <a:solidFill>
+                  <a:srgbClr val="333333"/>
+                </a:solidFill>
+                <a:latin typeface="Consolas" panose="020B0609020204030204" pitchFamily="49" charset="0"/>
+                <a:cs typeface="Consolas" panose="020B0609020204030204" pitchFamily="49" charset="0"/>
+              </a:rPr>
+              <a:t>": </a:t>
+            </a:r>
+            <a:r>
+              <a:rPr lang="en-US" sz="1600" dirty="0">
+                <a:solidFill>
+                  <a:srgbClr val="008000"/>
+                </a:solidFill>
+                <a:latin typeface="Consolas" panose="020B0609020204030204" pitchFamily="49" charset="0"/>
+                <a:cs typeface="Consolas" panose="020B0609020204030204" pitchFamily="49" charset="0"/>
+              </a:rPr>
+              <a:t>"Totten"</a:t>
+            </a:r>
+            <a:r>
+              <a:rPr lang="en-US" sz="1600" dirty="0">
+                <a:solidFill>
+                  <a:srgbClr val="333333"/>
+                </a:solidFill>
+                <a:latin typeface="Consolas" panose="020B0609020204030204" pitchFamily="49" charset="0"/>
+                <a:cs typeface="Consolas" panose="020B0609020204030204" pitchFamily="49" charset="0"/>
+              </a:rPr>
+              <a:t>, </a:t>
+            </a:r>
+            <a:r>
+              <a:rPr lang="en-US" sz="1600" dirty="0">
+                <a:latin typeface="Consolas" panose="020B0609020204030204" pitchFamily="49" charset="0"/>
+                <a:cs typeface="Consolas" panose="020B0609020204030204" pitchFamily="49" charset="0"/>
+              </a:rPr>
+              <a:t/>
+            </a:r>
+            <a:br>
+              <a:rPr lang="en-US" sz="1600" dirty="0">
+                <a:latin typeface="Consolas" panose="020B0609020204030204" pitchFamily="49" charset="0"/>
+                <a:cs typeface="Consolas" panose="020B0609020204030204" pitchFamily="49" charset="0"/>
+              </a:rPr>
+            </a:br>
+            <a:r>
+              <a:rPr lang="en-US" sz="1600" dirty="0">
+                <a:solidFill>
+                  <a:srgbClr val="333333"/>
+                </a:solidFill>
+                <a:latin typeface="Consolas" panose="020B0609020204030204" pitchFamily="49" charset="0"/>
+                <a:cs typeface="Consolas" panose="020B0609020204030204" pitchFamily="49" charset="0"/>
+              </a:rPr>
+              <a:t>  "link": </a:t>
+            </a:r>
+            <a:r>
+              <a:rPr lang="en-US" sz="1600" dirty="0">
+                <a:solidFill>
+                  <a:srgbClr val="008000"/>
+                </a:solidFill>
+                <a:latin typeface="Consolas" panose="020B0609020204030204" pitchFamily="49" charset="0"/>
+                <a:cs typeface="Consolas" panose="020B0609020204030204" pitchFamily="49" charset="0"/>
+              </a:rPr>
+              <a:t>"</a:t>
+            </a:r>
+            <a:r>
+              <a:rPr lang="en-US" sz="1600" dirty="0">
+                <a:solidFill>
+                  <a:srgbClr val="3B5998"/>
+                </a:solidFill>
+                <a:latin typeface="Consolas" panose="020B0609020204030204" pitchFamily="49" charset="0"/>
+                <a:cs typeface="Consolas" panose="020B0609020204030204" pitchFamily="49" charset="0"/>
+                <a:hlinkClick r:id="rId4"/>
+              </a:rPr>
+              <a:t>https://www.facebook.com/totten</a:t>
+            </a:r>
+            <a:r>
+              <a:rPr lang="en-US" sz="1600" dirty="0">
+                <a:solidFill>
+                  <a:srgbClr val="008000"/>
+                </a:solidFill>
+                <a:latin typeface="Consolas" panose="020B0609020204030204" pitchFamily="49" charset="0"/>
+                <a:cs typeface="Consolas" panose="020B0609020204030204" pitchFamily="49" charset="0"/>
+              </a:rPr>
+              <a:t>"</a:t>
+            </a:r>
+            <a:r>
+              <a:rPr lang="en-US" sz="1600" dirty="0">
+                <a:solidFill>
+                  <a:srgbClr val="333333"/>
+                </a:solidFill>
+                <a:latin typeface="Consolas" panose="020B0609020204030204" pitchFamily="49" charset="0"/>
+                <a:cs typeface="Consolas" panose="020B0609020204030204" pitchFamily="49" charset="0"/>
+              </a:rPr>
+              <a:t>, </a:t>
+            </a:r>
+            <a:r>
+              <a:rPr lang="en-US" sz="1600" dirty="0">
+                <a:latin typeface="Consolas" panose="020B0609020204030204" pitchFamily="49" charset="0"/>
+                <a:cs typeface="Consolas" panose="020B0609020204030204" pitchFamily="49" charset="0"/>
+              </a:rPr>
+              <a:t/>
+            </a:r>
+            <a:br>
+              <a:rPr lang="en-US" sz="1600" dirty="0">
+                <a:latin typeface="Consolas" panose="020B0609020204030204" pitchFamily="49" charset="0"/>
+                <a:cs typeface="Consolas" panose="020B0609020204030204" pitchFamily="49" charset="0"/>
+              </a:rPr>
+            </a:br>
+            <a:r>
+              <a:rPr lang="en-US" sz="1600" dirty="0">
+                <a:solidFill>
+                  <a:srgbClr val="333333"/>
+                </a:solidFill>
+                <a:latin typeface="Consolas" panose="020B0609020204030204" pitchFamily="49" charset="0"/>
+                <a:cs typeface="Consolas" panose="020B0609020204030204" pitchFamily="49" charset="0"/>
+              </a:rPr>
+              <a:t>  "username": </a:t>
+            </a:r>
+            <a:r>
+              <a:rPr lang="en-US" sz="1600" dirty="0">
+                <a:solidFill>
+                  <a:srgbClr val="008000"/>
+                </a:solidFill>
+                <a:latin typeface="Consolas" panose="020B0609020204030204" pitchFamily="49" charset="0"/>
+                <a:cs typeface="Consolas" panose="020B0609020204030204" pitchFamily="49" charset="0"/>
+              </a:rPr>
+              <a:t>"</a:t>
+            </a:r>
+            <a:r>
+              <a:rPr lang="en-US" sz="1600" dirty="0" err="1">
+                <a:solidFill>
+                  <a:srgbClr val="3B5998"/>
+                </a:solidFill>
+                <a:latin typeface="Consolas" panose="020B0609020204030204" pitchFamily="49" charset="0"/>
+                <a:cs typeface="Consolas" panose="020B0609020204030204" pitchFamily="49" charset="0"/>
+                <a:hlinkClick r:id="rId5"/>
+              </a:rPr>
+              <a:t>totten</a:t>
+            </a:r>
+            <a:r>
+              <a:rPr lang="en-US" sz="1600" dirty="0">
+                <a:solidFill>
+                  <a:srgbClr val="008000"/>
+                </a:solidFill>
+                <a:latin typeface="Consolas" panose="020B0609020204030204" pitchFamily="49" charset="0"/>
+                <a:cs typeface="Consolas" panose="020B0609020204030204" pitchFamily="49" charset="0"/>
+              </a:rPr>
+              <a:t>"</a:t>
+            </a:r>
+            <a:r>
+              <a:rPr lang="en-US" sz="1600" dirty="0">
+                <a:solidFill>
+                  <a:srgbClr val="333333"/>
+                </a:solidFill>
+                <a:latin typeface="Consolas" panose="020B0609020204030204" pitchFamily="49" charset="0"/>
+                <a:cs typeface="Consolas" panose="020B0609020204030204" pitchFamily="49" charset="0"/>
+              </a:rPr>
+              <a:t>, </a:t>
+            </a:r>
+            <a:r>
+              <a:rPr lang="en-US" sz="1600" dirty="0">
+                <a:latin typeface="Consolas" panose="020B0609020204030204" pitchFamily="49" charset="0"/>
+                <a:cs typeface="Consolas" panose="020B0609020204030204" pitchFamily="49" charset="0"/>
+              </a:rPr>
+              <a:t/>
+            </a:r>
+            <a:br>
+              <a:rPr lang="en-US" sz="1600" dirty="0">
+                <a:latin typeface="Consolas" panose="020B0609020204030204" pitchFamily="49" charset="0"/>
+                <a:cs typeface="Consolas" panose="020B0609020204030204" pitchFamily="49" charset="0"/>
+              </a:rPr>
+            </a:br>
+            <a:r>
+              <a:rPr lang="en-US" sz="1600" dirty="0">
+                <a:solidFill>
+                  <a:srgbClr val="333333"/>
+                </a:solidFill>
+                <a:latin typeface="Consolas" panose="020B0609020204030204" pitchFamily="49" charset="0"/>
+                <a:cs typeface="Consolas" panose="020B0609020204030204" pitchFamily="49" charset="0"/>
+              </a:rPr>
+              <a:t>  "hometown": {</a:t>
+            </a:r>
+            <a:r>
+              <a:rPr lang="en-US" sz="1600" dirty="0">
+                <a:latin typeface="Consolas" panose="020B0609020204030204" pitchFamily="49" charset="0"/>
+                <a:cs typeface="Consolas" panose="020B0609020204030204" pitchFamily="49" charset="0"/>
+              </a:rPr>
+              <a:t/>
+            </a:r>
+            <a:br>
+              <a:rPr lang="en-US" sz="1600" dirty="0">
+                <a:latin typeface="Consolas" panose="020B0609020204030204" pitchFamily="49" charset="0"/>
+                <a:cs typeface="Consolas" panose="020B0609020204030204" pitchFamily="49" charset="0"/>
+              </a:rPr>
+            </a:br>
+            <a:r>
+              <a:rPr lang="en-US" sz="1600" dirty="0">
+                <a:solidFill>
+                  <a:srgbClr val="333333"/>
+                </a:solidFill>
+                <a:latin typeface="Consolas" panose="020B0609020204030204" pitchFamily="49" charset="0"/>
+                <a:cs typeface="Consolas" panose="020B0609020204030204" pitchFamily="49" charset="0"/>
+              </a:rPr>
+              <a:t>    "id": </a:t>
+            </a:r>
+            <a:r>
+              <a:rPr lang="en-US" sz="1600" dirty="0">
+                <a:solidFill>
+                  <a:srgbClr val="008000"/>
+                </a:solidFill>
+                <a:latin typeface="Consolas" panose="020B0609020204030204" pitchFamily="49" charset="0"/>
+                <a:cs typeface="Consolas" panose="020B0609020204030204" pitchFamily="49" charset="0"/>
+              </a:rPr>
+              <a:t>"</a:t>
+            </a:r>
+            <a:r>
+              <a:rPr lang="en-US" sz="1600" dirty="0">
+                <a:solidFill>
+                  <a:srgbClr val="3B5998"/>
+                </a:solidFill>
+                <a:latin typeface="Consolas" panose="020B0609020204030204" pitchFamily="49" charset="0"/>
+                <a:cs typeface="Consolas" panose="020B0609020204030204" pitchFamily="49" charset="0"/>
+                <a:hlinkClick r:id="rId6"/>
+              </a:rPr>
+              <a:t>108059045881132</a:t>
+            </a:r>
+            <a:r>
+              <a:rPr lang="en-US" sz="1600" dirty="0">
+                <a:solidFill>
+                  <a:srgbClr val="008000"/>
+                </a:solidFill>
+                <a:latin typeface="Consolas" panose="020B0609020204030204" pitchFamily="49" charset="0"/>
+                <a:cs typeface="Consolas" panose="020B0609020204030204" pitchFamily="49" charset="0"/>
+              </a:rPr>
+              <a:t>"</a:t>
+            </a:r>
+            <a:r>
+              <a:rPr lang="en-US" sz="1600" dirty="0">
+                <a:solidFill>
+                  <a:srgbClr val="333333"/>
+                </a:solidFill>
+                <a:latin typeface="Consolas" panose="020B0609020204030204" pitchFamily="49" charset="0"/>
+                <a:cs typeface="Consolas" panose="020B0609020204030204" pitchFamily="49" charset="0"/>
+              </a:rPr>
+              <a:t>, </a:t>
+            </a:r>
+            <a:r>
+              <a:rPr lang="en-US" sz="1600" dirty="0">
+                <a:latin typeface="Consolas" panose="020B0609020204030204" pitchFamily="49" charset="0"/>
+                <a:cs typeface="Consolas" panose="020B0609020204030204" pitchFamily="49" charset="0"/>
+              </a:rPr>
+              <a:t/>
+            </a:r>
+            <a:br>
+              <a:rPr lang="en-US" sz="1600" dirty="0">
+                <a:latin typeface="Consolas" panose="020B0609020204030204" pitchFamily="49" charset="0"/>
+                <a:cs typeface="Consolas" panose="020B0609020204030204" pitchFamily="49" charset="0"/>
+              </a:rPr>
+            </a:br>
+            <a:r>
+              <a:rPr lang="en-US" sz="1600" dirty="0">
+                <a:solidFill>
+                  <a:srgbClr val="333333"/>
+                </a:solidFill>
+                <a:latin typeface="Consolas" panose="020B0609020204030204" pitchFamily="49" charset="0"/>
+                <a:cs typeface="Consolas" panose="020B0609020204030204" pitchFamily="49" charset="0"/>
+              </a:rPr>
+              <a:t>    "name": </a:t>
+            </a:r>
+            <a:r>
+              <a:rPr lang="en-US" sz="1600" dirty="0">
+                <a:solidFill>
+                  <a:srgbClr val="008000"/>
+                </a:solidFill>
+                <a:latin typeface="Consolas" panose="020B0609020204030204" pitchFamily="49" charset="0"/>
+                <a:cs typeface="Consolas" panose="020B0609020204030204" pitchFamily="49" charset="0"/>
+              </a:rPr>
+              <a:t>"Urbandale, Iowa"</a:t>
+            </a:r>
+            <a:r>
+              <a:rPr lang="en-US" sz="1600" dirty="0">
+                <a:latin typeface="Consolas" panose="020B0609020204030204" pitchFamily="49" charset="0"/>
+                <a:cs typeface="Consolas" panose="020B0609020204030204" pitchFamily="49" charset="0"/>
+              </a:rPr>
+              <a:t/>
+            </a:r>
+            <a:br>
+              <a:rPr lang="en-US" sz="1600" dirty="0">
+                <a:latin typeface="Consolas" panose="020B0609020204030204" pitchFamily="49" charset="0"/>
+                <a:cs typeface="Consolas" panose="020B0609020204030204" pitchFamily="49" charset="0"/>
+              </a:rPr>
+            </a:br>
+            <a:r>
+              <a:rPr lang="en-US" sz="1600" dirty="0">
+                <a:solidFill>
+                  <a:srgbClr val="333333"/>
+                </a:solidFill>
+                <a:latin typeface="Consolas" panose="020B0609020204030204" pitchFamily="49" charset="0"/>
+                <a:cs typeface="Consolas" panose="020B0609020204030204" pitchFamily="49" charset="0"/>
+              </a:rPr>
+              <a:t>  }, </a:t>
+            </a:r>
+            <a:r>
+              <a:rPr lang="en-US" sz="1600" dirty="0">
+                <a:latin typeface="Consolas" panose="020B0609020204030204" pitchFamily="49" charset="0"/>
+                <a:cs typeface="Consolas" panose="020B0609020204030204" pitchFamily="49" charset="0"/>
+              </a:rPr>
+              <a:t/>
+            </a:r>
+            <a:br>
+              <a:rPr lang="en-US" sz="1600" dirty="0">
+                <a:latin typeface="Consolas" panose="020B0609020204030204" pitchFamily="49" charset="0"/>
+                <a:cs typeface="Consolas" panose="020B0609020204030204" pitchFamily="49" charset="0"/>
+              </a:rPr>
+            </a:br>
+            <a:r>
+              <a:rPr lang="en-US" sz="1600" dirty="0">
+                <a:solidFill>
+                  <a:srgbClr val="333333"/>
+                </a:solidFill>
+                <a:latin typeface="Consolas" panose="020B0609020204030204" pitchFamily="49" charset="0"/>
+                <a:cs typeface="Consolas" panose="020B0609020204030204" pitchFamily="49" charset="0"/>
+              </a:rPr>
+              <a:t>  "location": {</a:t>
+            </a:r>
+            <a:r>
+              <a:rPr lang="en-US" sz="1600" dirty="0">
+                <a:latin typeface="Consolas" panose="020B0609020204030204" pitchFamily="49" charset="0"/>
+                <a:cs typeface="Consolas" panose="020B0609020204030204" pitchFamily="49" charset="0"/>
+              </a:rPr>
+              <a:t/>
+            </a:r>
+            <a:br>
+              <a:rPr lang="en-US" sz="1600" dirty="0">
+                <a:latin typeface="Consolas" panose="020B0609020204030204" pitchFamily="49" charset="0"/>
+                <a:cs typeface="Consolas" panose="020B0609020204030204" pitchFamily="49" charset="0"/>
+              </a:rPr>
+            </a:br>
+            <a:r>
+              <a:rPr lang="en-US" sz="1600" dirty="0">
+                <a:solidFill>
+                  <a:srgbClr val="333333"/>
+                </a:solidFill>
+                <a:latin typeface="Consolas" panose="020B0609020204030204" pitchFamily="49" charset="0"/>
+                <a:cs typeface="Consolas" panose="020B0609020204030204" pitchFamily="49" charset="0"/>
+              </a:rPr>
+              <a:t>    "id": </a:t>
+            </a:r>
+            <a:r>
+              <a:rPr lang="en-US" sz="1600" dirty="0">
+                <a:solidFill>
+                  <a:srgbClr val="008000"/>
+                </a:solidFill>
+                <a:latin typeface="Consolas" panose="020B0609020204030204" pitchFamily="49" charset="0"/>
+                <a:cs typeface="Consolas" panose="020B0609020204030204" pitchFamily="49" charset="0"/>
+              </a:rPr>
+              <a:t>"</a:t>
+            </a:r>
+            <a:r>
+              <a:rPr lang="en-US" sz="1600" dirty="0">
+                <a:solidFill>
+                  <a:srgbClr val="3B5998"/>
+                </a:solidFill>
+                <a:latin typeface="Consolas" panose="020B0609020204030204" pitchFamily="49" charset="0"/>
+                <a:cs typeface="Consolas" panose="020B0609020204030204" pitchFamily="49" charset="0"/>
+                <a:hlinkClick r:id="rId7"/>
+              </a:rPr>
+              <a:t>111723635511834</a:t>
+            </a:r>
+            <a:r>
+              <a:rPr lang="en-US" sz="1600" dirty="0">
+                <a:solidFill>
+                  <a:srgbClr val="008000"/>
+                </a:solidFill>
+                <a:latin typeface="Consolas" panose="020B0609020204030204" pitchFamily="49" charset="0"/>
+                <a:cs typeface="Consolas" panose="020B0609020204030204" pitchFamily="49" charset="0"/>
+              </a:rPr>
+              <a:t>"</a:t>
+            </a:r>
+            <a:r>
+              <a:rPr lang="en-US" sz="1600" dirty="0">
+                <a:solidFill>
+                  <a:srgbClr val="333333"/>
+                </a:solidFill>
+                <a:latin typeface="Consolas" panose="020B0609020204030204" pitchFamily="49" charset="0"/>
+                <a:cs typeface="Consolas" panose="020B0609020204030204" pitchFamily="49" charset="0"/>
+              </a:rPr>
+              <a:t>, </a:t>
+            </a:r>
+            <a:r>
+              <a:rPr lang="en-US" sz="1600" dirty="0">
+                <a:latin typeface="Consolas" panose="020B0609020204030204" pitchFamily="49" charset="0"/>
+                <a:cs typeface="Consolas" panose="020B0609020204030204" pitchFamily="49" charset="0"/>
+              </a:rPr>
+              <a:t/>
+            </a:r>
+            <a:br>
+              <a:rPr lang="en-US" sz="1600" dirty="0">
+                <a:latin typeface="Consolas" panose="020B0609020204030204" pitchFamily="49" charset="0"/>
+                <a:cs typeface="Consolas" panose="020B0609020204030204" pitchFamily="49" charset="0"/>
+              </a:rPr>
+            </a:br>
+            <a:r>
+              <a:rPr lang="en-US" sz="1600" dirty="0">
+                <a:solidFill>
+                  <a:srgbClr val="333333"/>
+                </a:solidFill>
+                <a:latin typeface="Consolas" panose="020B0609020204030204" pitchFamily="49" charset="0"/>
+                <a:cs typeface="Consolas" panose="020B0609020204030204" pitchFamily="49" charset="0"/>
+              </a:rPr>
+              <a:t>    "name": </a:t>
+            </a:r>
+            <a:r>
+              <a:rPr lang="en-US" sz="1600" dirty="0" smtClean="0">
+                <a:solidFill>
+                  <a:srgbClr val="008000"/>
+                </a:solidFill>
+                <a:latin typeface="Consolas" panose="020B0609020204030204" pitchFamily="49" charset="0"/>
+                <a:cs typeface="Consolas" panose="020B0609020204030204" pitchFamily="49" charset="0"/>
+              </a:rPr>
+              <a:t>"Bellevue, </a:t>
+            </a:r>
+            <a:r>
+              <a:rPr lang="en-US" sz="1600" dirty="0">
+                <a:solidFill>
+                  <a:srgbClr val="008000"/>
+                </a:solidFill>
+                <a:latin typeface="Consolas" panose="020B0609020204030204" pitchFamily="49" charset="0"/>
+                <a:cs typeface="Consolas" panose="020B0609020204030204" pitchFamily="49" charset="0"/>
+              </a:rPr>
+              <a:t>Washington"</a:t>
+            </a:r>
+            <a:r>
+              <a:rPr lang="en-US" sz="1600" dirty="0">
+                <a:latin typeface="Consolas" panose="020B0609020204030204" pitchFamily="49" charset="0"/>
+                <a:cs typeface="Consolas" panose="020B0609020204030204" pitchFamily="49" charset="0"/>
+              </a:rPr>
+              <a:t/>
+            </a:r>
+            <a:br>
+              <a:rPr lang="en-US" sz="1600" dirty="0">
+                <a:latin typeface="Consolas" panose="020B0609020204030204" pitchFamily="49" charset="0"/>
+                <a:cs typeface="Consolas" panose="020B0609020204030204" pitchFamily="49" charset="0"/>
+              </a:rPr>
+            </a:br>
+            <a:r>
+              <a:rPr lang="en-US" sz="1600" dirty="0">
+                <a:solidFill>
+                  <a:srgbClr val="333333"/>
+                </a:solidFill>
+                <a:latin typeface="Consolas" panose="020B0609020204030204" pitchFamily="49" charset="0"/>
+                <a:cs typeface="Consolas" panose="020B0609020204030204" pitchFamily="49" charset="0"/>
+              </a:rPr>
+              <a:t>  }, </a:t>
+            </a:r>
+            <a:r>
+              <a:rPr lang="en-US" sz="1600" dirty="0">
+                <a:latin typeface="Consolas" panose="020B0609020204030204" pitchFamily="49" charset="0"/>
+                <a:cs typeface="Consolas" panose="020B0609020204030204" pitchFamily="49" charset="0"/>
+              </a:rPr>
+              <a:t/>
+            </a:r>
+            <a:br>
+              <a:rPr lang="en-US" sz="1600" dirty="0">
+                <a:latin typeface="Consolas" panose="020B0609020204030204" pitchFamily="49" charset="0"/>
+                <a:cs typeface="Consolas" panose="020B0609020204030204" pitchFamily="49" charset="0"/>
+              </a:rPr>
+            </a:br>
+            <a:r>
+              <a:rPr lang="en-US" sz="1600" dirty="0">
+                <a:solidFill>
+                  <a:srgbClr val="333333"/>
+                </a:solidFill>
+                <a:latin typeface="Consolas" panose="020B0609020204030204" pitchFamily="49" charset="0"/>
+                <a:cs typeface="Consolas" panose="020B0609020204030204" pitchFamily="49" charset="0"/>
+              </a:rPr>
+              <a:t>  "bio": </a:t>
+            </a:r>
+            <a:r>
+              <a:rPr lang="en-US" sz="1600" dirty="0">
+                <a:solidFill>
+                  <a:srgbClr val="008000"/>
+                </a:solidFill>
+                <a:latin typeface="Consolas" panose="020B0609020204030204" pitchFamily="49" charset="0"/>
+                <a:cs typeface="Consolas" panose="020B0609020204030204" pitchFamily="49" charset="0"/>
+              </a:rPr>
+              <a:t>"Technical Evangelist at </a:t>
+            </a:r>
+            <a:r>
+              <a:rPr lang="en-US" sz="1600" dirty="0" smtClean="0">
+                <a:solidFill>
+                  <a:srgbClr val="008000"/>
+                </a:solidFill>
+                <a:latin typeface="Consolas" panose="020B0609020204030204" pitchFamily="49" charset="0"/>
+                <a:cs typeface="Consolas" panose="020B0609020204030204" pitchFamily="49" charset="0"/>
+              </a:rPr>
+              <a:t>Microsoft"</a:t>
+            </a:r>
+            <a:r>
+              <a:rPr lang="en-US" sz="1600" dirty="0" smtClean="0">
+                <a:solidFill>
+                  <a:srgbClr val="333333"/>
+                </a:solidFill>
+                <a:latin typeface="Consolas" panose="020B0609020204030204" pitchFamily="49" charset="0"/>
+                <a:cs typeface="Consolas" panose="020B0609020204030204" pitchFamily="49" charset="0"/>
+              </a:rPr>
+              <a:t>, </a:t>
+            </a:r>
+            <a:r>
+              <a:rPr lang="en-US" sz="1600" dirty="0">
+                <a:latin typeface="Consolas" panose="020B0609020204030204" pitchFamily="49" charset="0"/>
+                <a:cs typeface="Consolas" panose="020B0609020204030204" pitchFamily="49" charset="0"/>
+              </a:rPr>
+              <a:t/>
+            </a:r>
+            <a:br>
+              <a:rPr lang="en-US" sz="1600" dirty="0">
+                <a:latin typeface="Consolas" panose="020B0609020204030204" pitchFamily="49" charset="0"/>
+                <a:cs typeface="Consolas" panose="020B0609020204030204" pitchFamily="49" charset="0"/>
+              </a:rPr>
+            </a:br>
+            <a:r>
+              <a:rPr lang="en-US" sz="1600" dirty="0">
+                <a:solidFill>
+                  <a:srgbClr val="333333"/>
+                </a:solidFill>
+                <a:latin typeface="Consolas" panose="020B0609020204030204" pitchFamily="49" charset="0"/>
+                <a:cs typeface="Consolas" panose="020B0609020204030204" pitchFamily="49" charset="0"/>
+              </a:rPr>
+              <a:t>  "work": [</a:t>
+            </a:r>
+            <a:r>
+              <a:rPr lang="en-US" sz="1600" dirty="0">
+                <a:latin typeface="Consolas" panose="020B0609020204030204" pitchFamily="49" charset="0"/>
+                <a:cs typeface="Consolas" panose="020B0609020204030204" pitchFamily="49" charset="0"/>
+              </a:rPr>
+              <a:t/>
+            </a:r>
+            <a:br>
+              <a:rPr lang="en-US" sz="1600" dirty="0">
+                <a:latin typeface="Consolas" panose="020B0609020204030204" pitchFamily="49" charset="0"/>
+                <a:cs typeface="Consolas" panose="020B0609020204030204" pitchFamily="49" charset="0"/>
+              </a:rPr>
+            </a:br>
+            <a:r>
+              <a:rPr lang="en-US" sz="1600" dirty="0">
+                <a:solidFill>
+                  <a:srgbClr val="333333"/>
+                </a:solidFill>
+                <a:latin typeface="Consolas" panose="020B0609020204030204" pitchFamily="49" charset="0"/>
+                <a:cs typeface="Consolas" panose="020B0609020204030204" pitchFamily="49" charset="0"/>
+              </a:rPr>
+              <a:t>    {</a:t>
+            </a:r>
+            <a:r>
+              <a:rPr lang="en-US" sz="1600" dirty="0">
+                <a:latin typeface="Consolas" panose="020B0609020204030204" pitchFamily="49" charset="0"/>
+                <a:cs typeface="Consolas" panose="020B0609020204030204" pitchFamily="49" charset="0"/>
+              </a:rPr>
+              <a:t/>
+            </a:r>
+            <a:br>
+              <a:rPr lang="en-US" sz="1600" dirty="0">
+                <a:latin typeface="Consolas" panose="020B0609020204030204" pitchFamily="49" charset="0"/>
+                <a:cs typeface="Consolas" panose="020B0609020204030204" pitchFamily="49" charset="0"/>
+              </a:rPr>
+            </a:br>
+            <a:r>
+              <a:rPr lang="en-US" sz="1600" dirty="0">
+                <a:solidFill>
+                  <a:srgbClr val="333333"/>
+                </a:solidFill>
+                <a:latin typeface="Consolas" panose="020B0609020204030204" pitchFamily="49" charset="0"/>
+                <a:cs typeface="Consolas" panose="020B0609020204030204" pitchFamily="49" charset="0"/>
+              </a:rPr>
+              <a:t>      "employer": {</a:t>
+            </a:r>
+            <a:r>
+              <a:rPr lang="en-US" sz="1600" dirty="0">
+                <a:latin typeface="Consolas" panose="020B0609020204030204" pitchFamily="49" charset="0"/>
+                <a:cs typeface="Consolas" panose="020B0609020204030204" pitchFamily="49" charset="0"/>
+              </a:rPr>
+              <a:t/>
+            </a:r>
+            <a:br>
+              <a:rPr lang="en-US" sz="1600" dirty="0">
+                <a:latin typeface="Consolas" panose="020B0609020204030204" pitchFamily="49" charset="0"/>
+                <a:cs typeface="Consolas" panose="020B0609020204030204" pitchFamily="49" charset="0"/>
+              </a:rPr>
+            </a:br>
+            <a:r>
+              <a:rPr lang="en-US" sz="1600" dirty="0">
+                <a:solidFill>
+                  <a:srgbClr val="333333"/>
+                </a:solidFill>
+                <a:latin typeface="Consolas" panose="020B0609020204030204" pitchFamily="49" charset="0"/>
+                <a:cs typeface="Consolas" panose="020B0609020204030204" pitchFamily="49" charset="0"/>
+              </a:rPr>
+              <a:t>        "id": </a:t>
+            </a:r>
+            <a:r>
+              <a:rPr lang="en-US" sz="1600" dirty="0">
+                <a:solidFill>
+                  <a:srgbClr val="008000"/>
+                </a:solidFill>
+                <a:latin typeface="Consolas" panose="020B0609020204030204" pitchFamily="49" charset="0"/>
+                <a:cs typeface="Consolas" panose="020B0609020204030204" pitchFamily="49" charset="0"/>
+              </a:rPr>
+              <a:t>"</a:t>
+            </a:r>
+            <a:r>
+              <a:rPr lang="en-US" sz="1600" dirty="0">
+                <a:solidFill>
+                  <a:srgbClr val="3B5998"/>
+                </a:solidFill>
+                <a:latin typeface="Consolas" panose="020B0609020204030204" pitchFamily="49" charset="0"/>
+                <a:cs typeface="Consolas" panose="020B0609020204030204" pitchFamily="49" charset="0"/>
+                <a:hlinkClick r:id="rId8"/>
+              </a:rPr>
+              <a:t>20528438720</a:t>
+            </a:r>
+            <a:r>
+              <a:rPr lang="en-US" sz="1600" dirty="0">
+                <a:solidFill>
+                  <a:srgbClr val="008000"/>
+                </a:solidFill>
+                <a:latin typeface="Consolas" panose="020B0609020204030204" pitchFamily="49" charset="0"/>
+                <a:cs typeface="Consolas" panose="020B0609020204030204" pitchFamily="49" charset="0"/>
+              </a:rPr>
+              <a:t>"</a:t>
+            </a:r>
+            <a:r>
+              <a:rPr lang="en-US" sz="1600" dirty="0">
+                <a:solidFill>
+                  <a:srgbClr val="333333"/>
+                </a:solidFill>
+                <a:latin typeface="Consolas" panose="020B0609020204030204" pitchFamily="49" charset="0"/>
+                <a:cs typeface="Consolas" panose="020B0609020204030204" pitchFamily="49" charset="0"/>
+              </a:rPr>
+              <a:t>, </a:t>
+            </a:r>
+            <a:r>
+              <a:rPr lang="en-US" sz="1600" dirty="0">
+                <a:latin typeface="Consolas" panose="020B0609020204030204" pitchFamily="49" charset="0"/>
+                <a:cs typeface="Consolas" panose="020B0609020204030204" pitchFamily="49" charset="0"/>
+              </a:rPr>
+              <a:t/>
+            </a:r>
+            <a:br>
+              <a:rPr lang="en-US" sz="1600" dirty="0">
+                <a:latin typeface="Consolas" panose="020B0609020204030204" pitchFamily="49" charset="0"/>
+                <a:cs typeface="Consolas" panose="020B0609020204030204" pitchFamily="49" charset="0"/>
+              </a:rPr>
+            </a:br>
+            <a:r>
+              <a:rPr lang="en-US" sz="1600" dirty="0">
+                <a:solidFill>
+                  <a:srgbClr val="333333"/>
+                </a:solidFill>
+                <a:latin typeface="Consolas" panose="020B0609020204030204" pitchFamily="49" charset="0"/>
+                <a:cs typeface="Consolas" panose="020B0609020204030204" pitchFamily="49" charset="0"/>
+              </a:rPr>
+              <a:t>        "name": </a:t>
+            </a:r>
+            <a:r>
+              <a:rPr lang="en-US" sz="1600" dirty="0">
+                <a:solidFill>
+                  <a:srgbClr val="008000"/>
+                </a:solidFill>
+                <a:latin typeface="Consolas" panose="020B0609020204030204" pitchFamily="49" charset="0"/>
+                <a:cs typeface="Consolas" panose="020B0609020204030204" pitchFamily="49" charset="0"/>
+              </a:rPr>
+              <a:t>"Microsoft"</a:t>
+            </a:r>
+            <a:r>
+              <a:rPr lang="en-US" sz="1600" dirty="0">
+                <a:latin typeface="Consolas" panose="020B0609020204030204" pitchFamily="49" charset="0"/>
+                <a:cs typeface="Consolas" panose="020B0609020204030204" pitchFamily="49" charset="0"/>
+              </a:rPr>
+              <a:t/>
+            </a:r>
+            <a:br>
+              <a:rPr lang="en-US" sz="1600" dirty="0">
+                <a:latin typeface="Consolas" panose="020B0609020204030204" pitchFamily="49" charset="0"/>
+                <a:cs typeface="Consolas" panose="020B0609020204030204" pitchFamily="49" charset="0"/>
+              </a:rPr>
+            </a:br>
+            <a:r>
+              <a:rPr lang="en-US" sz="1600" dirty="0">
+                <a:solidFill>
+                  <a:srgbClr val="333333"/>
+                </a:solidFill>
+                <a:latin typeface="Consolas" panose="020B0609020204030204" pitchFamily="49" charset="0"/>
+                <a:cs typeface="Consolas" panose="020B0609020204030204" pitchFamily="49" charset="0"/>
+              </a:rPr>
+              <a:t>      }, </a:t>
+            </a:r>
+            <a:endParaRPr lang="en-US" sz="1600" dirty="0">
+              <a:latin typeface="Consolas" panose="020B0609020204030204" pitchFamily="49" charset="0"/>
+              <a:cs typeface="Consolas" panose="020B0609020204030204" pitchFamily="49" charset="0"/>
+            </a:endParaRPr>
+          </a:p>
+        </p:txBody>
+      </p:sp>
+    </p:spTree>
+    <p:extLst>
+      <p:ext uri="{BB962C8B-B14F-4D97-AF65-F5344CB8AC3E}">
+        <p14:creationId xmlns:p14="http://schemas.microsoft.com/office/powerpoint/2010/main" val="2929996954"/>
+      </p:ext>
+    </p:extLst>
+  </p:cSld>
+  <p:clrMapOvr>
+    <a:masterClrMapping/>
+  </p:clrMapOvr>
+  <p:transition>
+    <p:fade/>
+  </p:transition>
+  <p:timing>
+    <p:tnLst>
+      <p:par>
+        <p:cTn id="1" dur="indefinite" restart="never" nodeType="tmRoot"/>
+      </p:par>
+    </p:tnLst>
+  </p:timing>
+</p:sld>
+</file>
+
+<file path=ppt/slides/slide11.xml><?xml version="1.0" encoding="utf-8"?>
+<p:sld xmlns:a="http://schemas.openxmlformats.org/drawingml/2006/main" xmlns:r="http://schemas.openxmlformats.org/officeDocument/2006/relationships" xmlns:p="http://schemas.openxmlformats.org/presentationml/2006/main">
+  <p:cSld>
+    <p:spTree>
+      <p:nvGrpSpPr>
+        <p:cNvPr id="1" name=""/>
+        <p:cNvGrpSpPr/>
+        <p:nvPr/>
+      </p:nvGrpSpPr>
+      <p:grpSpPr>
+        <a:xfrm>
+          <a:off x="0" y="0"/>
+          <a:ext cx="0" cy="0"/>
+          <a:chOff x="0" y="0"/>
+          <a:chExt cx="0" cy="0"/>
+        </a:xfrm>
+      </p:grpSpPr>
+      <p:sp>
+        <p:nvSpPr>
+          <p:cNvPr id="4" name="Title 3"/>
+          <p:cNvSpPr>
+            <a:spLocks noGrp="1"/>
+          </p:cNvSpPr>
+          <p:nvPr>
+            <p:ph type="title"/>
+          </p:nvPr>
+        </p:nvSpPr>
+        <p:spPr/>
+        <p:txBody>
+          <a:bodyPr/>
+          <a:lstStyle/>
+          <a:p>
+            <a:r>
+              <a:rPr lang="en-US" dirty="0" smtClean="0"/>
+              <a:t>Facebook C# SDK</a:t>
+            </a:r>
+            <a:endParaRPr lang="en-US" dirty="0"/>
+          </a:p>
+        </p:txBody>
+      </p:sp>
+      <p:sp>
+        <p:nvSpPr>
+          <p:cNvPr id="5" name="Text Placeholder 4"/>
+          <p:cNvSpPr>
+            <a:spLocks noGrp="1"/>
+          </p:cNvSpPr>
+          <p:nvPr>
+            <p:ph type="body" sz="quarter" idx="10"/>
+          </p:nvPr>
+        </p:nvSpPr>
+        <p:spPr>
+          <a:xfrm>
+            <a:off x="519112" y="1447799"/>
+            <a:ext cx="11149013" cy="3901068"/>
+          </a:xfrm>
+        </p:spPr>
+        <p:txBody>
+          <a:bodyPr/>
+          <a:lstStyle/>
+          <a:p>
+            <a:r>
+              <a:rPr lang="en-US" dirty="0" smtClean="0"/>
+              <a:t>Graph API</a:t>
+            </a:r>
+          </a:p>
+          <a:p>
+            <a:r>
+              <a:rPr lang="en-US" dirty="0" smtClean="0"/>
+              <a:t>Authentication</a:t>
+            </a:r>
+          </a:p>
+          <a:p>
+            <a:r>
+              <a:rPr lang="en-US" dirty="0" smtClean="0"/>
+              <a:t>All Major Microsoft Frameworks &amp; Platforms:</a:t>
+            </a:r>
+          </a:p>
+          <a:p>
+            <a:r>
+              <a:rPr lang="en-US" dirty="0"/>
+              <a:t>	</a:t>
+            </a:r>
+            <a:r>
+              <a:rPr lang="en-US" dirty="0" err="1" smtClean="0"/>
+              <a:t>.Net</a:t>
+            </a:r>
+            <a:r>
+              <a:rPr lang="en-US" dirty="0" smtClean="0"/>
+              <a:t> 3.5, </a:t>
+            </a:r>
+            <a:r>
+              <a:rPr lang="en-US" dirty="0" err="1" smtClean="0"/>
+              <a:t>.Net</a:t>
+            </a:r>
+            <a:r>
+              <a:rPr lang="en-US" dirty="0" smtClean="0"/>
+              <a:t> 4.0, and </a:t>
+            </a:r>
+            <a:r>
+              <a:rPr lang="en-US" dirty="0" err="1" smtClean="0"/>
+              <a:t>.Net</a:t>
+            </a:r>
+            <a:r>
+              <a:rPr lang="en-US" dirty="0" smtClean="0"/>
+              <a:t> 4.5</a:t>
+            </a:r>
+          </a:p>
+          <a:p>
+            <a:r>
+              <a:rPr lang="en-US" dirty="0"/>
+              <a:t>	</a:t>
+            </a:r>
+            <a:r>
+              <a:rPr lang="en-US" dirty="0" smtClean="0"/>
+              <a:t>Windows Phone 7.1 and 8</a:t>
+            </a:r>
+          </a:p>
+          <a:p>
+            <a:r>
+              <a:rPr lang="en-US" dirty="0" smtClean="0"/>
+              <a:t>	Windows Store Apps</a:t>
+            </a:r>
+          </a:p>
+        </p:txBody>
+      </p:sp>
+    </p:spTree>
+    <p:extLst>
+      <p:ext uri="{BB962C8B-B14F-4D97-AF65-F5344CB8AC3E}">
+        <p14:creationId xmlns:p14="http://schemas.microsoft.com/office/powerpoint/2010/main" val="1496276647"/>
+      </p:ext>
+    </p:extLst>
+  </p:cSld>
+  <p:clrMapOvr>
+    <a:masterClrMapping/>
+  </p:clrMapOvr>
+  <p:transition>
+    <p:fade/>
+  </p:transition>
+  <p:timing>
+    <p:tnLst>
+      <p:par>
+        <p:cTn id="1" dur="indefinite" restart="never" nodeType="tmRoot"/>
+      </p:par>
+    </p:tnLst>
+  </p:timing>
+</p:sld>
+</file>
+
+<file path=ppt/slides/slide12.xml><?xml version="1.0" encoding="utf-8"?>
+<p:sld xmlns:a="http://schemas.openxmlformats.org/drawingml/2006/main" xmlns:r="http://schemas.openxmlformats.org/officeDocument/2006/relationships" xmlns:p="http://schemas.openxmlformats.org/presentationml/2006/main">
+  <p:cSld>
+    <p:spTree>
+      <p:nvGrpSpPr>
+        <p:cNvPr id="1" name=""/>
+        <p:cNvGrpSpPr/>
+        <p:nvPr/>
+      </p:nvGrpSpPr>
+      <p:grpSpPr>
+        <a:xfrm>
+          <a:off x="0" y="0"/>
+          <a:ext cx="0" cy="0"/>
+          <a:chOff x="0" y="0"/>
+          <a:chExt cx="0" cy="0"/>
+        </a:xfrm>
+      </p:grpSpPr>
+      <p:sp>
+        <p:nvSpPr>
+          <p:cNvPr id="4" name="Title 3"/>
+          <p:cNvSpPr>
+            <a:spLocks noGrp="1"/>
+          </p:cNvSpPr>
+          <p:nvPr>
+            <p:ph type="title"/>
+          </p:nvPr>
+        </p:nvSpPr>
+        <p:spPr/>
+        <p:txBody>
+          <a:bodyPr/>
+          <a:lstStyle/>
+          <a:p>
+            <a:r>
+              <a:rPr lang="en-US" dirty="0" smtClean="0"/>
+              <a:t>Flexible API: Dynamic Objects</a:t>
+            </a:r>
+            <a:endParaRPr lang="en-US" dirty="0"/>
+          </a:p>
+        </p:txBody>
+      </p:sp>
+      <p:sp>
+        <p:nvSpPr>
+          <p:cNvPr id="5" name="Text Placeholder 4"/>
+          <p:cNvSpPr>
+            <a:spLocks noGrp="1"/>
+          </p:cNvSpPr>
+          <p:nvPr>
+            <p:ph type="body" sz="quarter" idx="10"/>
+          </p:nvPr>
+        </p:nvSpPr>
+        <p:spPr/>
+        <p:txBody>
+          <a:bodyPr/>
+          <a:lstStyle/>
+          <a:p>
+            <a:r>
+              <a:rPr lang="en-US" dirty="0" err="1" smtClean="0">
+                <a:solidFill>
+                  <a:srgbClr val="0000FF"/>
+                </a:solidFill>
+                <a:highlight>
+                  <a:srgbClr val="FFFFFF"/>
+                </a:highlight>
+              </a:rPr>
+              <a:t>var</a:t>
+            </a:r>
+            <a:r>
+              <a:rPr lang="en-US" dirty="0" smtClean="0">
+                <a:solidFill>
+                  <a:srgbClr val="000000"/>
+                </a:solidFill>
+                <a:highlight>
+                  <a:srgbClr val="FFFFFF"/>
+                </a:highlight>
+              </a:rPr>
+              <a:t> </a:t>
+            </a:r>
+            <a:r>
+              <a:rPr lang="en-US" dirty="0">
+                <a:solidFill>
+                  <a:srgbClr val="000000"/>
+                </a:solidFill>
+                <a:highlight>
+                  <a:srgbClr val="FFFFFF"/>
+                </a:highlight>
+              </a:rPr>
+              <a:t>client = </a:t>
+            </a:r>
+            <a:r>
+              <a:rPr lang="en-US" dirty="0">
+                <a:solidFill>
+                  <a:srgbClr val="0000FF"/>
+                </a:solidFill>
+                <a:highlight>
+                  <a:srgbClr val="FFFFFF"/>
+                </a:highlight>
+              </a:rPr>
+              <a:t>new</a:t>
+            </a:r>
+            <a:r>
+              <a:rPr lang="en-US" dirty="0">
+                <a:solidFill>
+                  <a:srgbClr val="000000"/>
+                </a:solidFill>
+                <a:highlight>
+                  <a:srgbClr val="FFFFFF"/>
+                </a:highlight>
+              </a:rPr>
+              <a:t> </a:t>
+            </a:r>
+            <a:r>
+              <a:rPr lang="en-US" dirty="0" err="1">
+                <a:solidFill>
+                  <a:srgbClr val="2B91AF"/>
+                </a:solidFill>
+                <a:highlight>
+                  <a:srgbClr val="FFFFFF"/>
+                </a:highlight>
+              </a:rPr>
+              <a:t>FacebookClient</a:t>
+            </a:r>
+            <a:r>
+              <a:rPr lang="en-US" dirty="0">
+                <a:solidFill>
+                  <a:srgbClr val="000000"/>
+                </a:solidFill>
+                <a:highlight>
+                  <a:srgbClr val="FFFFFF"/>
+                </a:highlight>
+              </a:rPr>
+              <a:t>(</a:t>
+            </a:r>
+            <a:r>
+              <a:rPr lang="en-US" dirty="0">
+                <a:solidFill>
+                  <a:srgbClr val="A31515"/>
+                </a:solidFill>
+                <a:highlight>
+                  <a:srgbClr val="FFFFFF"/>
+                </a:highlight>
+              </a:rPr>
+              <a:t>"</a:t>
+            </a:r>
+            <a:r>
+              <a:rPr lang="en-US" dirty="0" err="1">
+                <a:solidFill>
+                  <a:srgbClr val="A31515"/>
+                </a:solidFill>
+                <a:highlight>
+                  <a:srgbClr val="FFFFFF"/>
+                </a:highlight>
+              </a:rPr>
+              <a:t>access_token</a:t>
+            </a:r>
+            <a:r>
+              <a:rPr lang="en-US" dirty="0">
+                <a:solidFill>
+                  <a:srgbClr val="A31515"/>
+                </a:solidFill>
+                <a:highlight>
+                  <a:srgbClr val="FFFFFF"/>
+                </a:highlight>
+              </a:rPr>
+              <a:t>"</a:t>
+            </a:r>
+            <a:r>
+              <a:rPr lang="en-US" dirty="0">
+                <a:solidFill>
+                  <a:srgbClr val="000000"/>
+                </a:solidFill>
+                <a:highlight>
+                  <a:srgbClr val="FFFFFF"/>
+                </a:highlight>
+              </a:rPr>
+              <a:t>);</a:t>
+            </a:r>
+          </a:p>
+          <a:p>
+            <a:r>
+              <a:rPr lang="en-US" dirty="0">
+                <a:solidFill>
+                  <a:srgbClr val="000000"/>
+                </a:solidFill>
+                <a:highlight>
+                  <a:srgbClr val="FFFFFF"/>
+                </a:highlight>
+              </a:rPr>
+              <a:t>           </a:t>
+            </a:r>
+          </a:p>
+          <a:p>
+            <a:r>
+              <a:rPr lang="en-US" dirty="0">
+                <a:solidFill>
+                  <a:srgbClr val="008000"/>
+                </a:solidFill>
+                <a:highlight>
+                  <a:srgbClr val="FFFFFF"/>
+                </a:highlight>
+              </a:rPr>
+              <a:t>// Get current </a:t>
+            </a:r>
+            <a:r>
+              <a:rPr lang="en-US" dirty="0" smtClean="0">
+                <a:solidFill>
+                  <a:srgbClr val="008000"/>
+                </a:solidFill>
+                <a:highlight>
+                  <a:srgbClr val="FFFFFF"/>
+                </a:highlight>
+              </a:rPr>
+              <a:t>user’s basic information</a:t>
+            </a:r>
+            <a:endParaRPr lang="en-US" dirty="0">
+              <a:solidFill>
+                <a:srgbClr val="000000"/>
+              </a:solidFill>
+              <a:highlight>
+                <a:srgbClr val="FFFFFF"/>
+              </a:highlight>
+            </a:endParaRPr>
+          </a:p>
+          <a:p>
+            <a:r>
+              <a:rPr lang="en-US" dirty="0">
+                <a:solidFill>
+                  <a:srgbClr val="0000FF"/>
+                </a:solidFill>
+                <a:highlight>
+                  <a:srgbClr val="FFFFFF"/>
+                </a:highlight>
+              </a:rPr>
+              <a:t>dynamic</a:t>
+            </a:r>
+            <a:r>
+              <a:rPr lang="en-US" dirty="0">
+                <a:solidFill>
+                  <a:srgbClr val="000000"/>
+                </a:solidFill>
+                <a:highlight>
+                  <a:srgbClr val="FFFFFF"/>
+                </a:highlight>
+              </a:rPr>
+              <a:t> me = </a:t>
+            </a:r>
+            <a:r>
+              <a:rPr lang="en-US" dirty="0">
+                <a:solidFill>
+                  <a:srgbClr val="0000FF"/>
+                </a:solidFill>
+                <a:highlight>
+                  <a:srgbClr val="FFFFFF"/>
+                </a:highlight>
+              </a:rPr>
+              <a:t>await</a:t>
+            </a:r>
+            <a:r>
+              <a:rPr lang="en-US" dirty="0">
+                <a:solidFill>
+                  <a:srgbClr val="000000"/>
+                </a:solidFill>
+                <a:highlight>
+                  <a:srgbClr val="FFFFFF"/>
+                </a:highlight>
+              </a:rPr>
+              <a:t> </a:t>
+            </a:r>
+            <a:r>
+              <a:rPr lang="en-US" dirty="0" err="1">
+                <a:solidFill>
+                  <a:srgbClr val="000000"/>
+                </a:solidFill>
+                <a:highlight>
+                  <a:srgbClr val="FFFFFF"/>
+                </a:highlight>
+              </a:rPr>
+              <a:t>client.GetTaskAsync</a:t>
+            </a:r>
+            <a:r>
+              <a:rPr lang="en-US" dirty="0">
+                <a:solidFill>
+                  <a:srgbClr val="000000"/>
+                </a:solidFill>
+                <a:highlight>
+                  <a:srgbClr val="FFFFFF"/>
+                </a:highlight>
+              </a:rPr>
+              <a:t>(</a:t>
+            </a:r>
+            <a:r>
+              <a:rPr lang="en-US" dirty="0">
+                <a:solidFill>
+                  <a:srgbClr val="A31515"/>
+                </a:solidFill>
+                <a:highlight>
+                  <a:srgbClr val="FFFFFF"/>
+                </a:highlight>
+              </a:rPr>
+              <a:t>"me"</a:t>
+            </a:r>
+            <a:r>
+              <a:rPr lang="en-US" dirty="0">
+                <a:solidFill>
+                  <a:srgbClr val="000000"/>
+                </a:solidFill>
+                <a:highlight>
+                  <a:srgbClr val="FFFFFF"/>
+                </a:highlight>
+              </a:rPr>
+              <a:t>);</a:t>
+            </a:r>
+          </a:p>
+          <a:p>
+            <a:r>
+              <a:rPr lang="en-US" dirty="0">
+                <a:solidFill>
+                  <a:srgbClr val="0000FF"/>
+                </a:solidFill>
+                <a:highlight>
+                  <a:srgbClr val="FFFFFF"/>
+                </a:highlight>
+              </a:rPr>
+              <a:t>string</a:t>
+            </a:r>
+            <a:r>
+              <a:rPr lang="en-US" dirty="0">
+                <a:solidFill>
+                  <a:srgbClr val="000000"/>
+                </a:solidFill>
+                <a:highlight>
+                  <a:srgbClr val="FFFFFF"/>
+                </a:highlight>
+              </a:rPr>
+              <a:t> </a:t>
+            </a:r>
+            <a:r>
+              <a:rPr lang="en-US" dirty="0" err="1">
+                <a:solidFill>
+                  <a:srgbClr val="000000"/>
+                </a:solidFill>
+                <a:highlight>
+                  <a:srgbClr val="FFFFFF"/>
+                </a:highlight>
+              </a:rPr>
+              <a:t>firstName</a:t>
+            </a:r>
+            <a:r>
+              <a:rPr lang="en-US" dirty="0">
+                <a:solidFill>
+                  <a:srgbClr val="000000"/>
+                </a:solidFill>
+                <a:highlight>
+                  <a:srgbClr val="FFFFFF"/>
+                </a:highlight>
+              </a:rPr>
+              <a:t> = </a:t>
+            </a:r>
+            <a:r>
+              <a:rPr lang="en-US" dirty="0" err="1">
+                <a:solidFill>
+                  <a:srgbClr val="000000"/>
+                </a:solidFill>
+                <a:highlight>
+                  <a:srgbClr val="FFFFFF"/>
+                </a:highlight>
+              </a:rPr>
+              <a:t>me.first_name</a:t>
+            </a:r>
+            <a:r>
+              <a:rPr lang="en-US" dirty="0">
+                <a:solidFill>
+                  <a:srgbClr val="000000"/>
+                </a:solidFill>
+                <a:highlight>
+                  <a:srgbClr val="FFFFFF"/>
+                </a:highlight>
+              </a:rPr>
+              <a:t>;</a:t>
+            </a:r>
+          </a:p>
+          <a:p>
+            <a:endParaRPr lang="en-US" dirty="0">
+              <a:solidFill>
+                <a:srgbClr val="000000"/>
+              </a:solidFill>
+              <a:highlight>
+                <a:srgbClr val="FFFFFF"/>
+              </a:highlight>
+            </a:endParaRPr>
+          </a:p>
+          <a:p>
+            <a:r>
+              <a:rPr lang="en-US" dirty="0">
+                <a:solidFill>
+                  <a:srgbClr val="008000"/>
+                </a:solidFill>
+                <a:highlight>
+                  <a:srgbClr val="FFFFFF"/>
+                </a:highlight>
+              </a:rPr>
+              <a:t>// Post a message to the current user's wall</a:t>
+            </a:r>
+            <a:endParaRPr lang="en-US" dirty="0">
+              <a:solidFill>
+                <a:srgbClr val="000000"/>
+              </a:solidFill>
+              <a:highlight>
+                <a:srgbClr val="FFFFFF"/>
+              </a:highlight>
+            </a:endParaRPr>
+          </a:p>
+          <a:p>
+            <a:r>
+              <a:rPr lang="en-US" dirty="0" err="1">
+                <a:solidFill>
+                  <a:srgbClr val="0000FF"/>
+                </a:solidFill>
+                <a:highlight>
+                  <a:srgbClr val="FFFFFF"/>
+                </a:highlight>
+              </a:rPr>
+              <a:t>var</a:t>
+            </a:r>
+            <a:r>
+              <a:rPr lang="en-US" dirty="0">
+                <a:solidFill>
+                  <a:srgbClr val="000000"/>
+                </a:solidFill>
+                <a:highlight>
+                  <a:srgbClr val="FFFFFF"/>
+                </a:highlight>
+              </a:rPr>
+              <a:t> post = </a:t>
+            </a:r>
+            <a:r>
+              <a:rPr lang="en-US" dirty="0">
+                <a:solidFill>
+                  <a:srgbClr val="0000FF"/>
+                </a:solidFill>
+                <a:highlight>
+                  <a:srgbClr val="FFFFFF"/>
+                </a:highlight>
+              </a:rPr>
+              <a:t>new</a:t>
+            </a:r>
+            <a:r>
+              <a:rPr lang="en-US" dirty="0">
+                <a:solidFill>
+                  <a:srgbClr val="000000"/>
+                </a:solidFill>
+                <a:highlight>
+                  <a:srgbClr val="FFFFFF"/>
+                </a:highlight>
+              </a:rPr>
+              <a:t> {</a:t>
+            </a:r>
+          </a:p>
+          <a:p>
+            <a:r>
+              <a:rPr lang="en-US" dirty="0">
+                <a:solidFill>
+                  <a:srgbClr val="000000"/>
+                </a:solidFill>
+                <a:highlight>
+                  <a:srgbClr val="FFFFFF"/>
+                </a:highlight>
+              </a:rPr>
+              <a:t>    message = </a:t>
+            </a:r>
+            <a:r>
+              <a:rPr lang="en-US" dirty="0">
+                <a:solidFill>
+                  <a:srgbClr val="A31515"/>
+                </a:solidFill>
+                <a:highlight>
+                  <a:srgbClr val="FFFFFF"/>
+                </a:highlight>
+              </a:rPr>
+              <a:t>"This is a wall post!"</a:t>
+            </a:r>
+            <a:endParaRPr lang="en-US" dirty="0">
+              <a:solidFill>
+                <a:srgbClr val="000000"/>
+              </a:solidFill>
+              <a:highlight>
+                <a:srgbClr val="FFFFFF"/>
+              </a:highlight>
+            </a:endParaRPr>
+          </a:p>
+          <a:p>
+            <a:r>
+              <a:rPr lang="en-US" dirty="0">
+                <a:solidFill>
+                  <a:srgbClr val="000000"/>
+                </a:solidFill>
+                <a:highlight>
+                  <a:srgbClr val="FFFFFF"/>
+                </a:highlight>
+              </a:rPr>
+              <a:t>};</a:t>
+            </a:r>
+          </a:p>
+          <a:p>
+            <a:r>
+              <a:rPr lang="en-US" dirty="0">
+                <a:solidFill>
+                  <a:srgbClr val="0000FF"/>
+                </a:solidFill>
+                <a:highlight>
+                  <a:srgbClr val="FFFFFF"/>
+                </a:highlight>
+              </a:rPr>
+              <a:t>dynamic</a:t>
+            </a:r>
+            <a:r>
+              <a:rPr lang="en-US" dirty="0">
+                <a:solidFill>
+                  <a:srgbClr val="000000"/>
+                </a:solidFill>
+                <a:highlight>
+                  <a:srgbClr val="FFFFFF"/>
+                </a:highlight>
+              </a:rPr>
+              <a:t> result = </a:t>
+            </a:r>
+            <a:r>
+              <a:rPr lang="en-US" dirty="0">
+                <a:solidFill>
+                  <a:srgbClr val="0000FF"/>
+                </a:solidFill>
+                <a:highlight>
+                  <a:srgbClr val="FFFFFF"/>
+                </a:highlight>
+              </a:rPr>
+              <a:t>await</a:t>
+            </a:r>
+            <a:r>
+              <a:rPr lang="en-US" dirty="0">
+                <a:solidFill>
+                  <a:srgbClr val="000000"/>
+                </a:solidFill>
+                <a:highlight>
+                  <a:srgbClr val="FFFFFF"/>
+                </a:highlight>
+              </a:rPr>
+              <a:t> </a:t>
+            </a:r>
+            <a:r>
+              <a:rPr lang="en-US" dirty="0" err="1">
+                <a:solidFill>
+                  <a:srgbClr val="000000"/>
+                </a:solidFill>
+                <a:highlight>
+                  <a:srgbClr val="FFFFFF"/>
+                </a:highlight>
+              </a:rPr>
+              <a:t>client.PostTaskAsync</a:t>
+            </a:r>
+            <a:r>
+              <a:rPr lang="en-US" dirty="0">
+                <a:solidFill>
+                  <a:srgbClr val="000000"/>
+                </a:solidFill>
+                <a:highlight>
+                  <a:srgbClr val="FFFFFF"/>
+                </a:highlight>
+              </a:rPr>
+              <a:t>(</a:t>
+            </a:r>
+            <a:r>
+              <a:rPr lang="en-US" dirty="0">
+                <a:solidFill>
+                  <a:srgbClr val="A31515"/>
+                </a:solidFill>
+                <a:highlight>
+                  <a:srgbClr val="FFFFFF"/>
+                </a:highlight>
+              </a:rPr>
+              <a:t>"me/feed"</a:t>
+            </a:r>
+            <a:r>
+              <a:rPr lang="en-US" dirty="0">
+                <a:solidFill>
+                  <a:srgbClr val="000000"/>
+                </a:solidFill>
+                <a:highlight>
+                  <a:srgbClr val="FFFFFF"/>
+                </a:highlight>
+              </a:rPr>
+              <a:t>, post);</a:t>
+            </a:r>
+            <a:endParaRPr lang="en-US" dirty="0"/>
+          </a:p>
+        </p:txBody>
+      </p:sp>
+    </p:spTree>
+    <p:extLst>
+      <p:ext uri="{BB962C8B-B14F-4D97-AF65-F5344CB8AC3E}">
+        <p14:creationId xmlns:p14="http://schemas.microsoft.com/office/powerpoint/2010/main" val="538028369"/>
+      </p:ext>
+    </p:extLst>
+  </p:cSld>
+  <p:clrMapOvr>
+    <a:masterClrMapping/>
+  </p:clrMapOvr>
+  <p:transition>
+    <p:fade/>
+  </p:transition>
+</p:sld>
+</file>
+
+<file path=ppt/slides/slide13.xml><?xml version="1.0" encoding="utf-8"?>
+<p:sld xmlns:a="http://schemas.openxmlformats.org/drawingml/2006/main" xmlns:r="http://schemas.openxmlformats.org/officeDocument/2006/relationships" xmlns:p="http://schemas.openxmlformats.org/presentationml/2006/main">
+  <p:cSld>
+    <p:spTree>
+      <p:nvGrpSpPr>
+        <p:cNvPr id="1" name=""/>
+        <p:cNvGrpSpPr/>
+        <p:nvPr/>
+      </p:nvGrpSpPr>
+      <p:grpSpPr>
+        <a:xfrm>
+          <a:off x="0" y="0"/>
+          <a:ext cx="0" cy="0"/>
+          <a:chOff x="0" y="0"/>
+          <a:chExt cx="0" cy="0"/>
+        </a:xfrm>
+      </p:grpSpPr>
+      <p:sp>
+        <p:nvSpPr>
+          <p:cNvPr id="4" name="Title 3"/>
+          <p:cNvSpPr>
+            <a:spLocks noGrp="1"/>
+          </p:cNvSpPr>
+          <p:nvPr>
+            <p:ph type="title"/>
+          </p:nvPr>
+        </p:nvSpPr>
+        <p:spPr/>
+        <p:txBody>
+          <a:bodyPr/>
+          <a:lstStyle/>
+          <a:p>
+            <a:r>
+              <a:rPr lang="en-US" dirty="0" smtClean="0"/>
+              <a:t>Facebook Template</a:t>
+            </a:r>
+            <a:endParaRPr lang="en-US" dirty="0"/>
+          </a:p>
+        </p:txBody>
+      </p:sp>
+      <p:sp>
+        <p:nvSpPr>
+          <p:cNvPr id="5" name="Text Placeholder 4"/>
+          <p:cNvSpPr>
+            <a:spLocks noGrp="1"/>
+          </p:cNvSpPr>
+          <p:nvPr>
+            <p:ph type="body" sz="quarter" idx="10"/>
+          </p:nvPr>
+        </p:nvSpPr>
+        <p:spPr>
+          <a:xfrm>
+            <a:off x="519112" y="1447799"/>
+            <a:ext cx="11149013" cy="3901068"/>
+          </a:xfrm>
+        </p:spPr>
+        <p:txBody>
+          <a:bodyPr/>
+          <a:lstStyle/>
+          <a:p>
+            <a:r>
+              <a:rPr lang="en-US" dirty="0" smtClean="0"/>
+              <a:t>ASP.NET MVC 4 Template (</a:t>
+            </a:r>
+            <a:r>
+              <a:rPr lang="en-US" dirty="0" err="1" smtClean="0"/>
+              <a:t>.Net</a:t>
+            </a:r>
+            <a:r>
+              <a:rPr lang="en-US" dirty="0" smtClean="0"/>
+              <a:t> 4.5 Only)</a:t>
+            </a:r>
+          </a:p>
+          <a:p>
+            <a:r>
+              <a:rPr lang="en-US" dirty="0" smtClean="0"/>
+              <a:t>Includes the Facebook C# SDK</a:t>
+            </a:r>
+          </a:p>
+          <a:p>
+            <a:r>
+              <a:rPr lang="en-US" dirty="0" smtClean="0"/>
+              <a:t>Authentication and Permissions</a:t>
+            </a:r>
+          </a:p>
+          <a:p>
+            <a:r>
+              <a:rPr lang="en-US" dirty="0" smtClean="0"/>
+              <a:t>Storing and Caching Facebook Data</a:t>
+            </a:r>
+          </a:p>
+          <a:p>
+            <a:r>
+              <a:rPr lang="en-US" dirty="0" smtClean="0"/>
+              <a:t>Graph API</a:t>
+            </a:r>
+          </a:p>
+          <a:p>
+            <a:r>
+              <a:rPr lang="en-US" dirty="0" smtClean="0"/>
+              <a:t>Real-Time Updates</a:t>
+            </a:r>
+            <a:endParaRPr lang="en-US" dirty="0"/>
+          </a:p>
+        </p:txBody>
+      </p:sp>
+    </p:spTree>
+    <p:extLst>
+      <p:ext uri="{BB962C8B-B14F-4D97-AF65-F5344CB8AC3E}">
+        <p14:creationId xmlns:p14="http://schemas.microsoft.com/office/powerpoint/2010/main" val="210046918"/>
+      </p:ext>
+    </p:extLst>
+  </p:cSld>
+  <p:clrMapOvr>
+    <a:masterClrMapping/>
+  </p:clrMapOvr>
+  <p:transition>
+    <p:fade/>
+  </p:transition>
+</p:sld>
+</file>
+
+<file path=ppt/slides/slide14.xml><?xml version="1.0" encoding="utf-8"?>
+<p:sld xmlns:a="http://schemas.openxmlformats.org/drawingml/2006/main" xmlns:r="http://schemas.openxmlformats.org/officeDocument/2006/relationships" xmlns:p="http://schemas.openxmlformats.org/presentationml/2006/main">
+  <p:cSld>
+    <p:spTree>
+      <p:nvGrpSpPr>
+        <p:cNvPr id="1" name=""/>
+        <p:cNvGrpSpPr/>
+        <p:nvPr/>
+      </p:nvGrpSpPr>
+      <p:grpSpPr>
+        <a:xfrm>
+          <a:off x="0" y="0"/>
+          <a:ext cx="0" cy="0"/>
+          <a:chOff x="0" y="0"/>
+          <a:chExt cx="0" cy="0"/>
+        </a:xfrm>
+      </p:grpSpPr>
+      <p:sp>
+        <p:nvSpPr>
+          <p:cNvPr id="4" name="Title 3"/>
+          <p:cNvSpPr>
+            <a:spLocks noGrp="1"/>
+          </p:cNvSpPr>
+          <p:nvPr>
+            <p:ph type="ctrTitle"/>
+          </p:nvPr>
+        </p:nvSpPr>
+        <p:spPr/>
+        <p:txBody>
+          <a:bodyPr/>
+          <a:lstStyle/>
+          <a:p>
+            <a:r>
+              <a:rPr lang="en-US" dirty="0" smtClean="0"/>
+              <a:t>demo</a:t>
+            </a:r>
+            <a:endParaRPr lang="en-US" dirty="0"/>
+          </a:p>
+        </p:txBody>
+      </p:sp>
+      <p:sp>
+        <p:nvSpPr>
+          <p:cNvPr id="6" name="Text Placeholder 5"/>
+          <p:cNvSpPr>
+            <a:spLocks noGrp="1"/>
+          </p:cNvSpPr>
+          <p:nvPr>
+            <p:ph type="body" sz="quarter" idx="10"/>
+          </p:nvPr>
+        </p:nvSpPr>
+        <p:spPr/>
+        <p:txBody>
+          <a:bodyPr/>
+          <a:lstStyle/>
+          <a:p>
+            <a:r>
+              <a:rPr lang="en-US" dirty="0" smtClean="0"/>
+              <a:t>Facebook App</a:t>
+            </a:r>
+            <a:endParaRPr lang="en-US" dirty="0"/>
+          </a:p>
+        </p:txBody>
+      </p:sp>
+    </p:spTree>
+    <p:extLst>
+      <p:ext uri="{BB962C8B-B14F-4D97-AF65-F5344CB8AC3E}">
+        <p14:creationId xmlns:p14="http://schemas.microsoft.com/office/powerpoint/2010/main" val="1069449602"/>
+      </p:ext>
+    </p:extLst>
+  </p:cSld>
+  <p:clrMapOvr>
+    <a:masterClrMapping/>
+  </p:clrMapOvr>
+  <p:transition>
+    <p:fade/>
+  </p:transition>
+  <p:timing>
+    <p:tnLst>
+      <p:par>
+        <p:cTn id="1" dur="indefinite" restart="never" nodeType="tmRoot"/>
+      </p:par>
+    </p:tnLst>
+  </p:timing>
+</p:sld>
+</file>
+
+<file path=ppt/slides/slide15.xml><?xml version="1.0" encoding="utf-8"?>
+<p:sld xmlns:a="http://schemas.openxmlformats.org/drawingml/2006/main" xmlns:r="http://schemas.openxmlformats.org/officeDocument/2006/relationships" xmlns:p="http://schemas.openxmlformats.org/presentationml/2006/main">
+  <p:cSld>
+    <p:spTree>
+      <p:nvGrpSpPr>
+        <p:cNvPr id="1" name=""/>
+        <p:cNvGrpSpPr/>
+        <p:nvPr/>
+      </p:nvGrpSpPr>
+      <p:grpSpPr>
+        <a:xfrm>
+          <a:off x="0" y="0"/>
+          <a:ext cx="0" cy="0"/>
+          <a:chOff x="0" y="0"/>
+          <a:chExt cx="0" cy="0"/>
+        </a:xfrm>
+      </p:grpSpPr>
+      <p:graphicFrame>
+        <p:nvGraphicFramePr>
+          <p:cNvPr id="2" name="Object 1" hidden="1"/>
+          <p:cNvGraphicFramePr>
+            <a:graphicFrameLocks noChangeAspect="1"/>
+          </p:cNvGraphicFramePr>
+          <p:nvPr>
+            <p:custDataLst>
+              <p:tags r:id="rId2"/>
+            </p:custDataLst>
+            <p:extLst>
+              <p:ext uri="{D42A27DB-BD31-4B8C-83A1-F6EECF244321}">
+                <p14:modId xmlns:p14="http://schemas.microsoft.com/office/powerpoint/2010/main" val="3859461230"/>
+              </p:ext>
+            </p:extLst>
+          </p:nvPr>
+        </p:nvGraphicFramePr>
+        <p:xfrm>
+          <a:off x="0" y="0"/>
+          <a:ext cx="158750" cy="158750"/>
+        </p:xfrm>
+        <a:graphic>
+          <a:graphicData uri="http://schemas.openxmlformats.org/presentationml/2006/ole">
+            <mc:AlternateContent xmlns:mc="http://schemas.openxmlformats.org/markup-compatibility/2006">
+              <mc:Choice xmlns:v="urn:schemas-microsoft-com:vml" Requires="v">
+                <p:oleObj spid="_x0000_s58471" name="think-cell Slide" r:id="rId4" imgW="270" imgH="270" progId="TCLayout.ActiveDocument.1">
+                  <p:embed/>
+                </p:oleObj>
+              </mc:Choice>
+              <mc:Fallback>
+                <p:oleObj name="think-cell Slide" r:id="rId4" imgW="270" imgH="270" progId="TCLayout.ActiveDocument.1">
+                  <p:embed/>
+                  <p:pic>
+                    <p:nvPicPr>
+                      <p:cNvPr id="0" name=""/>
+                      <p:cNvPicPr/>
+                      <p:nvPr/>
+                    </p:nvPicPr>
+                    <p:blipFill>
+                      <a:blip r:embed="rId5"/>
+                      <a:stretch>
+                        <a:fillRect/>
+                      </a:stretch>
+                    </p:blipFill>
+                    <p:spPr>
+                      <a:xfrm>
+                        <a:off x="0" y="0"/>
+                        <a:ext cx="158750" cy="158750"/>
+                      </a:xfrm>
+                      <a:prstGeom prst="rect">
+                        <a:avLst/>
+                      </a:prstGeom>
+                    </p:spPr>
+                  </p:pic>
+                </p:oleObj>
+              </mc:Fallback>
+            </mc:AlternateContent>
+          </a:graphicData>
+        </a:graphic>
+      </p:graphicFrame>
+    </p:spTree>
+    <p:extLst>
+      <p:ext uri="{BB962C8B-B14F-4D97-AF65-F5344CB8AC3E}">
+        <p14:creationId xmlns:p14="http://schemas.microsoft.com/office/powerpoint/2010/main" val="1847082904"/>
+      </p:ext>
+    </p:extLst>
+  </p:cSld>
+  <p:clrMapOvr>
+    <a:masterClrMapping/>
+  </p:clrMapOvr>
+  <mc:AlternateContent xmlns:mc="http://schemas.openxmlformats.org/markup-compatibility/2006" xmlns:p14="http://schemas.microsoft.com/office/powerpoint/2010/main">
+    <mc:Choice Requires="p14">
+      <p:transition spd="med" p14:dur="700">
+        <p:fade/>
+      </p:transition>
+    </mc:Choice>
+    <mc:Fallback xmlns="">
+      <p:transition spd="med">
+        <p:fade/>
+      </p:transition>
+    </mc:Fallback>
+  </mc:AlternateContent>
+  <p:timing>
+    <p:tnLst>
+      <p:par>
+        <p:cTn id="1" dur="indefinite" restart="never" nodeType="tmRoot"/>
+      </p:par>
+    </p:tnLst>
+  </p:timing>
+</p:sld>
+</file>
+
 <file path=ppt/slides/slide2.xml><?xml version="1.0" encoding="utf-8"?>
 <p:sld xmlns:a="http://schemas.openxmlformats.org/drawingml/2006/main" xmlns:r="http://schemas.openxmlformats.org/officeDocument/2006/relationships" xmlns:p="http://schemas.openxmlformats.org/presentationml/2006/main">
   <p:cSld>
@@ -14276,7 +22081,7 @@
           <a:graphicData uri="http://schemas.openxmlformats.org/presentationml/2006/ole">
             <mc:AlternateContent xmlns:mc="http://schemas.openxmlformats.org/markup-compatibility/2006">
               <mc:Choice xmlns:v="urn:schemas-microsoft-com:vml" Requires="v">
-                <p:oleObj spid="_x0000_s59486" name="think-cell Slide" r:id="rId4" imgW="270" imgH="270" progId="TCLayout.ActiveDocument.1">
+                <p:oleObj spid="_x0000_s59491" name="think-cell Slide" r:id="rId4" imgW="270" imgH="270" progId="TCLayout.ActiveDocument.1">
                   <p:embed/>
                 </p:oleObj>
               </mc:Choice>
@@ -14463,7 +22268,7 @@
           <a:graphicData uri="http://schemas.openxmlformats.org/presentationml/2006/ole">
             <mc:AlternateContent xmlns:mc="http://schemas.openxmlformats.org/markup-compatibility/2006">
               <mc:Choice xmlns:v="urn:schemas-microsoft-com:vml" Requires="v">
-                <p:oleObj spid="_x0000_s23651" name="think-cell Slide" r:id="rId6" imgW="270" imgH="270" progId="TCLayout.ActiveDocument.1">
+                <p:oleObj spid="_x0000_s23659" name="think-cell Slide" r:id="rId6" imgW="270" imgH="270" progId="TCLayout.ActiveDocument.1">
                   <p:embed/>
                 </p:oleObj>
               </mc:Choice>
@@ -14539,15 +22344,24 @@
         </p:nvSpPr>
         <p:spPr>
           <a:xfrm>
-            <a:off x="3473804" y="3641568"/>
-            <a:ext cx="6945312" cy="794064"/>
+            <a:off x="3473804" y="3130660"/>
+            <a:ext cx="6945312" cy="1815882"/>
           </a:xfrm>
         </p:spPr>
         <p:txBody>
           <a:bodyPr/>
           <a:lstStyle/>
           <a:p>
-            <a:endParaRPr lang="en-US" dirty="0"/>
+            <a:r>
+              <a:rPr lang="en-US" sz="4800" dirty="0" smtClean="0"/>
+              <a:t>Social Authentication</a:t>
+            </a:r>
+          </a:p>
+          <a:p>
+            <a:r>
+              <a:rPr lang="en-US" sz="4800" dirty="0" smtClean="0"/>
+              <a:t>Facebook Development</a:t>
+            </a:r>
           </a:p>
         </p:txBody>
       </p:sp>
@@ -14600,88 +22414,1000 @@
           <a:chExt cx="0" cy="0"/>
         </a:xfrm>
       </p:grpSpPr>
+      <p:sp>
+        <p:nvSpPr>
+          <p:cNvPr id="2" name="Title 1"/>
+          <p:cNvSpPr>
+            <a:spLocks noGrp="1"/>
+          </p:cNvSpPr>
+          <p:nvPr>
+            <p:ph type="title"/>
+          </p:nvPr>
+        </p:nvSpPr>
+        <p:spPr/>
+        <p:txBody>
+          <a:bodyPr/>
+          <a:lstStyle/>
+          <a:p>
+            <a:r>
+              <a:rPr lang="en-US" smtClean="0"/>
+              <a:t>Social Authentication</a:t>
+            </a:r>
+            <a:endParaRPr lang="en-US" dirty="0"/>
+          </a:p>
+        </p:txBody>
+      </p:sp>
+      <p:sp>
+        <p:nvSpPr>
+          <p:cNvPr id="3" name="Content Placeholder 2"/>
+          <p:cNvSpPr>
+            <a:spLocks noGrp="1"/>
+          </p:cNvSpPr>
+          <p:nvPr>
+            <p:ph type="body" sz="quarter" idx="10"/>
+          </p:nvPr>
+        </p:nvSpPr>
+        <p:spPr>
+          <a:xfrm>
+            <a:off x="519112" y="1257299"/>
+            <a:ext cx="11149013" cy="4778231"/>
+          </a:xfrm>
+        </p:spPr>
+        <p:txBody>
+          <a:bodyPr/>
+          <a:lstStyle/>
+          <a:p>
+            <a:r>
+              <a:rPr lang="en-US" dirty="0" smtClean="0"/>
+              <a:t>Protocols</a:t>
+            </a:r>
+          </a:p>
+          <a:p>
+            <a:pPr lvl="1"/>
+            <a:r>
+              <a:rPr lang="en-US" dirty="0" err="1" smtClean="0"/>
+              <a:t>OAuth</a:t>
+            </a:r>
+            <a:r>
+              <a:rPr lang="en-US" dirty="0" smtClean="0"/>
+              <a:t> 1.0 &amp; 2.0</a:t>
+            </a:r>
+          </a:p>
+          <a:p>
+            <a:pPr lvl="1"/>
+            <a:r>
+              <a:rPr lang="en-US" dirty="0" err="1" smtClean="0"/>
+              <a:t>OpenID</a:t>
+            </a:r>
+            <a:endParaRPr lang="en-US" dirty="0" smtClean="0"/>
+          </a:p>
+          <a:p>
+            <a:pPr lvl="1"/>
+            <a:endParaRPr lang="en-US" dirty="0" smtClean="0"/>
+          </a:p>
+          <a:p>
+            <a:r>
+              <a:rPr lang="en-US" dirty="0" smtClean="0"/>
+              <a:t>Identity</a:t>
+            </a:r>
+          </a:p>
+          <a:p>
+            <a:pPr lvl="1"/>
+            <a:r>
+              <a:rPr lang="en-US" dirty="0" err="1" smtClean="0"/>
+              <a:t>UserId</a:t>
+            </a:r>
+            <a:endParaRPr lang="en-US" dirty="0" smtClean="0"/>
+          </a:p>
+          <a:p>
+            <a:pPr lvl="1"/>
+            <a:r>
+              <a:rPr lang="en-US" dirty="0" smtClean="0"/>
+              <a:t>Possibly Name and Email</a:t>
+            </a:r>
+            <a:br>
+              <a:rPr lang="en-US" dirty="0" smtClean="0"/>
+            </a:br>
+            <a:endParaRPr lang="en-US" dirty="0" smtClean="0"/>
+          </a:p>
+          <a:p>
+            <a:r>
+              <a:rPr lang="en-US" dirty="0" smtClean="0"/>
+              <a:t>Permissions</a:t>
+            </a:r>
+          </a:p>
+          <a:p>
+            <a:pPr lvl="1"/>
+            <a:r>
+              <a:rPr lang="en-US" dirty="0" smtClean="0"/>
+              <a:t>User Information</a:t>
+            </a:r>
+          </a:p>
+          <a:p>
+            <a:pPr lvl="1"/>
+            <a:r>
+              <a:rPr lang="en-US" dirty="0" smtClean="0"/>
+              <a:t>Application Resources</a:t>
+            </a:r>
+          </a:p>
+          <a:p>
+            <a:pPr lvl="1"/>
+            <a:r>
+              <a:rPr lang="en-US" dirty="0" smtClean="0"/>
+              <a:t>Act on Behalf of User</a:t>
+            </a:r>
+          </a:p>
+          <a:p>
+            <a:pPr lvl="1"/>
+            <a:r>
+              <a:rPr lang="en-US" dirty="0" smtClean="0"/>
+              <a:t>Manage Data</a:t>
+            </a:r>
+          </a:p>
+        </p:txBody>
+      </p:sp>
+      <p:pic>
+        <p:nvPicPr>
+          <p:cNvPr id="4" name="Picture 3"/>
+          <p:cNvPicPr>
+            <a:picLocks noChangeAspect="1"/>
+          </p:cNvPicPr>
+          <p:nvPr/>
+        </p:nvPicPr>
+        <p:blipFill>
+          <a:blip r:embed="rId2">
+            <a:extLst>
+              <a:ext uri="{BEBA8EAE-BF5A-486C-A8C5-ECC9F3942E4B}">
+                <a14:imgProps xmlns:a14="http://schemas.microsoft.com/office/drawing/2010/main">
+                  <a14:imgLayer r:embed="rId3">
+                    <a14:imgEffect>
+                      <a14:brightnessContrast bright="-62000"/>
+                    </a14:imgEffect>
+                  </a14:imgLayer>
+                </a14:imgProps>
+              </a:ext>
+              <a:ext uri="{28A0092B-C50C-407E-A947-70E740481C1C}">
+                <a14:useLocalDpi xmlns:a14="http://schemas.microsoft.com/office/drawing/2010/main" val="0"/>
+              </a:ext>
+            </a:extLst>
+          </a:blip>
+          <a:stretch>
+            <a:fillRect/>
+          </a:stretch>
+        </p:blipFill>
+        <p:spPr>
+          <a:xfrm>
+            <a:off x="7036862" y="1930400"/>
+            <a:ext cx="3208438" cy="3208438"/>
+          </a:xfrm>
+          <a:prstGeom prst="rect">
+            <a:avLst/>
+          </a:prstGeom>
+        </p:spPr>
+      </p:pic>
+    </p:spTree>
+    <p:extLst>
+      <p:ext uri="{BB962C8B-B14F-4D97-AF65-F5344CB8AC3E}">
+        <p14:creationId xmlns:p14="http://schemas.microsoft.com/office/powerpoint/2010/main" val="2835587784"/>
+      </p:ext>
+    </p:extLst>
+  </p:cSld>
+  <p:clrMapOvr>
+    <a:masterClrMapping/>
+  </p:clrMapOvr>
+  <p:transition>
+    <p:fade/>
+  </p:transition>
+  <p:timing>
+    <p:tnLst>
+      <p:par>
+        <p:cTn id="1" dur="indefinite" restart="never" nodeType="tmRoot"/>
+      </p:par>
+    </p:tnLst>
+  </p:timing>
+</p:sld>
+</file>
+
+<file path=ppt/slides/slide5.xml><?xml version="1.0" encoding="utf-8"?>
+<p:sld xmlns:a="http://schemas.openxmlformats.org/drawingml/2006/main" xmlns:r="http://schemas.openxmlformats.org/officeDocument/2006/relationships" xmlns:p="http://schemas.openxmlformats.org/presentationml/2006/main">
+  <p:cSld>
+    <p:spTree>
+      <p:nvGrpSpPr>
+        <p:cNvPr id="1" name=""/>
+        <p:cNvGrpSpPr/>
+        <p:nvPr/>
+      </p:nvGrpSpPr>
+      <p:grpSpPr>
+        <a:xfrm>
+          <a:off x="0" y="0"/>
+          <a:ext cx="0" cy="0"/>
+          <a:chOff x="0" y="0"/>
+          <a:chExt cx="0" cy="0"/>
+        </a:xfrm>
+      </p:grpSpPr>
+      <p:sp>
+        <p:nvSpPr>
+          <p:cNvPr id="2" name="Title 1"/>
+          <p:cNvSpPr>
+            <a:spLocks noGrp="1"/>
+          </p:cNvSpPr>
+          <p:nvPr>
+            <p:ph type="title"/>
+          </p:nvPr>
+        </p:nvSpPr>
+        <p:spPr/>
+        <p:txBody>
+          <a:bodyPr/>
+          <a:lstStyle/>
+          <a:p>
+            <a:r>
+              <a:rPr lang="en-US" dirty="0" err="1" smtClean="0"/>
+              <a:t>OAuth</a:t>
+            </a:r>
+            <a:r>
+              <a:rPr lang="en-US" dirty="0" smtClean="0"/>
+              <a:t> Providers</a:t>
+            </a:r>
+            <a:endParaRPr lang="en-US" dirty="0"/>
+          </a:p>
+        </p:txBody>
+      </p:sp>
+      <p:pic>
+        <p:nvPicPr>
+          <p:cNvPr id="4" name="Picture 3"/>
+          <p:cNvPicPr>
+            <a:picLocks noChangeAspect="1"/>
+          </p:cNvPicPr>
+          <p:nvPr/>
+        </p:nvPicPr>
+        <p:blipFill rotWithShape="1">
+          <a:blip r:embed="rId3">
+            <a:clrChange>
+              <a:clrFrom>
+                <a:srgbClr val="FFFFFF"/>
+              </a:clrFrom>
+              <a:clrTo>
+                <a:srgbClr val="FFFFFF">
+                  <a:alpha val="0"/>
+                </a:srgbClr>
+              </a:clrTo>
+            </a:clrChange>
+          </a:blip>
+          <a:srcRect t="25849" b="33238"/>
+          <a:stretch/>
+        </p:blipFill>
+        <p:spPr>
+          <a:xfrm>
+            <a:off x="725769" y="2056086"/>
+            <a:ext cx="2903567" cy="668205"/>
+          </a:xfrm>
+          <a:prstGeom prst="rect">
+            <a:avLst/>
+          </a:prstGeom>
+        </p:spPr>
+      </p:pic>
+      <p:pic>
+        <p:nvPicPr>
+          <p:cNvPr id="61442" name="Picture 2" descr="http://feedgrowth.com/wp-content/uploads/2008/12/facebook-logo.jpg"/>
+          <p:cNvPicPr>
+            <a:picLocks noChangeAspect="1" noChangeArrowheads="1"/>
+          </p:cNvPicPr>
+          <p:nvPr/>
+        </p:nvPicPr>
+        <p:blipFill>
+          <a:blip r:embed="rId4" cstate="print">
+            <a:extLst>
+              <a:ext uri="{28A0092B-C50C-407E-A947-70E740481C1C}">
+                <a14:useLocalDpi xmlns:a14="http://schemas.microsoft.com/office/drawing/2010/main" val="0"/>
+              </a:ext>
+            </a:extLst>
+          </a:blip>
+          <a:srcRect/>
+          <a:stretch>
+            <a:fillRect/>
+          </a:stretch>
+        </p:blipFill>
+        <p:spPr bwMode="auto">
+          <a:xfrm>
+            <a:off x="8903482" y="1975286"/>
+            <a:ext cx="2303988" cy="866875"/>
+          </a:xfrm>
+          <a:prstGeom prst="rect">
+            <a:avLst/>
+          </a:prstGeom>
+          <a:noFill/>
+          <a:extLst>
+            <a:ext uri="{909E8E84-426E-40DD-AFC4-6F175D3DCCD1}">
+              <a14:hiddenFill xmlns:a14="http://schemas.microsoft.com/office/drawing/2010/main">
+                <a:solidFill>
+                  <a:srgbClr val="FFFFFF"/>
+                </a:solidFill>
+              </a14:hiddenFill>
+            </a:ext>
+          </a:extLst>
+        </p:spPr>
+      </p:pic>
+      <p:pic>
+        <p:nvPicPr>
+          <p:cNvPr id="5" name="Picture 4"/>
+          <p:cNvPicPr>
+            <a:picLocks noChangeAspect="1"/>
+          </p:cNvPicPr>
+          <p:nvPr/>
+        </p:nvPicPr>
+        <p:blipFill>
+          <a:blip r:embed="rId5">
+            <a:clrChange>
+              <a:clrFrom>
+                <a:srgbClr val="FFFFFF"/>
+              </a:clrFrom>
+              <a:clrTo>
+                <a:srgbClr val="FFFFFF">
+                  <a:alpha val="0"/>
+                </a:srgbClr>
+              </a:clrTo>
+            </a:clrChange>
+          </a:blip>
+          <a:stretch>
+            <a:fillRect/>
+          </a:stretch>
+        </p:blipFill>
+        <p:spPr>
+          <a:xfrm>
+            <a:off x="4926409" y="2002974"/>
+            <a:ext cx="2403747" cy="1001561"/>
+          </a:xfrm>
+          <a:prstGeom prst="rect">
+            <a:avLst/>
+          </a:prstGeom>
+        </p:spPr>
+      </p:pic>
+      <p:pic>
+        <p:nvPicPr>
+          <p:cNvPr id="61446" name="Picture 6" descr="http://blogs.nvcc.edu/intercom/files/2012/11/linkedin_logo_11.jpg"/>
+          <p:cNvPicPr>
+            <a:picLocks noChangeAspect="1" noChangeArrowheads="1"/>
+          </p:cNvPicPr>
+          <p:nvPr/>
+        </p:nvPicPr>
+        <p:blipFill rotWithShape="1">
+          <a:blip r:embed="rId6" cstate="print">
+            <a:clrChange>
+              <a:clrFrom>
+                <a:srgbClr val="FFFFFF"/>
+              </a:clrFrom>
+              <a:clrTo>
+                <a:srgbClr val="FFFFFF">
+                  <a:alpha val="0"/>
+                </a:srgbClr>
+              </a:clrTo>
+            </a:clrChange>
+            <a:extLst>
+              <a:ext uri="{28A0092B-C50C-407E-A947-70E740481C1C}">
+                <a14:useLocalDpi xmlns:a14="http://schemas.microsoft.com/office/drawing/2010/main" val="0"/>
+              </a:ext>
+            </a:extLst>
+          </a:blip>
+          <a:srcRect l="12374" t="31152" r="11958" b="41880"/>
+          <a:stretch/>
+        </p:blipFill>
+        <p:spPr bwMode="auto">
+          <a:xfrm>
+            <a:off x="8808685" y="5215576"/>
+            <a:ext cx="2493582" cy="666524"/>
+          </a:xfrm>
+          <a:prstGeom prst="rect">
+            <a:avLst/>
+          </a:prstGeom>
+          <a:noFill/>
+          <a:extLst>
+            <a:ext uri="{909E8E84-426E-40DD-AFC4-6F175D3DCCD1}">
+              <a14:hiddenFill xmlns:a14="http://schemas.microsoft.com/office/drawing/2010/main">
+                <a:solidFill>
+                  <a:srgbClr val="FFFFFF"/>
+                </a:solidFill>
+              </a14:hiddenFill>
+            </a:ext>
+          </a:extLst>
+        </p:spPr>
+      </p:pic>
+      <p:pic>
+        <p:nvPicPr>
+          <p:cNvPr id="61448" name="Picture 8" descr="http://gregrickaby.com/wp-content/uploads/2012/03/github-logo.png"/>
+          <p:cNvPicPr>
+            <a:picLocks noChangeAspect="1" noChangeArrowheads="1"/>
+          </p:cNvPicPr>
+          <p:nvPr/>
+        </p:nvPicPr>
+        <p:blipFill>
+          <a:blip r:embed="rId7" cstate="print">
+            <a:clrChange>
+              <a:clrFrom>
+                <a:srgbClr val="FFFFFF"/>
+              </a:clrFrom>
+              <a:clrTo>
+                <a:srgbClr val="FFFFFF">
+                  <a:alpha val="0"/>
+                </a:srgbClr>
+              </a:clrTo>
+            </a:clrChange>
+            <a:extLst>
+              <a:ext uri="{28A0092B-C50C-407E-A947-70E740481C1C}">
+                <a14:useLocalDpi xmlns:a14="http://schemas.microsoft.com/office/drawing/2010/main" val="0"/>
+              </a:ext>
+            </a:extLst>
+          </a:blip>
+          <a:srcRect/>
+          <a:stretch>
+            <a:fillRect/>
+          </a:stretch>
+        </p:blipFill>
+        <p:spPr bwMode="auto">
+          <a:xfrm>
+            <a:off x="5041900" y="5057392"/>
+            <a:ext cx="2079701" cy="824708"/>
+          </a:xfrm>
+          <a:prstGeom prst="rect">
+            <a:avLst/>
+          </a:prstGeom>
+          <a:noFill/>
+          <a:extLst>
+            <a:ext uri="{909E8E84-426E-40DD-AFC4-6F175D3DCCD1}">
+              <a14:hiddenFill xmlns:a14="http://schemas.microsoft.com/office/drawing/2010/main">
+                <a:solidFill>
+                  <a:srgbClr val="FFFFFF"/>
+                </a:solidFill>
+              </a14:hiddenFill>
+            </a:ext>
+          </a:extLst>
+        </p:spPr>
+      </p:pic>
+      <p:pic>
+        <p:nvPicPr>
+          <p:cNvPr id="61450" name="Picture 10" descr="http://www.dentalmanagers.com/attachments/files/2713/logo_twitter_withbird_1000_allblue.png"/>
+          <p:cNvPicPr>
+            <a:picLocks noChangeAspect="1" noChangeArrowheads="1"/>
+          </p:cNvPicPr>
+          <p:nvPr/>
+        </p:nvPicPr>
+        <p:blipFill>
+          <a:blip r:embed="rId8" cstate="print">
+            <a:extLst>
+              <a:ext uri="{28A0092B-C50C-407E-A947-70E740481C1C}">
+                <a14:useLocalDpi xmlns:a14="http://schemas.microsoft.com/office/drawing/2010/main" val="0"/>
+              </a:ext>
+            </a:extLst>
+          </a:blip>
+          <a:srcRect/>
+          <a:stretch>
+            <a:fillRect/>
+          </a:stretch>
+        </p:blipFill>
+        <p:spPr bwMode="auto">
+          <a:xfrm>
+            <a:off x="866495" y="5325729"/>
+            <a:ext cx="2622114" cy="487713"/>
+          </a:xfrm>
+          <a:prstGeom prst="rect">
+            <a:avLst/>
+          </a:prstGeom>
+          <a:noFill/>
+          <a:extLst>
+            <a:ext uri="{909E8E84-426E-40DD-AFC4-6F175D3DCCD1}">
+              <a14:hiddenFill xmlns:a14="http://schemas.microsoft.com/office/drawing/2010/main">
+                <a:solidFill>
+                  <a:srgbClr val="FFFFFF"/>
+                </a:solidFill>
+              </a14:hiddenFill>
+            </a:ext>
+          </a:extLst>
+        </p:spPr>
+      </p:pic>
+      <p:pic>
+        <p:nvPicPr>
+          <p:cNvPr id="61456" name="Picture 16" descr="http://www.logowallpaper.net/wp-content/uploads/2012/06/Dropbox-Logo-Wallpaper.png"/>
+          <p:cNvPicPr>
+            <a:picLocks noChangeAspect="1" noChangeArrowheads="1"/>
+          </p:cNvPicPr>
+          <p:nvPr/>
+        </p:nvPicPr>
+        <p:blipFill>
+          <a:blip r:embed="rId9" cstate="print">
+            <a:extLst>
+              <a:ext uri="{28A0092B-C50C-407E-A947-70E740481C1C}">
+                <a14:useLocalDpi xmlns:a14="http://schemas.microsoft.com/office/drawing/2010/main" val="0"/>
+              </a:ext>
+            </a:extLst>
+          </a:blip>
+          <a:srcRect/>
+          <a:stretch>
+            <a:fillRect/>
+          </a:stretch>
+        </p:blipFill>
+        <p:spPr bwMode="auto">
+          <a:xfrm>
+            <a:off x="8779118" y="3707092"/>
+            <a:ext cx="2552716" cy="681575"/>
+          </a:xfrm>
+          <a:prstGeom prst="rect">
+            <a:avLst/>
+          </a:prstGeom>
+          <a:noFill/>
+          <a:extLst>
+            <a:ext uri="{909E8E84-426E-40DD-AFC4-6F175D3DCCD1}">
+              <a14:hiddenFill xmlns:a14="http://schemas.microsoft.com/office/drawing/2010/main">
+                <a:solidFill>
+                  <a:srgbClr val="FFFFFF"/>
+                </a:solidFill>
+              </a14:hiddenFill>
+            </a:ext>
+          </a:extLst>
+        </p:spPr>
+      </p:pic>
+      <p:pic>
+        <p:nvPicPr>
+          <p:cNvPr id="61458" name="Picture 18" descr="http://higherinnovation.net/wp-content/uploads/2012/08/YammerLogo_Medium1-600x184.jpg"/>
+          <p:cNvPicPr>
+            <a:picLocks noChangeAspect="1" noChangeArrowheads="1"/>
+          </p:cNvPicPr>
+          <p:nvPr/>
+        </p:nvPicPr>
+        <p:blipFill>
+          <a:blip r:embed="rId10">
+            <a:clrChange>
+              <a:clrFrom>
+                <a:srgbClr val="FEFEFE"/>
+              </a:clrFrom>
+              <a:clrTo>
+                <a:srgbClr val="FEFEFE">
+                  <a:alpha val="0"/>
+                </a:srgbClr>
+              </a:clrTo>
+            </a:clrChange>
+            <a:extLst>
+              <a:ext uri="{28A0092B-C50C-407E-A947-70E740481C1C}">
+                <a14:useLocalDpi xmlns:a14="http://schemas.microsoft.com/office/drawing/2010/main" val="0"/>
+              </a:ext>
+            </a:extLst>
+          </a:blip>
+          <a:srcRect/>
+          <a:stretch>
+            <a:fillRect/>
+          </a:stretch>
+        </p:blipFill>
+        <p:spPr bwMode="auto">
+          <a:xfrm>
+            <a:off x="4821896" y="3579829"/>
+            <a:ext cx="2612772" cy="801250"/>
+          </a:xfrm>
+          <a:prstGeom prst="rect">
+            <a:avLst/>
+          </a:prstGeom>
+          <a:noFill/>
+          <a:extLst>
+            <a:ext uri="{909E8E84-426E-40DD-AFC4-6F175D3DCCD1}">
+              <a14:hiddenFill xmlns:a14="http://schemas.microsoft.com/office/drawing/2010/main">
+                <a:solidFill>
+                  <a:srgbClr val="FFFFFF"/>
+                </a:solidFill>
+              </a14:hiddenFill>
+            </a:ext>
+          </a:extLst>
+        </p:spPr>
+      </p:pic>
+      <p:pic>
+        <p:nvPicPr>
+          <p:cNvPr id="61460" name="Picture 20" descr="http://s2.wp.com/wp-content/themes/h4/i/logo-h-rgb.png?m=1308937729g"/>
+          <p:cNvPicPr>
+            <a:picLocks noChangeAspect="1" noChangeArrowheads="1"/>
+          </p:cNvPicPr>
+          <p:nvPr/>
+        </p:nvPicPr>
+        <p:blipFill>
+          <a:blip r:embed="rId11" cstate="print">
+            <a:extLst>
+              <a:ext uri="{28A0092B-C50C-407E-A947-70E740481C1C}">
+                <a14:useLocalDpi xmlns:a14="http://schemas.microsoft.com/office/drawing/2010/main" val="0"/>
+              </a:ext>
+            </a:extLst>
+          </a:blip>
+          <a:srcRect/>
+          <a:stretch>
+            <a:fillRect/>
+          </a:stretch>
+        </p:blipFill>
+        <p:spPr bwMode="auto">
+          <a:xfrm>
+            <a:off x="519112" y="3648447"/>
+            <a:ext cx="3316880" cy="829220"/>
+          </a:xfrm>
+          <a:prstGeom prst="rect">
+            <a:avLst/>
+          </a:prstGeom>
+          <a:noFill/>
+          <a:extLst>
+            <a:ext uri="{909E8E84-426E-40DD-AFC4-6F175D3DCCD1}">
+              <a14:hiddenFill xmlns:a14="http://schemas.microsoft.com/office/drawing/2010/main">
+                <a:solidFill>
+                  <a:srgbClr val="FFFFFF"/>
+                </a:solidFill>
+              </a14:hiddenFill>
+            </a:ext>
+          </a:extLst>
+        </p:spPr>
+      </p:pic>
+    </p:spTree>
+    <p:extLst>
+      <p:ext uri="{BB962C8B-B14F-4D97-AF65-F5344CB8AC3E}">
+        <p14:creationId xmlns:p14="http://schemas.microsoft.com/office/powerpoint/2010/main" val="3508131473"/>
+      </p:ext>
+    </p:extLst>
+  </p:cSld>
+  <p:clrMapOvr>
+    <a:masterClrMapping/>
+  </p:clrMapOvr>
+  <p:transition>
+    <p:fade/>
+  </p:transition>
+  <p:timing>
+    <p:tnLst>
+      <p:par>
+        <p:cTn id="1" dur="indefinite" restart="never" nodeType="tmRoot"/>
+      </p:par>
+    </p:tnLst>
+  </p:timing>
+</p:sld>
+</file>
+
+<file path=ppt/slides/slide6.xml><?xml version="1.0" encoding="utf-8"?>
+<p:sld xmlns:a="http://schemas.openxmlformats.org/drawingml/2006/main" xmlns:r="http://schemas.openxmlformats.org/officeDocument/2006/relationships" xmlns:p="http://schemas.openxmlformats.org/presentationml/2006/main">
+  <p:cSld>
+    <p:spTree>
+      <p:nvGrpSpPr>
+        <p:cNvPr id="1" name=""/>
+        <p:cNvGrpSpPr/>
+        <p:nvPr/>
+      </p:nvGrpSpPr>
+      <p:grpSpPr>
+        <a:xfrm>
+          <a:off x="0" y="0"/>
+          <a:ext cx="0" cy="0"/>
+          <a:chOff x="0" y="0"/>
+          <a:chExt cx="0" cy="0"/>
+        </a:xfrm>
+      </p:grpSpPr>
+      <p:sp>
+        <p:nvSpPr>
+          <p:cNvPr id="2" name="Title 1"/>
+          <p:cNvSpPr>
+            <a:spLocks noGrp="1"/>
+          </p:cNvSpPr>
+          <p:nvPr>
+            <p:ph type="title"/>
+          </p:nvPr>
+        </p:nvSpPr>
+        <p:spPr/>
+        <p:txBody>
+          <a:bodyPr/>
+          <a:lstStyle/>
+          <a:p>
+            <a:r>
+              <a:rPr lang="en-US" dirty="0" err="1" smtClean="0"/>
+              <a:t>OAuth</a:t>
+            </a:r>
+            <a:r>
+              <a:rPr lang="en-US" dirty="0" smtClean="0"/>
+              <a:t> Flow</a:t>
+            </a:r>
+            <a:endParaRPr lang="en-US" dirty="0"/>
+          </a:p>
+        </p:txBody>
+      </p:sp>
       <p:graphicFrame>
         <p:nvGraphicFramePr>
-          <p:cNvPr id="2" name="Object 1" hidden="1"/>
+          <p:cNvPr id="5" name="Content Placeholder 4"/>
           <p:cNvGraphicFramePr>
-            <a:graphicFrameLocks noChangeAspect="1"/>
+            <a:graphicFrameLocks noGrp="1"/>
           </p:cNvGraphicFramePr>
           <p:nvPr>
-            <p:custDataLst>
-              <p:tags r:id="rId2"/>
-            </p:custDataLst>
+            <p:ph idx="4294967295"/>
             <p:extLst>
               <p:ext uri="{D42A27DB-BD31-4B8C-83A1-F6EECF244321}">
-                <p14:modId xmlns:p14="http://schemas.microsoft.com/office/powerpoint/2010/main" val="3859461230"/>
+                <p14:modId xmlns:p14="http://schemas.microsoft.com/office/powerpoint/2010/main" val="900904932"/>
               </p:ext>
             </p:extLst>
           </p:nvPr>
         </p:nvGraphicFramePr>
         <p:xfrm>
-          <a:off x="0" y="0"/>
-          <a:ext cx="158750" cy="158750"/>
+          <a:off x="519112" y="2298700"/>
+          <a:ext cx="11149013" cy="2000250"/>
         </p:xfrm>
         <a:graphic>
-          <a:graphicData uri="http://schemas.openxmlformats.org/presentationml/2006/ole">
-            <mc:AlternateContent xmlns:mc="http://schemas.openxmlformats.org/markup-compatibility/2006">
-              <mc:Choice xmlns:v="urn:schemas-microsoft-com:vml" Requires="v">
-                <p:oleObj spid="_x0000_s58466" name="think-cell Slide" r:id="rId4" imgW="270" imgH="270" progId="TCLayout.ActiveDocument.1">
-                  <p:embed/>
-                </p:oleObj>
-              </mc:Choice>
-              <mc:Fallback>
-                <p:oleObj name="think-cell Slide" r:id="rId4" imgW="270" imgH="270" progId="TCLayout.ActiveDocument.1">
-                  <p:embed/>
-                  <p:pic>
-                    <p:nvPicPr>
-                      <p:cNvPr id="0" name=""/>
-                      <p:cNvPicPr/>
-                      <p:nvPr/>
-                    </p:nvPicPr>
-                    <p:blipFill>
-                      <a:blip r:embed="rId5"/>
-                      <a:stretch>
-                        <a:fillRect/>
-                      </a:stretch>
-                    </p:blipFill>
-                    <p:spPr>
-                      <a:xfrm>
-                        <a:off x="0" y="0"/>
-                        <a:ext cx="158750" cy="158750"/>
-                      </a:xfrm>
-                      <a:prstGeom prst="rect">
-                        <a:avLst/>
-                      </a:prstGeom>
-                    </p:spPr>
-                  </p:pic>
-                </p:oleObj>
-              </mc:Fallback>
-            </mc:AlternateContent>
+          <a:graphicData uri="http://schemas.openxmlformats.org/drawingml/2006/diagram">
+            <dgm:relIds xmlns:dgm="http://schemas.openxmlformats.org/drawingml/2006/diagram" xmlns:r="http://schemas.openxmlformats.org/officeDocument/2006/relationships" r:dm="rId2" r:lo="rId3" r:qs="rId4" r:cs="rId5"/>
           </a:graphicData>
         </a:graphic>
       </p:graphicFrame>
     </p:spTree>
     <p:extLst>
       <p:ext uri="{BB962C8B-B14F-4D97-AF65-F5344CB8AC3E}">
-        <p14:creationId xmlns:p14="http://schemas.microsoft.com/office/powerpoint/2010/main" val="1847082904"/>
+        <p14:creationId xmlns:p14="http://schemas.microsoft.com/office/powerpoint/2010/main" val="2368833154"/>
       </p:ext>
     </p:extLst>
   </p:cSld>
   <p:clrMapOvr>
     <a:masterClrMapping/>
   </p:clrMapOvr>
-  <mc:AlternateContent xmlns:mc="http://schemas.openxmlformats.org/markup-compatibility/2006" xmlns:p14="http://schemas.microsoft.com/office/powerpoint/2010/main">
-    <mc:Choice Requires="p14">
-      <p:transition spd="med" p14:dur="700">
-        <p:fade/>
-      </p:transition>
-    </mc:Choice>
-    <mc:Fallback xmlns="">
-      <p:transition spd="med">
-        <p:fade/>
-      </p:transition>
-    </mc:Fallback>
-  </mc:AlternateContent>
+  <p:transition>
+    <p:fade/>
+  </p:transition>
+</p:sld>
+</file>
+
+<file path=ppt/slides/slide7.xml><?xml version="1.0" encoding="utf-8"?>
+<p:sld xmlns:a="http://schemas.openxmlformats.org/drawingml/2006/main" xmlns:r="http://schemas.openxmlformats.org/officeDocument/2006/relationships" xmlns:p="http://schemas.openxmlformats.org/presentationml/2006/main">
+  <p:cSld>
+    <p:spTree>
+      <p:nvGrpSpPr>
+        <p:cNvPr id="1" name=""/>
+        <p:cNvGrpSpPr/>
+        <p:nvPr/>
+      </p:nvGrpSpPr>
+      <p:grpSpPr>
+        <a:xfrm>
+          <a:off x="0" y="0"/>
+          <a:ext cx="0" cy="0"/>
+          <a:chOff x="0" y="0"/>
+          <a:chExt cx="0" cy="0"/>
+        </a:xfrm>
+      </p:grpSpPr>
+      <p:sp>
+        <p:nvSpPr>
+          <p:cNvPr id="4" name="Title 3"/>
+          <p:cNvSpPr>
+            <a:spLocks noGrp="1"/>
+          </p:cNvSpPr>
+          <p:nvPr>
+            <p:ph type="ctrTitle"/>
+          </p:nvPr>
+        </p:nvSpPr>
+        <p:spPr/>
+        <p:txBody>
+          <a:bodyPr/>
+          <a:lstStyle/>
+          <a:p>
+            <a:r>
+              <a:rPr lang="en-US" dirty="0" smtClean="0"/>
+              <a:t>demo</a:t>
+            </a:r>
+            <a:endParaRPr lang="en-US" dirty="0"/>
+          </a:p>
+        </p:txBody>
+      </p:sp>
+      <p:sp>
+        <p:nvSpPr>
+          <p:cNvPr id="6" name="Text Placeholder 5"/>
+          <p:cNvSpPr>
+            <a:spLocks noGrp="1"/>
+          </p:cNvSpPr>
+          <p:nvPr>
+            <p:ph type="body" sz="quarter" idx="10"/>
+          </p:nvPr>
+        </p:nvSpPr>
+        <p:spPr/>
+        <p:txBody>
+          <a:bodyPr/>
+          <a:lstStyle/>
+          <a:p>
+            <a:r>
+              <a:rPr lang="en-US" dirty="0" err="1" smtClean="0"/>
+              <a:t>OAuth</a:t>
+            </a:r>
+            <a:r>
+              <a:rPr lang="en-US" dirty="0" smtClean="0"/>
+              <a:t>  </a:t>
+            </a:r>
+            <a:endParaRPr lang="en-US" dirty="0"/>
+          </a:p>
+        </p:txBody>
+      </p:sp>
+    </p:spTree>
+    <p:extLst>
+      <p:ext uri="{BB962C8B-B14F-4D97-AF65-F5344CB8AC3E}">
+        <p14:creationId xmlns:p14="http://schemas.microsoft.com/office/powerpoint/2010/main" val="3888141839"/>
+      </p:ext>
+    </p:extLst>
+  </p:cSld>
+  <p:clrMapOvr>
+    <a:masterClrMapping/>
+  </p:clrMapOvr>
+  <p:transition>
+    <p:fade/>
+  </p:transition>
+  <p:timing>
+    <p:tnLst>
+      <p:par>
+        <p:cTn id="1" dur="indefinite" restart="never" nodeType="tmRoot"/>
+      </p:par>
+    </p:tnLst>
+  </p:timing>
+</p:sld>
+</file>
+
+<file path=ppt/slides/slide8.xml><?xml version="1.0" encoding="utf-8"?>
+<p:sld xmlns:a="http://schemas.openxmlformats.org/drawingml/2006/main" xmlns:r="http://schemas.openxmlformats.org/officeDocument/2006/relationships" xmlns:p="http://schemas.openxmlformats.org/presentationml/2006/main">
+  <p:cSld>
+    <p:spTree>
+      <p:nvGrpSpPr>
+        <p:cNvPr id="1" name=""/>
+        <p:cNvGrpSpPr/>
+        <p:nvPr/>
+      </p:nvGrpSpPr>
+      <p:grpSpPr>
+        <a:xfrm>
+          <a:off x="0" y="0"/>
+          <a:ext cx="0" cy="0"/>
+          <a:chOff x="0" y="0"/>
+          <a:chExt cx="0" cy="0"/>
+        </a:xfrm>
+      </p:grpSpPr>
+      <p:sp>
+        <p:nvSpPr>
+          <p:cNvPr id="5" name="Title 4"/>
+          <p:cNvSpPr>
+            <a:spLocks noGrp="1"/>
+          </p:cNvSpPr>
+          <p:nvPr>
+            <p:ph type="title"/>
+          </p:nvPr>
+        </p:nvSpPr>
+        <p:spPr/>
+        <p:txBody>
+          <a:bodyPr/>
+          <a:lstStyle/>
+          <a:p>
+            <a:r>
+              <a:rPr lang="en-US" dirty="0" smtClean="0"/>
+              <a:t>Facebook Applications</a:t>
+            </a:r>
+            <a:endParaRPr lang="en-US" dirty="0"/>
+          </a:p>
+        </p:txBody>
+      </p:sp>
+      <p:sp>
+        <p:nvSpPr>
+          <p:cNvPr id="6" name="Text Placeholder 5"/>
+          <p:cNvSpPr>
+            <a:spLocks noGrp="1"/>
+          </p:cNvSpPr>
+          <p:nvPr>
+            <p:ph type="body" sz="quarter" idx="10"/>
+          </p:nvPr>
+        </p:nvSpPr>
+        <p:spPr>
+          <a:xfrm>
+            <a:off x="519112" y="1447799"/>
+            <a:ext cx="11149013" cy="1892826"/>
+          </a:xfrm>
+        </p:spPr>
+        <p:txBody>
+          <a:bodyPr/>
+          <a:lstStyle/>
+          <a:p>
+            <a:r>
+              <a:rPr lang="en-US" dirty="0" smtClean="0"/>
+              <a:t>Identity</a:t>
+            </a:r>
+          </a:p>
+          <a:p>
+            <a:r>
+              <a:rPr lang="en-US" dirty="0" smtClean="0"/>
+              <a:t>Social Graph</a:t>
+            </a:r>
+          </a:p>
+          <a:p>
+            <a:r>
+              <a:rPr lang="en-US" dirty="0" smtClean="0"/>
+              <a:t>Application Integration</a:t>
+            </a:r>
+            <a:endParaRPr lang="en-US" dirty="0"/>
+          </a:p>
+        </p:txBody>
+      </p:sp>
+    </p:spTree>
+    <p:extLst>
+      <p:ext uri="{BB962C8B-B14F-4D97-AF65-F5344CB8AC3E}">
+        <p14:creationId xmlns:p14="http://schemas.microsoft.com/office/powerpoint/2010/main" val="380773201"/>
+      </p:ext>
+    </p:extLst>
+  </p:cSld>
+  <p:clrMapOvr>
+    <a:masterClrMapping/>
+  </p:clrMapOvr>
+  <p:transition>
+    <p:fade/>
+  </p:transition>
+</p:sld>
+</file>
+
+<file path=ppt/slides/slide9.xml><?xml version="1.0" encoding="utf-8"?>
+<p:sld xmlns:a="http://schemas.openxmlformats.org/drawingml/2006/main" xmlns:r="http://schemas.openxmlformats.org/officeDocument/2006/relationships" xmlns:p="http://schemas.openxmlformats.org/presentationml/2006/main">
+  <p:cSld>
+    <p:spTree>
+      <p:nvGrpSpPr>
+        <p:cNvPr id="1" name=""/>
+        <p:cNvGrpSpPr/>
+        <p:nvPr/>
+      </p:nvGrpSpPr>
+      <p:grpSpPr>
+        <a:xfrm>
+          <a:off x="0" y="0"/>
+          <a:ext cx="0" cy="0"/>
+          <a:chOff x="0" y="0"/>
+          <a:chExt cx="0" cy="0"/>
+        </a:xfrm>
+      </p:grpSpPr>
+      <p:sp>
+        <p:nvSpPr>
+          <p:cNvPr id="2" name="Title 1"/>
+          <p:cNvSpPr>
+            <a:spLocks noGrp="1"/>
+          </p:cNvSpPr>
+          <p:nvPr>
+            <p:ph type="title"/>
+          </p:nvPr>
+        </p:nvSpPr>
+        <p:spPr/>
+        <p:txBody>
+          <a:bodyPr/>
+          <a:lstStyle/>
+          <a:p>
+            <a:r>
+              <a:rPr lang="en-US" dirty="0" smtClean="0"/>
+              <a:t>Open Graph</a:t>
+            </a:r>
+            <a:endParaRPr lang="en-US" dirty="0"/>
+          </a:p>
+        </p:txBody>
+      </p:sp>
+      <p:graphicFrame>
+        <p:nvGraphicFramePr>
+          <p:cNvPr id="4" name="Content Placeholder 3"/>
+          <p:cNvGraphicFramePr>
+            <a:graphicFrameLocks noGrp="1"/>
+          </p:cNvGraphicFramePr>
+          <p:nvPr>
+            <p:ph idx="4294967295"/>
+            <p:extLst>
+              <p:ext uri="{D42A27DB-BD31-4B8C-83A1-F6EECF244321}">
+                <p14:modId xmlns:p14="http://schemas.microsoft.com/office/powerpoint/2010/main" val="1393100059"/>
+              </p:ext>
+            </p:extLst>
+          </p:nvPr>
+        </p:nvGraphicFramePr>
+        <p:xfrm>
+          <a:off x="519112" y="2465388"/>
+          <a:ext cx="11149013" cy="2000250"/>
+        </p:xfrm>
+        <a:graphic>
+          <a:graphicData uri="http://schemas.openxmlformats.org/drawingml/2006/diagram">
+            <dgm:relIds xmlns:dgm="http://schemas.openxmlformats.org/drawingml/2006/diagram" xmlns:r="http://schemas.openxmlformats.org/officeDocument/2006/relationships" r:dm="rId2" r:lo="rId3" r:qs="rId4" r:cs="rId5"/>
+          </a:graphicData>
+        </a:graphic>
+      </p:graphicFrame>
+    </p:spTree>
+    <p:extLst>
+      <p:ext uri="{BB962C8B-B14F-4D97-AF65-F5344CB8AC3E}">
+        <p14:creationId xmlns:p14="http://schemas.microsoft.com/office/powerpoint/2010/main" val="1861639563"/>
+      </p:ext>
+    </p:extLst>
+  </p:cSld>
+  <p:clrMapOvr>
+    <a:masterClrMapping/>
+  </p:clrMapOvr>
+  <p:transition>
+    <p:fade/>
+  </p:transition>
   <p:timing>
     <p:tnLst>
       <p:par>
@@ -15934,14 +24660,12 @@
 </file>
 
 <file path=customXml/item1.xml><?xml version="1.0" encoding="utf-8"?>
-<p:properties xmlns:p="http://schemas.microsoft.com/office/2006/metadata/properties" xmlns:xsi="http://www.w3.org/2001/XMLSchema-instance" xmlns:pc="http://schemas.microsoft.com/office/infopath/2007/PartnerControls">
-  <documentManagement>
-    <TaxKeywordTaxHTField xmlns="230e9df3-be65-4c73-a93b-d1236ebd677e">
-      <Terms xmlns="http://schemas.microsoft.com/office/infopath/2007/PartnerControls"/>
-    </TaxKeywordTaxHTField>
-    <TaxCatchAll xmlns="230e9df3-be65-4c73-a93b-d1236ebd677e"/>
-  </documentManagement>
-</p:properties>
+<?mso-contentType ?>
+<FormTemplates xmlns="http://schemas.microsoft.com/sharepoint/v3/contenttype/forms">
+  <Display>DocumentLibraryForm</Display>
+  <Edit>DocumentLibraryForm</Edit>
+  <New>DocumentLibraryForm</New>
+</FormTemplates>
 </file>
 
 <file path=customXml/item2.xml><?xml version="1.0" encoding="utf-8"?>
@@ -16097,26 +24821,20 @@
 </file>
 
 <file path=customXml/item3.xml><?xml version="1.0" encoding="utf-8"?>
-<?mso-contentType ?>
-<FormTemplates xmlns="http://schemas.microsoft.com/sharepoint/v3/contenttype/forms">
-  <Display>DocumentLibraryForm</Display>
-  <Edit>DocumentLibraryForm</Edit>
-  <New>DocumentLibraryForm</New>
-</FormTemplates>
+<p:properties xmlns:p="http://schemas.microsoft.com/office/2006/metadata/properties" xmlns:xsi="http://www.w3.org/2001/XMLSchema-instance" xmlns:pc="http://schemas.microsoft.com/office/infopath/2007/PartnerControls">
+  <documentManagement>
+    <TaxKeywordTaxHTField xmlns="230e9df3-be65-4c73-a93b-d1236ebd677e">
+      <Terms xmlns="http://schemas.microsoft.com/office/infopath/2007/PartnerControls"/>
+    </TaxKeywordTaxHTField>
+    <TaxCatchAll xmlns="230e9df3-be65-4c73-a93b-d1236ebd677e"/>
+  </documentManagement>
+</p:properties>
 </file>
 
 <file path=customXml/itemProps1.xml><?xml version="1.0" encoding="utf-8"?>
-<ds:datastoreItem xmlns:ds="http://schemas.openxmlformats.org/officeDocument/2006/customXml" ds:itemID="{69B2F97D-0457-4986-9734-D03EB073C5EA}">
+<ds:datastoreItem xmlns:ds="http://schemas.openxmlformats.org/officeDocument/2006/customXml" ds:itemID="{B882D8D6-9D38-4159-A398-AAC3689D3D7C}">
   <ds:schemaRefs>
-    <ds:schemaRef ds:uri="http://schemas.microsoft.com/office/infopath/2007/PartnerControls"/>
-    <ds:schemaRef ds:uri="http://purl.org/dc/terms/"/>
-    <ds:schemaRef ds:uri="http://schemas.microsoft.com/office/2006/documentManagement/types"/>
-    <ds:schemaRef ds:uri="http://purl.org/dc/elements/1.1/"/>
-    <ds:schemaRef ds:uri="http://schemas.openxmlformats.org/package/2006/metadata/core-properties"/>
-    <ds:schemaRef ds:uri="230e9df3-be65-4c73-a93b-d1236ebd677e"/>
-    <ds:schemaRef ds:uri="http://schemas.microsoft.com/office/2006/metadata/properties"/>
-    <ds:schemaRef ds:uri="http://www.w3.org/XML/1998/namespace"/>
-    <ds:schemaRef ds:uri="http://purl.org/dc/dcmitype/"/>
+    <ds:schemaRef ds:uri="http://schemas.microsoft.com/sharepoint/v3/contenttype/forms"/>
   </ds:schemaRefs>
 </ds:datastoreItem>
 </file>
@@ -16140,9 +24858,17 @@
 </file>
 
 <file path=customXml/itemProps3.xml><?xml version="1.0" encoding="utf-8"?>
-<ds:datastoreItem xmlns:ds="http://schemas.openxmlformats.org/officeDocument/2006/customXml" ds:itemID="{B882D8D6-9D38-4159-A398-AAC3689D3D7C}">
+<ds:datastoreItem xmlns:ds="http://schemas.openxmlformats.org/officeDocument/2006/customXml" ds:itemID="{69B2F97D-0457-4986-9734-D03EB073C5EA}">
   <ds:schemaRefs>
-    <ds:schemaRef ds:uri="http://schemas.microsoft.com/sharepoint/v3/contenttype/forms"/>
+    <ds:schemaRef ds:uri="http://schemas.microsoft.com/office/infopath/2007/PartnerControls"/>
+    <ds:schemaRef ds:uri="http://purl.org/dc/terms/"/>
+    <ds:schemaRef ds:uri="http://schemas.microsoft.com/office/2006/documentManagement/types"/>
+    <ds:schemaRef ds:uri="http://purl.org/dc/elements/1.1/"/>
+    <ds:schemaRef ds:uri="http://schemas.openxmlformats.org/package/2006/metadata/core-properties"/>
+    <ds:schemaRef ds:uri="230e9df3-be65-4c73-a93b-d1236ebd677e"/>
+    <ds:schemaRef ds:uri="http://schemas.microsoft.com/office/2006/metadata/properties"/>
+    <ds:schemaRef ds:uri="http://www.w3.org/XML/1998/namespace"/>
+    <ds:schemaRef ds:uri="http://purl.org/dc/dcmitype/"/>
   </ds:schemaRefs>
 </ds:datastoreItem>
 </file>
--- a/BuildingAndLeveragingSocialServices.pptx
+++ b/BuildingAndLeveragingSocialServices.pptx
@@ -6,32 +6,33 @@
     <p:sldMasterId id="2147483779" r:id="rId5"/>
   </p:sldMasterIdLst>
   <p:notesMasterIdLst>
-    <p:notesMasterId r:id="rId21"/>
+    <p:notesMasterId r:id="rId22"/>
   </p:notesMasterIdLst>
   <p:handoutMasterIdLst>
-    <p:handoutMasterId r:id="rId22"/>
+    <p:handoutMasterId r:id="rId23"/>
   </p:handoutMasterIdLst>
   <p:sldIdLst>
     <p:sldId id="296" r:id="rId6"/>
     <p:sldId id="293" r:id="rId7"/>
     <p:sldId id="257" r:id="rId8"/>
-    <p:sldId id="302" r:id="rId9"/>
-    <p:sldId id="311" r:id="rId10"/>
-    <p:sldId id="312" r:id="rId11"/>
+    <p:sldId id="311" r:id="rId9"/>
+    <p:sldId id="302" r:id="rId10"/>
+    <p:sldId id="315" r:id="rId11"/>
     <p:sldId id="305" r:id="rId12"/>
     <p:sldId id="313" r:id="rId13"/>
     <p:sldId id="306" r:id="rId14"/>
     <p:sldId id="307" r:id="rId15"/>
-    <p:sldId id="308" r:id="rId16"/>
-    <p:sldId id="309" r:id="rId17"/>
-    <p:sldId id="310" r:id="rId18"/>
-    <p:sldId id="314" r:id="rId19"/>
-    <p:sldId id="292" r:id="rId20"/>
+    <p:sldId id="317" r:id="rId16"/>
+    <p:sldId id="308" r:id="rId17"/>
+    <p:sldId id="309" r:id="rId18"/>
+    <p:sldId id="310" r:id="rId19"/>
+    <p:sldId id="314" r:id="rId20"/>
+    <p:sldId id="292" r:id="rId21"/>
   </p:sldIdLst>
   <p:sldSz cx="12188825" cy="6858000"/>
   <p:notesSz cx="6858000" cy="9296400"/>
   <p:custDataLst>
-    <p:tags r:id="rId23"/>
+    <p:tags r:id="rId24"/>
   </p:custDataLst>
   <p:defaultTextStyle>
     <a:defPPr>
@@ -136,13 +137,14 @@
             <p14:sldId id="296"/>
             <p14:sldId id="293"/>
             <p14:sldId id="257"/>
+            <p14:sldId id="311"/>
             <p14:sldId id="302"/>
-            <p14:sldId id="311"/>
-            <p14:sldId id="312"/>
+            <p14:sldId id="315"/>
             <p14:sldId id="305"/>
             <p14:sldId id="313"/>
             <p14:sldId id="306"/>
             <p14:sldId id="307"/>
+            <p14:sldId id="317"/>
             <p14:sldId id="308"/>
             <p14:sldId id="309"/>
             <p14:sldId id="310"/>
@@ -213,15 +215,15 @@
 </file>
 
 <file path=ppt/diagrams/colors1.xml><?xml version="1.0" encoding="utf-8"?>
-<dgm:colorsDef xmlns:dgm="http://schemas.openxmlformats.org/drawingml/2006/diagram" xmlns:a="http://schemas.openxmlformats.org/drawingml/2006/main" uniqueId="urn:microsoft.com/office/officeart/2005/8/colors/accent2_2">
+<dgm:colorsDef xmlns:dgm="http://schemas.openxmlformats.org/drawingml/2006/diagram" xmlns:a="http://schemas.openxmlformats.org/drawingml/2006/main" uniqueId="urn:microsoft.com/office/officeart/2005/8/colors/colorful5">
   <dgm:title val=""/>
   <dgm:desc val=""/>
   <dgm:catLst>
-    <dgm:cat type="accent2" pri="11200"/>
+    <dgm:cat type="colorful" pri="10500"/>
   </dgm:catLst>
   <dgm:styleLbl name="node0">
     <dgm:fillClrLst meth="repeat">
-      <a:schemeClr val="accent2"/>
+      <a:schemeClr val="accent4"/>
     </dgm:fillClrLst>
     <dgm:linClrLst meth="repeat">
       <a:schemeClr val="lt1"/>
@@ -232,8 +234,9 @@
     <dgm:txEffectClrLst/>
   </dgm:styleLbl>
   <dgm:styleLbl name="node1">
-    <dgm:fillClrLst meth="repeat">
-      <a:schemeClr val="accent2"/>
+    <dgm:fillClrLst>
+      <a:schemeClr val="accent5"/>
+      <a:schemeClr val="accent6"/>
     </dgm:fillClrLst>
     <dgm:linClrLst meth="repeat">
       <a:schemeClr val="lt1"/>
@@ -244,11 +247,13 @@
     <dgm:txEffectClrLst/>
   </dgm:styleLbl>
   <dgm:styleLbl name="alignNode1">
-    <dgm:fillClrLst meth="repeat">
-      <a:schemeClr val="accent2"/>
+    <dgm:fillClrLst>
+      <a:schemeClr val="accent5"/>
+      <a:schemeClr val="accent6"/>
     </dgm:fillClrLst>
-    <dgm:linClrLst meth="repeat">
-      <a:schemeClr val="accent2"/>
+    <dgm:linClrLst>
+      <a:schemeClr val="accent5"/>
+      <a:schemeClr val="accent6"/>
     </dgm:linClrLst>
     <dgm:effectClrLst/>
     <dgm:txLinClrLst/>
@@ -256,8 +261,9 @@
     <dgm:txEffectClrLst/>
   </dgm:styleLbl>
   <dgm:styleLbl name="lnNode1">
-    <dgm:fillClrLst meth="repeat">
-      <a:schemeClr val="accent2"/>
+    <dgm:fillClrLst>
+      <a:schemeClr val="accent5"/>
+      <a:schemeClr val="accent6"/>
     </dgm:fillClrLst>
     <dgm:linClrLst meth="repeat">
       <a:schemeClr val="lt1"/>
@@ -268,8 +274,11 @@
     <dgm:txEffectClrLst/>
   </dgm:styleLbl>
   <dgm:styleLbl name="vennNode1">
-    <dgm:fillClrLst meth="repeat">
-      <a:schemeClr val="accent2">
+    <dgm:fillClrLst>
+      <a:schemeClr val="accent5">
+        <a:alpha val="50000"/>
+      </a:schemeClr>
+      <a:schemeClr val="accent6">
         <a:alpha val="50000"/>
       </a:schemeClr>
     </dgm:fillClrLst>
@@ -282,8 +291,8 @@
     <dgm:txEffectClrLst/>
   </dgm:styleLbl>
   <dgm:styleLbl name="node2">
-    <dgm:fillClrLst meth="repeat">
-      <a:schemeClr val="accent2"/>
+    <dgm:fillClrLst>
+      <a:schemeClr val="accent6"/>
     </dgm:fillClrLst>
     <dgm:linClrLst meth="repeat">
       <a:schemeClr val="lt1"/>
@@ -294,8 +303,8 @@
     <dgm:txEffectClrLst/>
   </dgm:styleLbl>
   <dgm:styleLbl name="node3">
-    <dgm:fillClrLst meth="repeat">
-      <a:schemeClr val="accent2"/>
+    <dgm:fillClrLst>
+      <a:schemeClr val="accent1"/>
     </dgm:fillClrLst>
     <dgm:linClrLst meth="repeat">
       <a:schemeClr val="lt1"/>
@@ -306,7 +315,7 @@
     <dgm:txEffectClrLst/>
   </dgm:styleLbl>
   <dgm:styleLbl name="node4">
-    <dgm:fillClrLst meth="repeat">
+    <dgm:fillClrLst>
       <a:schemeClr val="accent2"/>
     </dgm:fillClrLst>
     <dgm:linClrLst meth="repeat">
@@ -318,8 +327,11 @@
     <dgm:txEffectClrLst/>
   </dgm:styleLbl>
   <dgm:styleLbl name="fgImgPlace1">
-    <dgm:fillClrLst meth="repeat">
-      <a:schemeClr val="accent2">
+    <dgm:fillClrLst>
+      <a:schemeClr val="accent5">
+        <a:tint val="50000"/>
+      </a:schemeClr>
+      <a:schemeClr val="accent6">
         <a:tint val="50000"/>
       </a:schemeClr>
     </dgm:fillClrLst>
@@ -334,9 +346,12 @@
     <dgm:txEffectClrLst/>
   </dgm:styleLbl>
   <dgm:styleLbl name="alignImgPlace1">
-    <dgm:fillClrLst meth="repeat">
-      <a:schemeClr val="accent2">
+    <dgm:fillClrLst>
+      <a:schemeClr val="accent5">
         <a:tint val="50000"/>
+      </a:schemeClr>
+      <a:schemeClr val="accent6">
+        <a:tint val="20000"/>
       </a:schemeClr>
     </dgm:fillClrLst>
     <dgm:linClrLst meth="repeat">
@@ -350,9 +365,12 @@
     <dgm:txEffectClrLst/>
   </dgm:styleLbl>
   <dgm:styleLbl name="bgImgPlace1">
-    <dgm:fillClrLst meth="repeat">
-      <a:schemeClr val="accent2">
+    <dgm:fillClrLst>
+      <a:schemeClr val="accent5">
         <a:tint val="50000"/>
+      </a:schemeClr>
+      <a:schemeClr val="accent6">
+        <a:tint val="20000"/>
       </a:schemeClr>
     </dgm:fillClrLst>
     <dgm:linClrLst meth="repeat">
@@ -366,15 +384,12 @@
     <dgm:txEffectClrLst/>
   </dgm:styleLbl>
   <dgm:styleLbl name="sibTrans2D1">
-    <dgm:fillClrLst meth="repeat">
-      <a:schemeClr val="accent2">
-        <a:tint val="60000"/>
-      </a:schemeClr>
+    <dgm:fillClrLst>
+      <a:schemeClr val="accent5"/>
+      <a:schemeClr val="accent6"/>
     </dgm:fillClrLst>
     <dgm:linClrLst meth="repeat">
-      <a:schemeClr val="accent2">
-        <a:tint val="60000"/>
-      </a:schemeClr>
+      <a:schemeClr val="lt1"/>
     </dgm:linClrLst>
     <dgm:effectClrLst/>
     <dgm:txLinClrLst/>
@@ -382,43 +397,40 @@
     <dgm:txEffectClrLst/>
   </dgm:styleLbl>
   <dgm:styleLbl name="fgSibTrans2D1">
-    <dgm:fillClrLst meth="repeat">
-      <a:schemeClr val="accent2">
-        <a:tint val="60000"/>
-      </a:schemeClr>
+    <dgm:fillClrLst>
+      <a:schemeClr val="accent5"/>
+      <a:schemeClr val="accent6"/>
     </dgm:fillClrLst>
     <dgm:linClrLst meth="repeat">
-      <a:schemeClr val="accent2">
-        <a:tint val="60000"/>
-      </a:schemeClr>
+      <a:schemeClr val="lt1"/>
     </dgm:linClrLst>
     <dgm:effectClrLst/>
     <dgm:txLinClrLst/>
-    <dgm:txFillClrLst/>
+    <dgm:txFillClrLst meth="repeat">
+      <a:schemeClr val="lt1"/>
+    </dgm:txFillClrLst>
     <dgm:txEffectClrLst/>
   </dgm:styleLbl>
   <dgm:styleLbl name="bgSibTrans2D1">
-    <dgm:fillClrLst meth="repeat">
-      <a:schemeClr val="accent2">
-        <a:tint val="60000"/>
-      </a:schemeClr>
+    <dgm:fillClrLst>
+      <a:schemeClr val="accent5"/>
+      <a:schemeClr val="accent6"/>
     </dgm:fillClrLst>
     <dgm:linClrLst meth="repeat">
-      <a:schemeClr val="accent2">
-        <a:tint val="60000"/>
-      </a:schemeClr>
+      <a:schemeClr val="lt1"/>
     </dgm:linClrLst>
     <dgm:effectClrLst/>
     <dgm:txLinClrLst/>
-    <dgm:txFillClrLst/>
+    <dgm:txFillClrLst meth="repeat">
+      <a:schemeClr val="lt1"/>
+    </dgm:txFillClrLst>
     <dgm:txEffectClrLst/>
   </dgm:styleLbl>
   <dgm:styleLbl name="sibTrans1D1">
-    <dgm:fillClrLst meth="repeat">
-      <a:schemeClr val="accent2"/>
-    </dgm:fillClrLst>
-    <dgm:linClrLst meth="repeat">
-      <a:schemeClr val="accent2"/>
+    <dgm:fillClrLst/>
+    <dgm:linClrLst>
+      <a:schemeClr val="accent5"/>
+      <a:schemeClr val="accent6"/>
     </dgm:linClrLst>
     <dgm:effectClrLst/>
     <dgm:txLinClrLst/>
@@ -429,10 +441,10 @@
   </dgm:styleLbl>
   <dgm:styleLbl name="callout">
     <dgm:fillClrLst meth="repeat">
-      <a:schemeClr val="accent2"/>
+      <a:schemeClr val="accent5"/>
     </dgm:fillClrLst>
     <dgm:linClrLst meth="repeat">
-      <a:schemeClr val="accent2">
+      <a:schemeClr val="accent5">
         <a:tint val="50000"/>
       </a:schemeClr>
     </dgm:linClrLst>
@@ -445,10 +457,12 @@
   </dgm:styleLbl>
   <dgm:styleLbl name="asst0">
     <dgm:fillClrLst meth="repeat">
-      <a:schemeClr val="accent2"/>
+      <a:schemeClr val="accent5"/>
     </dgm:fillClrLst>
     <dgm:linClrLst meth="repeat">
-      <a:schemeClr val="lt1"/>
+      <a:schemeClr val="lt1">
+        <a:shade val="80000"/>
+      </a:schemeClr>
     </dgm:linClrLst>
     <dgm:effectClrLst/>
     <dgm:txLinClrLst/>
@@ -457,10 +471,12 @@
   </dgm:styleLbl>
   <dgm:styleLbl name="asst1">
     <dgm:fillClrLst meth="repeat">
-      <a:schemeClr val="accent2"/>
+      <a:schemeClr val="accent6"/>
     </dgm:fillClrLst>
     <dgm:linClrLst meth="repeat">
-      <a:schemeClr val="lt1"/>
+      <a:schemeClr val="lt1">
+        <a:shade val="80000"/>
+      </a:schemeClr>
     </dgm:linClrLst>
     <dgm:effectClrLst/>
     <dgm:txLinClrLst/>
@@ -468,8 +484,8 @@
     <dgm:txEffectClrLst/>
   </dgm:styleLbl>
   <dgm:styleLbl name="asst2">
-    <dgm:fillClrLst meth="repeat">
-      <a:schemeClr val="accent2"/>
+    <dgm:fillClrLst>
+      <a:schemeClr val="accent1"/>
     </dgm:fillClrLst>
     <dgm:linClrLst meth="repeat">
       <a:schemeClr val="lt1"/>
@@ -480,7 +496,7 @@
     <dgm:txEffectClrLst/>
   </dgm:styleLbl>
   <dgm:styleLbl name="asst3">
-    <dgm:fillClrLst meth="repeat">
+    <dgm:fillClrLst>
       <a:schemeClr val="accent2"/>
     </dgm:fillClrLst>
     <dgm:linClrLst meth="repeat">
@@ -492,8 +508,8 @@
     <dgm:txEffectClrLst/>
   </dgm:styleLbl>
   <dgm:styleLbl name="asst4">
-    <dgm:fillClrLst meth="repeat">
-      <a:schemeClr val="accent2"/>
+    <dgm:fillClrLst>
+      <a:schemeClr val="accent3"/>
     </dgm:fillClrLst>
     <dgm:linClrLst meth="repeat">
       <a:schemeClr val="lt1"/>
@@ -505,14 +521,10 @@
   </dgm:styleLbl>
   <dgm:styleLbl name="parChTrans2D1">
     <dgm:fillClrLst meth="repeat">
-      <a:schemeClr val="accent2">
-        <a:tint val="60000"/>
-      </a:schemeClr>
+      <a:schemeClr val="accent5"/>
     </dgm:fillClrLst>
     <dgm:linClrLst meth="repeat">
-      <a:schemeClr val="accent2">
-        <a:tint val="60000"/>
-      </a:schemeClr>
+      <a:schemeClr val="lt1"/>
     </dgm:linClrLst>
     <dgm:effectClrLst/>
     <dgm:txLinClrLst/>
@@ -523,38 +535,34 @@
   </dgm:styleLbl>
   <dgm:styleLbl name="parChTrans2D2">
     <dgm:fillClrLst meth="repeat">
-      <a:schemeClr val="accent2"/>
+      <a:schemeClr val="accent6"/>
     </dgm:fillClrLst>
     <dgm:linClrLst meth="repeat">
-      <a:schemeClr val="accent2"/>
+      <a:schemeClr val="lt1"/>
     </dgm:linClrLst>
     <dgm:effectClrLst/>
     <dgm:txLinClrLst/>
-    <dgm:txFillClrLst meth="repeat">
-      <a:schemeClr val="lt1"/>
-    </dgm:txFillClrLst>
+    <dgm:txFillClrLst/>
     <dgm:txEffectClrLst/>
   </dgm:styleLbl>
   <dgm:styleLbl name="parChTrans2D3">
     <dgm:fillClrLst meth="repeat">
-      <a:schemeClr val="accent2"/>
+      <a:schemeClr val="accent6"/>
     </dgm:fillClrLst>
     <dgm:linClrLst meth="repeat">
-      <a:schemeClr val="accent2"/>
+      <a:schemeClr val="lt1"/>
     </dgm:linClrLst>
     <dgm:effectClrLst/>
     <dgm:txLinClrLst/>
-    <dgm:txFillClrLst meth="repeat">
-      <a:schemeClr val="lt1"/>
-    </dgm:txFillClrLst>
+    <dgm:txFillClrLst/>
     <dgm:txEffectClrLst/>
   </dgm:styleLbl>
   <dgm:styleLbl name="parChTrans2D4">
     <dgm:fillClrLst meth="repeat">
-      <a:schemeClr val="accent2"/>
+      <a:schemeClr val="accent1"/>
     </dgm:fillClrLst>
     <dgm:linClrLst meth="repeat">
-      <a:schemeClr val="accent2"/>
+      <a:schemeClr val="lt1"/>
     </dgm:linClrLst>
     <dgm:effectClrLst/>
     <dgm:txLinClrLst/>
@@ -565,12 +573,10 @@
   </dgm:styleLbl>
   <dgm:styleLbl name="parChTrans1D1">
     <dgm:fillClrLst meth="repeat">
-      <a:schemeClr val="accent2"/>
+      <a:schemeClr val="accent5"/>
     </dgm:fillClrLst>
     <dgm:linClrLst meth="repeat">
-      <a:schemeClr val="accent2">
-        <a:shade val="60000"/>
-      </a:schemeClr>
+      <a:schemeClr val="accent5"/>
     </dgm:linClrLst>
     <dgm:effectClrLst/>
     <dgm:txLinClrLst/>
@@ -581,12 +587,12 @@
   </dgm:styleLbl>
   <dgm:styleLbl name="parChTrans1D2">
     <dgm:fillClrLst meth="repeat">
-      <a:schemeClr val="accent2"/>
+      <a:schemeClr val="accent6">
+        <a:tint val="90000"/>
+      </a:schemeClr>
     </dgm:fillClrLst>
     <dgm:linClrLst meth="repeat">
-      <a:schemeClr val="accent2">
-        <a:shade val="60000"/>
-      </a:schemeClr>
+      <a:schemeClr val="accent6"/>
     </dgm:linClrLst>
     <dgm:effectClrLst/>
     <dgm:txLinClrLst/>
@@ -597,12 +603,12 @@
   </dgm:styleLbl>
   <dgm:styleLbl name="parChTrans1D3">
     <dgm:fillClrLst meth="repeat">
-      <a:schemeClr val="accent2"/>
+      <a:schemeClr val="accent6">
+        <a:tint val="70000"/>
+      </a:schemeClr>
     </dgm:fillClrLst>
     <dgm:linClrLst meth="repeat">
-      <a:schemeClr val="accent2">
-        <a:shade val="80000"/>
-      </a:schemeClr>
+      <a:schemeClr val="accent1"/>
     </dgm:linClrLst>
     <dgm:effectClrLst/>
     <dgm:txLinClrLst/>
@@ -613,12 +619,12 @@
   </dgm:styleLbl>
   <dgm:styleLbl name="parChTrans1D4">
     <dgm:fillClrLst meth="repeat">
-      <a:schemeClr val="accent2"/>
+      <a:schemeClr val="accent6">
+        <a:tint val="50000"/>
+      </a:schemeClr>
     </dgm:fillClrLst>
     <dgm:linClrLst meth="repeat">
-      <a:schemeClr val="accent2">
-        <a:shade val="80000"/>
-      </a:schemeClr>
+      <a:schemeClr val="accent2"/>
     </dgm:linClrLst>
     <dgm:effectClrLst/>
     <dgm:txLinClrLst/>
@@ -633,8 +639,9 @@
         <a:alpha val="90000"/>
       </a:schemeClr>
     </dgm:fillClrLst>
-    <dgm:linClrLst meth="repeat">
-      <a:schemeClr val="accent2"/>
+    <dgm:linClrLst>
+      <a:schemeClr val="accent5"/>
+      <a:schemeClr val="accent6"/>
     </dgm:linClrLst>
     <dgm:effectClrLst/>
     <dgm:txLinClrLst/>
@@ -649,8 +656,9 @@
         <a:alpha val="90000"/>
       </a:schemeClr>
     </dgm:fillClrLst>
-    <dgm:linClrLst meth="repeat">
-      <a:schemeClr val="accent2"/>
+    <dgm:linClrLst>
+      <a:schemeClr val="accent5"/>
+      <a:schemeClr val="accent6"/>
     </dgm:linClrLst>
     <dgm:effectClrLst/>
     <dgm:txLinClrLst/>
@@ -665,8 +673,9 @@
         <a:alpha val="90000"/>
       </a:schemeClr>
     </dgm:fillClrLst>
-    <dgm:linClrLst meth="repeat">
-      <a:schemeClr val="accent2"/>
+    <dgm:linClrLst>
+      <a:schemeClr val="accent5"/>
+      <a:schemeClr val="accent6"/>
     </dgm:linClrLst>
     <dgm:effectClrLst/>
     <dgm:txLinClrLst/>
@@ -682,7 +691,7 @@
       </a:schemeClr>
     </dgm:fillClrLst>
     <dgm:linClrLst meth="repeat">
-      <a:schemeClr val="accent2"/>
+      <a:schemeClr val="accent5"/>
     </dgm:linClrLst>
     <dgm:effectClrLst/>
     <dgm:txLinClrLst/>
@@ -697,8 +706,9 @@
         <a:alpha val="90000"/>
       </a:schemeClr>
     </dgm:fillClrLst>
-    <dgm:linClrLst meth="repeat">
-      <a:schemeClr val="accent2"/>
+    <dgm:linClrLst>
+      <a:schemeClr val="accent5"/>
+      <a:schemeClr val="accent6"/>
     </dgm:linClrLst>
     <dgm:effectClrLst/>
     <dgm:txLinClrLst/>
@@ -711,8 +721,9 @@
     <dgm:fillClrLst meth="repeat">
       <a:schemeClr val="lt1"/>
     </dgm:fillClrLst>
-    <dgm:linClrLst meth="repeat">
-      <a:schemeClr val="accent2"/>
+    <dgm:linClrLst>
+      <a:schemeClr val="accent5"/>
+      <a:schemeClr val="accent6"/>
     </dgm:linClrLst>
     <dgm:effectClrLst/>
     <dgm:txLinClrLst/>
@@ -725,8 +736,9 @@
     <dgm:fillClrLst meth="repeat">
       <a:schemeClr val="lt1"/>
     </dgm:fillClrLst>
-    <dgm:linClrLst meth="repeat">
-      <a:schemeClr val="accent2"/>
+    <dgm:linClrLst>
+      <a:schemeClr val="accent5"/>
+      <a:schemeClr val="accent6"/>
     </dgm:linClrLst>
     <dgm:effectClrLst/>
     <dgm:txLinClrLst/>
@@ -739,8 +751,9 @@
     <dgm:fillClrLst meth="repeat">
       <a:schemeClr val="lt1"/>
     </dgm:fillClrLst>
-    <dgm:linClrLst meth="repeat">
-      <a:schemeClr val="accent2"/>
+    <dgm:linClrLst>
+      <a:schemeClr val="accent5"/>
+      <a:schemeClr val="accent6"/>
     </dgm:linClrLst>
     <dgm:effectClrLst/>
     <dgm:txLinClrLst/>
@@ -750,16 +763,24 @@
     <dgm:txEffectClrLst/>
   </dgm:styleLbl>
   <dgm:styleLbl name="fgAccFollowNode1">
-    <dgm:fillClrLst meth="repeat">
-      <a:schemeClr val="accent2">
+    <dgm:fillClrLst>
+      <a:schemeClr val="accent5">
+        <a:tint val="40000"/>
         <a:alpha val="90000"/>
+      </a:schemeClr>
+      <a:schemeClr val="accent6">
         <a:tint val="40000"/>
+        <a:alpha val="90000"/>
       </a:schemeClr>
     </dgm:fillClrLst>
-    <dgm:linClrLst meth="repeat">
-      <a:schemeClr val="accent2">
+    <dgm:linClrLst>
+      <a:schemeClr val="accent5">
+        <a:tint val="40000"/>
         <a:alpha val="90000"/>
+      </a:schemeClr>
+      <a:schemeClr val="accent5">
         <a:tint val="40000"/>
+        <a:alpha val="90000"/>
       </a:schemeClr>
     </dgm:linClrLst>
     <dgm:effectClrLst/>
@@ -770,16 +791,24 @@
     <dgm:txEffectClrLst/>
   </dgm:styleLbl>
   <dgm:styleLbl name="alignAccFollowNode1">
-    <dgm:fillClrLst meth="repeat">
-      <a:schemeClr val="accent2">
+    <dgm:fillClrLst>
+      <a:schemeClr val="accent5">
+        <a:tint val="40000"/>
         <a:alpha val="90000"/>
+      </a:schemeClr>
+      <a:schemeClr val="accent6">
         <a:tint val="40000"/>
+        <a:alpha val="90000"/>
       </a:schemeClr>
     </dgm:fillClrLst>
-    <dgm:linClrLst meth="repeat">
-      <a:schemeClr val="accent2">
+    <dgm:linClrLst>
+      <a:schemeClr val="accent5">
+        <a:tint val="40000"/>
         <a:alpha val="90000"/>
+      </a:schemeClr>
+      <a:schemeClr val="accent6">
         <a:tint val="40000"/>
+        <a:alpha val="90000"/>
       </a:schemeClr>
     </dgm:linClrLst>
     <dgm:effectClrLst/>
@@ -790,16 +819,24 @@
     <dgm:txEffectClrLst/>
   </dgm:styleLbl>
   <dgm:styleLbl name="bgAccFollowNode1">
-    <dgm:fillClrLst meth="repeat">
-      <a:schemeClr val="accent2">
+    <dgm:fillClrLst>
+      <a:schemeClr val="accent5">
+        <a:tint val="40000"/>
         <a:alpha val="90000"/>
+      </a:schemeClr>
+      <a:schemeClr val="accent6">
         <a:tint val="40000"/>
+        <a:alpha val="90000"/>
       </a:schemeClr>
     </dgm:fillClrLst>
-    <dgm:linClrLst meth="repeat">
-      <a:schemeClr val="accent2">
+    <dgm:linClrLst>
+      <a:schemeClr val="accent5">
+        <a:tint val="40000"/>
         <a:alpha val="90000"/>
+      </a:schemeClr>
+      <a:schemeClr val="accent6">
         <a:tint val="40000"/>
+        <a:alpha val="90000"/>
       </a:schemeClr>
     </dgm:linClrLst>
     <dgm:effectClrLst/>
@@ -815,8 +852,8 @@
         <a:alpha val="90000"/>
       </a:schemeClr>
     </dgm:fillClrLst>
-    <dgm:linClrLst meth="repeat">
-      <a:schemeClr val="accent2"/>
+    <dgm:linClrLst>
+      <a:schemeClr val="accent4"/>
     </dgm:linClrLst>
     <dgm:effectClrLst/>
     <dgm:txLinClrLst/>
@@ -831,8 +868,8 @@
         <a:alpha val="90000"/>
       </a:schemeClr>
     </dgm:fillClrLst>
-    <dgm:linClrLst meth="repeat">
-      <a:schemeClr val="accent2"/>
+    <dgm:linClrLst>
+      <a:schemeClr val="accent6"/>
     </dgm:linClrLst>
     <dgm:effectClrLst/>
     <dgm:txLinClrLst/>
@@ -847,8 +884,8 @@
         <a:alpha val="90000"/>
       </a:schemeClr>
     </dgm:fillClrLst>
-    <dgm:linClrLst meth="repeat">
-      <a:schemeClr val="accent2"/>
+    <dgm:linClrLst>
+      <a:schemeClr val="accent1"/>
     </dgm:linClrLst>
     <dgm:effectClrLst/>
     <dgm:txLinClrLst/>
@@ -863,7 +900,7 @@
         <a:alpha val="90000"/>
       </a:schemeClr>
     </dgm:fillClrLst>
-    <dgm:linClrLst meth="repeat">
+    <dgm:linClrLst>
       <a:schemeClr val="accent2"/>
     </dgm:linClrLst>
     <dgm:effectClrLst/>
@@ -875,882 +912,7 @@
   </dgm:styleLbl>
   <dgm:styleLbl name="bgShp">
     <dgm:fillClrLst meth="repeat">
-      <a:schemeClr val="accent2">
-        <a:tint val="40000"/>
-      </a:schemeClr>
-    </dgm:fillClrLst>
-    <dgm:linClrLst meth="repeat">
-      <a:schemeClr val="accent2"/>
-    </dgm:linClrLst>
-    <dgm:effectClrLst/>
-    <dgm:txLinClrLst/>
-    <dgm:txFillClrLst meth="repeat">
-      <a:schemeClr val="dk1"/>
-    </dgm:txFillClrLst>
-    <dgm:txEffectClrLst/>
-  </dgm:styleLbl>
-  <dgm:styleLbl name="dkBgShp">
-    <dgm:fillClrLst meth="repeat">
-      <a:schemeClr val="accent2">
-        <a:shade val="80000"/>
-      </a:schemeClr>
-    </dgm:fillClrLst>
-    <dgm:linClrLst meth="repeat">
-      <a:schemeClr val="accent2"/>
-    </dgm:linClrLst>
-    <dgm:effectClrLst/>
-    <dgm:txLinClrLst/>
-    <dgm:txFillClrLst meth="repeat">
-      <a:schemeClr val="lt1"/>
-    </dgm:txFillClrLst>
-    <dgm:txEffectClrLst/>
-  </dgm:styleLbl>
-  <dgm:styleLbl name="trBgShp">
-    <dgm:fillClrLst meth="repeat">
-      <a:schemeClr val="accent2">
-        <a:tint val="50000"/>
-        <a:alpha val="40000"/>
-      </a:schemeClr>
-    </dgm:fillClrLst>
-    <dgm:linClrLst meth="repeat">
-      <a:schemeClr val="accent2"/>
-    </dgm:linClrLst>
-    <dgm:effectClrLst/>
-    <dgm:txLinClrLst/>
-    <dgm:txFillClrLst meth="repeat">
-      <a:schemeClr val="lt1"/>
-    </dgm:txFillClrLst>
-    <dgm:txEffectClrLst/>
-  </dgm:styleLbl>
-  <dgm:styleLbl name="fgShp">
-    <dgm:fillClrLst meth="repeat">
-      <a:schemeClr val="accent2">
-        <a:tint val="60000"/>
-      </a:schemeClr>
-    </dgm:fillClrLst>
-    <dgm:linClrLst meth="repeat">
-      <a:schemeClr val="lt1"/>
-    </dgm:linClrLst>
-    <dgm:effectClrLst/>
-    <dgm:txLinClrLst/>
-    <dgm:txFillClrLst meth="repeat">
-      <a:schemeClr val="dk1"/>
-    </dgm:txFillClrLst>
-    <dgm:txEffectClrLst/>
-  </dgm:styleLbl>
-  <dgm:styleLbl name="revTx">
-    <dgm:fillClrLst meth="repeat">
-      <a:schemeClr val="lt1">
-        <a:alpha val="0"/>
-      </a:schemeClr>
-    </dgm:fillClrLst>
-    <dgm:linClrLst meth="repeat">
-      <a:schemeClr val="dk1">
-        <a:alpha val="0"/>
-      </a:schemeClr>
-    </dgm:linClrLst>
-    <dgm:effectClrLst/>
-    <dgm:txLinClrLst/>
-    <dgm:txFillClrLst meth="repeat">
-      <a:schemeClr val="tx1"/>
-    </dgm:txFillClrLst>
-    <dgm:txEffectClrLst/>
-  </dgm:styleLbl>
-</dgm:colorsDef>
-</file>
-
-<file path=ppt/diagrams/colors2.xml><?xml version="1.0" encoding="utf-8"?>
-<dgm:colorsDef xmlns:dgm="http://schemas.openxmlformats.org/drawingml/2006/diagram" xmlns:a="http://schemas.openxmlformats.org/drawingml/2006/main" uniqueId="urn:microsoft.com/office/officeart/2005/8/colors/accent2_3">
-  <dgm:title val=""/>
-  <dgm:desc val=""/>
-  <dgm:catLst>
-    <dgm:cat type="accent2" pri="11300"/>
-  </dgm:catLst>
-  <dgm:styleLbl name="node0">
-    <dgm:fillClrLst meth="repeat">
-      <a:schemeClr val="accent2">
-        <a:shade val="80000"/>
-      </a:schemeClr>
-    </dgm:fillClrLst>
-    <dgm:linClrLst meth="repeat">
-      <a:schemeClr val="lt1"/>
-    </dgm:linClrLst>
-    <dgm:effectClrLst/>
-    <dgm:txLinClrLst/>
-    <dgm:txFillClrLst/>
-    <dgm:txEffectClrLst/>
-  </dgm:styleLbl>
-  <dgm:styleLbl name="node1">
-    <dgm:fillClrLst>
-      <a:schemeClr val="accent2">
-        <a:shade val="80000"/>
-      </a:schemeClr>
-      <a:schemeClr val="accent2">
-        <a:tint val="70000"/>
-      </a:schemeClr>
-    </dgm:fillClrLst>
-    <dgm:linClrLst meth="repeat">
-      <a:schemeClr val="lt1"/>
-    </dgm:linClrLst>
-    <dgm:effectClrLst/>
-    <dgm:txLinClrLst/>
-    <dgm:txFillClrLst/>
-    <dgm:txEffectClrLst/>
-  </dgm:styleLbl>
-  <dgm:styleLbl name="alignNode1">
-    <dgm:fillClrLst>
-      <a:schemeClr val="accent2">
-        <a:shade val="80000"/>
-      </a:schemeClr>
-      <a:schemeClr val="accent2">
-        <a:tint val="70000"/>
-      </a:schemeClr>
-    </dgm:fillClrLst>
-    <dgm:linClrLst>
-      <a:schemeClr val="accent2">
-        <a:shade val="80000"/>
-      </a:schemeClr>
-      <a:schemeClr val="accent2">
-        <a:tint val="70000"/>
-      </a:schemeClr>
-    </dgm:linClrLst>
-    <dgm:effectClrLst/>
-    <dgm:txLinClrLst/>
-    <dgm:txFillClrLst/>
-    <dgm:txEffectClrLst/>
-  </dgm:styleLbl>
-  <dgm:styleLbl name="lnNode1">
-    <dgm:fillClrLst>
-      <a:schemeClr val="accent2">
-        <a:shade val="80000"/>
-      </a:schemeClr>
-      <a:schemeClr val="accent2">
-        <a:tint val="70000"/>
-      </a:schemeClr>
-    </dgm:fillClrLst>
-    <dgm:linClrLst meth="repeat">
-      <a:schemeClr val="lt1"/>
-    </dgm:linClrLst>
-    <dgm:effectClrLst/>
-    <dgm:txLinClrLst/>
-    <dgm:txFillClrLst/>
-    <dgm:txEffectClrLst/>
-  </dgm:styleLbl>
-  <dgm:styleLbl name="vennNode1">
-    <dgm:fillClrLst>
-      <a:schemeClr val="accent2">
-        <a:shade val="80000"/>
-        <a:alpha val="50000"/>
-      </a:schemeClr>
-      <a:schemeClr val="accent2">
-        <a:tint val="70000"/>
-        <a:alpha val="50000"/>
-      </a:schemeClr>
-    </dgm:fillClrLst>
-    <dgm:linClrLst meth="repeat">
-      <a:schemeClr val="lt1"/>
-    </dgm:linClrLst>
-    <dgm:effectClrLst/>
-    <dgm:txLinClrLst/>
-    <dgm:txFillClrLst/>
-    <dgm:txEffectClrLst/>
-  </dgm:styleLbl>
-  <dgm:styleLbl name="node2">
-    <dgm:fillClrLst>
-      <a:schemeClr val="accent2">
-        <a:tint val="99000"/>
-      </a:schemeClr>
-    </dgm:fillClrLst>
-    <dgm:linClrLst meth="repeat">
-      <a:schemeClr val="lt1"/>
-    </dgm:linClrLst>
-    <dgm:effectClrLst/>
-    <dgm:txLinClrLst/>
-    <dgm:txFillClrLst/>
-    <dgm:txEffectClrLst/>
-  </dgm:styleLbl>
-  <dgm:styleLbl name="node3">
-    <dgm:fillClrLst>
-      <a:schemeClr val="accent2">
-        <a:tint val="80000"/>
-      </a:schemeClr>
-    </dgm:fillClrLst>
-    <dgm:linClrLst meth="repeat">
-      <a:schemeClr val="lt1"/>
-    </dgm:linClrLst>
-    <dgm:effectClrLst/>
-    <dgm:txLinClrLst/>
-    <dgm:txFillClrLst/>
-    <dgm:txEffectClrLst/>
-  </dgm:styleLbl>
-  <dgm:styleLbl name="node4">
-    <dgm:fillClrLst>
-      <a:schemeClr val="accent2">
-        <a:tint val="70000"/>
-      </a:schemeClr>
-    </dgm:fillClrLst>
-    <dgm:linClrLst meth="repeat">
-      <a:schemeClr val="lt1"/>
-    </dgm:linClrLst>
-    <dgm:effectClrLst/>
-    <dgm:txLinClrLst/>
-    <dgm:txFillClrLst/>
-    <dgm:txEffectClrLst/>
-  </dgm:styleLbl>
-  <dgm:styleLbl name="fgImgPlace1">
-    <dgm:fillClrLst>
-      <a:schemeClr val="accent2">
-        <a:tint val="50000"/>
-      </a:schemeClr>
-      <a:schemeClr val="accent2">
-        <a:tint val="20000"/>
-      </a:schemeClr>
-    </dgm:fillClrLst>
-    <dgm:linClrLst meth="repeat">
-      <a:schemeClr val="lt1"/>
-    </dgm:linClrLst>
-    <dgm:effectClrLst/>
-    <dgm:txLinClrLst/>
-    <dgm:txFillClrLst meth="repeat">
-      <a:schemeClr val="lt1"/>
-    </dgm:txFillClrLst>
-    <dgm:txEffectClrLst/>
-  </dgm:styleLbl>
-  <dgm:styleLbl name="alignImgPlace1">
-    <dgm:fillClrLst>
-      <a:schemeClr val="accent2">
-        <a:tint val="50000"/>
-      </a:schemeClr>
-      <a:schemeClr val="accent2">
-        <a:tint val="20000"/>
-      </a:schemeClr>
-    </dgm:fillClrLst>
-    <dgm:linClrLst meth="repeat">
-      <a:schemeClr val="lt1"/>
-    </dgm:linClrLst>
-    <dgm:effectClrLst/>
-    <dgm:txLinClrLst/>
-    <dgm:txFillClrLst meth="repeat">
-      <a:schemeClr val="lt1"/>
-    </dgm:txFillClrLst>
-    <dgm:txEffectClrLst/>
-  </dgm:styleLbl>
-  <dgm:styleLbl name="bgImgPlace1">
-    <dgm:fillClrLst>
-      <a:schemeClr val="accent2">
-        <a:tint val="50000"/>
-      </a:schemeClr>
-      <a:schemeClr val="accent2">
-        <a:tint val="20000"/>
-      </a:schemeClr>
-    </dgm:fillClrLst>
-    <dgm:linClrLst meth="repeat">
-      <a:schemeClr val="lt1"/>
-    </dgm:linClrLst>
-    <dgm:effectClrLst/>
-    <dgm:txLinClrLst/>
-    <dgm:txFillClrLst meth="repeat">
-      <a:schemeClr val="lt1"/>
-    </dgm:txFillClrLst>
-    <dgm:txEffectClrLst/>
-  </dgm:styleLbl>
-  <dgm:styleLbl name="sibTrans2D1">
-    <dgm:fillClrLst>
-      <a:schemeClr val="accent2">
-        <a:shade val="90000"/>
-      </a:schemeClr>
-      <a:schemeClr val="accent2">
-        <a:tint val="70000"/>
-      </a:schemeClr>
-    </dgm:fillClrLst>
-    <dgm:linClrLst>
-      <a:schemeClr val="accent2">
-        <a:shade val="90000"/>
-      </a:schemeClr>
-      <a:schemeClr val="accent2">
-        <a:tint val="70000"/>
-      </a:schemeClr>
-    </dgm:linClrLst>
-    <dgm:effectClrLst/>
-    <dgm:txLinClrLst/>
-    <dgm:txFillClrLst/>
-    <dgm:txEffectClrLst/>
-  </dgm:styleLbl>
-  <dgm:styleLbl name="fgSibTrans2D1">
-    <dgm:fillClrLst>
-      <a:schemeClr val="accent2">
-        <a:shade val="90000"/>
-      </a:schemeClr>
-      <a:schemeClr val="accent2">
-        <a:tint val="70000"/>
-      </a:schemeClr>
-    </dgm:fillClrLst>
-    <dgm:linClrLst>
-      <a:schemeClr val="accent2">
-        <a:shade val="90000"/>
-      </a:schemeClr>
-      <a:schemeClr val="accent2">
-        <a:tint val="70000"/>
-      </a:schemeClr>
-    </dgm:linClrLst>
-    <dgm:effectClrLst/>
-    <dgm:txLinClrLst/>
-    <dgm:txFillClrLst meth="repeat">
-      <a:schemeClr val="lt1"/>
-    </dgm:txFillClrLst>
-    <dgm:txEffectClrLst/>
-  </dgm:styleLbl>
-  <dgm:styleLbl name="bgSibTrans2D1">
-    <dgm:fillClrLst>
-      <a:schemeClr val="accent2">
-        <a:shade val="90000"/>
-      </a:schemeClr>
-      <a:schemeClr val="accent2">
-        <a:tint val="70000"/>
-      </a:schemeClr>
-    </dgm:fillClrLst>
-    <dgm:linClrLst>
-      <a:schemeClr val="accent2">
-        <a:shade val="90000"/>
-      </a:schemeClr>
-      <a:schemeClr val="accent2">
-        <a:tint val="70000"/>
-      </a:schemeClr>
-    </dgm:linClrLst>
-    <dgm:effectClrLst/>
-    <dgm:txLinClrLst/>
-    <dgm:txFillClrLst meth="repeat">
-      <a:schemeClr val="lt1"/>
-    </dgm:txFillClrLst>
-    <dgm:txEffectClrLst/>
-  </dgm:styleLbl>
-  <dgm:styleLbl name="sibTrans1D1">
-    <dgm:fillClrLst>
-      <a:schemeClr val="accent2">
-        <a:shade val="90000"/>
-      </a:schemeClr>
-      <a:schemeClr val="accent2">
-        <a:tint val="70000"/>
-      </a:schemeClr>
-    </dgm:fillClrLst>
-    <dgm:linClrLst>
-      <a:schemeClr val="accent2">
-        <a:shade val="90000"/>
-      </a:schemeClr>
-      <a:schemeClr val="accent2">
-        <a:tint val="70000"/>
-      </a:schemeClr>
-    </dgm:linClrLst>
-    <dgm:effectClrLst/>
-    <dgm:txLinClrLst/>
-    <dgm:txFillClrLst meth="repeat">
-      <a:schemeClr val="tx1"/>
-    </dgm:txFillClrLst>
-    <dgm:txEffectClrLst/>
-  </dgm:styleLbl>
-  <dgm:styleLbl name="callout">
-    <dgm:fillClrLst meth="repeat">
-      <a:schemeClr val="accent2"/>
-    </dgm:fillClrLst>
-    <dgm:linClrLst meth="repeat">
-      <a:schemeClr val="accent2"/>
-    </dgm:linClrLst>
-    <dgm:effectClrLst/>
-    <dgm:txLinClrLst/>
-    <dgm:txFillClrLst meth="repeat">
-      <a:schemeClr val="tx1"/>
-    </dgm:txFillClrLst>
-    <dgm:txEffectClrLst/>
-  </dgm:styleLbl>
-  <dgm:styleLbl name="asst0">
-    <dgm:fillClrLst meth="repeat">
-      <a:schemeClr val="accent2">
-        <a:shade val="80000"/>
-      </a:schemeClr>
-    </dgm:fillClrLst>
-    <dgm:linClrLst meth="repeat">
-      <a:schemeClr val="lt1"/>
-    </dgm:linClrLst>
-    <dgm:effectClrLst/>
-    <dgm:txLinClrLst/>
-    <dgm:txFillClrLst/>
-    <dgm:txEffectClrLst/>
-  </dgm:styleLbl>
-  <dgm:styleLbl name="asst1">
-    <dgm:fillClrLst meth="repeat">
-      <a:schemeClr val="accent2">
-        <a:shade val="80000"/>
-      </a:schemeClr>
-    </dgm:fillClrLst>
-    <dgm:linClrLst meth="repeat">
-      <a:schemeClr val="lt1"/>
-    </dgm:linClrLst>
-    <dgm:effectClrLst/>
-    <dgm:txLinClrLst/>
-    <dgm:txFillClrLst/>
-    <dgm:txEffectClrLst/>
-  </dgm:styleLbl>
-  <dgm:styleLbl name="asst2">
-    <dgm:fillClrLst>
-      <a:schemeClr val="accent2">
-        <a:tint val="99000"/>
-      </a:schemeClr>
-    </dgm:fillClrLst>
-    <dgm:linClrLst meth="repeat">
-      <a:schemeClr val="lt1"/>
-    </dgm:linClrLst>
-    <dgm:effectClrLst/>
-    <dgm:txLinClrLst/>
-    <dgm:txFillClrLst/>
-    <dgm:txEffectClrLst/>
-  </dgm:styleLbl>
-  <dgm:styleLbl name="asst3">
-    <dgm:fillClrLst>
-      <a:schemeClr val="accent2">
-        <a:tint val="80000"/>
-      </a:schemeClr>
-    </dgm:fillClrLst>
-    <dgm:linClrLst meth="repeat">
-      <a:schemeClr val="lt1"/>
-    </dgm:linClrLst>
-    <dgm:effectClrLst/>
-    <dgm:txLinClrLst/>
-    <dgm:txFillClrLst/>
-    <dgm:txEffectClrLst/>
-  </dgm:styleLbl>
-  <dgm:styleLbl name="asst4">
-    <dgm:fillClrLst>
-      <a:schemeClr val="accent2">
-        <a:tint val="70000"/>
-      </a:schemeClr>
-    </dgm:fillClrLst>
-    <dgm:linClrLst meth="repeat">
-      <a:schemeClr val="lt1"/>
-    </dgm:linClrLst>
-    <dgm:effectClrLst/>
-    <dgm:txLinClrLst/>
-    <dgm:txFillClrLst/>
-    <dgm:txEffectClrLst/>
-  </dgm:styleLbl>
-  <dgm:styleLbl name="parChTrans2D1">
-    <dgm:fillClrLst meth="repeat">
-      <a:schemeClr val="accent2">
-        <a:tint val="60000"/>
-      </a:schemeClr>
-    </dgm:fillClrLst>
-    <dgm:linClrLst meth="repeat">
-      <a:schemeClr val="accent2">
-        <a:tint val="60000"/>
-      </a:schemeClr>
-    </dgm:linClrLst>
-    <dgm:effectClrLst/>
-    <dgm:txLinClrLst/>
-    <dgm:txFillClrLst meth="repeat">
-      <a:schemeClr val="lt1"/>
-    </dgm:txFillClrLst>
-    <dgm:txEffectClrLst/>
-  </dgm:styleLbl>
-  <dgm:styleLbl name="parChTrans2D2">
-    <dgm:fillClrLst meth="repeat">
-      <a:schemeClr val="accent2">
-        <a:tint val="90000"/>
-      </a:schemeClr>
-    </dgm:fillClrLst>
-    <dgm:linClrLst meth="repeat">
-      <a:schemeClr val="accent2">
-        <a:tint val="90000"/>
-      </a:schemeClr>
-    </dgm:linClrLst>
-    <dgm:effectClrLst/>
-    <dgm:txLinClrLst/>
-    <dgm:txFillClrLst/>
-    <dgm:txEffectClrLst/>
-  </dgm:styleLbl>
-  <dgm:styleLbl name="parChTrans2D3">
-    <dgm:fillClrLst meth="repeat">
-      <a:schemeClr val="accent2">
-        <a:tint val="70000"/>
-      </a:schemeClr>
-    </dgm:fillClrLst>
-    <dgm:linClrLst meth="repeat">
-      <a:schemeClr val="accent2">
-        <a:tint val="70000"/>
-      </a:schemeClr>
-    </dgm:linClrLst>
-    <dgm:effectClrLst/>
-    <dgm:txLinClrLst/>
-    <dgm:txFillClrLst/>
-    <dgm:txEffectClrLst/>
-  </dgm:styleLbl>
-  <dgm:styleLbl name="parChTrans2D4">
-    <dgm:fillClrLst meth="repeat">
-      <a:schemeClr val="accent2">
-        <a:tint val="50000"/>
-      </a:schemeClr>
-    </dgm:fillClrLst>
-    <dgm:linClrLst meth="repeat">
-      <a:schemeClr val="accent2">
-        <a:tint val="50000"/>
-      </a:schemeClr>
-    </dgm:linClrLst>
-    <dgm:effectClrLst/>
-    <dgm:txLinClrLst/>
-    <dgm:txFillClrLst meth="repeat">
-      <a:schemeClr val="lt1"/>
-    </dgm:txFillClrLst>
-    <dgm:txEffectClrLst/>
-  </dgm:styleLbl>
-  <dgm:styleLbl name="parChTrans1D1">
-    <dgm:fillClrLst meth="repeat">
-      <a:schemeClr val="accent2">
-        <a:shade val="80000"/>
-      </a:schemeClr>
-    </dgm:fillClrLst>
-    <dgm:linClrLst meth="repeat">
-      <a:schemeClr val="accent2">
-        <a:shade val="80000"/>
-      </a:schemeClr>
-    </dgm:linClrLst>
-    <dgm:effectClrLst/>
-    <dgm:txLinClrLst/>
-    <dgm:txFillClrLst meth="repeat">
-      <a:schemeClr val="tx1"/>
-    </dgm:txFillClrLst>
-    <dgm:txEffectClrLst/>
-  </dgm:styleLbl>
-  <dgm:styleLbl name="parChTrans1D2">
-    <dgm:fillClrLst meth="repeat">
-      <a:schemeClr val="accent2">
-        <a:tint val="99000"/>
-      </a:schemeClr>
-    </dgm:fillClrLst>
-    <dgm:linClrLst meth="repeat">
-      <a:schemeClr val="accent2">
-        <a:tint val="99000"/>
-      </a:schemeClr>
-    </dgm:linClrLst>
-    <dgm:effectClrLst/>
-    <dgm:txLinClrLst/>
-    <dgm:txFillClrLst meth="repeat">
-      <a:schemeClr val="tx1"/>
-    </dgm:txFillClrLst>
-    <dgm:txEffectClrLst/>
-  </dgm:styleLbl>
-  <dgm:styleLbl name="parChTrans1D3">
-    <dgm:fillClrLst meth="repeat">
-      <a:schemeClr val="accent2">
-        <a:tint val="80000"/>
-      </a:schemeClr>
-    </dgm:fillClrLst>
-    <dgm:linClrLst meth="repeat">
-      <a:schemeClr val="accent2">
-        <a:tint val="80000"/>
-      </a:schemeClr>
-    </dgm:linClrLst>
-    <dgm:effectClrLst/>
-    <dgm:txLinClrLst/>
-    <dgm:txFillClrLst meth="repeat">
-      <a:schemeClr val="tx1"/>
-    </dgm:txFillClrLst>
-    <dgm:txEffectClrLst/>
-  </dgm:styleLbl>
-  <dgm:styleLbl name="parChTrans1D4">
-    <dgm:fillClrLst meth="repeat">
-      <a:schemeClr val="accent2">
-        <a:tint val="70000"/>
-      </a:schemeClr>
-    </dgm:fillClrLst>
-    <dgm:linClrLst meth="repeat">
-      <a:schemeClr val="accent2">
-        <a:tint val="70000"/>
-      </a:schemeClr>
-    </dgm:linClrLst>
-    <dgm:effectClrLst/>
-    <dgm:txLinClrLst/>
-    <dgm:txFillClrLst meth="repeat">
-      <a:schemeClr val="tx1"/>
-    </dgm:txFillClrLst>
-    <dgm:txEffectClrLst/>
-  </dgm:styleLbl>
-  <dgm:styleLbl name="fgAcc1">
-    <dgm:fillClrLst meth="repeat">
-      <a:schemeClr val="lt1">
-        <a:alpha val="90000"/>
-      </a:schemeClr>
-    </dgm:fillClrLst>
-    <dgm:linClrLst>
-      <a:schemeClr val="accent2">
-        <a:shade val="80000"/>
-      </a:schemeClr>
-      <a:schemeClr val="accent2">
-        <a:tint val="70000"/>
-      </a:schemeClr>
-    </dgm:linClrLst>
-    <dgm:effectClrLst/>
-    <dgm:txLinClrLst/>
-    <dgm:txFillClrLst meth="repeat">
-      <a:schemeClr val="dk1"/>
-    </dgm:txFillClrLst>
-    <dgm:txEffectClrLst/>
-  </dgm:styleLbl>
-  <dgm:styleLbl name="conFgAcc1">
-    <dgm:fillClrLst meth="repeat">
-      <a:schemeClr val="lt1">
-        <a:alpha val="90000"/>
-      </a:schemeClr>
-    </dgm:fillClrLst>
-    <dgm:linClrLst>
-      <a:schemeClr val="accent2">
-        <a:shade val="80000"/>
-      </a:schemeClr>
-      <a:schemeClr val="accent2">
-        <a:tint val="70000"/>
-      </a:schemeClr>
-    </dgm:linClrLst>
-    <dgm:effectClrLst/>
-    <dgm:txLinClrLst/>
-    <dgm:txFillClrLst meth="repeat">
-      <a:schemeClr val="dk1"/>
-    </dgm:txFillClrLst>
-    <dgm:txEffectClrLst/>
-  </dgm:styleLbl>
-  <dgm:styleLbl name="alignAcc1">
-    <dgm:fillClrLst meth="repeat">
-      <a:schemeClr val="lt1">
-        <a:alpha val="90000"/>
-      </a:schemeClr>
-    </dgm:fillClrLst>
-    <dgm:linClrLst>
-      <a:schemeClr val="accent2">
-        <a:shade val="80000"/>
-      </a:schemeClr>
-      <a:schemeClr val="accent2">
-        <a:tint val="70000"/>
-      </a:schemeClr>
-    </dgm:linClrLst>
-    <dgm:effectClrLst/>
-    <dgm:txLinClrLst/>
-    <dgm:txFillClrLst meth="repeat">
-      <a:schemeClr val="dk1"/>
-    </dgm:txFillClrLst>
-    <dgm:txEffectClrLst/>
-  </dgm:styleLbl>
-  <dgm:styleLbl name="trAlignAcc1">
-    <dgm:fillClrLst meth="repeat">
-      <a:schemeClr val="lt1">
-        <a:alpha val="40000"/>
-      </a:schemeClr>
-    </dgm:fillClrLst>
-    <dgm:linClrLst meth="repeat">
-      <a:schemeClr val="accent2"/>
-    </dgm:linClrLst>
-    <dgm:effectClrLst/>
-    <dgm:txLinClrLst/>
-    <dgm:txFillClrLst meth="repeat">
-      <a:schemeClr val="dk1"/>
-    </dgm:txFillClrLst>
-    <dgm:txEffectClrLst/>
-  </dgm:styleLbl>
-  <dgm:styleLbl name="bgAcc1">
-    <dgm:fillClrLst meth="repeat">
-      <a:schemeClr val="lt1">
-        <a:alpha val="90000"/>
-      </a:schemeClr>
-    </dgm:fillClrLst>
-    <dgm:linClrLst>
-      <a:schemeClr val="accent2">
-        <a:shade val="80000"/>
-      </a:schemeClr>
-      <a:schemeClr val="accent2">
-        <a:tint val="70000"/>
-      </a:schemeClr>
-    </dgm:linClrLst>
-    <dgm:effectClrLst/>
-    <dgm:txLinClrLst/>
-    <dgm:txFillClrLst meth="repeat">
-      <a:schemeClr val="dk1"/>
-    </dgm:txFillClrLst>
-    <dgm:txEffectClrLst/>
-  </dgm:styleLbl>
-  <dgm:styleLbl name="solidFgAcc1">
-    <dgm:fillClrLst meth="repeat">
-      <a:schemeClr val="lt1"/>
-    </dgm:fillClrLst>
-    <dgm:linClrLst>
-      <a:schemeClr val="accent2">
-        <a:shade val="80000"/>
-      </a:schemeClr>
-      <a:schemeClr val="accent2">
-        <a:tint val="70000"/>
-      </a:schemeClr>
-    </dgm:linClrLst>
-    <dgm:effectClrLst/>
-    <dgm:txLinClrLst/>
-    <dgm:txFillClrLst meth="repeat">
-      <a:schemeClr val="dk1"/>
-    </dgm:txFillClrLst>
-    <dgm:txEffectClrLst/>
-  </dgm:styleLbl>
-  <dgm:styleLbl name="solidAlignAcc1">
-    <dgm:fillClrLst meth="repeat">
-      <a:schemeClr val="lt1"/>
-    </dgm:fillClrLst>
-    <dgm:linClrLst meth="repeat">
-      <a:schemeClr val="accent2"/>
-    </dgm:linClrLst>
-    <dgm:effectClrLst/>
-    <dgm:txLinClrLst/>
-    <dgm:txFillClrLst meth="repeat">
-      <a:schemeClr val="dk1"/>
-    </dgm:txFillClrLst>
-    <dgm:txEffectClrLst/>
-  </dgm:styleLbl>
-  <dgm:styleLbl name="solidBgAcc1">
-    <dgm:fillClrLst meth="repeat">
-      <a:schemeClr val="lt1"/>
-    </dgm:fillClrLst>
-    <dgm:linClrLst meth="repeat">
-      <a:schemeClr val="accent2"/>
-    </dgm:linClrLst>
-    <dgm:effectClrLst/>
-    <dgm:txLinClrLst/>
-    <dgm:txFillClrLst meth="repeat">
-      <a:schemeClr val="dk1"/>
-    </dgm:txFillClrLst>
-    <dgm:txEffectClrLst/>
-  </dgm:styleLbl>
-  <dgm:styleLbl name="fgAccFollowNode1">
-    <dgm:fillClrLst meth="repeat">
-      <a:schemeClr val="accent2">
-        <a:alpha val="90000"/>
-        <a:tint val="40000"/>
-      </a:schemeClr>
-    </dgm:fillClrLst>
-    <dgm:linClrLst meth="repeat">
-      <a:schemeClr val="accent2">
-        <a:alpha val="90000"/>
-        <a:tint val="40000"/>
-      </a:schemeClr>
-    </dgm:linClrLst>
-    <dgm:effectClrLst/>
-    <dgm:txLinClrLst/>
-    <dgm:txFillClrLst meth="repeat">
-      <a:schemeClr val="dk1"/>
-    </dgm:txFillClrLst>
-    <dgm:txEffectClrLst/>
-  </dgm:styleLbl>
-  <dgm:styleLbl name="alignAccFollowNode1">
-    <dgm:fillClrLst meth="repeat">
-      <a:schemeClr val="accent2">
-        <a:alpha val="90000"/>
-        <a:tint val="40000"/>
-      </a:schemeClr>
-    </dgm:fillClrLst>
-    <dgm:linClrLst meth="repeat">
-      <a:schemeClr val="accent2">
-        <a:alpha val="90000"/>
-        <a:tint val="40000"/>
-      </a:schemeClr>
-    </dgm:linClrLst>
-    <dgm:effectClrLst/>
-    <dgm:txLinClrLst/>
-    <dgm:txFillClrLst meth="repeat">
-      <a:schemeClr val="dk1"/>
-    </dgm:txFillClrLst>
-    <dgm:txEffectClrLst/>
-  </dgm:styleLbl>
-  <dgm:styleLbl name="bgAccFollowNode1">
-    <dgm:fillClrLst meth="repeat">
-      <a:schemeClr val="accent2">
-        <a:alpha val="90000"/>
-        <a:tint val="40000"/>
-      </a:schemeClr>
-    </dgm:fillClrLst>
-    <dgm:linClrLst meth="repeat">
-      <a:schemeClr val="lt1"/>
-    </dgm:linClrLst>
-    <dgm:effectClrLst/>
-    <dgm:txLinClrLst/>
-    <dgm:txFillClrLst meth="repeat">
-      <a:schemeClr val="dk1"/>
-    </dgm:txFillClrLst>
-    <dgm:txEffectClrLst/>
-  </dgm:styleLbl>
-  <dgm:styleLbl name="fgAcc0">
-    <dgm:fillClrLst meth="repeat">
-      <a:schemeClr val="lt1">
-        <a:alpha val="90000"/>
-      </a:schemeClr>
-    </dgm:fillClrLst>
-    <dgm:linClrLst meth="repeat">
-      <a:schemeClr val="accent2">
-        <a:shade val="80000"/>
-      </a:schemeClr>
-    </dgm:linClrLst>
-    <dgm:effectClrLst/>
-    <dgm:txLinClrLst/>
-    <dgm:txFillClrLst meth="repeat">
-      <a:schemeClr val="dk1"/>
-    </dgm:txFillClrLst>
-    <dgm:txEffectClrLst/>
-  </dgm:styleLbl>
-  <dgm:styleLbl name="fgAcc2">
-    <dgm:fillClrLst meth="repeat">
-      <a:schemeClr val="lt1">
-        <a:alpha val="90000"/>
-      </a:schemeClr>
-    </dgm:fillClrLst>
-    <dgm:linClrLst meth="repeat">
-      <a:schemeClr val="accent2">
-        <a:tint val="99000"/>
-      </a:schemeClr>
-    </dgm:linClrLst>
-    <dgm:effectClrLst/>
-    <dgm:txLinClrLst/>
-    <dgm:txFillClrLst meth="repeat">
-      <a:schemeClr val="dk1"/>
-    </dgm:txFillClrLst>
-    <dgm:txEffectClrLst/>
-  </dgm:styleLbl>
-  <dgm:styleLbl name="fgAcc3">
-    <dgm:fillClrLst meth="repeat">
-      <a:schemeClr val="lt1">
-        <a:alpha val="90000"/>
-      </a:schemeClr>
-    </dgm:fillClrLst>
-    <dgm:linClrLst meth="repeat">
-      <a:schemeClr val="accent2">
-        <a:tint val="80000"/>
-      </a:schemeClr>
-    </dgm:linClrLst>
-    <dgm:effectClrLst/>
-    <dgm:txLinClrLst/>
-    <dgm:txFillClrLst meth="repeat">
-      <a:schemeClr val="dk1"/>
-    </dgm:txFillClrLst>
-    <dgm:txEffectClrLst/>
-  </dgm:styleLbl>
-  <dgm:styleLbl name="fgAcc4">
-    <dgm:fillClrLst meth="repeat">
-      <a:schemeClr val="lt1">
-        <a:alpha val="90000"/>
-      </a:schemeClr>
-    </dgm:fillClrLst>
-    <dgm:linClrLst meth="repeat">
-      <a:schemeClr val="accent2">
-        <a:tint val="70000"/>
-      </a:schemeClr>
-    </dgm:linClrLst>
-    <dgm:effectClrLst/>
-    <dgm:txLinClrLst/>
-    <dgm:txFillClrLst meth="repeat">
-      <a:schemeClr val="dk1"/>
-    </dgm:txFillClrLst>
-    <dgm:txEffectClrLst/>
-  </dgm:styleLbl>
-  <dgm:styleLbl name="bgShp">
-    <dgm:fillClrLst meth="repeat">
-      <a:schemeClr val="accent2">
+      <a:schemeClr val="accent5">
         <a:tint val="40000"/>
       </a:schemeClr>
     </dgm:fillClrLst>
@@ -1766,7 +928,7 @@
   </dgm:styleLbl>
   <dgm:styleLbl name="dkBgShp">
     <dgm:fillClrLst meth="repeat">
-      <a:schemeClr val="accent2">
+      <a:schemeClr val="accent5">
         <a:shade val="90000"/>
       </a:schemeClr>
     </dgm:fillClrLst>
@@ -1782,13 +944,13 @@
   </dgm:styleLbl>
   <dgm:styleLbl name="trBgShp">
     <dgm:fillClrLst meth="repeat">
-      <a:schemeClr val="accent2">
+      <a:schemeClr val="accent5">
         <a:tint val="50000"/>
         <a:alpha val="40000"/>
       </a:schemeClr>
     </dgm:fillClrLst>
     <dgm:linClrLst meth="repeat">
-      <a:schemeClr val="accent2"/>
+      <a:schemeClr val="accent5"/>
     </dgm:linClrLst>
     <dgm:effectClrLst/>
     <dgm:txLinClrLst/>
@@ -1799,7 +961,7 @@
   </dgm:styleLbl>
   <dgm:styleLbl name="fgShp">
     <dgm:fillClrLst meth="repeat">
-      <a:schemeClr val="accent2">
+      <a:schemeClr val="accent5">
         <a:tint val="40000"/>
       </a:schemeClr>
     </dgm:fillClrLst>
@@ -1837,34 +999,34 @@
 <file path=ppt/diagrams/data1.xml><?xml version="1.0" encoding="utf-8"?>
 <dgm:dataModel xmlns:dgm="http://schemas.openxmlformats.org/drawingml/2006/diagram" xmlns:a="http://schemas.openxmlformats.org/drawingml/2006/main">
   <dgm:ptLst>
-    <dgm:pt modelId="{FF107C6E-4402-4CD4-9856-A1F2869B7830}" type="doc">
-      <dgm:prSet loTypeId="urn:microsoft.com/office/officeart/2005/8/layout/process1" loCatId="process" qsTypeId="urn:microsoft.com/office/officeart/2005/8/quickstyle/simple1" qsCatId="simple" csTypeId="urn:microsoft.com/office/officeart/2005/8/colors/accent2_2" csCatId="accent2" phldr="1"/>
-      <dgm:spPr/>
-    </dgm:pt>
-    <dgm:pt modelId="{19692FE1-A9A3-4078-8CF0-CE6FC1925D03}">
-      <dgm:prSet phldrT="[Text]"/>
+    <dgm:pt modelId="{855D6EFC-2080-4B5F-82EC-D59F39DFAD85}" type="doc">
+      <dgm:prSet loTypeId="urn:microsoft.com/office/officeart/2005/8/layout/matrix3" loCatId="matrix" qsTypeId="urn:microsoft.com/office/officeart/2005/8/quickstyle/simple1" qsCatId="simple" csTypeId="urn:microsoft.com/office/officeart/2005/8/colors/colorful5" csCatId="colorful" phldr="1"/>
       <dgm:spPr/>
       <dgm:t>
         <a:bodyPr/>
         <a:lstStyle/>
         <a:p>
-          <a:r>
-            <a:rPr lang="en-US" dirty="0" smtClean="0"/>
-            <a:t>Redirect to </a:t>
-          </a:r>
-          <a:r>
-            <a:rPr lang="en-US" dirty="0" err="1" smtClean="0"/>
-            <a:t>OAuth</a:t>
-          </a:r>
-          <a:r>
-            <a:rPr lang="en-US" dirty="0" smtClean="0"/>
-            <a:t> Provider</a:t>
-          </a:r>
-          <a:endParaRPr lang="en-US" dirty="0"/>
+          <a:endParaRPr lang="en-US"/>
         </a:p>
       </dgm:t>
     </dgm:pt>
-    <dgm:pt modelId="{65954ABF-3A17-4D96-A34D-8A56541A976C}" type="parTrans" cxnId="{B0D29382-4122-45EF-851F-20B1D44BF332}">
+    <dgm:pt modelId="{469929CC-38E3-4676-BB4F-261B0AAB93D0}">
+      <dgm:prSet/>
+      <dgm:spPr/>
+      <dgm:t>
+        <a:bodyPr/>
+        <a:lstStyle/>
+        <a:p>
+          <a:pPr rtl="0"/>
+          <a:r>
+            <a:rPr lang="en-US" baseline="0" smtClean="0"/>
+            <a:t>Identity</a:t>
+          </a:r>
+          <a:endParaRPr lang="en-US"/>
+        </a:p>
+      </dgm:t>
+    </dgm:pt>
+    <dgm:pt modelId="{E14EBFDF-AEB8-4C49-9B58-8E3574AC76A4}" type="parTrans" cxnId="{9B3C2B32-6686-4B8B-8D66-E0F6F0B8E63B}">
       <dgm:prSet/>
       <dgm:spPr/>
       <dgm:t>
@@ -1875,7 +1037,7 @@
         </a:p>
       </dgm:t>
     </dgm:pt>
-    <dgm:pt modelId="{47543F26-DD98-4C49-BBDC-20AC18EEEFC3}" type="sibTrans" cxnId="{B0D29382-4122-45EF-851F-20B1D44BF332}">
+    <dgm:pt modelId="{5A133684-96FD-4B41-9351-54744F107C0D}" type="sibTrans" cxnId="{9B3C2B32-6686-4B8B-8D66-E0F6F0B8E63B}">
       <dgm:prSet/>
       <dgm:spPr/>
       <dgm:t>
@@ -1886,26 +1048,23 @@
         </a:p>
       </dgm:t>
     </dgm:pt>
-    <dgm:pt modelId="{6CB67931-177B-4D80-B01F-B050DDBAA862}">
-      <dgm:prSet phldrT="[Text]"/>
+    <dgm:pt modelId="{79C8E4E5-488F-4CC7-94A0-669FC4D4380E}">
+      <dgm:prSet/>
       <dgm:spPr/>
       <dgm:t>
         <a:bodyPr/>
         <a:lstStyle/>
         <a:p>
+          <a:pPr rtl="0"/>
           <a:r>
-            <a:rPr lang="en-US" dirty="0" smtClean="0"/>
-            <a:t>User Grants </a:t>
+            <a:rPr lang="en-US" baseline="0" smtClean="0"/>
+            <a:t>Social Graph</a:t>
           </a:r>
-          <a:r>
-            <a:rPr lang="en-US" dirty="0" err="1" smtClean="0"/>
-            <a:t>Authorizatoin</a:t>
-          </a:r>
-          <a:endParaRPr lang="en-US" dirty="0"/>
+          <a:endParaRPr lang="en-US"/>
         </a:p>
       </dgm:t>
     </dgm:pt>
-    <dgm:pt modelId="{E93203AA-31B8-4074-8E57-7DDA193FC43A}" type="parTrans" cxnId="{93993448-8B58-4A73-897B-55E5DB863EB3}">
+    <dgm:pt modelId="{4802D0E9-BB72-4764-9774-F311995F6F73}" type="parTrans" cxnId="{1BE9745A-141C-40A1-8C8E-8B5BDFC7E5C5}">
       <dgm:prSet/>
       <dgm:spPr/>
       <dgm:t>
@@ -1916,7 +1075,7 @@
         </a:p>
       </dgm:t>
     </dgm:pt>
-    <dgm:pt modelId="{5B08C4C8-E79C-4E2E-B7BA-5A58811245AE}" type="sibTrans" cxnId="{93993448-8B58-4A73-897B-55E5DB863EB3}">
+    <dgm:pt modelId="{5BF1F966-0DB0-4A0E-A0A6-AED6EA617CCD}" type="sibTrans" cxnId="{1BE9745A-141C-40A1-8C8E-8B5BDFC7E5C5}">
       <dgm:prSet/>
       <dgm:spPr/>
       <dgm:t>
@@ -1927,22 +1086,23 @@
         </a:p>
       </dgm:t>
     </dgm:pt>
-    <dgm:pt modelId="{F8809BC5-B71D-40A3-9946-20E994604D4A}">
-      <dgm:prSet phldrT="[Text]"/>
+    <dgm:pt modelId="{7C650494-BC5A-4EB5-BB9C-6DF7790F108B}">
+      <dgm:prSet/>
       <dgm:spPr/>
       <dgm:t>
         <a:bodyPr/>
         <a:lstStyle/>
         <a:p>
+          <a:pPr rtl="0"/>
           <a:r>
-            <a:rPr lang="en-US" dirty="0" smtClean="0"/>
-            <a:t>Redirect back to Application with Access Token</a:t>
+            <a:rPr lang="en-US" baseline="0" smtClean="0"/>
+            <a:t>Application Integration</a:t>
           </a:r>
-          <a:endParaRPr lang="en-US" dirty="0"/>
+          <a:endParaRPr lang="en-US"/>
         </a:p>
       </dgm:t>
     </dgm:pt>
-    <dgm:pt modelId="{4F39E729-13F6-4A90-9A31-5671F151C8A4}" type="parTrans" cxnId="{7704FA9B-F02A-4401-838E-8EA08DC56179}">
+    <dgm:pt modelId="{46066A0D-BE6B-411F-A156-ABB6FF54CA48}" type="parTrans" cxnId="{50E2FC99-1540-4578-AA44-8CAE2F619A5A}">
       <dgm:prSet/>
       <dgm:spPr/>
       <dgm:t>
@@ -1953,7 +1113,7 @@
         </a:p>
       </dgm:t>
     </dgm:pt>
-    <dgm:pt modelId="{5EF7A11D-768C-4870-8E29-48B513AA5577}" type="sibTrans" cxnId="{7704FA9B-F02A-4401-838E-8EA08DC56179}">
+    <dgm:pt modelId="{ECBC18FC-5130-4BB3-8C74-5EB940A05165}" type="sibTrans" cxnId="{50E2FC99-1540-4578-AA44-8CAE2F619A5A}">
       <dgm:prSet/>
       <dgm:spPr/>
       <dgm:t>
@@ -1964,109 +1124,8 @@
         </a:p>
       </dgm:t>
     </dgm:pt>
-    <dgm:pt modelId="{2681CC71-8D86-4E1B-B5E4-DCE7FEE331C2}" type="pres">
-      <dgm:prSet presAssocID="{FF107C6E-4402-4CD4-9856-A1F2869B7830}" presName="Name0" presStyleCnt="0">
-        <dgm:presLayoutVars>
-          <dgm:dir/>
-          <dgm:resizeHandles val="exact"/>
-        </dgm:presLayoutVars>
-      </dgm:prSet>
-      <dgm:spPr/>
-    </dgm:pt>
-    <dgm:pt modelId="{FDB55EF5-F1FB-4153-B779-6B90BA61633A}" type="pres">
-      <dgm:prSet presAssocID="{19692FE1-A9A3-4078-8CF0-CE6FC1925D03}" presName="node" presStyleLbl="node1" presStyleIdx="0" presStyleCnt="3">
-        <dgm:presLayoutVars>
-          <dgm:bulletEnabled val="1"/>
-        </dgm:presLayoutVars>
-      </dgm:prSet>
-      <dgm:spPr/>
-      <dgm:t>
-        <a:bodyPr/>
-        <a:lstStyle/>
-        <a:p>
-          <a:endParaRPr lang="en-US"/>
-        </a:p>
-      </dgm:t>
-    </dgm:pt>
-    <dgm:pt modelId="{92C0EBCF-B9CE-43D0-B550-1BD25C55AB00}" type="pres">
-      <dgm:prSet presAssocID="{47543F26-DD98-4C49-BBDC-20AC18EEEFC3}" presName="sibTrans" presStyleLbl="sibTrans2D1" presStyleIdx="0" presStyleCnt="2"/>
-      <dgm:spPr/>
-    </dgm:pt>
-    <dgm:pt modelId="{00C5882B-210D-42B3-BBC3-79BEFE761744}" type="pres">
-      <dgm:prSet presAssocID="{47543F26-DD98-4C49-BBDC-20AC18EEEFC3}" presName="connectorText" presStyleLbl="sibTrans2D1" presStyleIdx="0" presStyleCnt="2"/>
-      <dgm:spPr/>
-    </dgm:pt>
-    <dgm:pt modelId="{3547CF04-73E2-4057-8B21-86FCF3EE346C}" type="pres">
-      <dgm:prSet presAssocID="{6CB67931-177B-4D80-B01F-B050DDBAA862}" presName="node" presStyleLbl="node1" presStyleIdx="1" presStyleCnt="3">
-        <dgm:presLayoutVars>
-          <dgm:bulletEnabled val="1"/>
-        </dgm:presLayoutVars>
-      </dgm:prSet>
-      <dgm:spPr/>
-      <dgm:t>
-        <a:bodyPr/>
-        <a:lstStyle/>
-        <a:p>
-          <a:endParaRPr lang="en-US"/>
-        </a:p>
-      </dgm:t>
-    </dgm:pt>
-    <dgm:pt modelId="{BCE4B2D9-8E67-49A7-9EC8-8FEC2EBB88A9}" type="pres">
-      <dgm:prSet presAssocID="{5B08C4C8-E79C-4E2E-B7BA-5A58811245AE}" presName="sibTrans" presStyleLbl="sibTrans2D1" presStyleIdx="1" presStyleCnt="2"/>
-      <dgm:spPr/>
-    </dgm:pt>
-    <dgm:pt modelId="{A9FF5DDD-1440-4D6C-9666-FF4C68191D16}" type="pres">
-      <dgm:prSet presAssocID="{5B08C4C8-E79C-4E2E-B7BA-5A58811245AE}" presName="connectorText" presStyleLbl="sibTrans2D1" presStyleIdx="1" presStyleCnt="2"/>
-      <dgm:spPr/>
-    </dgm:pt>
-    <dgm:pt modelId="{45A9E1DE-7796-44A0-92A2-9BA9D837F534}" type="pres">
-      <dgm:prSet presAssocID="{F8809BC5-B71D-40A3-9946-20E994604D4A}" presName="node" presStyleLbl="node1" presStyleIdx="2" presStyleCnt="3">
-        <dgm:presLayoutVars>
-          <dgm:bulletEnabled val="1"/>
-        </dgm:presLayoutVars>
-      </dgm:prSet>
-      <dgm:spPr/>
-    </dgm:pt>
-  </dgm:ptLst>
-  <dgm:cxnLst>
-    <dgm:cxn modelId="{F4A028E0-D340-45F6-9626-492EFB4AF175}" type="presOf" srcId="{FF107C6E-4402-4CD4-9856-A1F2869B7830}" destId="{2681CC71-8D86-4E1B-B5E4-DCE7FEE331C2}" srcOrd="0" destOrd="0" presId="urn:microsoft.com/office/officeart/2005/8/layout/process1"/>
-    <dgm:cxn modelId="{5F20E1E2-8E43-4B7A-84F0-02C8A418BA0B}" type="presOf" srcId="{F8809BC5-B71D-40A3-9946-20E994604D4A}" destId="{45A9E1DE-7796-44A0-92A2-9BA9D837F534}" srcOrd="0" destOrd="0" presId="urn:microsoft.com/office/officeart/2005/8/layout/process1"/>
-    <dgm:cxn modelId="{5CF75362-ABC3-43EC-9522-4DE31BFB01E1}" type="presOf" srcId="{6CB67931-177B-4D80-B01F-B050DDBAA862}" destId="{3547CF04-73E2-4057-8B21-86FCF3EE346C}" srcOrd="0" destOrd="0" presId="urn:microsoft.com/office/officeart/2005/8/layout/process1"/>
-    <dgm:cxn modelId="{B0D29382-4122-45EF-851F-20B1D44BF332}" srcId="{FF107C6E-4402-4CD4-9856-A1F2869B7830}" destId="{19692FE1-A9A3-4078-8CF0-CE6FC1925D03}" srcOrd="0" destOrd="0" parTransId="{65954ABF-3A17-4D96-A34D-8A56541A976C}" sibTransId="{47543F26-DD98-4C49-BBDC-20AC18EEEFC3}"/>
-    <dgm:cxn modelId="{AA09C205-AFB0-4CFF-B142-6FDF9FD3B418}" type="presOf" srcId="{5B08C4C8-E79C-4E2E-B7BA-5A58811245AE}" destId="{A9FF5DDD-1440-4D6C-9666-FF4C68191D16}" srcOrd="1" destOrd="0" presId="urn:microsoft.com/office/officeart/2005/8/layout/process1"/>
-    <dgm:cxn modelId="{7704FA9B-F02A-4401-838E-8EA08DC56179}" srcId="{FF107C6E-4402-4CD4-9856-A1F2869B7830}" destId="{F8809BC5-B71D-40A3-9946-20E994604D4A}" srcOrd="2" destOrd="0" parTransId="{4F39E729-13F6-4A90-9A31-5671F151C8A4}" sibTransId="{5EF7A11D-768C-4870-8E29-48B513AA5577}"/>
-    <dgm:cxn modelId="{938C186F-3196-4ECE-A960-88230FA00CDF}" type="presOf" srcId="{19692FE1-A9A3-4078-8CF0-CE6FC1925D03}" destId="{FDB55EF5-F1FB-4153-B779-6B90BA61633A}" srcOrd="0" destOrd="0" presId="urn:microsoft.com/office/officeart/2005/8/layout/process1"/>
-    <dgm:cxn modelId="{7BD9C179-14D2-4C94-80F4-C361BEAF33FF}" type="presOf" srcId="{47543F26-DD98-4C49-BBDC-20AC18EEEFC3}" destId="{92C0EBCF-B9CE-43D0-B550-1BD25C55AB00}" srcOrd="0" destOrd="0" presId="urn:microsoft.com/office/officeart/2005/8/layout/process1"/>
-    <dgm:cxn modelId="{93993448-8B58-4A73-897B-55E5DB863EB3}" srcId="{FF107C6E-4402-4CD4-9856-A1F2869B7830}" destId="{6CB67931-177B-4D80-B01F-B050DDBAA862}" srcOrd="1" destOrd="0" parTransId="{E93203AA-31B8-4074-8E57-7DDA193FC43A}" sibTransId="{5B08C4C8-E79C-4E2E-B7BA-5A58811245AE}"/>
-    <dgm:cxn modelId="{BAD3495E-DB97-4E5A-B3F9-9781F4CAC5FE}" type="presOf" srcId="{5B08C4C8-E79C-4E2E-B7BA-5A58811245AE}" destId="{BCE4B2D9-8E67-49A7-9EC8-8FEC2EBB88A9}" srcOrd="0" destOrd="0" presId="urn:microsoft.com/office/officeart/2005/8/layout/process1"/>
-    <dgm:cxn modelId="{07796816-A924-46A1-B42A-70BBCAEA44DA}" type="presOf" srcId="{47543F26-DD98-4C49-BBDC-20AC18EEEFC3}" destId="{00C5882B-210D-42B3-BBC3-79BEFE761744}" srcOrd="1" destOrd="0" presId="urn:microsoft.com/office/officeart/2005/8/layout/process1"/>
-    <dgm:cxn modelId="{22994D8D-24AD-4F8E-9A5A-21B9AFDEC3A8}" type="presParOf" srcId="{2681CC71-8D86-4E1B-B5E4-DCE7FEE331C2}" destId="{FDB55EF5-F1FB-4153-B779-6B90BA61633A}" srcOrd="0" destOrd="0" presId="urn:microsoft.com/office/officeart/2005/8/layout/process1"/>
-    <dgm:cxn modelId="{8B2913EE-0035-47D4-9B3A-09856E058A7E}" type="presParOf" srcId="{2681CC71-8D86-4E1B-B5E4-DCE7FEE331C2}" destId="{92C0EBCF-B9CE-43D0-B550-1BD25C55AB00}" srcOrd="1" destOrd="0" presId="urn:microsoft.com/office/officeart/2005/8/layout/process1"/>
-    <dgm:cxn modelId="{CA1029F3-10EE-42BB-80C8-E3B467BCA2E7}" type="presParOf" srcId="{92C0EBCF-B9CE-43D0-B550-1BD25C55AB00}" destId="{00C5882B-210D-42B3-BBC3-79BEFE761744}" srcOrd="0" destOrd="0" presId="urn:microsoft.com/office/officeart/2005/8/layout/process1"/>
-    <dgm:cxn modelId="{D4AB52CB-889C-4C69-A834-9B1619C5625D}" type="presParOf" srcId="{2681CC71-8D86-4E1B-B5E4-DCE7FEE331C2}" destId="{3547CF04-73E2-4057-8B21-86FCF3EE346C}" srcOrd="2" destOrd="0" presId="urn:microsoft.com/office/officeart/2005/8/layout/process1"/>
-    <dgm:cxn modelId="{2A40E4B5-B900-4F90-8515-0162C49BD258}" type="presParOf" srcId="{2681CC71-8D86-4E1B-B5E4-DCE7FEE331C2}" destId="{BCE4B2D9-8E67-49A7-9EC8-8FEC2EBB88A9}" srcOrd="3" destOrd="0" presId="urn:microsoft.com/office/officeart/2005/8/layout/process1"/>
-    <dgm:cxn modelId="{968581FE-8B49-4551-A816-5C215E166ECB}" type="presParOf" srcId="{BCE4B2D9-8E67-49A7-9EC8-8FEC2EBB88A9}" destId="{A9FF5DDD-1440-4D6C-9666-FF4C68191D16}" srcOrd="0" destOrd="0" presId="urn:microsoft.com/office/officeart/2005/8/layout/process1"/>
-    <dgm:cxn modelId="{12C87EE5-438F-46D9-B271-B537CC406CA6}" type="presParOf" srcId="{2681CC71-8D86-4E1B-B5E4-DCE7FEE331C2}" destId="{45A9E1DE-7796-44A0-92A2-9BA9D837F534}" srcOrd="4" destOrd="0" presId="urn:microsoft.com/office/officeart/2005/8/layout/process1"/>
-  </dgm:cxnLst>
-  <dgm:bg/>
-  <dgm:whole/>
-  <dgm:extLst>
-    <a:ext uri="http://schemas.microsoft.com/office/drawing/2008/diagram">
-      <dsp:dataModelExt xmlns:dsp="http://schemas.microsoft.com/office/drawing/2008/diagram" relId="rId6" minVer="http://schemas.openxmlformats.org/drawingml/2006/diagram"/>
-    </a:ext>
-  </dgm:extLst>
-</dgm:dataModel>
-</file>
-
-<file path=ppt/diagrams/data2.xml><?xml version="1.0" encoding="utf-8"?>
-<dgm:dataModel xmlns:dgm="http://schemas.openxmlformats.org/drawingml/2006/diagram" xmlns:a="http://schemas.openxmlformats.org/drawingml/2006/main">
-  <dgm:ptLst>
-    <dgm:pt modelId="{8019D613-BFCC-4688-A3AE-0A372190074E}" type="doc">
-      <dgm:prSet loTypeId="urn:microsoft.com/office/officeart/2005/8/layout/hProcess9" loCatId="process" qsTypeId="urn:microsoft.com/office/officeart/2005/8/quickstyle/simple1" qsCatId="simple" csTypeId="urn:microsoft.com/office/officeart/2005/8/colors/accent2_3" csCatId="accent2" phldr="1"/>
-      <dgm:spPr/>
-    </dgm:pt>
-    <dgm:pt modelId="{ED46C028-9181-4237-A9EF-33475FA0BF5D}">
-      <dgm:prSet phldrT="[Text]"/>
+    <dgm:pt modelId="{27628474-1424-4000-B6DA-24B6E7897A71}">
+      <dgm:prSet/>
       <dgm:spPr/>
       <dgm:t>
         <a:bodyPr/>
@@ -2074,13 +1133,13 @@
         <a:p>
           <a:r>
             <a:rPr lang="en-US" dirty="0" smtClean="0"/>
-            <a:t>User</a:t>
+            <a:t>Real-Time Updates</a:t>
           </a:r>
           <a:endParaRPr lang="en-US" dirty="0"/>
         </a:p>
       </dgm:t>
     </dgm:pt>
-    <dgm:pt modelId="{BF372887-FC66-4081-856F-DC0F9C218583}" type="parTrans" cxnId="{7A3489F1-E5C0-44D7-B1DD-6F4D3DACC1FC}">
+    <dgm:pt modelId="{6CE23749-D86A-458F-BCB2-40653DB4B839}" type="parTrans" cxnId="{97C73689-568A-449A-8394-772C13491A16}">
       <dgm:prSet/>
       <dgm:spPr/>
       <dgm:t>
@@ -2091,7 +1150,7 @@
         </a:p>
       </dgm:t>
     </dgm:pt>
-    <dgm:pt modelId="{E09598DD-6FED-4ECF-94D0-099F40A79DF8}" type="sibTrans" cxnId="{7A3489F1-E5C0-44D7-B1DD-6F4D3DACC1FC}">
+    <dgm:pt modelId="{C7805999-3F14-4FE2-A8A3-16A36D095230}" type="sibTrans" cxnId="{97C73689-568A-449A-8394-772C13491A16}">
       <dgm:prSet/>
       <dgm:spPr/>
       <dgm:t>
@@ -2102,124 +1161,55 @@
         </a:p>
       </dgm:t>
     </dgm:pt>
-    <dgm:pt modelId="{9418FB2F-E69C-4FBC-B86A-5834CC8A2F88}">
-      <dgm:prSet phldrT="[Text]"/>
-      <dgm:spPr/>
-      <dgm:t>
-        <a:bodyPr/>
-        <a:lstStyle/>
-        <a:p>
-          <a:r>
-            <a:rPr lang="en-US" dirty="0" smtClean="0"/>
-            <a:t>Action</a:t>
-          </a:r>
-          <a:endParaRPr lang="en-US" dirty="0"/>
-        </a:p>
-      </dgm:t>
-    </dgm:pt>
-    <dgm:pt modelId="{0926678E-E79D-40DB-85F0-C83E5C336560}" type="parTrans" cxnId="{47996408-8E70-4D33-ADB1-92E0E0D9B1D8}">
-      <dgm:prSet/>
-      <dgm:spPr/>
-      <dgm:t>
-        <a:bodyPr/>
-        <a:lstStyle/>
-        <a:p>
-          <a:endParaRPr lang="en-US"/>
-        </a:p>
-      </dgm:t>
-    </dgm:pt>
-    <dgm:pt modelId="{9FD69980-DCE0-4C2E-A8A7-01C1C0E7B05D}" type="sibTrans" cxnId="{47996408-8E70-4D33-ADB1-92E0E0D9B1D8}">
-      <dgm:prSet/>
-      <dgm:spPr/>
-      <dgm:t>
-        <a:bodyPr/>
-        <a:lstStyle/>
-        <a:p>
-          <a:endParaRPr lang="en-US"/>
-        </a:p>
-      </dgm:t>
-    </dgm:pt>
-    <dgm:pt modelId="{2BCAF8FD-8821-4D95-8E96-77C6A5E9B6DA}">
-      <dgm:prSet phldrT="[Text]"/>
-      <dgm:spPr/>
-      <dgm:t>
-        <a:bodyPr/>
-        <a:lstStyle/>
-        <a:p>
-          <a:r>
-            <a:rPr lang="en-US" dirty="0" smtClean="0"/>
-            <a:t>Object</a:t>
-          </a:r>
-          <a:endParaRPr lang="en-US" dirty="0"/>
-        </a:p>
-      </dgm:t>
-    </dgm:pt>
-    <dgm:pt modelId="{32660ABF-CDD9-4AF1-8B74-DAAE4DA05A88}" type="parTrans" cxnId="{6B4DBA58-23B0-4FAC-93EC-86EF59E201B0}">
-      <dgm:prSet/>
-      <dgm:spPr/>
-      <dgm:t>
-        <a:bodyPr/>
-        <a:lstStyle/>
-        <a:p>
-          <a:endParaRPr lang="en-US"/>
-        </a:p>
-      </dgm:t>
-    </dgm:pt>
-    <dgm:pt modelId="{E8A0E925-C7F0-4137-ABB8-D7A7CF2D5B87}" type="sibTrans" cxnId="{6B4DBA58-23B0-4FAC-93EC-86EF59E201B0}">
-      <dgm:prSet/>
-      <dgm:spPr/>
-      <dgm:t>
-        <a:bodyPr/>
-        <a:lstStyle/>
-        <a:p>
-          <a:endParaRPr lang="en-US"/>
-        </a:p>
-      </dgm:t>
-    </dgm:pt>
-    <dgm:pt modelId="{DD3D08AD-6556-436C-A600-0ABC2A412F1C}" type="pres">
-      <dgm:prSet presAssocID="{8019D613-BFCC-4688-A3AE-0A372190074E}" presName="CompostProcess" presStyleCnt="0">
+    <dgm:pt modelId="{E5C14DC5-6DCD-45AB-A1CE-46CE82BCCAC6}" type="pres">
+      <dgm:prSet presAssocID="{855D6EFC-2080-4B5F-82EC-D59F39DFAD85}" presName="matrix" presStyleCnt="0">
         <dgm:presLayoutVars>
+          <dgm:chMax val="1"/>
           <dgm:dir/>
           <dgm:resizeHandles val="exact"/>
         </dgm:presLayoutVars>
       </dgm:prSet>
       <dgm:spPr/>
     </dgm:pt>
-    <dgm:pt modelId="{BD37985E-E86B-41B7-912F-EF30355CBBD2}" type="pres">
-      <dgm:prSet presAssocID="{8019D613-BFCC-4688-A3AE-0A372190074E}" presName="arrow" presStyleLbl="bgShp" presStyleIdx="0" presStyleCnt="1" custScaleX="40885" custLinFactNeighborX="110"/>
+    <dgm:pt modelId="{6F5A64AC-776C-48AE-B17F-D5E5FFE9A60C}" type="pres">
+      <dgm:prSet presAssocID="{855D6EFC-2080-4B5F-82EC-D59F39DFAD85}" presName="diamond" presStyleLbl="bgShp" presStyleIdx="0" presStyleCnt="1"/>
       <dgm:spPr/>
     </dgm:pt>
-    <dgm:pt modelId="{FC8A8016-BFF1-4FF0-9966-899B38F81994}" type="pres">
-      <dgm:prSet presAssocID="{8019D613-BFCC-4688-A3AE-0A372190074E}" presName="linearProcess" presStyleCnt="0"/>
-      <dgm:spPr/>
-    </dgm:pt>
-    <dgm:pt modelId="{5C9129F5-B66A-4DC0-93D3-2378F9F3F064}" type="pres">
-      <dgm:prSet presAssocID="{ED46C028-9181-4237-A9EF-33475FA0BF5D}" presName="textNode" presStyleLbl="node1" presStyleIdx="0" presStyleCnt="3" custScaleY="250000">
+    <dgm:pt modelId="{E42255E6-60C7-4251-A943-BFF78A38CAA3}" type="pres">
+      <dgm:prSet presAssocID="{855D6EFC-2080-4B5F-82EC-D59F39DFAD85}" presName="quad1" presStyleLbl="node1" presStyleIdx="0" presStyleCnt="4">
         <dgm:presLayoutVars>
+          <dgm:chMax val="0"/>
+          <dgm:chPref val="0"/>
           <dgm:bulletEnabled val="1"/>
         </dgm:presLayoutVars>
       </dgm:prSet>
       <dgm:spPr/>
     </dgm:pt>
-    <dgm:pt modelId="{1AE68709-D0C1-4FBA-83E9-9F2D3E0A9B45}" type="pres">
-      <dgm:prSet presAssocID="{E09598DD-6FED-4ECF-94D0-099F40A79DF8}" presName="sibTrans" presStyleCnt="0"/>
-      <dgm:spPr/>
-    </dgm:pt>
-    <dgm:pt modelId="{1FD25DFA-72B0-417C-B799-1F99751210AF}" type="pres">
-      <dgm:prSet presAssocID="{9418FB2F-E69C-4FBC-B86A-5834CC8A2F88}" presName="textNode" presStyleLbl="node1" presStyleIdx="1" presStyleCnt="3" custLinFactNeighborX="-27960">
+    <dgm:pt modelId="{F5D71313-15B3-426D-A23A-FE2A6E3E945B}" type="pres">
+      <dgm:prSet presAssocID="{855D6EFC-2080-4B5F-82EC-D59F39DFAD85}" presName="quad2" presStyleLbl="node1" presStyleIdx="1" presStyleCnt="4">
         <dgm:presLayoutVars>
+          <dgm:chMax val="0"/>
+          <dgm:chPref val="0"/>
           <dgm:bulletEnabled val="1"/>
         </dgm:presLayoutVars>
       </dgm:prSet>
       <dgm:spPr/>
     </dgm:pt>
-    <dgm:pt modelId="{A1B4F979-6924-4924-BB75-9F296BF9B123}" type="pres">
-      <dgm:prSet presAssocID="{9FD69980-DCE0-4C2E-A8A7-01C1C0E7B05D}" presName="sibTrans" presStyleCnt="0"/>
+    <dgm:pt modelId="{8C62473A-AAD8-4F17-8C01-8B8C743428AD}" type="pres">
+      <dgm:prSet presAssocID="{855D6EFC-2080-4B5F-82EC-D59F39DFAD85}" presName="quad3" presStyleLbl="node1" presStyleIdx="2" presStyleCnt="4">
+        <dgm:presLayoutVars>
+          <dgm:chMax val="0"/>
+          <dgm:chPref val="0"/>
+          <dgm:bulletEnabled val="1"/>
+        </dgm:presLayoutVars>
+      </dgm:prSet>
       <dgm:spPr/>
     </dgm:pt>
-    <dgm:pt modelId="{E8F2EE42-1493-4F0E-BC36-F1AA75FA66E0}" type="pres">
-      <dgm:prSet presAssocID="{2BCAF8FD-8821-4D95-8E96-77C6A5E9B6DA}" presName="textNode" presStyleLbl="node1" presStyleIdx="2" presStyleCnt="3" custScaleY="245238">
+    <dgm:pt modelId="{20877FC0-6897-422E-AB2D-CC6CF4267D7C}" type="pres">
+      <dgm:prSet presAssocID="{855D6EFC-2080-4B5F-82EC-D59F39DFAD85}" presName="quad4" presStyleLbl="node1" presStyleIdx="3" presStyleCnt="4">
         <dgm:presLayoutVars>
+          <dgm:chMax val="0"/>
+          <dgm:chPref val="0"/>
           <dgm:bulletEnabled val="1"/>
         </dgm:presLayoutVars>
       </dgm:prSet>
@@ -2227,20 +1217,20 @@
     </dgm:pt>
   </dgm:ptLst>
   <dgm:cxnLst>
-    <dgm:cxn modelId="{EB1E5844-9702-494A-AF20-C991BA19DB62}" type="presOf" srcId="{2BCAF8FD-8821-4D95-8E96-77C6A5E9B6DA}" destId="{E8F2EE42-1493-4F0E-BC36-F1AA75FA66E0}" srcOrd="0" destOrd="0" presId="urn:microsoft.com/office/officeart/2005/8/layout/hProcess9"/>
-    <dgm:cxn modelId="{6B4DBA58-23B0-4FAC-93EC-86EF59E201B0}" srcId="{8019D613-BFCC-4688-A3AE-0A372190074E}" destId="{2BCAF8FD-8821-4D95-8E96-77C6A5E9B6DA}" srcOrd="2" destOrd="0" parTransId="{32660ABF-CDD9-4AF1-8B74-DAAE4DA05A88}" sibTransId="{E8A0E925-C7F0-4137-ABB8-D7A7CF2D5B87}"/>
-    <dgm:cxn modelId="{C4FE68B3-655E-42DF-94FC-871444AA3E55}" type="presOf" srcId="{ED46C028-9181-4237-A9EF-33475FA0BF5D}" destId="{5C9129F5-B66A-4DC0-93D3-2378F9F3F064}" srcOrd="0" destOrd="0" presId="urn:microsoft.com/office/officeart/2005/8/layout/hProcess9"/>
-    <dgm:cxn modelId="{37DD2BF9-F544-4C6E-B38D-7E7F16CD3775}" type="presOf" srcId="{8019D613-BFCC-4688-A3AE-0A372190074E}" destId="{DD3D08AD-6556-436C-A600-0ABC2A412F1C}" srcOrd="0" destOrd="0" presId="urn:microsoft.com/office/officeart/2005/8/layout/hProcess9"/>
-    <dgm:cxn modelId="{7A3489F1-E5C0-44D7-B1DD-6F4D3DACC1FC}" srcId="{8019D613-BFCC-4688-A3AE-0A372190074E}" destId="{ED46C028-9181-4237-A9EF-33475FA0BF5D}" srcOrd="0" destOrd="0" parTransId="{BF372887-FC66-4081-856F-DC0F9C218583}" sibTransId="{E09598DD-6FED-4ECF-94D0-099F40A79DF8}"/>
-    <dgm:cxn modelId="{47996408-8E70-4D33-ADB1-92E0E0D9B1D8}" srcId="{8019D613-BFCC-4688-A3AE-0A372190074E}" destId="{9418FB2F-E69C-4FBC-B86A-5834CC8A2F88}" srcOrd="1" destOrd="0" parTransId="{0926678E-E79D-40DB-85F0-C83E5C336560}" sibTransId="{9FD69980-DCE0-4C2E-A8A7-01C1C0E7B05D}"/>
-    <dgm:cxn modelId="{454872E5-9EC0-4C7B-8B2D-E6D7EF4225DE}" type="presOf" srcId="{9418FB2F-E69C-4FBC-B86A-5834CC8A2F88}" destId="{1FD25DFA-72B0-417C-B799-1F99751210AF}" srcOrd="0" destOrd="0" presId="urn:microsoft.com/office/officeart/2005/8/layout/hProcess9"/>
-    <dgm:cxn modelId="{C73F5A0B-CBEE-4083-82D0-258E84003F07}" type="presParOf" srcId="{DD3D08AD-6556-436C-A600-0ABC2A412F1C}" destId="{BD37985E-E86B-41B7-912F-EF30355CBBD2}" srcOrd="0" destOrd="0" presId="urn:microsoft.com/office/officeart/2005/8/layout/hProcess9"/>
-    <dgm:cxn modelId="{19492E66-2C8B-415B-91D0-F2DCAABDA708}" type="presParOf" srcId="{DD3D08AD-6556-436C-A600-0ABC2A412F1C}" destId="{FC8A8016-BFF1-4FF0-9966-899B38F81994}" srcOrd="1" destOrd="0" presId="urn:microsoft.com/office/officeart/2005/8/layout/hProcess9"/>
-    <dgm:cxn modelId="{21D93A7E-B2EA-44A7-9F21-232FA4563B9A}" type="presParOf" srcId="{FC8A8016-BFF1-4FF0-9966-899B38F81994}" destId="{5C9129F5-B66A-4DC0-93D3-2378F9F3F064}" srcOrd="0" destOrd="0" presId="urn:microsoft.com/office/officeart/2005/8/layout/hProcess9"/>
-    <dgm:cxn modelId="{AA4DABD3-8F9E-4F63-8689-08014D3DC1FE}" type="presParOf" srcId="{FC8A8016-BFF1-4FF0-9966-899B38F81994}" destId="{1AE68709-D0C1-4FBA-83E9-9F2D3E0A9B45}" srcOrd="1" destOrd="0" presId="urn:microsoft.com/office/officeart/2005/8/layout/hProcess9"/>
-    <dgm:cxn modelId="{EA36A838-D266-47F4-A3EB-7C628AB5C334}" type="presParOf" srcId="{FC8A8016-BFF1-4FF0-9966-899B38F81994}" destId="{1FD25DFA-72B0-417C-B799-1F99751210AF}" srcOrd="2" destOrd="0" presId="urn:microsoft.com/office/officeart/2005/8/layout/hProcess9"/>
-    <dgm:cxn modelId="{E538A459-3A50-4552-904D-0BFF9FE44E70}" type="presParOf" srcId="{FC8A8016-BFF1-4FF0-9966-899B38F81994}" destId="{A1B4F979-6924-4924-BB75-9F296BF9B123}" srcOrd="3" destOrd="0" presId="urn:microsoft.com/office/officeart/2005/8/layout/hProcess9"/>
-    <dgm:cxn modelId="{7DAC29D4-E459-423C-8D75-F61065D95233}" type="presParOf" srcId="{FC8A8016-BFF1-4FF0-9966-899B38F81994}" destId="{E8F2EE42-1493-4F0E-BC36-F1AA75FA66E0}" srcOrd="4" destOrd="0" presId="urn:microsoft.com/office/officeart/2005/8/layout/hProcess9"/>
+    <dgm:cxn modelId="{962F4DD4-0173-4510-BBB0-212190229D2E}" type="presOf" srcId="{79C8E4E5-488F-4CC7-94A0-669FC4D4380E}" destId="{F5D71313-15B3-426D-A23A-FE2A6E3E945B}" srcOrd="0" destOrd="0" presId="urn:microsoft.com/office/officeart/2005/8/layout/matrix3"/>
+    <dgm:cxn modelId="{066DEB80-BA81-44E2-99B2-9DDDE0C7D520}" type="presOf" srcId="{469929CC-38E3-4676-BB4F-261B0AAB93D0}" destId="{E42255E6-60C7-4251-A943-BFF78A38CAA3}" srcOrd="0" destOrd="0" presId="urn:microsoft.com/office/officeart/2005/8/layout/matrix3"/>
+    <dgm:cxn modelId="{55BDB01A-2926-40D0-A3F1-8A5D10443B98}" type="presOf" srcId="{855D6EFC-2080-4B5F-82EC-D59F39DFAD85}" destId="{E5C14DC5-6DCD-45AB-A1CE-46CE82BCCAC6}" srcOrd="0" destOrd="0" presId="urn:microsoft.com/office/officeart/2005/8/layout/matrix3"/>
+    <dgm:cxn modelId="{97C73689-568A-449A-8394-772C13491A16}" srcId="{855D6EFC-2080-4B5F-82EC-D59F39DFAD85}" destId="{27628474-1424-4000-B6DA-24B6E7897A71}" srcOrd="3" destOrd="0" parTransId="{6CE23749-D86A-458F-BCB2-40653DB4B839}" sibTransId="{C7805999-3F14-4FE2-A8A3-16A36D095230}"/>
+    <dgm:cxn modelId="{1BE9745A-141C-40A1-8C8E-8B5BDFC7E5C5}" srcId="{855D6EFC-2080-4B5F-82EC-D59F39DFAD85}" destId="{79C8E4E5-488F-4CC7-94A0-669FC4D4380E}" srcOrd="1" destOrd="0" parTransId="{4802D0E9-BB72-4764-9774-F311995F6F73}" sibTransId="{5BF1F966-0DB0-4A0E-A0A6-AED6EA617CCD}"/>
+    <dgm:cxn modelId="{DC1F898F-7C13-49B1-A23A-84023C9FFA75}" type="presOf" srcId="{27628474-1424-4000-B6DA-24B6E7897A71}" destId="{20877FC0-6897-422E-AB2D-CC6CF4267D7C}" srcOrd="0" destOrd="0" presId="urn:microsoft.com/office/officeart/2005/8/layout/matrix3"/>
+    <dgm:cxn modelId="{50E2FC99-1540-4578-AA44-8CAE2F619A5A}" srcId="{855D6EFC-2080-4B5F-82EC-D59F39DFAD85}" destId="{7C650494-BC5A-4EB5-BB9C-6DF7790F108B}" srcOrd="2" destOrd="0" parTransId="{46066A0D-BE6B-411F-A156-ABB6FF54CA48}" sibTransId="{ECBC18FC-5130-4BB3-8C74-5EB940A05165}"/>
+    <dgm:cxn modelId="{9B3C2B32-6686-4B8B-8D66-E0F6F0B8E63B}" srcId="{855D6EFC-2080-4B5F-82EC-D59F39DFAD85}" destId="{469929CC-38E3-4676-BB4F-261B0AAB93D0}" srcOrd="0" destOrd="0" parTransId="{E14EBFDF-AEB8-4C49-9B58-8E3574AC76A4}" sibTransId="{5A133684-96FD-4B41-9351-54744F107C0D}"/>
+    <dgm:cxn modelId="{CA611D91-10D0-4A07-A69D-A82B9E48B161}" type="presOf" srcId="{7C650494-BC5A-4EB5-BB9C-6DF7790F108B}" destId="{8C62473A-AAD8-4F17-8C01-8B8C743428AD}" srcOrd="0" destOrd="0" presId="urn:microsoft.com/office/officeart/2005/8/layout/matrix3"/>
+    <dgm:cxn modelId="{08612877-07D2-4179-B15F-60A1CAF4D7F5}" type="presParOf" srcId="{E5C14DC5-6DCD-45AB-A1CE-46CE82BCCAC6}" destId="{6F5A64AC-776C-48AE-B17F-D5E5FFE9A60C}" srcOrd="0" destOrd="0" presId="urn:microsoft.com/office/officeart/2005/8/layout/matrix3"/>
+    <dgm:cxn modelId="{DF8C07C5-FA1C-4299-85D8-0085FEB16AE6}" type="presParOf" srcId="{E5C14DC5-6DCD-45AB-A1CE-46CE82BCCAC6}" destId="{E42255E6-60C7-4251-A943-BFF78A38CAA3}" srcOrd="1" destOrd="0" presId="urn:microsoft.com/office/officeart/2005/8/layout/matrix3"/>
+    <dgm:cxn modelId="{AB0F3F65-32D2-4B8E-8ED0-94330F583208}" type="presParOf" srcId="{E5C14DC5-6DCD-45AB-A1CE-46CE82BCCAC6}" destId="{F5D71313-15B3-426D-A23A-FE2A6E3E945B}" srcOrd="2" destOrd="0" presId="urn:microsoft.com/office/officeart/2005/8/layout/matrix3"/>
+    <dgm:cxn modelId="{091C9A87-5108-442B-96F1-974240C54CE2}" type="presParOf" srcId="{E5C14DC5-6DCD-45AB-A1CE-46CE82BCCAC6}" destId="{8C62473A-AAD8-4F17-8C01-8B8C743428AD}" srcOrd="3" destOrd="0" presId="urn:microsoft.com/office/officeart/2005/8/layout/matrix3"/>
+    <dgm:cxn modelId="{8EE1C2F0-2107-4EDD-8B85-54DAAF7E953F}" type="presParOf" srcId="{E5C14DC5-6DCD-45AB-A1CE-46CE82BCCAC6}" destId="{20877FC0-6897-422E-AB2D-CC6CF4267D7C}" srcOrd="4" destOrd="0" presId="urn:microsoft.com/office/officeart/2005/8/layout/matrix3"/>
   </dgm:cxnLst>
   <dgm:bg/>
   <dgm:whole/>
@@ -2260,23 +1250,61 @@
       <dsp:cNvGrpSpPr/>
     </dsp:nvGrpSpPr>
     <dsp:grpSpPr/>
-    <dsp:sp modelId="{FDB55EF5-F1FB-4153-B779-6B90BA61633A}">
+    <dsp:sp modelId="{6F5A64AC-776C-48AE-B17F-D5E5FFE9A60C}">
       <dsp:nvSpPr>
         <dsp:cNvPr id="0" name=""/>
         <dsp:cNvSpPr/>
       </dsp:nvSpPr>
       <dsp:spPr>
         <a:xfrm>
-          <a:off x="9798" y="121486"/>
-          <a:ext cx="2928793" cy="1757276"/>
+          <a:off x="3242207" y="0"/>
+          <a:ext cx="4664597" cy="4664597"/>
+        </a:xfrm>
+        <a:prstGeom prst="diamond">
+          <a:avLst/>
+        </a:prstGeom>
+        <a:solidFill>
+          <a:schemeClr val="accent5">
+            <a:tint val="40000"/>
+            <a:hueOff val="0"/>
+            <a:satOff val="0"/>
+            <a:lumOff val="0"/>
+            <a:alphaOff val="0"/>
+          </a:schemeClr>
+        </a:solidFill>
+        <a:ln>
+          <a:noFill/>
+        </a:ln>
+        <a:effectLst/>
+      </dsp:spPr>
+      <dsp:style>
+        <a:lnRef idx="0">
+          <a:scrgbClr r="0" g="0" b="0"/>
+        </a:lnRef>
+        <a:fillRef idx="1">
+          <a:scrgbClr r="0" g="0" b="0"/>
+        </a:fillRef>
+        <a:effectRef idx="0">
+          <a:scrgbClr r="0" g="0" b="0"/>
+        </a:effectRef>
+        <a:fontRef idx="minor"/>
+      </dsp:style>
+    </dsp:sp>
+    <dsp:sp modelId="{E42255E6-60C7-4251-A943-BFF78A38CAA3}">
+      <dsp:nvSpPr>
+        <dsp:cNvPr id="0" name=""/>
+        <dsp:cNvSpPr/>
+      </dsp:nvSpPr>
+      <dsp:spPr>
+        <a:xfrm>
+          <a:off x="3685344" y="443136"/>
+          <a:ext cx="1819192" cy="1819192"/>
         </a:xfrm>
         <a:prstGeom prst="roundRect">
-          <a:avLst>
-            <a:gd name="adj" fmla="val 10000"/>
-          </a:avLst>
+          <a:avLst/>
         </a:prstGeom>
         <a:solidFill>
-          <a:schemeClr val="accent2">
+          <a:schemeClr val="accent5">
             <a:hueOff val="0"/>
             <a:satOff val="0"/>
             <a:lumOff val="0"/>
@@ -2311,12 +1339,12 @@
         </a:fontRef>
       </dsp:style>
       <dsp:txBody>
-        <a:bodyPr spcFirstLastPara="0" vert="horz" wrap="square" lIns="106680" tIns="106680" rIns="106680" bIns="106680" numCol="1" spcCol="1270" anchor="ctr" anchorCtr="0">
+        <a:bodyPr spcFirstLastPara="0" vert="horz" wrap="square" lIns="87630" tIns="87630" rIns="87630" bIns="87630" numCol="1" spcCol="1270" anchor="ctr" anchorCtr="0">
           <a:noAutofit/>
         </a:bodyPr>
         <a:lstStyle/>
         <a:p>
-          <a:pPr lvl="0" algn="ctr" defTabSz="1244600">
+          <a:pPr lvl="0" algn="ctr" defTabSz="1022350" rtl="0">
             <a:lnSpc>
               <a:spcPct val="90000"/>
             </a:lnSpc>
@@ -2328,114 +1356,35 @@
             </a:spcAft>
           </a:pPr>
           <a:r>
-            <a:rPr lang="en-US" sz="2800" kern="1200" dirty="0" smtClean="0"/>
-            <a:t>Redirect to </a:t>
+            <a:rPr lang="en-US" sz="2300" kern="1200" baseline="0" smtClean="0"/>
+            <a:t>Identity</a:t>
           </a:r>
-          <a:r>
-            <a:rPr lang="en-US" sz="2800" kern="1200" dirty="0" err="1" smtClean="0"/>
-            <a:t>OAuth</a:t>
-          </a:r>
-          <a:r>
-            <a:rPr lang="en-US" sz="2800" kern="1200" dirty="0" smtClean="0"/>
-            <a:t> Provider</a:t>
-          </a:r>
-          <a:endParaRPr lang="en-US" sz="2800" kern="1200" dirty="0"/>
+          <a:endParaRPr lang="en-US" sz="2300" kern="1200"/>
         </a:p>
       </dsp:txBody>
       <dsp:txXfrm>
-        <a:off x="61267" y="172955"/>
-        <a:ext cx="2825855" cy="1654338"/>
+        <a:off x="3774150" y="531942"/>
+        <a:ext cx="1641580" cy="1641580"/>
       </dsp:txXfrm>
     </dsp:sp>
-    <dsp:sp modelId="{92C0EBCF-B9CE-43D0-B550-1BD25C55AB00}">
+    <dsp:sp modelId="{F5D71313-15B3-426D-A23A-FE2A6E3E945B}">
       <dsp:nvSpPr>
         <dsp:cNvPr id="0" name=""/>
         <dsp:cNvSpPr/>
       </dsp:nvSpPr>
       <dsp:spPr>
         <a:xfrm>
-          <a:off x="3231471" y="636954"/>
-          <a:ext cx="620904" cy="726340"/>
+          <a:off x="5644475" y="443136"/>
+          <a:ext cx="1819192" cy="1819192"/>
         </a:xfrm>
-        <a:prstGeom prst="rightArrow">
-          <a:avLst>
-            <a:gd name="adj1" fmla="val 60000"/>
-            <a:gd name="adj2" fmla="val 50000"/>
-          </a:avLst>
+        <a:prstGeom prst="roundRect">
+          <a:avLst/>
         </a:prstGeom>
         <a:solidFill>
-          <a:schemeClr val="accent2">
-            <a:tint val="60000"/>
-            <a:hueOff val="0"/>
+          <a:schemeClr val="accent5">
+            <a:hueOff val="4078730"/>
             <a:satOff val="0"/>
-            <a:lumOff val="0"/>
-            <a:alphaOff val="0"/>
-          </a:schemeClr>
-        </a:solidFill>
-        <a:ln>
-          <a:noFill/>
-        </a:ln>
-        <a:effectLst/>
-      </dsp:spPr>
-      <dsp:style>
-        <a:lnRef idx="0">
-          <a:scrgbClr r="0" g="0" b="0"/>
-        </a:lnRef>
-        <a:fillRef idx="1">
-          <a:scrgbClr r="0" g="0" b="0"/>
-        </a:fillRef>
-        <a:effectRef idx="0">
-          <a:scrgbClr r="0" g="0" b="0"/>
-        </a:effectRef>
-        <a:fontRef idx="minor">
-          <a:schemeClr val="lt1"/>
-        </a:fontRef>
-      </dsp:style>
-      <dsp:txBody>
-        <a:bodyPr spcFirstLastPara="0" vert="horz" wrap="square" lIns="0" tIns="0" rIns="0" bIns="0" numCol="1" spcCol="1270" anchor="ctr" anchorCtr="0">
-          <a:noAutofit/>
-        </a:bodyPr>
-        <a:lstStyle/>
-        <a:p>
-          <a:pPr lvl="0" algn="ctr" defTabSz="977900">
-            <a:lnSpc>
-              <a:spcPct val="90000"/>
-            </a:lnSpc>
-            <a:spcBef>
-              <a:spcPct val="0"/>
-            </a:spcBef>
-            <a:spcAft>
-              <a:spcPct val="35000"/>
-            </a:spcAft>
-          </a:pPr>
-          <a:endParaRPr lang="en-US" sz="2200" kern="1200"/>
-        </a:p>
-      </dsp:txBody>
-      <dsp:txXfrm>
-        <a:off x="3231471" y="782222"/>
-        <a:ext cx="434633" cy="435804"/>
-      </dsp:txXfrm>
-    </dsp:sp>
-    <dsp:sp modelId="{3547CF04-73E2-4057-8B21-86FCF3EE346C}">
-      <dsp:nvSpPr>
-        <dsp:cNvPr id="0" name=""/>
-        <dsp:cNvSpPr/>
-      </dsp:nvSpPr>
-      <dsp:spPr>
-        <a:xfrm>
-          <a:off x="4110109" y="121486"/>
-          <a:ext cx="2928793" cy="1757276"/>
-        </a:xfrm>
-        <a:prstGeom prst="roundRect">
-          <a:avLst>
-            <a:gd name="adj" fmla="val 10000"/>
-          </a:avLst>
-        </a:prstGeom>
-        <a:solidFill>
-          <a:schemeClr val="accent2">
-            <a:hueOff val="0"/>
-            <a:satOff val="0"/>
-            <a:lumOff val="0"/>
+            <a:lumOff val="-4379"/>
             <a:alphaOff val="0"/>
           </a:schemeClr>
         </a:solidFill>
@@ -2467,12 +1416,12 @@
         </a:fontRef>
       </dsp:style>
       <dsp:txBody>
-        <a:bodyPr spcFirstLastPara="0" vert="horz" wrap="square" lIns="106680" tIns="106680" rIns="106680" bIns="106680" numCol="1" spcCol="1270" anchor="ctr" anchorCtr="0">
+        <a:bodyPr spcFirstLastPara="0" vert="horz" wrap="square" lIns="87630" tIns="87630" rIns="87630" bIns="87630" numCol="1" spcCol="1270" anchor="ctr" anchorCtr="0">
           <a:noAutofit/>
         </a:bodyPr>
         <a:lstStyle/>
         <a:p>
-          <a:pPr lvl="0" algn="ctr" defTabSz="1244600">
+          <a:pPr lvl="0" algn="ctr" defTabSz="1022350" rtl="0">
             <a:lnSpc>
               <a:spcPct val="90000"/>
             </a:lnSpc>
@@ -2484,110 +1433,35 @@
             </a:spcAft>
           </a:pPr>
           <a:r>
-            <a:rPr lang="en-US" sz="2800" kern="1200" dirty="0" smtClean="0"/>
-            <a:t>User Grants </a:t>
+            <a:rPr lang="en-US" sz="2300" kern="1200" baseline="0" smtClean="0"/>
+            <a:t>Social Graph</a:t>
           </a:r>
-          <a:r>
-            <a:rPr lang="en-US" sz="2800" kern="1200" dirty="0" err="1" smtClean="0"/>
-            <a:t>Authorizatoin</a:t>
-          </a:r>
-          <a:endParaRPr lang="en-US" sz="2800" kern="1200" dirty="0"/>
+          <a:endParaRPr lang="en-US" sz="2300" kern="1200"/>
         </a:p>
       </dsp:txBody>
       <dsp:txXfrm>
-        <a:off x="4161578" y="172955"/>
-        <a:ext cx="2825855" cy="1654338"/>
+        <a:off x="5733281" y="531942"/>
+        <a:ext cx="1641580" cy="1641580"/>
       </dsp:txXfrm>
     </dsp:sp>
-    <dsp:sp modelId="{BCE4B2D9-8E67-49A7-9EC8-8FEC2EBB88A9}">
+    <dsp:sp modelId="{8C62473A-AAD8-4F17-8C01-8B8C743428AD}">
       <dsp:nvSpPr>
         <dsp:cNvPr id="0" name=""/>
         <dsp:cNvSpPr/>
       </dsp:nvSpPr>
       <dsp:spPr>
         <a:xfrm>
-          <a:off x="7331782" y="636954"/>
-          <a:ext cx="620904" cy="726340"/>
+          <a:off x="3685344" y="2402267"/>
+          <a:ext cx="1819192" cy="1819192"/>
         </a:xfrm>
-        <a:prstGeom prst="rightArrow">
-          <a:avLst>
-            <a:gd name="adj1" fmla="val 60000"/>
-            <a:gd name="adj2" fmla="val 50000"/>
-          </a:avLst>
+        <a:prstGeom prst="roundRect">
+          <a:avLst/>
         </a:prstGeom>
         <a:solidFill>
-          <a:schemeClr val="accent2">
-            <a:tint val="60000"/>
-            <a:hueOff val="0"/>
+          <a:schemeClr val="accent5">
+            <a:hueOff val="8157460"/>
             <a:satOff val="0"/>
-            <a:lumOff val="0"/>
-            <a:alphaOff val="0"/>
-          </a:schemeClr>
-        </a:solidFill>
-        <a:ln>
-          <a:noFill/>
-        </a:ln>
-        <a:effectLst/>
-      </dsp:spPr>
-      <dsp:style>
-        <a:lnRef idx="0">
-          <a:scrgbClr r="0" g="0" b="0"/>
-        </a:lnRef>
-        <a:fillRef idx="1">
-          <a:scrgbClr r="0" g="0" b="0"/>
-        </a:fillRef>
-        <a:effectRef idx="0">
-          <a:scrgbClr r="0" g="0" b="0"/>
-        </a:effectRef>
-        <a:fontRef idx="minor">
-          <a:schemeClr val="lt1"/>
-        </a:fontRef>
-      </dsp:style>
-      <dsp:txBody>
-        <a:bodyPr spcFirstLastPara="0" vert="horz" wrap="square" lIns="0" tIns="0" rIns="0" bIns="0" numCol="1" spcCol="1270" anchor="ctr" anchorCtr="0">
-          <a:noAutofit/>
-        </a:bodyPr>
-        <a:lstStyle/>
-        <a:p>
-          <a:pPr lvl="0" algn="ctr" defTabSz="977900">
-            <a:lnSpc>
-              <a:spcPct val="90000"/>
-            </a:lnSpc>
-            <a:spcBef>
-              <a:spcPct val="0"/>
-            </a:spcBef>
-            <a:spcAft>
-              <a:spcPct val="35000"/>
-            </a:spcAft>
-          </a:pPr>
-          <a:endParaRPr lang="en-US" sz="2200" kern="1200"/>
-        </a:p>
-      </dsp:txBody>
-      <dsp:txXfrm>
-        <a:off x="7331782" y="782222"/>
-        <a:ext cx="434633" cy="435804"/>
-      </dsp:txXfrm>
-    </dsp:sp>
-    <dsp:sp modelId="{45A9E1DE-7796-44A0-92A2-9BA9D837F534}">
-      <dsp:nvSpPr>
-        <dsp:cNvPr id="0" name=""/>
-        <dsp:cNvSpPr/>
-      </dsp:nvSpPr>
-      <dsp:spPr>
-        <a:xfrm>
-          <a:off x="8210420" y="121486"/>
-          <a:ext cx="2928793" cy="1757276"/>
-        </a:xfrm>
-        <a:prstGeom prst="roundRect">
-          <a:avLst>
-            <a:gd name="adj" fmla="val 10000"/>
-          </a:avLst>
-        </a:prstGeom>
-        <a:solidFill>
-          <a:schemeClr val="accent2">
-            <a:hueOff val="0"/>
-            <a:satOff val="0"/>
-            <a:lumOff val="0"/>
+            <a:lumOff val="-8758"/>
             <a:alphaOff val="0"/>
           </a:schemeClr>
         </a:solidFill>
@@ -2619,12 +1493,12 @@
         </a:fontRef>
       </dsp:style>
       <dsp:txBody>
-        <a:bodyPr spcFirstLastPara="0" vert="horz" wrap="square" lIns="106680" tIns="106680" rIns="106680" bIns="106680" numCol="1" spcCol="1270" anchor="ctr" anchorCtr="0">
+        <a:bodyPr spcFirstLastPara="0" vert="horz" wrap="square" lIns="87630" tIns="87630" rIns="87630" bIns="87630" numCol="1" spcCol="1270" anchor="ctr" anchorCtr="0">
           <a:noAutofit/>
         </a:bodyPr>
         <a:lstStyle/>
         <a:p>
-          <a:pPr lvl="0" algn="ctr" defTabSz="1244600">
+          <a:pPr lvl="0" algn="ctr" defTabSz="1022350" rtl="0">
             <a:lnSpc>
               <a:spcPct val="90000"/>
             </a:lnSpc>
@@ -2636,88 +1510,35 @@
             </a:spcAft>
           </a:pPr>
           <a:r>
-            <a:rPr lang="en-US" sz="2800" kern="1200" dirty="0" smtClean="0"/>
-            <a:t>Redirect back to Application with Access Token</a:t>
+            <a:rPr lang="en-US" sz="2300" kern="1200" baseline="0" smtClean="0"/>
+            <a:t>Application Integration</a:t>
           </a:r>
-          <a:endParaRPr lang="en-US" sz="2800" kern="1200" dirty="0"/>
+          <a:endParaRPr lang="en-US" sz="2300" kern="1200"/>
         </a:p>
       </dsp:txBody>
       <dsp:txXfrm>
-        <a:off x="8261889" y="172955"/>
-        <a:ext cx="2825855" cy="1654338"/>
+        <a:off x="3774150" y="2491073"/>
+        <a:ext cx="1641580" cy="1641580"/>
       </dsp:txXfrm>
     </dsp:sp>
-  </dsp:spTree>
-</dsp:drawing>
-</file>
-
-<file path=ppt/diagrams/drawing2.xml><?xml version="1.0" encoding="utf-8"?>
-<dsp:drawing xmlns:dgm="http://schemas.openxmlformats.org/drawingml/2006/diagram" xmlns:dsp="http://schemas.microsoft.com/office/drawing/2008/diagram" xmlns:a="http://schemas.openxmlformats.org/drawingml/2006/main">
-  <dsp:spTree>
-    <dsp:nvGrpSpPr>
-      <dsp:cNvPr id="0" name=""/>
-      <dsp:cNvGrpSpPr/>
-    </dsp:nvGrpSpPr>
-    <dsp:grpSpPr/>
-    <dsp:sp modelId="{BD37985E-E86B-41B7-912F-EF30355CBBD2}">
+    <dsp:sp modelId="{20877FC0-6897-422E-AB2D-CC6CF4267D7C}">
       <dsp:nvSpPr>
         <dsp:cNvPr id="0" name=""/>
         <dsp:cNvSpPr/>
       </dsp:nvSpPr>
       <dsp:spPr>
         <a:xfrm>
-          <a:off x="3647664" y="0"/>
-          <a:ext cx="3874532" cy="2000250"/>
-        </a:xfrm>
-        <a:prstGeom prst="rightArrow">
-          <a:avLst/>
-        </a:prstGeom>
-        <a:solidFill>
-          <a:schemeClr val="accent2">
-            <a:tint val="40000"/>
-            <a:hueOff val="0"/>
-            <a:satOff val="0"/>
-            <a:lumOff val="0"/>
-            <a:alphaOff val="0"/>
-          </a:schemeClr>
-        </a:solidFill>
-        <a:ln>
-          <a:noFill/>
-        </a:ln>
-        <a:effectLst/>
-      </dsp:spPr>
-      <dsp:style>
-        <a:lnRef idx="0">
-          <a:scrgbClr r="0" g="0" b="0"/>
-        </a:lnRef>
-        <a:fillRef idx="1">
-          <a:scrgbClr r="0" g="0" b="0"/>
-        </a:fillRef>
-        <a:effectRef idx="0">
-          <a:scrgbClr r="0" g="0" b="0"/>
-        </a:effectRef>
-        <a:fontRef idx="minor"/>
-      </dsp:style>
-    </dsp:sp>
-    <dsp:sp modelId="{5C9129F5-B66A-4DC0-93D3-2378F9F3F064}">
-      <dsp:nvSpPr>
-        <dsp:cNvPr id="0" name=""/>
-        <dsp:cNvSpPr/>
-      </dsp:nvSpPr>
-      <dsp:spPr>
-        <a:xfrm>
-          <a:off x="0" y="0"/>
-          <a:ext cx="3344703" cy="2000250"/>
+          <a:off x="5644475" y="2402267"/>
+          <a:ext cx="1819192" cy="1819192"/>
         </a:xfrm>
         <a:prstGeom prst="roundRect">
           <a:avLst/>
         </a:prstGeom>
         <a:solidFill>
-          <a:schemeClr val="accent2">
-            <a:shade val="80000"/>
-            <a:hueOff val="0"/>
+          <a:schemeClr val="accent5">
+            <a:hueOff val="12236190"/>
             <a:satOff val="0"/>
-            <a:lumOff val="0"/>
+            <a:lumOff val="-13137"/>
             <a:alphaOff val="0"/>
           </a:schemeClr>
         </a:solidFill>
@@ -2749,12 +1570,12 @@
         </a:fontRef>
       </dsp:style>
       <dsp:txBody>
-        <a:bodyPr spcFirstLastPara="0" vert="horz" wrap="square" lIns="118110" tIns="118110" rIns="118110" bIns="118110" numCol="1" spcCol="1270" anchor="ctr" anchorCtr="0">
+        <a:bodyPr spcFirstLastPara="0" vert="horz" wrap="square" lIns="87630" tIns="87630" rIns="87630" bIns="87630" numCol="1" spcCol="1270" anchor="ctr" anchorCtr="0">
           <a:noAutofit/>
         </a:bodyPr>
         <a:lstStyle/>
         <a:p>
-          <a:pPr lvl="0" algn="ctr" defTabSz="1377950">
+          <a:pPr lvl="0" algn="ctr" defTabSz="1022350">
             <a:lnSpc>
               <a:spcPct val="90000"/>
             </a:lnSpc>
@@ -2766,171 +1587,15 @@
             </a:spcAft>
           </a:pPr>
           <a:r>
-            <a:rPr lang="en-US" sz="3100" kern="1200" dirty="0" smtClean="0"/>
-            <a:t>User</a:t>
+            <a:rPr lang="en-US" sz="2300" kern="1200" dirty="0" smtClean="0"/>
+            <a:t>Real-Time Updates</a:t>
           </a:r>
-          <a:endParaRPr lang="en-US" sz="3100" kern="1200" dirty="0"/>
+          <a:endParaRPr lang="en-US" sz="2300" kern="1200" dirty="0"/>
         </a:p>
       </dsp:txBody>
       <dsp:txXfrm>
-        <a:off x="97644" y="97644"/>
-        <a:ext cx="3149415" cy="1804962"/>
-      </dsp:txXfrm>
-    </dsp:sp>
-    <dsp:sp modelId="{1FD25DFA-72B0-417C-B799-1F99751210AF}">
-      <dsp:nvSpPr>
-        <dsp:cNvPr id="0" name=""/>
-        <dsp:cNvSpPr/>
-      </dsp:nvSpPr>
-      <dsp:spPr>
-        <a:xfrm>
-          <a:off x="3746291" y="600075"/>
-          <a:ext cx="3344703" cy="800100"/>
-        </a:xfrm>
-        <a:prstGeom prst="roundRect">
-          <a:avLst/>
-        </a:prstGeom>
-        <a:solidFill>
-          <a:schemeClr val="accent2">
-            <a:shade val="80000"/>
-            <a:hueOff val="285527"/>
-            <a:satOff val="-9433"/>
-            <a:lumOff val="17283"/>
-            <a:alphaOff val="0"/>
-          </a:schemeClr>
-        </a:solidFill>
-        <a:ln w="25400" cap="flat" cmpd="sng" algn="ctr">
-          <a:solidFill>
-            <a:schemeClr val="lt1">
-              <a:hueOff val="0"/>
-              <a:satOff val="0"/>
-              <a:lumOff val="0"/>
-              <a:alphaOff val="0"/>
-            </a:schemeClr>
-          </a:solidFill>
-          <a:prstDash val="solid"/>
-        </a:ln>
-        <a:effectLst/>
-      </dsp:spPr>
-      <dsp:style>
-        <a:lnRef idx="2">
-          <a:scrgbClr r="0" g="0" b="0"/>
-        </a:lnRef>
-        <a:fillRef idx="1">
-          <a:scrgbClr r="0" g="0" b="0"/>
-        </a:fillRef>
-        <a:effectRef idx="0">
-          <a:scrgbClr r="0" g="0" b="0"/>
-        </a:effectRef>
-        <a:fontRef idx="minor">
-          <a:schemeClr val="lt1"/>
-        </a:fontRef>
-      </dsp:style>
-      <dsp:txBody>
-        <a:bodyPr spcFirstLastPara="0" vert="horz" wrap="square" lIns="118110" tIns="118110" rIns="118110" bIns="118110" numCol="1" spcCol="1270" anchor="ctr" anchorCtr="0">
-          <a:noAutofit/>
-        </a:bodyPr>
-        <a:lstStyle/>
-        <a:p>
-          <a:pPr lvl="0" algn="ctr" defTabSz="1377950">
-            <a:lnSpc>
-              <a:spcPct val="90000"/>
-            </a:lnSpc>
-            <a:spcBef>
-              <a:spcPct val="0"/>
-            </a:spcBef>
-            <a:spcAft>
-              <a:spcPct val="35000"/>
-            </a:spcAft>
-          </a:pPr>
-          <a:r>
-            <a:rPr lang="en-US" sz="3100" kern="1200" dirty="0" smtClean="0"/>
-            <a:t>Action</a:t>
-          </a:r>
-          <a:endParaRPr lang="en-US" sz="3100" kern="1200" dirty="0"/>
-        </a:p>
-      </dsp:txBody>
-      <dsp:txXfrm>
-        <a:off x="3785349" y="639133"/>
-        <a:ext cx="3266587" cy="721984"/>
-      </dsp:txXfrm>
-    </dsp:sp>
-    <dsp:sp modelId="{E8F2EE42-1493-4F0E-BC36-F1AA75FA66E0}">
-      <dsp:nvSpPr>
-        <dsp:cNvPr id="0" name=""/>
-        <dsp:cNvSpPr/>
-      </dsp:nvSpPr>
-      <dsp:spPr>
-        <a:xfrm>
-          <a:off x="7804309" y="19050"/>
-          <a:ext cx="3344703" cy="1962149"/>
-        </a:xfrm>
-        <a:prstGeom prst="roundRect">
-          <a:avLst/>
-        </a:prstGeom>
-        <a:solidFill>
-          <a:schemeClr val="accent2">
-            <a:shade val="80000"/>
-            <a:hueOff val="571054"/>
-            <a:satOff val="-18867"/>
-            <a:lumOff val="34566"/>
-            <a:alphaOff val="0"/>
-          </a:schemeClr>
-        </a:solidFill>
-        <a:ln w="25400" cap="flat" cmpd="sng" algn="ctr">
-          <a:solidFill>
-            <a:schemeClr val="lt1">
-              <a:hueOff val="0"/>
-              <a:satOff val="0"/>
-              <a:lumOff val="0"/>
-              <a:alphaOff val="0"/>
-            </a:schemeClr>
-          </a:solidFill>
-          <a:prstDash val="solid"/>
-        </a:ln>
-        <a:effectLst/>
-      </dsp:spPr>
-      <dsp:style>
-        <a:lnRef idx="2">
-          <a:scrgbClr r="0" g="0" b="0"/>
-        </a:lnRef>
-        <a:fillRef idx="1">
-          <a:scrgbClr r="0" g="0" b="0"/>
-        </a:fillRef>
-        <a:effectRef idx="0">
-          <a:scrgbClr r="0" g="0" b="0"/>
-        </a:effectRef>
-        <a:fontRef idx="minor">
-          <a:schemeClr val="lt1"/>
-        </a:fontRef>
-      </dsp:style>
-      <dsp:txBody>
-        <a:bodyPr spcFirstLastPara="0" vert="horz" wrap="square" lIns="118110" tIns="118110" rIns="118110" bIns="118110" numCol="1" spcCol="1270" anchor="ctr" anchorCtr="0">
-          <a:noAutofit/>
-        </a:bodyPr>
-        <a:lstStyle/>
-        <a:p>
-          <a:pPr lvl="0" algn="ctr" defTabSz="1377950">
-            <a:lnSpc>
-              <a:spcPct val="90000"/>
-            </a:lnSpc>
-            <a:spcBef>
-              <a:spcPct val="0"/>
-            </a:spcBef>
-            <a:spcAft>
-              <a:spcPct val="35000"/>
-            </a:spcAft>
-          </a:pPr>
-          <a:r>
-            <a:rPr lang="en-US" sz="3100" kern="1200" dirty="0" smtClean="0"/>
-            <a:t>Object</a:t>
-          </a:r>
-          <a:endParaRPr lang="en-US" sz="3100" kern="1200" dirty="0"/>
-        </a:p>
-      </dsp:txBody>
-      <dsp:txXfrm>
-        <a:off x="7900093" y="114834"/>
-        <a:ext cx="3153135" cy="1770581"/>
+        <a:off x="5733281" y="2491073"/>
+        <a:ext cx="1641580" cy="1641580"/>
       </dsp:txXfrm>
     </dsp:sp>
   </dsp:spTree>
@@ -2938,1340 +1603,225 @@
 </file>
 
 <file path=ppt/diagrams/layout1.xml><?xml version="1.0" encoding="utf-8"?>
-<dgm:layoutDef xmlns:dgm="http://schemas.openxmlformats.org/drawingml/2006/diagram" xmlns:a="http://schemas.openxmlformats.org/drawingml/2006/main" uniqueId="urn:microsoft.com/office/officeart/2005/8/layout/process1">
+<dgm:layoutDef xmlns:dgm="http://schemas.openxmlformats.org/drawingml/2006/diagram" xmlns:a="http://schemas.openxmlformats.org/drawingml/2006/main" uniqueId="urn:microsoft.com/office/officeart/2005/8/layout/matrix3">
   <dgm:title val=""/>
   <dgm:desc val=""/>
   <dgm:catLst>
-    <dgm:cat type="process" pri="1000"/>
-    <dgm:cat type="convert" pri="15000"/>
+    <dgm:cat type="matrix" pri="1000"/>
+    <dgm:cat type="convert" pri="18000"/>
   </dgm:catLst>
-  <dgm:sampData useDef="1">
+  <dgm:sampData>
+    <dgm:dataModel>
+      <dgm:ptLst>
+        <dgm:pt modelId="0" type="doc"/>
+        <dgm:pt modelId="1">
+          <dgm:prSet phldr="1"/>
+        </dgm:pt>
+        <dgm:pt modelId="2">
+          <dgm:prSet phldr="1"/>
+        </dgm:pt>
+        <dgm:pt modelId="3">
+          <dgm:prSet phldr="1"/>
+        </dgm:pt>
+        <dgm:pt modelId="4">
+          <dgm:prSet phldr="1"/>
+        </dgm:pt>
+      </dgm:ptLst>
+      <dgm:cxnLst>
+        <dgm:cxn modelId="5" srcId="0" destId="1" srcOrd="0" destOrd="0"/>
+        <dgm:cxn modelId="6" srcId="0" destId="2" srcOrd="1" destOrd="0"/>
+        <dgm:cxn modelId="7" srcId="0" destId="3" srcOrd="0" destOrd="0"/>
+        <dgm:cxn modelId="8" srcId="0" destId="4" srcOrd="1" destOrd="0"/>
+      </dgm:cxnLst>
+      <dgm:bg/>
+      <dgm:whole/>
+    </dgm:dataModel>
+  </dgm:sampData>
+  <dgm:styleData useDef="1">
     <dgm:dataModel>
       <dgm:ptLst/>
       <dgm:bg/>
       <dgm:whole/>
     </dgm:dataModel>
-  </dgm:sampData>
-  <dgm:styleData>
-    <dgm:dataModel>
-      <dgm:ptLst>
-        <dgm:pt modelId="0" type="doc"/>
-        <dgm:pt modelId="1"/>
-        <dgm:pt modelId="2"/>
-      </dgm:ptLst>
-      <dgm:cxnLst>
-        <dgm:cxn modelId="3" srcId="0" destId="1" srcOrd="0" destOrd="0"/>
-        <dgm:cxn modelId="4" srcId="0" destId="2" srcOrd="1" destOrd="0"/>
-      </dgm:cxnLst>
-      <dgm:bg/>
-      <dgm:whole/>
-    </dgm:dataModel>
   </dgm:styleData>
-  <dgm:clrData>
-    <dgm:dataModel>
-      <dgm:ptLst>
-        <dgm:pt modelId="0" type="doc"/>
-        <dgm:pt modelId="1"/>
-        <dgm:pt modelId="2"/>
-        <dgm:pt modelId="3"/>
-        <dgm:pt modelId="4"/>
-      </dgm:ptLst>
-      <dgm:cxnLst>
-        <dgm:cxn modelId="5" srcId="0" destId="1" srcOrd="0" destOrd="0"/>
-        <dgm:cxn modelId="6" srcId="0" destId="2" srcOrd="1" destOrd="0"/>
-        <dgm:cxn modelId="7" srcId="0" destId="3" srcOrd="2" destOrd="0"/>
-        <dgm:cxn modelId="8" srcId="0" destId="4" srcOrd="3" destOrd="0"/>
-      </dgm:cxnLst>
-      <dgm:bg/>
-      <dgm:whole/>
-    </dgm:dataModel>
-  </dgm:clrData>
-  <dgm:layoutNode name="Name0">
-    <dgm:varLst>
-      <dgm:dir/>
-      <dgm:resizeHandles val="exact"/>
-    </dgm:varLst>
-    <dgm:choose name="Name1">
-      <dgm:if name="Name2" func="var" arg="dir" op="equ" val="norm">
-        <dgm:alg type="lin"/>
-      </dgm:if>
-      <dgm:else name="Name3">
-        <dgm:alg type="lin">
-          <dgm:param type="linDir" val="fromR"/>
-        </dgm:alg>
-      </dgm:else>
-    </dgm:choose>
-    <dgm:shape xmlns:r="http://schemas.openxmlformats.org/officeDocument/2006/relationships" r:blip="">
-      <dgm:adjLst/>
-    </dgm:shape>
-    <dgm:presOf/>
-    <dgm:constrLst>
-      <dgm:constr type="w" for="ch" ptType="node" refType="w"/>
-      <dgm:constr type="h" for="ch" ptType="node" op="equ"/>
-      <dgm:constr type="primFontSz" for="ch" ptType="node" op="equ" val="65"/>
-      <dgm:constr type="w" for="ch" ptType="sibTrans" refType="w" refFor="ch" refPtType="node" op="equ" fact="0.4"/>
-      <dgm:constr type="h" for="ch" ptType="sibTrans" op="equ"/>
-      <dgm:constr type="primFontSz" for="des" forName="connectorText" op="equ" val="55"/>
-      <dgm:constr type="primFontSz" for="des" forName="connectorText" refType="primFontSz" refFor="ch" refPtType="node" op="lte" fact="0.8"/>
-    </dgm:constrLst>
-    <dgm:ruleLst/>
-    <dgm:forEach name="nodesForEach" axis="ch" ptType="node">
-      <dgm:layoutNode name="node">
-        <dgm:varLst>
-          <dgm:bulletEnabled val="1"/>
-        </dgm:varLst>
-        <dgm:alg type="tx"/>
-        <dgm:shape xmlns:r="http://schemas.openxmlformats.org/officeDocument/2006/relationships" type="roundRect" r:blip="">
-          <dgm:adjLst>
-            <dgm:adj idx="1" val="0.1"/>
-          </dgm:adjLst>
-        </dgm:shape>
-        <dgm:presOf axis="desOrSelf" ptType="node"/>
-        <dgm:constrLst>
-          <dgm:constr type="h" refType="w" fact="0.6"/>
-          <dgm:constr type="tMarg" refType="primFontSz" fact="0.3"/>
-          <dgm:constr type="bMarg" refType="primFontSz" fact="0.3"/>
-          <dgm:constr type="lMarg" refType="primFontSz" fact="0.3"/>
-          <dgm:constr type="rMarg" refType="primFontSz" fact="0.3"/>
-        </dgm:constrLst>
-        <dgm:ruleLst>
-          <dgm:rule type="primFontSz" val="18" fact="NaN" max="NaN"/>
-          <dgm:rule type="h" val="NaN" fact="1.5" max="NaN"/>
-          <dgm:rule type="primFontSz" val="5" fact="NaN" max="NaN"/>
-          <dgm:rule type="h" val="INF" fact="NaN" max="NaN"/>
-        </dgm:ruleLst>
-      </dgm:layoutNode>
-      <dgm:forEach name="sibTransForEach" axis="followSib" ptType="sibTrans" cnt="1">
-        <dgm:layoutNode name="sibTrans">
-          <dgm:alg type="conn">
-            <dgm:param type="begPts" val="auto"/>
-            <dgm:param type="endPts" val="auto"/>
-          </dgm:alg>
-          <dgm:shape xmlns:r="http://schemas.openxmlformats.org/officeDocument/2006/relationships" type="conn" r:blip="">
-            <dgm:adjLst/>
-          </dgm:shape>
-          <dgm:presOf axis="self"/>
-          <dgm:constrLst>
-            <dgm:constr type="h" refType="w" fact="0.62"/>
-            <dgm:constr type="connDist"/>
-            <dgm:constr type="begPad" refType="connDist" fact="0.25"/>
-            <dgm:constr type="endPad" refType="connDist" fact="0.22"/>
-          </dgm:constrLst>
-          <dgm:ruleLst/>
-          <dgm:layoutNode name="connectorText">
-            <dgm:alg type="tx">
-              <dgm:param type="autoTxRot" val="grav"/>
-            </dgm:alg>
-            <dgm:shape xmlns:r="http://schemas.openxmlformats.org/officeDocument/2006/relationships" type="conn" r:blip="" hideGeom="1">
-              <dgm:adjLst/>
-            </dgm:shape>
-            <dgm:presOf axis="self"/>
-            <dgm:constrLst>
-              <dgm:constr type="lMarg"/>
-              <dgm:constr type="rMarg"/>
-              <dgm:constr type="tMarg"/>
-              <dgm:constr type="bMarg"/>
-            </dgm:constrLst>
-            <dgm:ruleLst>
-              <dgm:rule type="primFontSz" val="5" fact="NaN" max="NaN"/>
-            </dgm:ruleLst>
-          </dgm:layoutNode>
-        </dgm:layoutNode>
-      </dgm:forEach>
-    </dgm:forEach>
-  </dgm:layoutNode>
-</dgm:layoutDef>
-</file>
-
-<file path=ppt/diagrams/layout2.xml><?xml version="1.0" encoding="utf-8"?>
-<dgm:layoutDef xmlns:dgm="http://schemas.openxmlformats.org/drawingml/2006/diagram" xmlns:a="http://schemas.openxmlformats.org/drawingml/2006/main" uniqueId="urn:microsoft.com/office/officeart/2005/8/layout/hProcess9">
-  <dgm:title val=""/>
-  <dgm:desc val=""/>
-  <dgm:catLst>
-    <dgm:cat type="process" pri="5000"/>
-    <dgm:cat type="convert" pri="13000"/>
-  </dgm:catLst>
-  <dgm:sampData useDef="1">
+  <dgm:clrData useDef="1">
     <dgm:dataModel>
       <dgm:ptLst/>
       <dgm:bg/>
       <dgm:whole/>
     </dgm:dataModel>
-  </dgm:sampData>
-  <dgm:styleData>
-    <dgm:dataModel>
-      <dgm:ptLst>
-        <dgm:pt modelId="0" type="doc"/>
-        <dgm:pt modelId="1"/>
-        <dgm:pt modelId="2"/>
-      </dgm:ptLst>
-      <dgm:cxnLst>
-        <dgm:cxn modelId="3" srcId="0" destId="1" srcOrd="0" destOrd="0"/>
-        <dgm:cxn modelId="4" srcId="0" destId="2" srcOrd="1" destOrd="0"/>
-      </dgm:cxnLst>
-      <dgm:bg/>
-      <dgm:whole/>
-    </dgm:dataModel>
-  </dgm:styleData>
-  <dgm:clrData>
-    <dgm:dataModel>
-      <dgm:ptLst>
-        <dgm:pt modelId="0" type="doc"/>
-        <dgm:pt modelId="1"/>
-        <dgm:pt modelId="2"/>
-        <dgm:pt modelId="3"/>
-        <dgm:pt modelId="4"/>
-      </dgm:ptLst>
-      <dgm:cxnLst>
-        <dgm:cxn modelId="5" srcId="0" destId="1" srcOrd="0" destOrd="0"/>
-        <dgm:cxn modelId="6" srcId="0" destId="2" srcOrd="1" destOrd="0"/>
-        <dgm:cxn modelId="7" srcId="0" destId="3" srcOrd="2" destOrd="0"/>
-        <dgm:cxn modelId="8" srcId="0" destId="4" srcOrd="3" destOrd="0"/>
-      </dgm:cxnLst>
-      <dgm:bg/>
-      <dgm:whole/>
-    </dgm:dataModel>
   </dgm:clrData>
-  <dgm:layoutNode name="CompostProcess">
+  <dgm:layoutNode name="matrix">
     <dgm:varLst>
+      <dgm:chMax val="1"/>
       <dgm:dir/>
       <dgm:resizeHandles val="exact"/>
     </dgm:varLst>
     <dgm:alg type="composite">
-      <dgm:param type="horzAlign" val="ctr"/>
-      <dgm:param type="vertAlign" val="mid"/>
+      <dgm:param type="ar" val="1"/>
     </dgm:alg>
     <dgm:shape xmlns:r="http://schemas.openxmlformats.org/officeDocument/2006/relationships" r:blip="">
       <dgm:adjLst/>
     </dgm:shape>
     <dgm:presOf/>
-    <dgm:constrLst>
-      <dgm:constr type="w" for="ch" forName="arrow" refType="w" fact="0.85"/>
-      <dgm:constr type="h" for="ch" forName="arrow" refType="h"/>
-      <dgm:constr type="ctrX" for="ch" forName="arrow" refType="w" fact="0.5"/>
-      <dgm:constr type="ctrY" for="ch" forName="arrow" refType="h" fact="0.5"/>
-      <dgm:constr type="w" for="ch" forName="linearProcess" refType="w"/>
-      <dgm:constr type="h" for="ch" forName="linearProcess" refType="h" fact="0.4"/>
-      <dgm:constr type="ctrX" for="ch" forName="linearProcess" refType="w" fact="0.5"/>
-      <dgm:constr type="ctrY" for="ch" forName="linearProcess" refType="h" fact="0.5"/>
-    </dgm:constrLst>
+    <dgm:choose name="Name0">
+      <dgm:if name="Name1" func="var" arg="dir" op="equ" val="norm">
+        <dgm:constrLst>
+          <dgm:constr type="w" for="ch" forName="diamond" refType="w"/>
+          <dgm:constr type="h" for="ch" forName="diamond" refType="h"/>
+          <dgm:constr type="w" for="ch" forName="quad1" refType="w" fact="0.39"/>
+          <dgm:constr type="h" for="ch" forName="quad1" refType="h" fact="0.39"/>
+          <dgm:constr type="ctrX" for="ch" forName="quad1" refType="w" fact="0.29"/>
+          <dgm:constr type="ctrY" for="ch" forName="quad1" refType="h" fact="0.29"/>
+          <dgm:constr type="w" for="ch" forName="quad2" refType="w" fact="0.39"/>
+          <dgm:constr type="h" for="ch" forName="quad2" refType="h" fact="0.39"/>
+          <dgm:constr type="ctrX" for="ch" forName="quad2" refType="w" fact="0.71"/>
+          <dgm:constr type="ctrY" for="ch" forName="quad2" refType="h" fact="0.29"/>
+          <dgm:constr type="w" for="ch" forName="quad3" refType="w" fact="0.39"/>
+          <dgm:constr type="h" for="ch" forName="quad3" refType="h" fact="0.39"/>
+          <dgm:constr type="ctrX" for="ch" forName="quad3" refType="w" fact="0.29"/>
+          <dgm:constr type="ctrY" for="ch" forName="quad3" refType="h" fact="0.71"/>
+          <dgm:constr type="w" for="ch" forName="quad4" refType="w" fact="0.39"/>
+          <dgm:constr type="h" for="ch" forName="quad4" refType="h" fact="0.39"/>
+          <dgm:constr type="ctrX" for="ch" forName="quad4" refType="w" fact="0.71"/>
+          <dgm:constr type="ctrY" for="ch" forName="quad4" refType="h" fact="0.71"/>
+          <dgm:constr type="primFontSz" for="des" ptType="node" op="equ" val="65"/>
+        </dgm:constrLst>
+      </dgm:if>
+      <dgm:else name="Name2">
+        <dgm:constrLst>
+          <dgm:constr type="w" for="ch" forName="diamond" refType="w"/>
+          <dgm:constr type="h" for="ch" forName="diamond" refType="h"/>
+          <dgm:constr type="w" for="ch" forName="quad1" refType="w" fact="0.39"/>
+          <dgm:constr type="h" for="ch" forName="quad1" refType="h" fact="0.39"/>
+          <dgm:constr type="ctrX" for="ch" forName="quad1" refType="w" fact="0.71"/>
+          <dgm:constr type="ctrY" for="ch" forName="quad1" refType="h" fact="0.29"/>
+          <dgm:constr type="w" for="ch" forName="quad2" refType="w" fact="0.39"/>
+          <dgm:constr type="h" for="ch" forName="quad2" refType="h" fact="0.39"/>
+          <dgm:constr type="ctrX" for="ch" forName="quad2" refType="w" fact="0.29"/>
+          <dgm:constr type="ctrY" for="ch" forName="quad2" refType="h" fact="0.29"/>
+          <dgm:constr type="w" for="ch" forName="quad3" refType="w" fact="0.39"/>
+          <dgm:constr type="h" for="ch" forName="quad3" refType="h" fact="0.39"/>
+          <dgm:constr type="ctrX" for="ch" forName="quad3" refType="w" fact="0.71"/>
+          <dgm:constr type="ctrY" for="ch" forName="quad3" refType="h" fact="0.71"/>
+          <dgm:constr type="w" for="ch" forName="quad4" refType="w" fact="0.39"/>
+          <dgm:constr type="h" for="ch" forName="quad4" refType="h" fact="0.39"/>
+          <dgm:constr type="ctrX" for="ch" forName="quad4" refType="w" fact="0.29"/>
+          <dgm:constr type="ctrY" for="ch" forName="quad4" refType="h" fact="0.71"/>
+          <dgm:constr type="primFontSz" for="des" ptType="node" op="equ" val="65"/>
+        </dgm:constrLst>
+      </dgm:else>
+    </dgm:choose>
     <dgm:ruleLst/>
-    <dgm:layoutNode name="arrow" styleLbl="bgShp">
-      <dgm:alg type="sp"/>
-      <dgm:choose name="Name0">
-        <dgm:if name="Name1" func="var" arg="dir" op="equ" val="norm">
-          <dgm:shape xmlns:r="http://schemas.openxmlformats.org/officeDocument/2006/relationships" type="rightArrow" r:blip="">
+    <dgm:choose name="Name3">
+      <dgm:if name="Name4" axis="ch" ptType="node" func="cnt" op="gte" val="1">
+        <dgm:layoutNode name="diamond" styleLbl="bgShp">
+          <dgm:alg type="sp"/>
+          <dgm:shape xmlns:r="http://schemas.openxmlformats.org/officeDocument/2006/relationships" type="diamond" r:blip="">
             <dgm:adjLst/>
           </dgm:shape>
-        </dgm:if>
-        <dgm:else name="Name2">
-          <dgm:shape xmlns:r="http://schemas.openxmlformats.org/officeDocument/2006/relationships" type="leftArrow" r:blip="">
-            <dgm:adjLst/>
-          </dgm:shape>
-        </dgm:else>
-      </dgm:choose>
-      <dgm:presOf/>
-      <dgm:constrLst/>
-      <dgm:ruleLst/>
-    </dgm:layoutNode>
-    <dgm:layoutNode name="linearProcess">
-      <dgm:choose name="Name3">
-        <dgm:if name="Name4" func="var" arg="dir" op="equ" val="norm">
-          <dgm:alg type="lin"/>
-        </dgm:if>
-        <dgm:else name="Name5">
-          <dgm:alg type="lin">
-            <dgm:param type="linDir" val="fromR"/>
-          </dgm:alg>
-        </dgm:else>
-      </dgm:choose>
-      <dgm:shape xmlns:r="http://schemas.openxmlformats.org/officeDocument/2006/relationships" r:blip="">
-        <dgm:adjLst/>
-      </dgm:shape>
-      <dgm:presOf/>
-      <dgm:constrLst>
-        <dgm:constr type="userA" for="ch" ptType="node" refType="w"/>
-        <dgm:constr type="h" for="ch" ptType="node" refType="h"/>
-        <dgm:constr type="w" for="ch" ptType="node" op="equ"/>
-        <dgm:constr type="w" for="ch" forName="sibTrans" refType="w" fact="0.05"/>
-        <dgm:constr type="primFontSz" for="ch" ptType="node" op="equ" val="65"/>
-      </dgm:constrLst>
-      <dgm:ruleLst/>
-      <dgm:forEach name="Name6" axis="ch" ptType="node">
-        <dgm:layoutNode name="textNode" styleLbl="node1">
+          <dgm:presOf/>
+          <dgm:constrLst>
+            <dgm:constr type="w" refType="h" op="equ"/>
+          </dgm:constrLst>
+          <dgm:ruleLst/>
+        </dgm:layoutNode>
+        <dgm:layoutNode name="quad1">
           <dgm:varLst>
+            <dgm:chMax val="0"/>
+            <dgm:chPref val="0"/>
             <dgm:bulletEnabled val="1"/>
           </dgm:varLst>
           <dgm:alg type="tx"/>
           <dgm:shape xmlns:r="http://schemas.openxmlformats.org/officeDocument/2006/relationships" type="roundRect" r:blip="">
             <dgm:adjLst/>
           </dgm:shape>
-          <dgm:presOf axis="desOrSelf" ptType="node"/>
+          <dgm:presOf axis="ch desOrSelf" ptType="node node" st="1 1" cnt="1 0"/>
           <dgm:constrLst>
-            <dgm:constr type="userA"/>
-            <dgm:constr type="w" refType="userA" fact="0.3"/>
+            <dgm:constr type="w" refType="h" op="equ"/>
             <dgm:constr type="tMarg" refType="primFontSz" fact="0.3"/>
             <dgm:constr type="bMarg" refType="primFontSz" fact="0.3"/>
             <dgm:constr type="lMarg" refType="primFontSz" fact="0.3"/>
             <dgm:constr type="rMarg" refType="primFontSz" fact="0.3"/>
           </dgm:constrLst>
           <dgm:ruleLst>
-            <dgm:rule type="w" val="NaN" fact="1" max="NaN"/>
             <dgm:rule type="primFontSz" val="5" fact="NaN" max="NaN"/>
           </dgm:ruleLst>
         </dgm:layoutNode>
-        <dgm:forEach name="Name7" axis="followSib" ptType="sibTrans" cnt="1">
-          <dgm:layoutNode name="sibTrans">
-            <dgm:alg type="sp"/>
-            <dgm:shape xmlns:r="http://schemas.openxmlformats.org/officeDocument/2006/relationships" r:blip="">
-              <dgm:adjLst/>
-            </dgm:shape>
-            <dgm:presOf/>
-            <dgm:constrLst/>
-            <dgm:ruleLst/>
-          </dgm:layoutNode>
-        </dgm:forEach>
-      </dgm:forEach>
-    </dgm:layoutNode>
+        <dgm:layoutNode name="quad2">
+          <dgm:varLst>
+            <dgm:chMax val="0"/>
+            <dgm:chPref val="0"/>
+            <dgm:bulletEnabled val="1"/>
+          </dgm:varLst>
+          <dgm:alg type="tx"/>
+          <dgm:shape xmlns:r="http://schemas.openxmlformats.org/officeDocument/2006/relationships" type="roundRect" r:blip="">
+            <dgm:adjLst/>
+          </dgm:shape>
+          <dgm:presOf axis="ch desOrSelf" ptType="node node" st="2 1" cnt="1 0"/>
+          <dgm:constrLst>
+            <dgm:constr type="w" refType="h" op="equ"/>
+            <dgm:constr type="tMarg" refType="primFontSz" fact="0.3"/>
+            <dgm:constr type="bMarg" refType="primFontSz" fact="0.3"/>
+            <dgm:constr type="lMarg" refType="primFontSz" fact="0.3"/>
+            <dgm:constr type="rMarg" refType="primFontSz" fact="0.3"/>
+          </dgm:constrLst>
+          <dgm:ruleLst>
+            <dgm:rule type="primFontSz" val="5" fact="NaN" max="NaN"/>
+          </dgm:ruleLst>
+        </dgm:layoutNode>
+        <dgm:layoutNode name="quad3">
+          <dgm:varLst>
+            <dgm:chMax val="0"/>
+            <dgm:chPref val="0"/>
+            <dgm:bulletEnabled val="1"/>
+          </dgm:varLst>
+          <dgm:alg type="tx"/>
+          <dgm:shape xmlns:r="http://schemas.openxmlformats.org/officeDocument/2006/relationships" type="roundRect" r:blip="">
+            <dgm:adjLst/>
+          </dgm:shape>
+          <dgm:presOf axis="ch desOrSelf" ptType="node node" st="3 1" cnt="1 0"/>
+          <dgm:constrLst>
+            <dgm:constr type="w" refType="h" op="equ"/>
+            <dgm:constr type="tMarg" refType="primFontSz" fact="0.3"/>
+            <dgm:constr type="bMarg" refType="primFontSz" fact="0.3"/>
+            <dgm:constr type="lMarg" refType="primFontSz" fact="0.3"/>
+            <dgm:constr type="rMarg" refType="primFontSz" fact="0.3"/>
+          </dgm:constrLst>
+          <dgm:ruleLst>
+            <dgm:rule type="primFontSz" val="5" fact="NaN" max="NaN"/>
+          </dgm:ruleLst>
+        </dgm:layoutNode>
+        <dgm:layoutNode name="quad4">
+          <dgm:varLst>
+            <dgm:chMax val="0"/>
+            <dgm:chPref val="0"/>
+            <dgm:bulletEnabled val="1"/>
+          </dgm:varLst>
+          <dgm:alg type="tx"/>
+          <dgm:shape xmlns:r="http://schemas.openxmlformats.org/officeDocument/2006/relationships" type="roundRect" r:blip="">
+            <dgm:adjLst/>
+          </dgm:shape>
+          <dgm:presOf axis="ch desOrSelf" ptType="node node" st="4 1" cnt="1 0"/>
+          <dgm:constrLst>
+            <dgm:constr type="w" refType="h" op="equ"/>
+            <dgm:constr type="tMarg" refType="primFontSz" fact="0.3"/>
+            <dgm:constr type="bMarg" refType="primFontSz" fact="0.3"/>
+            <dgm:constr type="lMarg" refType="primFontSz" fact="0.3"/>
+            <dgm:constr type="rMarg" refType="primFontSz" fact="0.3"/>
+          </dgm:constrLst>
+          <dgm:ruleLst>
+            <dgm:rule type="primFontSz" val="5" fact="NaN" max="NaN"/>
+          </dgm:ruleLst>
+        </dgm:layoutNode>
+      </dgm:if>
+      <dgm:else name="Name5"/>
+    </dgm:choose>
   </dgm:layoutNode>
 </dgm:layoutDef>
 </file>
 
 <file path=ppt/diagrams/quickStyle1.xml><?xml version="1.0" encoding="utf-8"?>
-<dgm:styleDef xmlns:dgm="http://schemas.openxmlformats.org/drawingml/2006/diagram" xmlns:a="http://schemas.openxmlformats.org/drawingml/2006/main" uniqueId="urn:microsoft.com/office/officeart/2005/8/quickstyle/simple1">
-  <dgm:title val=""/>
-  <dgm:desc val=""/>
-  <dgm:catLst>
-    <dgm:cat type="simple" pri="10100"/>
-  </dgm:catLst>
-  <dgm:scene3d>
-    <a:camera prst="orthographicFront"/>
-    <a:lightRig rig="threePt" dir="t"/>
-  </dgm:scene3d>
-  <dgm:styleLbl name="node0">
-    <dgm:scene3d>
-      <a:camera prst="orthographicFront"/>
-      <a:lightRig rig="threePt" dir="t"/>
-    </dgm:scene3d>
-    <dgm:sp3d/>
-    <dgm:txPr/>
-    <dgm:style>
-      <a:lnRef idx="2">
-        <a:scrgbClr r="0" g="0" b="0"/>
-      </a:lnRef>
-      <a:fillRef idx="1">
-        <a:scrgbClr r="0" g="0" b="0"/>
-      </a:fillRef>
-      <a:effectRef idx="0">
-        <a:scrgbClr r="0" g="0" b="0"/>
-      </a:effectRef>
-      <a:fontRef idx="minor">
-        <a:schemeClr val="lt1"/>
-      </a:fontRef>
-    </dgm:style>
-  </dgm:styleLbl>
-  <dgm:styleLbl name="lnNode1">
-    <dgm:scene3d>
-      <a:camera prst="orthographicFront"/>
-      <a:lightRig rig="threePt" dir="t"/>
-    </dgm:scene3d>
-    <dgm:sp3d/>
-    <dgm:txPr/>
-    <dgm:style>
-      <a:lnRef idx="2">
-        <a:scrgbClr r="0" g="0" b="0"/>
-      </a:lnRef>
-      <a:fillRef idx="1">
-        <a:scrgbClr r="0" g="0" b="0"/>
-      </a:fillRef>
-      <a:effectRef idx="0">
-        <a:scrgbClr r="0" g="0" b="0"/>
-      </a:effectRef>
-      <a:fontRef idx="minor">
-        <a:schemeClr val="lt1"/>
-      </a:fontRef>
-    </dgm:style>
-  </dgm:styleLbl>
-  <dgm:styleLbl name="vennNode1">
-    <dgm:scene3d>
-      <a:camera prst="orthographicFront"/>
-      <a:lightRig rig="threePt" dir="t"/>
-    </dgm:scene3d>
-    <dgm:sp3d/>
-    <dgm:txPr/>
-    <dgm:style>
-      <a:lnRef idx="2">
-        <a:scrgbClr r="0" g="0" b="0"/>
-      </a:lnRef>
-      <a:fillRef idx="1">
-        <a:scrgbClr r="0" g="0" b="0"/>
-      </a:fillRef>
-      <a:effectRef idx="0">
-        <a:scrgbClr r="0" g="0" b="0"/>
-      </a:effectRef>
-      <a:fontRef idx="minor">
-        <a:schemeClr val="tx1"/>
-      </a:fontRef>
-    </dgm:style>
-  </dgm:styleLbl>
-  <dgm:styleLbl name="alignNode1">
-    <dgm:scene3d>
-      <a:camera prst="orthographicFront"/>
-      <a:lightRig rig="threePt" dir="t"/>
-    </dgm:scene3d>
-    <dgm:sp3d/>
-    <dgm:txPr/>
-    <dgm:style>
-      <a:lnRef idx="2">
-        <a:scrgbClr r="0" g="0" b="0"/>
-      </a:lnRef>
-      <a:fillRef idx="1">
-        <a:scrgbClr r="0" g="0" b="0"/>
-      </a:fillRef>
-      <a:effectRef idx="0">
-        <a:scrgbClr r="0" g="0" b="0"/>
-      </a:effectRef>
-      <a:fontRef idx="minor">
-        <a:schemeClr val="lt1"/>
-      </a:fontRef>
-    </dgm:style>
-  </dgm:styleLbl>
-  <dgm:styleLbl name="node1">
-    <dgm:scene3d>
-      <a:camera prst="orthographicFront"/>
-      <a:lightRig rig="threePt" dir="t"/>
-    </dgm:scene3d>
-    <dgm:sp3d/>
-    <dgm:txPr/>
-    <dgm:style>
-      <a:lnRef idx="2">
-        <a:scrgbClr r="0" g="0" b="0"/>
-      </a:lnRef>
-      <a:fillRef idx="1">
-        <a:scrgbClr r="0" g="0" b="0"/>
-      </a:fillRef>
-      <a:effectRef idx="0">
-        <a:scrgbClr r="0" g="0" b="0"/>
-      </a:effectRef>
-      <a:fontRef idx="minor">
-        <a:schemeClr val="lt1"/>
-      </a:fontRef>
-    </dgm:style>
-  </dgm:styleLbl>
-  <dgm:styleLbl name="node2">
-    <dgm:scene3d>
-      <a:camera prst="orthographicFront"/>
-      <a:lightRig rig="threePt" dir="t"/>
-    </dgm:scene3d>
-    <dgm:sp3d/>
-    <dgm:txPr/>
-    <dgm:style>
-      <a:lnRef idx="2">
-        <a:scrgbClr r="0" g="0" b="0"/>
-      </a:lnRef>
-      <a:fillRef idx="1">
-        <a:scrgbClr r="0" g="0" b="0"/>
-      </a:fillRef>
-      <a:effectRef idx="0">
-        <a:scrgbClr r="0" g="0" b="0"/>
-      </a:effectRef>
-      <a:fontRef idx="minor">
-        <a:schemeClr val="lt1"/>
-      </a:fontRef>
-    </dgm:style>
-  </dgm:styleLbl>
-  <dgm:styleLbl name="node3">
-    <dgm:scene3d>
-      <a:camera prst="orthographicFront"/>
-      <a:lightRig rig="threePt" dir="t"/>
-    </dgm:scene3d>
-    <dgm:sp3d/>
-    <dgm:txPr/>
-    <dgm:style>
-      <a:lnRef idx="2">
-        <a:scrgbClr r="0" g="0" b="0"/>
-      </a:lnRef>
-      <a:fillRef idx="1">
-        <a:scrgbClr r="0" g="0" b="0"/>
-      </a:fillRef>
-      <a:effectRef idx="0">
-        <a:scrgbClr r="0" g="0" b="0"/>
-      </a:effectRef>
-      <a:fontRef idx="minor">
-        <a:schemeClr val="lt1"/>
-      </a:fontRef>
-    </dgm:style>
-  </dgm:styleLbl>
-  <dgm:styleLbl name="node4">
-    <dgm:scene3d>
-      <a:camera prst="orthographicFront"/>
-      <a:lightRig rig="threePt" dir="t"/>
-    </dgm:scene3d>
-    <dgm:sp3d/>
-    <dgm:txPr/>
-    <dgm:style>
-      <a:lnRef idx="2">
-        <a:scrgbClr r="0" g="0" b="0"/>
-      </a:lnRef>
-      <a:fillRef idx="1">
-        <a:scrgbClr r="0" g="0" b="0"/>
-      </a:fillRef>
-      <a:effectRef idx="0">
-        <a:scrgbClr r="0" g="0" b="0"/>
-      </a:effectRef>
-      <a:fontRef idx="minor">
-        <a:schemeClr val="lt1"/>
-      </a:fontRef>
-    </dgm:style>
-  </dgm:styleLbl>
-  <dgm:styleLbl name="fgImgPlace1">
-    <dgm:scene3d>
-      <a:camera prst="orthographicFront"/>
-      <a:lightRig rig="threePt" dir="t"/>
-    </dgm:scene3d>
-    <dgm:sp3d/>
-    <dgm:txPr/>
-    <dgm:style>
-      <a:lnRef idx="2">
-        <a:scrgbClr r="0" g="0" b="0"/>
-      </a:lnRef>
-      <a:fillRef idx="1">
-        <a:scrgbClr r="0" g="0" b="0"/>
-      </a:fillRef>
-      <a:effectRef idx="0">
-        <a:scrgbClr r="0" g="0" b="0"/>
-      </a:effectRef>
-      <a:fontRef idx="minor"/>
-    </dgm:style>
-  </dgm:styleLbl>
-  <dgm:styleLbl name="alignImgPlace1">
-    <dgm:scene3d>
-      <a:camera prst="orthographicFront"/>
-      <a:lightRig rig="threePt" dir="t"/>
-    </dgm:scene3d>
-    <dgm:sp3d/>
-    <dgm:txPr/>
-    <dgm:style>
-      <a:lnRef idx="2">
-        <a:scrgbClr r="0" g="0" b="0"/>
-      </a:lnRef>
-      <a:fillRef idx="1">
-        <a:scrgbClr r="0" g="0" b="0"/>
-      </a:fillRef>
-      <a:effectRef idx="0">
-        <a:scrgbClr r="0" g="0" b="0"/>
-      </a:effectRef>
-      <a:fontRef idx="minor"/>
-    </dgm:style>
-  </dgm:styleLbl>
-  <dgm:styleLbl name="bgImgPlace1">
-    <dgm:scene3d>
-      <a:camera prst="orthographicFront"/>
-      <a:lightRig rig="threePt" dir="t"/>
-    </dgm:scene3d>
-    <dgm:sp3d/>
-    <dgm:txPr/>
-    <dgm:style>
-      <a:lnRef idx="2">
-        <a:scrgbClr r="0" g="0" b="0"/>
-      </a:lnRef>
-      <a:fillRef idx="1">
-        <a:scrgbClr r="0" g="0" b="0"/>
-      </a:fillRef>
-      <a:effectRef idx="0">
-        <a:scrgbClr r="0" g="0" b="0"/>
-      </a:effectRef>
-      <a:fontRef idx="minor"/>
-    </dgm:style>
-  </dgm:styleLbl>
-  <dgm:styleLbl name="sibTrans2D1">
-    <dgm:scene3d>
-      <a:camera prst="orthographicFront"/>
-      <a:lightRig rig="threePt" dir="t"/>
-    </dgm:scene3d>
-    <dgm:sp3d/>
-    <dgm:txPr/>
-    <dgm:style>
-      <a:lnRef idx="0">
-        <a:scrgbClr r="0" g="0" b="0"/>
-      </a:lnRef>
-      <a:fillRef idx="1">
-        <a:scrgbClr r="0" g="0" b="0"/>
-      </a:fillRef>
-      <a:effectRef idx="0">
-        <a:scrgbClr r="0" g="0" b="0"/>
-      </a:effectRef>
-      <a:fontRef idx="minor">
-        <a:schemeClr val="lt1"/>
-      </a:fontRef>
-    </dgm:style>
-  </dgm:styleLbl>
-  <dgm:styleLbl name="fgSibTrans2D1">
-    <dgm:scene3d>
-      <a:camera prst="orthographicFront"/>
-      <a:lightRig rig="threePt" dir="t"/>
-    </dgm:scene3d>
-    <dgm:sp3d/>
-    <dgm:txPr/>
-    <dgm:style>
-      <a:lnRef idx="0">
-        <a:scrgbClr r="0" g="0" b="0"/>
-      </a:lnRef>
-      <a:fillRef idx="1">
-        <a:scrgbClr r="0" g="0" b="0"/>
-      </a:fillRef>
-      <a:effectRef idx="0">
-        <a:scrgbClr r="0" g="0" b="0"/>
-      </a:effectRef>
-      <a:fontRef idx="minor">
-        <a:schemeClr val="lt1"/>
-      </a:fontRef>
-    </dgm:style>
-  </dgm:styleLbl>
-  <dgm:styleLbl name="bgSibTrans2D1">
-    <dgm:scene3d>
-      <a:camera prst="orthographicFront"/>
-      <a:lightRig rig="threePt" dir="t"/>
-    </dgm:scene3d>
-    <dgm:sp3d/>
-    <dgm:txPr/>
-    <dgm:style>
-      <a:lnRef idx="0">
-        <a:scrgbClr r="0" g="0" b="0"/>
-      </a:lnRef>
-      <a:fillRef idx="1">
-        <a:scrgbClr r="0" g="0" b="0"/>
-      </a:fillRef>
-      <a:effectRef idx="0">
-        <a:scrgbClr r="0" g="0" b="0"/>
-      </a:effectRef>
-      <a:fontRef idx="minor">
-        <a:schemeClr val="lt1"/>
-      </a:fontRef>
-    </dgm:style>
-  </dgm:styleLbl>
-  <dgm:styleLbl name="sibTrans1D1">
-    <dgm:scene3d>
-      <a:camera prst="orthographicFront"/>
-      <a:lightRig rig="threePt" dir="t"/>
-    </dgm:scene3d>
-    <dgm:sp3d/>
-    <dgm:txPr/>
-    <dgm:style>
-      <a:lnRef idx="1">
-        <a:scrgbClr r="0" g="0" b="0"/>
-      </a:lnRef>
-      <a:fillRef idx="0">
-        <a:scrgbClr r="0" g="0" b="0"/>
-      </a:fillRef>
-      <a:effectRef idx="0">
-        <a:scrgbClr r="0" g="0" b="0"/>
-      </a:effectRef>
-      <a:fontRef idx="minor"/>
-    </dgm:style>
-  </dgm:styleLbl>
-  <dgm:styleLbl name="callout">
-    <dgm:scene3d>
-      <a:camera prst="orthographicFront"/>
-      <a:lightRig rig="threePt" dir="t"/>
-    </dgm:scene3d>
-    <dgm:sp3d/>
-    <dgm:txPr/>
-    <dgm:style>
-      <a:lnRef idx="2">
-        <a:scrgbClr r="0" g="0" b="0"/>
-      </a:lnRef>
-      <a:fillRef idx="1">
-        <a:scrgbClr r="0" g="0" b="0"/>
-      </a:fillRef>
-      <a:effectRef idx="0">
-        <a:scrgbClr r="0" g="0" b="0"/>
-      </a:effectRef>
-      <a:fontRef idx="minor"/>
-    </dgm:style>
-  </dgm:styleLbl>
-  <dgm:styleLbl name="asst0">
-    <dgm:scene3d>
-      <a:camera prst="orthographicFront"/>
-      <a:lightRig rig="threePt" dir="t"/>
-    </dgm:scene3d>
-    <dgm:sp3d/>
-    <dgm:txPr/>
-    <dgm:style>
-      <a:lnRef idx="2">
-        <a:scrgbClr r="0" g="0" b="0"/>
-      </a:lnRef>
-      <a:fillRef idx="1">
-        <a:scrgbClr r="0" g="0" b="0"/>
-      </a:fillRef>
-      <a:effectRef idx="0">
-        <a:scrgbClr r="0" g="0" b="0"/>
-      </a:effectRef>
-      <a:fontRef idx="minor">
-        <a:schemeClr val="lt1"/>
-      </a:fontRef>
-    </dgm:style>
-  </dgm:styleLbl>
-  <dgm:styleLbl name="asst1">
-    <dgm:scene3d>
-      <a:camera prst="orthographicFront"/>
-      <a:lightRig rig="threePt" dir="t"/>
-    </dgm:scene3d>
-    <dgm:sp3d/>
-    <dgm:txPr/>
-    <dgm:style>
-      <a:lnRef idx="2">
-        <a:scrgbClr r="0" g="0" b="0"/>
-      </a:lnRef>
-      <a:fillRef idx="1">
-        <a:scrgbClr r="0" g="0" b="0"/>
-      </a:fillRef>
-      <a:effectRef idx="0">
-        <a:scrgbClr r="0" g="0" b="0"/>
-      </a:effectRef>
-      <a:fontRef idx="minor">
-        <a:schemeClr val="lt1"/>
-      </a:fontRef>
-    </dgm:style>
-  </dgm:styleLbl>
-  <dgm:styleLbl name="asst2">
-    <dgm:scene3d>
-      <a:camera prst="orthographicFront"/>
-      <a:lightRig rig="threePt" dir="t"/>
-    </dgm:scene3d>
-    <dgm:sp3d/>
-    <dgm:txPr/>
-    <dgm:style>
-      <a:lnRef idx="2">
-        <a:scrgbClr r="0" g="0" b="0"/>
-      </a:lnRef>
-      <a:fillRef idx="1">
-        <a:scrgbClr r="0" g="0" b="0"/>
-      </a:fillRef>
-      <a:effectRef idx="0">
-        <a:scrgbClr r="0" g="0" b="0"/>
-      </a:effectRef>
-      <a:fontRef idx="minor">
-        <a:schemeClr val="lt1"/>
-      </a:fontRef>
-    </dgm:style>
-  </dgm:styleLbl>
-  <dgm:styleLbl name="asst3">
-    <dgm:scene3d>
-      <a:camera prst="orthographicFront"/>
-      <a:lightRig rig="threePt" dir="t"/>
-    </dgm:scene3d>
-    <dgm:sp3d/>
-    <dgm:txPr/>
-    <dgm:style>
-      <a:lnRef idx="2">
-        <a:scrgbClr r="0" g="0" b="0"/>
-      </a:lnRef>
-      <a:fillRef idx="1">
-        <a:scrgbClr r="0" g="0" b="0"/>
-      </a:fillRef>
-      <a:effectRef idx="0">
-        <a:scrgbClr r="0" g="0" b="0"/>
-      </a:effectRef>
-      <a:fontRef idx="minor">
-        <a:schemeClr val="lt1"/>
-      </a:fontRef>
-    </dgm:style>
-  </dgm:styleLbl>
-  <dgm:styleLbl name="asst4">
-    <dgm:scene3d>
-      <a:camera prst="orthographicFront"/>
-      <a:lightRig rig="threePt" dir="t"/>
-    </dgm:scene3d>
-    <dgm:sp3d/>
-    <dgm:txPr/>
-    <dgm:style>
-      <a:lnRef idx="2">
-        <a:scrgbClr r="0" g="0" b="0"/>
-      </a:lnRef>
-      <a:fillRef idx="1">
-        <a:scrgbClr r="0" g="0" b="0"/>
-      </a:fillRef>
-      <a:effectRef idx="0">
-        <a:scrgbClr r="0" g="0" b="0"/>
-      </a:effectRef>
-      <a:fontRef idx="minor">
-        <a:schemeClr val="lt1"/>
-      </a:fontRef>
-    </dgm:style>
-  </dgm:styleLbl>
-  <dgm:styleLbl name="parChTrans2D1">
-    <dgm:scene3d>
-      <a:camera prst="orthographicFront"/>
-      <a:lightRig rig="threePt" dir="t"/>
-    </dgm:scene3d>
-    <dgm:sp3d/>
-    <dgm:txPr/>
-    <dgm:style>
-      <a:lnRef idx="2">
-        <a:scrgbClr r="0" g="0" b="0"/>
-      </a:lnRef>
-      <a:fillRef idx="1">
-        <a:scrgbClr r="0" g="0" b="0"/>
-      </a:fillRef>
-      <a:effectRef idx="0">
-        <a:scrgbClr r="0" g="0" b="0"/>
-      </a:effectRef>
-      <a:fontRef idx="minor">
-        <a:schemeClr val="lt1"/>
-      </a:fontRef>
-    </dgm:style>
-  </dgm:styleLbl>
-  <dgm:styleLbl name="parChTrans2D2">
-    <dgm:scene3d>
-      <a:camera prst="orthographicFront"/>
-      <a:lightRig rig="threePt" dir="t"/>
-    </dgm:scene3d>
-    <dgm:sp3d/>
-    <dgm:txPr/>
-    <dgm:style>
-      <a:lnRef idx="2">
-        <a:scrgbClr r="0" g="0" b="0"/>
-      </a:lnRef>
-      <a:fillRef idx="1">
-        <a:scrgbClr r="0" g="0" b="0"/>
-      </a:fillRef>
-      <a:effectRef idx="0">
-        <a:scrgbClr r="0" g="0" b="0"/>
-      </a:effectRef>
-      <a:fontRef idx="minor">
-        <a:schemeClr val="lt1"/>
-      </a:fontRef>
-    </dgm:style>
-  </dgm:styleLbl>
-  <dgm:styleLbl name="parChTrans2D3">
-    <dgm:scene3d>
-      <a:camera prst="orthographicFront"/>
-      <a:lightRig rig="threePt" dir="t"/>
-    </dgm:scene3d>
-    <dgm:sp3d/>
-    <dgm:txPr/>
-    <dgm:style>
-      <a:lnRef idx="2">
-        <a:scrgbClr r="0" g="0" b="0"/>
-      </a:lnRef>
-      <a:fillRef idx="1">
-        <a:scrgbClr r="0" g="0" b="0"/>
-      </a:fillRef>
-      <a:effectRef idx="0">
-        <a:scrgbClr r="0" g="0" b="0"/>
-      </a:effectRef>
-      <a:fontRef idx="minor">
-        <a:schemeClr val="lt1"/>
-      </a:fontRef>
-    </dgm:style>
-  </dgm:styleLbl>
-  <dgm:styleLbl name="parChTrans2D4">
-    <dgm:scene3d>
-      <a:camera prst="orthographicFront"/>
-      <a:lightRig rig="threePt" dir="t"/>
-    </dgm:scene3d>
-    <dgm:sp3d/>
-    <dgm:txPr/>
-    <dgm:style>
-      <a:lnRef idx="2">
-        <a:scrgbClr r="0" g="0" b="0"/>
-      </a:lnRef>
-      <a:fillRef idx="1">
-        <a:scrgbClr r="0" g="0" b="0"/>
-      </a:fillRef>
-      <a:effectRef idx="0">
-        <a:scrgbClr r="0" g="0" b="0"/>
-      </a:effectRef>
-      <a:fontRef idx="minor">
-        <a:schemeClr val="lt1"/>
-      </a:fontRef>
-    </dgm:style>
-  </dgm:styleLbl>
-  <dgm:styleLbl name="parChTrans1D1">
-    <dgm:scene3d>
-      <a:camera prst="orthographicFront"/>
-      <a:lightRig rig="threePt" dir="t"/>
-    </dgm:scene3d>
-    <dgm:sp3d/>
-    <dgm:txPr/>
-    <dgm:style>
-      <a:lnRef idx="2">
-        <a:scrgbClr r="0" g="0" b="0"/>
-      </a:lnRef>
-      <a:fillRef idx="0">
-        <a:scrgbClr r="0" g="0" b="0"/>
-      </a:fillRef>
-      <a:effectRef idx="0">
-        <a:scrgbClr r="0" g="0" b="0"/>
-      </a:effectRef>
-      <a:fontRef idx="minor"/>
-    </dgm:style>
-  </dgm:styleLbl>
-  <dgm:styleLbl name="parChTrans1D2">
-    <dgm:scene3d>
-      <a:camera prst="orthographicFront"/>
-      <a:lightRig rig="threePt" dir="t"/>
-    </dgm:scene3d>
-    <dgm:sp3d/>
-    <dgm:txPr/>
-    <dgm:style>
-      <a:lnRef idx="2">
-        <a:scrgbClr r="0" g="0" b="0"/>
-      </a:lnRef>
-      <a:fillRef idx="0">
-        <a:scrgbClr r="0" g="0" b="0"/>
-      </a:fillRef>
-      <a:effectRef idx="0">
-        <a:scrgbClr r="0" g="0" b="0"/>
-      </a:effectRef>
-      <a:fontRef idx="minor"/>
-    </dgm:style>
-  </dgm:styleLbl>
-  <dgm:styleLbl name="parChTrans1D3">
-    <dgm:scene3d>
-      <a:camera prst="orthographicFront"/>
-      <a:lightRig rig="threePt" dir="t"/>
-    </dgm:scene3d>
-    <dgm:sp3d/>
-    <dgm:txPr/>
-    <dgm:style>
-      <a:lnRef idx="2">
-        <a:scrgbClr r="0" g="0" b="0"/>
-      </a:lnRef>
-      <a:fillRef idx="0">
-        <a:scrgbClr r="0" g="0" b="0"/>
-      </a:fillRef>
-      <a:effectRef idx="0">
-        <a:scrgbClr r="0" g="0" b="0"/>
-      </a:effectRef>
-      <a:fontRef idx="minor"/>
-    </dgm:style>
-  </dgm:styleLbl>
-  <dgm:styleLbl name="parChTrans1D4">
-    <dgm:scene3d>
-      <a:camera prst="orthographicFront"/>
-      <a:lightRig rig="threePt" dir="t"/>
-    </dgm:scene3d>
-    <dgm:sp3d/>
-    <dgm:txPr/>
-    <dgm:style>
-      <a:lnRef idx="2">
-        <a:scrgbClr r="0" g="0" b="0"/>
-      </a:lnRef>
-      <a:fillRef idx="0">
-        <a:scrgbClr r="0" g="0" b="0"/>
-      </a:fillRef>
-      <a:effectRef idx="0">
-        <a:scrgbClr r="0" g="0" b="0"/>
-      </a:effectRef>
-      <a:fontRef idx="minor"/>
-    </dgm:style>
-  </dgm:styleLbl>
-  <dgm:styleLbl name="fgAcc1">
-    <dgm:scene3d>
-      <a:camera prst="orthographicFront"/>
-      <a:lightRig rig="threePt" dir="t"/>
-    </dgm:scene3d>
-    <dgm:sp3d/>
-    <dgm:txPr/>
-    <dgm:style>
-      <a:lnRef idx="2">
-        <a:scrgbClr r="0" g="0" b="0"/>
-      </a:lnRef>
-      <a:fillRef idx="1">
-        <a:scrgbClr r="0" g="0" b="0"/>
-      </a:fillRef>
-      <a:effectRef idx="0">
-        <a:scrgbClr r="0" g="0" b="0"/>
-      </a:effectRef>
-      <a:fontRef idx="minor"/>
-    </dgm:style>
-  </dgm:styleLbl>
-  <dgm:styleLbl name="conFgAcc1">
-    <dgm:scene3d>
-      <a:camera prst="orthographicFront"/>
-      <a:lightRig rig="threePt" dir="t"/>
-    </dgm:scene3d>
-    <dgm:sp3d/>
-    <dgm:txPr/>
-    <dgm:style>
-      <a:lnRef idx="2">
-        <a:scrgbClr r="0" g="0" b="0"/>
-      </a:lnRef>
-      <a:fillRef idx="1">
-        <a:scrgbClr r="0" g="0" b="0"/>
-      </a:fillRef>
-      <a:effectRef idx="0">
-        <a:scrgbClr r="0" g="0" b="0"/>
-      </a:effectRef>
-      <a:fontRef idx="minor"/>
-    </dgm:style>
-  </dgm:styleLbl>
-  <dgm:styleLbl name="alignAcc1">
-    <dgm:scene3d>
-      <a:camera prst="orthographicFront"/>
-      <a:lightRig rig="threePt" dir="t"/>
-    </dgm:scene3d>
-    <dgm:sp3d/>
-    <dgm:txPr/>
-    <dgm:style>
-      <a:lnRef idx="2">
-        <a:scrgbClr r="0" g="0" b="0"/>
-      </a:lnRef>
-      <a:fillRef idx="1">
-        <a:scrgbClr r="0" g="0" b="0"/>
-      </a:fillRef>
-      <a:effectRef idx="0">
-        <a:scrgbClr r="0" g="0" b="0"/>
-      </a:effectRef>
-      <a:fontRef idx="minor"/>
-    </dgm:style>
-  </dgm:styleLbl>
-  <dgm:styleLbl name="trAlignAcc1">
-    <dgm:scene3d>
-      <a:camera prst="orthographicFront"/>
-      <a:lightRig rig="threePt" dir="t"/>
-    </dgm:scene3d>
-    <dgm:sp3d/>
-    <dgm:txPr/>
-    <dgm:style>
-      <a:lnRef idx="1">
-        <a:scrgbClr r="0" g="0" b="0"/>
-      </a:lnRef>
-      <a:fillRef idx="1">
-        <a:scrgbClr r="0" g="0" b="0"/>
-      </a:fillRef>
-      <a:effectRef idx="0">
-        <a:scrgbClr r="0" g="0" b="0"/>
-      </a:effectRef>
-      <a:fontRef idx="minor"/>
-    </dgm:style>
-  </dgm:styleLbl>
-  <dgm:styleLbl name="bgAcc1">
-    <dgm:scene3d>
-      <a:camera prst="orthographicFront"/>
-      <a:lightRig rig="threePt" dir="t"/>
-    </dgm:scene3d>
-    <dgm:sp3d/>
-    <dgm:txPr/>
-    <dgm:style>
-      <a:lnRef idx="2">
-        <a:scrgbClr r="0" g="0" b="0"/>
-      </a:lnRef>
-      <a:fillRef idx="1">
-        <a:scrgbClr r="0" g="0" b="0"/>
-      </a:fillRef>
-      <a:effectRef idx="0">
-        <a:scrgbClr r="0" g="0" b="0"/>
-      </a:effectRef>
-      <a:fontRef idx="minor"/>
-    </dgm:style>
-  </dgm:styleLbl>
-  <dgm:styleLbl name="solidFgAcc1">
-    <dgm:scene3d>
-      <a:camera prst="orthographicFront"/>
-      <a:lightRig rig="threePt" dir="t"/>
-    </dgm:scene3d>
-    <dgm:sp3d/>
-    <dgm:txPr/>
-    <dgm:style>
-      <a:lnRef idx="2">
-        <a:scrgbClr r="0" g="0" b="0"/>
-      </a:lnRef>
-      <a:fillRef idx="1">
-        <a:scrgbClr r="0" g="0" b="0"/>
-      </a:fillRef>
-      <a:effectRef idx="0">
-        <a:scrgbClr r="0" g="0" b="0"/>
-      </a:effectRef>
-      <a:fontRef idx="minor"/>
-    </dgm:style>
-  </dgm:styleLbl>
-  <dgm:styleLbl name="solidAlignAcc1">
-    <dgm:scene3d>
-      <a:camera prst="orthographicFront"/>
-      <a:lightRig rig="threePt" dir="t"/>
-    </dgm:scene3d>
-    <dgm:sp3d/>
-    <dgm:txPr/>
-    <dgm:style>
-      <a:lnRef idx="2">
-        <a:scrgbClr r="0" g="0" b="0"/>
-      </a:lnRef>
-      <a:fillRef idx="1">
-        <a:scrgbClr r="0" g="0" b="0"/>
-      </a:fillRef>
-      <a:effectRef idx="0">
-        <a:scrgbClr r="0" g="0" b="0"/>
-      </a:effectRef>
-      <a:fontRef idx="minor"/>
-    </dgm:style>
-  </dgm:styleLbl>
-  <dgm:styleLbl name="solidBgAcc1">
-    <dgm:scene3d>
-      <a:camera prst="orthographicFront"/>
-      <a:lightRig rig="threePt" dir="t"/>
-    </dgm:scene3d>
-    <dgm:sp3d/>
-    <dgm:txPr/>
-    <dgm:style>
-      <a:lnRef idx="2">
-        <a:scrgbClr r="0" g="0" b="0"/>
-      </a:lnRef>
-      <a:fillRef idx="1">
-        <a:scrgbClr r="0" g="0" b="0"/>
-      </a:fillRef>
-      <a:effectRef idx="0">
-        <a:scrgbClr r="0" g="0" b="0"/>
-      </a:effectRef>
-      <a:fontRef idx="minor"/>
-    </dgm:style>
-  </dgm:styleLbl>
-  <dgm:styleLbl name="fgAccFollowNode1">
-    <dgm:scene3d>
-      <a:camera prst="orthographicFront"/>
-      <a:lightRig rig="threePt" dir="t"/>
-    </dgm:scene3d>
-    <dgm:sp3d/>
-    <dgm:txPr/>
-    <dgm:style>
-      <a:lnRef idx="2">
-        <a:scrgbClr r="0" g="0" b="0"/>
-      </a:lnRef>
-      <a:fillRef idx="1">
-        <a:scrgbClr r="0" g="0" b="0"/>
-      </a:fillRef>
-      <a:effectRef idx="0">
-        <a:scrgbClr r="0" g="0" b="0"/>
-      </a:effectRef>
-      <a:fontRef idx="minor"/>
-    </dgm:style>
-  </dgm:styleLbl>
-  <dgm:styleLbl name="alignAccFollowNode1">
-    <dgm:scene3d>
-      <a:camera prst="orthographicFront"/>
-      <a:lightRig rig="threePt" dir="t"/>
-    </dgm:scene3d>
-    <dgm:sp3d/>
-    <dgm:txPr/>
-    <dgm:style>
-      <a:lnRef idx="2">
-        <a:scrgbClr r="0" g="0" b="0"/>
-      </a:lnRef>
-      <a:fillRef idx="1">
-        <a:scrgbClr r="0" g="0" b="0"/>
-      </a:fillRef>
-      <a:effectRef idx="0">
-        <a:scrgbClr r="0" g="0" b="0"/>
-      </a:effectRef>
-      <a:fontRef idx="minor"/>
-    </dgm:style>
-  </dgm:styleLbl>
-  <dgm:styleLbl name="bgAccFollowNode1">
-    <dgm:scene3d>
-      <a:camera prst="orthographicFront"/>
-      <a:lightRig rig="threePt" dir="t"/>
-    </dgm:scene3d>
-    <dgm:sp3d/>
-    <dgm:txPr/>
-    <dgm:style>
-      <a:lnRef idx="2">
-        <a:scrgbClr r="0" g="0" b="0"/>
-      </a:lnRef>
-      <a:fillRef idx="1">
-        <a:scrgbClr r="0" g="0" b="0"/>
-      </a:fillRef>
-      <a:effectRef idx="0">
-        <a:scrgbClr r="0" g="0" b="0"/>
-      </a:effectRef>
-      <a:fontRef idx="minor"/>
-    </dgm:style>
-  </dgm:styleLbl>
-  <dgm:styleLbl name="fgAcc0">
-    <dgm:scene3d>
-      <a:camera prst="orthographicFront"/>
-      <a:lightRig rig="threePt" dir="t"/>
-    </dgm:scene3d>
-    <dgm:sp3d/>
-    <dgm:txPr/>
-    <dgm:style>
-      <a:lnRef idx="2">
-        <a:scrgbClr r="0" g="0" b="0"/>
-      </a:lnRef>
-      <a:fillRef idx="1">
-        <a:scrgbClr r="0" g="0" b="0"/>
-      </a:fillRef>
-      <a:effectRef idx="0">
-        <a:scrgbClr r="0" g="0" b="0"/>
-      </a:effectRef>
-      <a:fontRef idx="minor"/>
-    </dgm:style>
-  </dgm:styleLbl>
-  <dgm:styleLbl name="fgAcc2">
-    <dgm:scene3d>
-      <a:camera prst="orthographicFront"/>
-      <a:lightRig rig="threePt" dir="t"/>
-    </dgm:scene3d>
-    <dgm:sp3d/>
-    <dgm:txPr/>
-    <dgm:style>
-      <a:lnRef idx="2">
-        <a:scrgbClr r="0" g="0" b="0"/>
-      </a:lnRef>
-      <a:fillRef idx="1">
-        <a:scrgbClr r="0" g="0" b="0"/>
-      </a:fillRef>
-      <a:effectRef idx="0">
-        <a:scrgbClr r="0" g="0" b="0"/>
-      </a:effectRef>
-      <a:fontRef idx="minor"/>
-    </dgm:style>
-  </dgm:styleLbl>
-  <dgm:styleLbl name="fgAcc3">
-    <dgm:scene3d>
-      <a:camera prst="orthographicFront"/>
-      <a:lightRig rig="threePt" dir="t"/>
-    </dgm:scene3d>
-    <dgm:sp3d/>
-    <dgm:txPr/>
-    <dgm:style>
-      <a:lnRef idx="2">
-        <a:scrgbClr r="0" g="0" b="0"/>
-      </a:lnRef>
-      <a:fillRef idx="1">
-        <a:scrgbClr r="0" g="0" b="0"/>
-      </a:fillRef>
-      <a:effectRef idx="0">
-        <a:scrgbClr r="0" g="0" b="0"/>
-      </a:effectRef>
-      <a:fontRef idx="minor"/>
-    </dgm:style>
-  </dgm:styleLbl>
-  <dgm:styleLbl name="fgAcc4">
-    <dgm:scene3d>
-      <a:camera prst="orthographicFront"/>
-      <a:lightRig rig="threePt" dir="t"/>
-    </dgm:scene3d>
-    <dgm:sp3d/>
-    <dgm:txPr/>
-    <dgm:style>
-      <a:lnRef idx="2">
-        <a:scrgbClr r="0" g="0" b="0"/>
-      </a:lnRef>
-      <a:fillRef idx="1">
-        <a:scrgbClr r="0" g="0" b="0"/>
-      </a:fillRef>
-      <a:effectRef idx="0">
-        <a:scrgbClr r="0" g="0" b="0"/>
-      </a:effectRef>
-      <a:fontRef idx="minor"/>
-    </dgm:style>
-  </dgm:styleLbl>
-  <dgm:styleLbl name="bgShp">
-    <dgm:scene3d>
-      <a:camera prst="orthographicFront"/>
-      <a:lightRig rig="threePt" dir="t"/>
-    </dgm:scene3d>
-    <dgm:sp3d/>
-    <dgm:txPr/>
-    <dgm:style>
-      <a:lnRef idx="0">
-        <a:scrgbClr r="0" g="0" b="0"/>
-      </a:lnRef>
-      <a:fillRef idx="1">
-        <a:scrgbClr r="0" g="0" b="0"/>
-      </a:fillRef>
-      <a:effectRef idx="0">
-        <a:scrgbClr r="0" g="0" b="0"/>
-      </a:effectRef>
-      <a:fontRef idx="minor"/>
-    </dgm:style>
-  </dgm:styleLbl>
-  <dgm:styleLbl name="dkBgShp">
-    <dgm:scene3d>
-      <a:camera prst="orthographicFront"/>
-      <a:lightRig rig="threePt" dir="t"/>
-    </dgm:scene3d>
-    <dgm:sp3d/>
-    <dgm:txPr/>
-    <dgm:style>
-      <a:lnRef idx="0">
-        <a:scrgbClr r="0" g="0" b="0"/>
-      </a:lnRef>
-      <a:fillRef idx="1">
-        <a:scrgbClr r="0" g="0" b="0"/>
-      </a:fillRef>
-      <a:effectRef idx="0">
-        <a:scrgbClr r="0" g="0" b="0"/>
-      </a:effectRef>
-      <a:fontRef idx="minor"/>
-    </dgm:style>
-  </dgm:styleLbl>
-  <dgm:styleLbl name="trBgShp">
-    <dgm:scene3d>
-      <a:camera prst="orthographicFront"/>
-      <a:lightRig rig="threePt" dir="t"/>
-    </dgm:scene3d>
-    <dgm:sp3d/>
-    <dgm:txPr/>
-    <dgm:style>
-      <a:lnRef idx="0">
-        <a:scrgbClr r="0" g="0" b="0"/>
-      </a:lnRef>
-      <a:fillRef idx="1">
-        <a:scrgbClr r="0" g="0" b="0"/>
-      </a:fillRef>
-      <a:effectRef idx="0">
-        <a:scrgbClr r="0" g="0" b="0"/>
-      </a:effectRef>
-      <a:fontRef idx="minor"/>
-    </dgm:style>
-  </dgm:styleLbl>
-  <dgm:styleLbl name="fgShp">
-    <dgm:scene3d>
-      <a:camera prst="orthographicFront"/>
-      <a:lightRig rig="threePt" dir="t"/>
-    </dgm:scene3d>
-    <dgm:sp3d/>
-    <dgm:txPr/>
-    <dgm:style>
-      <a:lnRef idx="2">
-        <a:scrgbClr r="0" g="0" b="0"/>
-      </a:lnRef>
-      <a:fillRef idx="1">
-        <a:scrgbClr r="0" g="0" b="0"/>
-      </a:fillRef>
-      <a:effectRef idx="0">
-        <a:scrgbClr r="0" g="0" b="0"/>
-      </a:effectRef>
-      <a:fontRef idx="minor"/>
-    </dgm:style>
-  </dgm:styleLbl>
-  <dgm:styleLbl name="revTx">
-    <dgm:scene3d>
-      <a:camera prst="orthographicFront"/>
-      <a:lightRig rig="threePt" dir="t"/>
-    </dgm:scene3d>
-    <dgm:sp3d/>
-    <dgm:txPr/>
-    <dgm:style>
-      <a:lnRef idx="0">
-        <a:scrgbClr r="0" g="0" b="0"/>
-      </a:lnRef>
-      <a:fillRef idx="0">
-        <a:scrgbClr r="0" g="0" b="0"/>
-      </a:fillRef>
-      <a:effectRef idx="0">
-        <a:scrgbClr r="0" g="0" b="0"/>
-      </a:effectRef>
-      <a:fontRef idx="minor"/>
-    </dgm:style>
-  </dgm:styleLbl>
-</dgm:styleDef>
-</file>
-
-<file path=ppt/diagrams/quickStyle2.xml><?xml version="1.0" encoding="utf-8"?>
 <dgm:styleDef xmlns:dgm="http://schemas.openxmlformats.org/drawingml/2006/diagram" xmlns:a="http://schemas.openxmlformats.org/drawingml/2006/main" uniqueId="urn:microsoft.com/office/officeart/2005/8/quickstyle/simple1">
   <dgm:title val=""/>
   <dgm:desc val=""/>
@@ -5397,7 +2947,7 @@
               <a:rPr lang="en-US" smtClean="0">
                 <a:latin typeface="Segoe UI" pitchFamily="34" charset="0"/>
               </a:rPr>
-              <a:t>11/27/2012</a:t>
+              <a:t>12/3/2012</a:t>
             </a:fld>
             <a:endParaRPr lang="en-US" dirty="0">
               <a:latin typeface="Segoe UI" pitchFamily="34" charset="0"/>
@@ -5579,7 +3129,7 @@
             <a:fld id="{CAE3F082-F902-42D8-A765-720E172C3194}" type="datetimeFigureOut">
               <a:rPr lang="en-US" smtClean="0"/>
               <a:pPr/>
-              <a:t>11/27/2012</a:t>
+              <a:t>12/3/2012</a:t>
             </a:fld>
             <a:endParaRPr lang="en-US" dirty="0"/>
           </a:p>
@@ -5918,7 +3468,7 @@
             <a:fld id="{82AABF77-E2E4-44CA-BA5C-65E132CF08D8}" type="slidenum">
               <a:rPr lang="en-US" smtClean="0"/>
               <a:pPr/>
-              <a:t>5</a:t>
+              <a:t>4</a:t>
             </a:fld>
             <a:endParaRPr lang="en-US" dirty="0"/>
           </a:p>
@@ -5982,6 +3532,195 @@
           <a:lstStyle/>
           <a:p>
             <a:r>
+              <a:rPr lang="en-US" u="sng" dirty="0" smtClean="0"/>
+              <a:t>Estimated Time:</a:t>
+            </a:r>
+            <a:r>
+              <a:rPr lang="en-US" dirty="0" smtClean="0"/>
+              <a:t> 4 minutes</a:t>
+            </a:r>
+          </a:p>
+          <a:p>
+            <a:endParaRPr lang="en-US" dirty="0" smtClean="0"/>
+          </a:p>
+          <a:p>
+            <a:r>
+              <a:rPr lang="en-US" dirty="0" smtClean="0"/>
+              <a:t>So</a:t>
+            </a:r>
+            <a:r>
+              <a:rPr lang="en-US" baseline="0" dirty="0" smtClean="0"/>
+              <a:t> what does MVC look like when implemented over the web?</a:t>
+            </a:r>
+          </a:p>
+          <a:p>
+            <a:endParaRPr lang="en-US" baseline="0" dirty="0" smtClean="0"/>
+          </a:p>
+          <a:p>
+            <a:r>
+              <a:rPr lang="en-US" baseline="0" dirty="0" smtClean="0"/>
+              <a:t>When an HTTP request comes into the application it is mapped to a controller. Remember as we mentioned in the previous slide, in the MVC design pattern, the controller is the piece of the triad that handles all user input. In the case of a web application, user input is represented as HTTP requests </a:t>
+            </a:r>
+            <a:r>
+              <a:rPr lang="en-US" b="1" baseline="0" dirty="0" smtClean="0"/>
+              <a:t>[Advance Animation]</a:t>
+            </a:r>
+            <a:r>
+              <a:rPr lang="en-US" baseline="0" dirty="0" smtClean="0"/>
+              <a:t>.</a:t>
+            </a:r>
+          </a:p>
+          <a:p>
+            <a:endParaRPr lang="en-US" baseline="0" dirty="0" smtClean="0"/>
+          </a:p>
+          <a:p>
+            <a:r>
+              <a:rPr lang="en-US" baseline="0" dirty="0" smtClean="0"/>
+              <a:t>Once the controller has received input, it performs whatever operations it needs to and then assembles a presentation model </a:t>
+            </a:r>
+            <a:r>
+              <a:rPr lang="en-US" b="1" baseline="0" dirty="0" smtClean="0"/>
+              <a:t>[Advance Animation]</a:t>
+            </a:r>
+            <a:r>
+              <a:rPr lang="en-US" baseline="0" dirty="0" smtClean="0"/>
+              <a:t>.</a:t>
+            </a:r>
+          </a:p>
+          <a:p>
+            <a:endParaRPr lang="en-US" baseline="0" dirty="0" smtClean="0"/>
+          </a:p>
+          <a:p>
+            <a:r>
+              <a:rPr lang="en-US" baseline="0" dirty="0" smtClean="0"/>
+              <a:t>The controller then takes the model and passes it off to the view. Remember that the view is simply a visual representation of the model </a:t>
+            </a:r>
+            <a:r>
+              <a:rPr lang="en-US" b="1" baseline="0" dirty="0" smtClean="0"/>
+              <a:t>[Advance Animation]</a:t>
+            </a:r>
+            <a:r>
+              <a:rPr lang="en-US" baseline="0" dirty="0" smtClean="0"/>
+              <a:t>.</a:t>
+            </a:r>
+          </a:p>
+          <a:p>
+            <a:endParaRPr lang="en-US" baseline="0" dirty="0" smtClean="0"/>
+          </a:p>
+          <a:p>
+            <a:r>
+              <a:rPr lang="en-US" baseline="0" dirty="0" smtClean="0"/>
+              <a:t>The view then “transforms” the model into whatever format it uses to represent it. In a web application, this would typically be HTML </a:t>
+            </a:r>
+            <a:r>
+              <a:rPr lang="en-US" b="1" baseline="0" dirty="0" smtClean="0"/>
+              <a:t>[Advance Animation]</a:t>
+            </a:r>
+            <a:r>
+              <a:rPr lang="en-US" baseline="0" dirty="0" smtClean="0"/>
+              <a:t>.</a:t>
+            </a:r>
+          </a:p>
+          <a:p>
+            <a:endParaRPr lang="en-US" baseline="0" dirty="0" smtClean="0"/>
+          </a:p>
+          <a:p>
+            <a:r>
+              <a:rPr lang="en-US" baseline="0" dirty="0" smtClean="0"/>
+              <a:t>The view then serves the request by responding with its visual representation.</a:t>
+            </a:r>
+            <a:endParaRPr lang="en-US" dirty="0" smtClean="0"/>
+          </a:p>
+          <a:p>
+            <a:endParaRPr lang="en-US" dirty="0" smtClean="0"/>
+          </a:p>
+          <a:p>
+            <a:endParaRPr lang="en-US" dirty="0"/>
+          </a:p>
+        </p:txBody>
+      </p:sp>
+      <p:sp>
+        <p:nvSpPr>
+          <p:cNvPr id="4" name="Slide Number Placeholder 3"/>
+          <p:cNvSpPr>
+            <a:spLocks noGrp="1"/>
+          </p:cNvSpPr>
+          <p:nvPr>
+            <p:ph type="sldNum" sz="quarter" idx="10"/>
+          </p:nvPr>
+        </p:nvSpPr>
+        <p:spPr/>
+        <p:txBody>
+          <a:bodyPr/>
+          <a:lstStyle/>
+          <a:p>
+            <a:fld id="{82AABF77-E2E4-44CA-BA5C-65E132CF08D8}" type="slidenum">
+              <a:rPr lang="en-US" smtClean="0"/>
+              <a:pPr/>
+              <a:t>6</a:t>
+            </a:fld>
+            <a:endParaRPr lang="en-US" dirty="0"/>
+          </a:p>
+        </p:txBody>
+      </p:sp>
+    </p:spTree>
+    <p:extLst>
+      <p:ext uri="{BB962C8B-B14F-4D97-AF65-F5344CB8AC3E}">
+        <p14:creationId xmlns:p14="http://schemas.microsoft.com/office/powerpoint/2010/main" val="3140705117"/>
+      </p:ext>
+    </p:extLst>
+  </p:cSld>
+  <p:clrMapOvr>
+    <a:masterClrMapping/>
+  </p:clrMapOvr>
+</p:notes>
+</file>
+
+<file path=ppt/notesSlides/notesSlide3.xml><?xml version="1.0" encoding="utf-8"?>
+<p:notes xmlns:a="http://schemas.openxmlformats.org/drawingml/2006/main" xmlns:r="http://schemas.openxmlformats.org/officeDocument/2006/relationships" xmlns:p="http://schemas.openxmlformats.org/presentationml/2006/main">
+  <p:cSld>
+    <p:spTree>
+      <p:nvGrpSpPr>
+        <p:cNvPr id="1" name=""/>
+        <p:cNvGrpSpPr/>
+        <p:nvPr/>
+      </p:nvGrpSpPr>
+      <p:grpSpPr>
+        <a:xfrm>
+          <a:off x="0" y="0"/>
+          <a:ext cx="0" cy="0"/>
+          <a:chOff x="0" y="0"/>
+          <a:chExt cx="0" cy="0"/>
+        </a:xfrm>
+      </p:grpSpPr>
+      <p:sp>
+        <p:nvSpPr>
+          <p:cNvPr id="2" name="Slide Image Placeholder 1"/>
+          <p:cNvSpPr>
+            <a:spLocks noGrp="1" noRot="1" noChangeAspect="1"/>
+          </p:cNvSpPr>
+          <p:nvPr>
+            <p:ph type="sldImg"/>
+          </p:nvPr>
+        </p:nvSpPr>
+        <p:spPr/>
+      </p:sp>
+      <p:sp>
+        <p:nvSpPr>
+          <p:cNvPr id="3" name="Notes Placeholder 2"/>
+          <p:cNvSpPr>
+            <a:spLocks noGrp="1"/>
+          </p:cNvSpPr>
+          <p:nvPr>
+            <p:ph type="body" idx="1"/>
+          </p:nvPr>
+        </p:nvSpPr>
+        <p:spPr/>
+        <p:txBody>
+          <a:bodyPr/>
+          <a:lstStyle/>
+          <a:p>
+            <a:r>
               <a:rPr lang="en-US" dirty="0" smtClean="0"/>
               <a:t>Image Source: </a:t>
             </a:r>
@@ -6017,6 +3756,132 @@
     <p:extLst>
       <p:ext uri="{BB962C8B-B14F-4D97-AF65-F5344CB8AC3E}">
         <p14:creationId xmlns:p14="http://schemas.microsoft.com/office/powerpoint/2010/main" val="4122137329"/>
+      </p:ext>
+    </p:extLst>
+  </p:cSld>
+  <p:clrMapOvr>
+    <a:masterClrMapping/>
+  </p:clrMapOvr>
+</p:notes>
+</file>
+
+<file path=ppt/notesSlides/notesSlide4.xml><?xml version="1.0" encoding="utf-8"?>
+<p:notes xmlns:a="http://schemas.openxmlformats.org/drawingml/2006/main" xmlns:r="http://schemas.openxmlformats.org/officeDocument/2006/relationships" xmlns:p="http://schemas.openxmlformats.org/presentationml/2006/main">
+  <p:cSld>
+    <p:spTree>
+      <p:nvGrpSpPr>
+        <p:cNvPr id="1" name=""/>
+        <p:cNvGrpSpPr/>
+        <p:nvPr/>
+      </p:nvGrpSpPr>
+      <p:grpSpPr>
+        <a:xfrm>
+          <a:off x="0" y="0"/>
+          <a:ext cx="0" cy="0"/>
+          <a:chOff x="0" y="0"/>
+          <a:chExt cx="0" cy="0"/>
+        </a:xfrm>
+      </p:grpSpPr>
+      <p:sp>
+        <p:nvSpPr>
+          <p:cNvPr id="2" name="Slide Image Placeholder 1"/>
+          <p:cNvSpPr>
+            <a:spLocks noGrp="1" noRot="1" noChangeAspect="1"/>
+          </p:cNvSpPr>
+          <p:nvPr>
+            <p:ph type="sldImg"/>
+          </p:nvPr>
+        </p:nvSpPr>
+        <p:spPr/>
+      </p:sp>
+      <p:sp>
+        <p:nvSpPr>
+          <p:cNvPr id="3" name="Notes Placeholder 2"/>
+          <p:cNvSpPr>
+            <a:spLocks noGrp="1"/>
+          </p:cNvSpPr>
+          <p:nvPr>
+            <p:ph type="body" idx="1"/>
+          </p:nvPr>
+        </p:nvSpPr>
+        <p:spPr/>
+        <p:txBody>
+          <a:bodyPr/>
+          <a:lstStyle/>
+          <a:p>
+            <a:pPr marL="0" marR="0" indent="0" algn="l" defTabSz="1218987" rtl="0" eaLnBrk="1" fontAlgn="auto" latinLnBrk="0" hangingPunct="1">
+              <a:lnSpc>
+                <a:spcPct val="100000"/>
+              </a:lnSpc>
+              <a:spcBef>
+                <a:spcPts val="0"/>
+              </a:spcBef>
+              <a:spcAft>
+                <a:spcPts val="0"/>
+              </a:spcAft>
+              <a:buClrTx/>
+              <a:buSzTx/>
+              <a:buFontTx/>
+              <a:buNone/>
+              <a:tabLst/>
+              <a:defRPr/>
+            </a:pPr>
+            <a:r>
+              <a:rPr lang="en-US" dirty="0" smtClean="0"/>
+              <a:t>Navigate</a:t>
+            </a:r>
+            <a:r>
+              <a:rPr lang="en-US" baseline="0" dirty="0" smtClean="0"/>
+              <a:t> to: </a:t>
+            </a:r>
+            <a:r>
+              <a:rPr lang="en-US" dirty="0" smtClean="0"/>
+              <a:t>http://graph.facebook.com/Microsoft</a:t>
+            </a:r>
+            <a:r>
+              <a:rPr lang="en-US" baseline="0" dirty="0" smtClean="0"/>
+              <a:t> in a browser. Either view the result in a browser (Google Chrome works best for this) or download the </a:t>
+            </a:r>
+            <a:r>
+              <a:rPr lang="en-US" baseline="0" dirty="0" err="1" smtClean="0"/>
+              <a:t>Json</a:t>
+            </a:r>
+            <a:r>
+              <a:rPr lang="en-US" baseline="0" dirty="0" smtClean="0"/>
+              <a:t> file and open it in Visual Studio.</a:t>
+            </a:r>
+            <a:endParaRPr lang="en-US" dirty="0" smtClean="0"/>
+          </a:p>
+        </p:txBody>
+      </p:sp>
+      <p:sp>
+        <p:nvSpPr>
+          <p:cNvPr id="4" name="Slide Number Placeholder 3"/>
+          <p:cNvSpPr>
+            <a:spLocks noGrp="1"/>
+          </p:cNvSpPr>
+          <p:nvPr>
+            <p:ph type="sldNum" sz="quarter" idx="10"/>
+          </p:nvPr>
+        </p:nvSpPr>
+        <p:spPr/>
+        <p:txBody>
+          <a:bodyPr/>
+          <a:lstStyle/>
+          <a:p>
+            <a:fld id="{82AABF77-E2E4-44CA-BA5C-65E132CF08D8}" type="slidenum">
+              <a:rPr lang="en-US" smtClean="0"/>
+              <a:pPr/>
+              <a:t>11</a:t>
+            </a:fld>
+            <a:endParaRPr lang="en-US" dirty="0"/>
+          </a:p>
+        </p:txBody>
+      </p:sp>
+    </p:spTree>
+    <p:extLst>
+      <p:ext uri="{BB962C8B-B14F-4D97-AF65-F5344CB8AC3E}">
+        <p14:creationId xmlns:p14="http://schemas.microsoft.com/office/powerpoint/2010/main" val="1645252511"/>
       </p:ext>
     </p:extLst>
   </p:cSld>
@@ -11456,7 +9321,7 @@
           <a:p>
             <a:fld id="{3C05B25D-F090-4D40-A1CE-42B188CFF7D8}" type="datetimeFigureOut">
               <a:rPr lang="en-US" smtClean="0"/>
-              <a:t>11/27/2012</a:t>
+              <a:t>12/3/2012</a:t>
             </a:fld>
             <a:endParaRPr lang="en-US"/>
           </a:p>
@@ -20987,7 +18852,7 @@
             <a:spLocks noGrp="1"/>
           </p:cNvSpPr>
           <p:nvPr>
-            <p:ph type="title"/>
+            <p:ph type="ctrTitle"/>
           </p:nvPr>
         </p:nvSpPr>
         <p:spPr/>
@@ -20997,7 +18862,7 @@
           <a:p>
             <a:r>
               <a:rPr lang="en-US" dirty="0" smtClean="0"/>
-              <a:t>Facebook C# SDK</a:t>
+              <a:t>demo</a:t>
             </a:r>
             <a:endParaRPr lang="en-US" dirty="0"/>
           </a:p>
@@ -21005,7 +18870,7 @@
       </p:sp>
       <p:sp>
         <p:nvSpPr>
-          <p:cNvPr id="5" name="Text Placeholder 4"/>
+          <p:cNvPr id="6" name="Text Placeholder 5"/>
           <p:cNvSpPr>
             <a:spLocks noGrp="1"/>
           </p:cNvSpPr>
@@ -21013,85 +18878,23 @@
             <p:ph type="body" sz="quarter" idx="10"/>
           </p:nvPr>
         </p:nvSpPr>
-        <p:spPr>
-          <a:xfrm>
-            <a:off x="519112" y="1447799"/>
-            <a:ext cx="11149013" cy="3901068"/>
-          </a:xfrm>
-        </p:spPr>
+        <p:spPr/>
         <p:txBody>
           <a:bodyPr/>
           <a:lstStyle/>
           <a:p>
             <a:r>
               <a:rPr lang="en-US" dirty="0" smtClean="0"/>
-              <a:t>Graph API</a:t>
-            </a:r>
-          </a:p>
-          <a:p>
-            <a:r>
-              <a:rPr lang="en-US" dirty="0" smtClean="0"/>
-              <a:t>Authentication</a:t>
-            </a:r>
-          </a:p>
-          <a:p>
-            <a:r>
-              <a:rPr lang="en-US" dirty="0" smtClean="0"/>
-              <a:t>All Major Microsoft Frameworks &amp; Platforms:</a:t>
-            </a:r>
-          </a:p>
-          <a:p>
-            <a:r>
-              <a:rPr lang="en-US" dirty="0"/>
-              <a:t>	</a:t>
-            </a:r>
-            <a:r>
-              <a:rPr lang="en-US" dirty="0" err="1" smtClean="0"/>
-              <a:t>.Net</a:t>
-            </a:r>
-            <a:r>
-              <a:rPr lang="en-US" dirty="0" smtClean="0"/>
-              <a:t> 3.5, </a:t>
-            </a:r>
-            <a:r>
-              <a:rPr lang="en-US" dirty="0" err="1" smtClean="0"/>
-              <a:t>.Net</a:t>
-            </a:r>
-            <a:r>
-              <a:rPr lang="en-US" dirty="0" smtClean="0"/>
-              <a:t> 4.0, and </a:t>
-            </a:r>
-            <a:r>
-              <a:rPr lang="en-US" dirty="0" err="1" smtClean="0"/>
-              <a:t>.Net</a:t>
-            </a:r>
-            <a:r>
-              <a:rPr lang="en-US" dirty="0" smtClean="0"/>
-              <a:t> 4.5</a:t>
-            </a:r>
-          </a:p>
-          <a:p>
-            <a:r>
-              <a:rPr lang="en-US" dirty="0"/>
-              <a:t>	</a:t>
-            </a:r>
-            <a:r>
-              <a:rPr lang="en-US" dirty="0" smtClean="0"/>
-              <a:t>Windows Phone 7.1 and 8</a:t>
-            </a:r>
-          </a:p>
-          <a:p>
-            <a:r>
-              <a:rPr lang="en-US" dirty="0" smtClean="0"/>
-              <a:t>	Windows Store Apps</a:t>
-            </a:r>
+              <a:t>Facebook Graph API</a:t>
+            </a:r>
+            <a:endParaRPr lang="en-US" dirty="0"/>
           </a:p>
         </p:txBody>
       </p:sp>
     </p:spTree>
     <p:extLst>
       <p:ext uri="{BB962C8B-B14F-4D97-AF65-F5344CB8AC3E}">
-        <p14:creationId xmlns:p14="http://schemas.microsoft.com/office/powerpoint/2010/main" val="1496276647"/>
+        <p14:creationId xmlns:p14="http://schemas.microsoft.com/office/powerpoint/2010/main" val="2442958162"/>
       </p:ext>
     </p:extLst>
   </p:cSld>
@@ -21145,7 +18948,7 @@
           <a:p>
             <a:r>
               <a:rPr lang="en-US" dirty="0" smtClean="0"/>
-              <a:t>Flexible API: Dynamic Objects</a:t>
+              <a:t>Facebook C# SDK</a:t>
             </a:r>
             <a:endParaRPr lang="en-US" dirty="0"/>
           </a:p>
@@ -21161,555 +18964,85 @@
             <p:ph type="body" sz="quarter" idx="10"/>
           </p:nvPr>
         </p:nvSpPr>
-        <p:spPr/>
+        <p:spPr>
+          <a:xfrm>
+            <a:off x="519112" y="1447799"/>
+            <a:ext cx="11149013" cy="3901068"/>
+          </a:xfrm>
+        </p:spPr>
         <p:txBody>
           <a:bodyPr/>
           <a:lstStyle/>
           <a:p>
             <a:r>
-              <a:rPr lang="en-US" dirty="0" err="1" smtClean="0">
-                <a:solidFill>
-                  <a:srgbClr val="0000FF"/>
-                </a:solidFill>
-                <a:highlight>
-                  <a:srgbClr val="FFFFFF"/>
-                </a:highlight>
-              </a:rPr>
-              <a:t>var</a:t>
-            </a:r>
-            <a:r>
-              <a:rPr lang="en-US" dirty="0" smtClean="0">
-                <a:solidFill>
-                  <a:srgbClr val="000000"/>
-                </a:solidFill>
-                <a:highlight>
-                  <a:srgbClr val="FFFFFF"/>
-                </a:highlight>
-              </a:rPr>
-              <a:t> </a:t>
-            </a:r>
-            <a:r>
-              <a:rPr lang="en-US" dirty="0">
-                <a:solidFill>
-                  <a:srgbClr val="000000"/>
-                </a:solidFill>
-                <a:highlight>
-                  <a:srgbClr val="FFFFFF"/>
-                </a:highlight>
-              </a:rPr>
-              <a:t>client = </a:t>
-            </a:r>
-            <a:r>
-              <a:rPr lang="en-US" dirty="0">
-                <a:solidFill>
-                  <a:srgbClr val="0000FF"/>
-                </a:solidFill>
-                <a:highlight>
-                  <a:srgbClr val="FFFFFF"/>
-                </a:highlight>
-              </a:rPr>
-              <a:t>new</a:t>
-            </a:r>
-            <a:r>
-              <a:rPr lang="en-US" dirty="0">
-                <a:solidFill>
-                  <a:srgbClr val="000000"/>
-                </a:solidFill>
-                <a:highlight>
-                  <a:srgbClr val="FFFFFF"/>
-                </a:highlight>
-              </a:rPr>
-              <a:t> </a:t>
-            </a:r>
-            <a:r>
-              <a:rPr lang="en-US" dirty="0" err="1">
-                <a:solidFill>
-                  <a:srgbClr val="2B91AF"/>
-                </a:solidFill>
-                <a:highlight>
-                  <a:srgbClr val="FFFFFF"/>
-                </a:highlight>
-              </a:rPr>
-              <a:t>FacebookClient</a:t>
-            </a:r>
-            <a:r>
-              <a:rPr lang="en-US" dirty="0">
-                <a:solidFill>
-                  <a:srgbClr val="000000"/>
-                </a:solidFill>
-                <a:highlight>
-                  <a:srgbClr val="FFFFFF"/>
-                </a:highlight>
-              </a:rPr>
-              <a:t>(</a:t>
-            </a:r>
-            <a:r>
-              <a:rPr lang="en-US" dirty="0">
-                <a:solidFill>
-                  <a:srgbClr val="A31515"/>
-                </a:solidFill>
-                <a:highlight>
-                  <a:srgbClr val="FFFFFF"/>
-                </a:highlight>
-              </a:rPr>
-              <a:t>"</a:t>
-            </a:r>
-            <a:r>
-              <a:rPr lang="en-US" dirty="0" err="1">
-                <a:solidFill>
-                  <a:srgbClr val="A31515"/>
-                </a:solidFill>
-                <a:highlight>
-                  <a:srgbClr val="FFFFFF"/>
-                </a:highlight>
-              </a:rPr>
-              <a:t>access_token</a:t>
-            </a:r>
-            <a:r>
-              <a:rPr lang="en-US" dirty="0">
-                <a:solidFill>
-                  <a:srgbClr val="A31515"/>
-                </a:solidFill>
-                <a:highlight>
-                  <a:srgbClr val="FFFFFF"/>
-                </a:highlight>
-              </a:rPr>
-              <a:t>"</a:t>
-            </a:r>
-            <a:r>
-              <a:rPr lang="en-US" dirty="0">
-                <a:solidFill>
-                  <a:srgbClr val="000000"/>
-                </a:solidFill>
-                <a:highlight>
-                  <a:srgbClr val="FFFFFF"/>
-                </a:highlight>
-              </a:rPr>
-              <a:t>);</a:t>
+              <a:rPr lang="en-US" dirty="0" smtClean="0"/>
+              <a:t>Graph API</a:t>
             </a:r>
           </a:p>
           <a:p>
             <a:r>
-              <a:rPr lang="en-US" dirty="0">
-                <a:solidFill>
-                  <a:srgbClr val="000000"/>
-                </a:solidFill>
-                <a:highlight>
-                  <a:srgbClr val="FFFFFF"/>
-                </a:highlight>
-              </a:rPr>
-              <a:t>           </a:t>
+              <a:rPr lang="en-US" dirty="0" smtClean="0"/>
+              <a:t>Authentication</a:t>
             </a:r>
           </a:p>
           <a:p>
             <a:r>
-              <a:rPr lang="en-US" dirty="0">
-                <a:solidFill>
-                  <a:srgbClr val="008000"/>
-                </a:solidFill>
-                <a:highlight>
-                  <a:srgbClr val="FFFFFF"/>
-                </a:highlight>
-              </a:rPr>
-              <a:t>// Get current </a:t>
-            </a:r>
-            <a:r>
-              <a:rPr lang="en-US" dirty="0" smtClean="0">
-                <a:solidFill>
-                  <a:srgbClr val="008000"/>
-                </a:solidFill>
-                <a:highlight>
-                  <a:srgbClr val="FFFFFF"/>
-                </a:highlight>
-              </a:rPr>
-              <a:t>user’s basic information</a:t>
-            </a:r>
-            <a:endParaRPr lang="en-US" dirty="0">
-              <a:solidFill>
-                <a:srgbClr val="000000"/>
-              </a:solidFill>
-              <a:highlight>
-                <a:srgbClr val="FFFFFF"/>
-              </a:highlight>
-            </a:endParaRPr>
+              <a:rPr lang="en-US" dirty="0" smtClean="0"/>
+              <a:t>All Major Microsoft Frameworks &amp; Platforms:</a:t>
+            </a:r>
           </a:p>
           <a:p>
             <a:r>
-              <a:rPr lang="en-US" dirty="0">
-                <a:solidFill>
-                  <a:srgbClr val="0000FF"/>
-                </a:solidFill>
-                <a:highlight>
-                  <a:srgbClr val="FFFFFF"/>
-                </a:highlight>
-              </a:rPr>
-              <a:t>dynamic</a:t>
-            </a:r>
-            <a:r>
-              <a:rPr lang="en-US" dirty="0">
-                <a:solidFill>
-                  <a:srgbClr val="000000"/>
-                </a:solidFill>
-                <a:highlight>
-                  <a:srgbClr val="FFFFFF"/>
-                </a:highlight>
-              </a:rPr>
-              <a:t> me = </a:t>
-            </a:r>
-            <a:r>
-              <a:rPr lang="en-US" dirty="0">
-                <a:solidFill>
-                  <a:srgbClr val="0000FF"/>
-                </a:solidFill>
-                <a:highlight>
-                  <a:srgbClr val="FFFFFF"/>
-                </a:highlight>
-              </a:rPr>
-              <a:t>await</a:t>
-            </a:r>
-            <a:r>
-              <a:rPr lang="en-US" dirty="0">
-                <a:solidFill>
-                  <a:srgbClr val="000000"/>
-                </a:solidFill>
-                <a:highlight>
-                  <a:srgbClr val="FFFFFF"/>
-                </a:highlight>
-              </a:rPr>
-              <a:t> </a:t>
-            </a:r>
-            <a:r>
-              <a:rPr lang="en-US" dirty="0" err="1">
-                <a:solidFill>
-                  <a:srgbClr val="000000"/>
-                </a:solidFill>
-                <a:highlight>
-                  <a:srgbClr val="FFFFFF"/>
-                </a:highlight>
-              </a:rPr>
-              <a:t>client.GetTaskAsync</a:t>
-            </a:r>
-            <a:r>
-              <a:rPr lang="en-US" dirty="0">
-                <a:solidFill>
-                  <a:srgbClr val="000000"/>
-                </a:solidFill>
-                <a:highlight>
-                  <a:srgbClr val="FFFFFF"/>
-                </a:highlight>
-              </a:rPr>
-              <a:t>(</a:t>
-            </a:r>
-            <a:r>
-              <a:rPr lang="en-US" dirty="0">
-                <a:solidFill>
-                  <a:srgbClr val="A31515"/>
-                </a:solidFill>
-                <a:highlight>
-                  <a:srgbClr val="FFFFFF"/>
-                </a:highlight>
-              </a:rPr>
-              <a:t>"me"</a:t>
-            </a:r>
-            <a:r>
-              <a:rPr lang="en-US" dirty="0">
-                <a:solidFill>
-                  <a:srgbClr val="000000"/>
-                </a:solidFill>
-                <a:highlight>
-                  <a:srgbClr val="FFFFFF"/>
-                </a:highlight>
-              </a:rPr>
-              <a:t>);</a:t>
+              <a:rPr lang="en-US" dirty="0"/>
+              <a:t>	</a:t>
+            </a:r>
+            <a:r>
+              <a:rPr lang="en-US" dirty="0" err="1" smtClean="0"/>
+              <a:t>.Net</a:t>
+            </a:r>
+            <a:r>
+              <a:rPr lang="en-US" dirty="0" smtClean="0"/>
+              <a:t> 3.5, </a:t>
+            </a:r>
+            <a:r>
+              <a:rPr lang="en-US" dirty="0" err="1" smtClean="0"/>
+              <a:t>.Net</a:t>
+            </a:r>
+            <a:r>
+              <a:rPr lang="en-US" dirty="0" smtClean="0"/>
+              <a:t> 4.0, and </a:t>
+            </a:r>
+            <a:r>
+              <a:rPr lang="en-US" dirty="0" err="1" smtClean="0"/>
+              <a:t>.Net</a:t>
+            </a:r>
+            <a:r>
+              <a:rPr lang="en-US" dirty="0" smtClean="0"/>
+              <a:t> 4.5</a:t>
             </a:r>
           </a:p>
           <a:p>
             <a:r>
-              <a:rPr lang="en-US" dirty="0">
-                <a:solidFill>
-                  <a:srgbClr val="0000FF"/>
-                </a:solidFill>
-                <a:highlight>
-                  <a:srgbClr val="FFFFFF"/>
-                </a:highlight>
-              </a:rPr>
-              <a:t>string</a:t>
-            </a:r>
-            <a:r>
-              <a:rPr lang="en-US" dirty="0">
-                <a:solidFill>
-                  <a:srgbClr val="000000"/>
-                </a:solidFill>
-                <a:highlight>
-                  <a:srgbClr val="FFFFFF"/>
-                </a:highlight>
-              </a:rPr>
-              <a:t> </a:t>
-            </a:r>
-            <a:r>
-              <a:rPr lang="en-US" dirty="0" err="1">
-                <a:solidFill>
-                  <a:srgbClr val="000000"/>
-                </a:solidFill>
-                <a:highlight>
-                  <a:srgbClr val="FFFFFF"/>
-                </a:highlight>
-              </a:rPr>
-              <a:t>firstName</a:t>
-            </a:r>
-            <a:r>
-              <a:rPr lang="en-US" dirty="0">
-                <a:solidFill>
-                  <a:srgbClr val="000000"/>
-                </a:solidFill>
-                <a:highlight>
-                  <a:srgbClr val="FFFFFF"/>
-                </a:highlight>
-              </a:rPr>
-              <a:t> = </a:t>
-            </a:r>
-            <a:r>
-              <a:rPr lang="en-US" dirty="0" err="1">
-                <a:solidFill>
-                  <a:srgbClr val="000000"/>
-                </a:solidFill>
-                <a:highlight>
-                  <a:srgbClr val="FFFFFF"/>
-                </a:highlight>
-              </a:rPr>
-              <a:t>me.first_name</a:t>
-            </a:r>
-            <a:r>
-              <a:rPr lang="en-US" dirty="0">
-                <a:solidFill>
-                  <a:srgbClr val="000000"/>
-                </a:solidFill>
-                <a:highlight>
-                  <a:srgbClr val="FFFFFF"/>
-                </a:highlight>
-              </a:rPr>
-              <a:t>;</a:t>
+              <a:rPr lang="en-US" dirty="0"/>
+              <a:t>	</a:t>
+            </a:r>
+            <a:r>
+              <a:rPr lang="en-US" dirty="0" smtClean="0"/>
+              <a:t>Windows Phone 7.1 and 8</a:t>
             </a:r>
           </a:p>
           <a:p>
-            <a:endParaRPr lang="en-US" dirty="0">
-              <a:solidFill>
-                <a:srgbClr val="000000"/>
-              </a:solidFill>
-              <a:highlight>
-                <a:srgbClr val="FFFFFF"/>
-              </a:highlight>
-            </a:endParaRPr>
-          </a:p>
-          <a:p>
-            <a:r>
-              <a:rPr lang="en-US" dirty="0">
-                <a:solidFill>
-                  <a:srgbClr val="008000"/>
-                </a:solidFill>
-                <a:highlight>
-                  <a:srgbClr val="FFFFFF"/>
-                </a:highlight>
-              </a:rPr>
-              <a:t>// Post a message to the current user's wall</a:t>
-            </a:r>
-            <a:endParaRPr lang="en-US" dirty="0">
-              <a:solidFill>
-                <a:srgbClr val="000000"/>
-              </a:solidFill>
-              <a:highlight>
-                <a:srgbClr val="FFFFFF"/>
-              </a:highlight>
-            </a:endParaRPr>
-          </a:p>
-          <a:p>
-            <a:r>
-              <a:rPr lang="en-US" dirty="0" err="1">
-                <a:solidFill>
-                  <a:srgbClr val="0000FF"/>
-                </a:solidFill>
-                <a:highlight>
-                  <a:srgbClr val="FFFFFF"/>
-                </a:highlight>
-              </a:rPr>
-              <a:t>var</a:t>
-            </a:r>
-            <a:r>
-              <a:rPr lang="en-US" dirty="0">
-                <a:solidFill>
-                  <a:srgbClr val="000000"/>
-                </a:solidFill>
-                <a:highlight>
-                  <a:srgbClr val="FFFFFF"/>
-                </a:highlight>
-              </a:rPr>
-              <a:t> post = </a:t>
-            </a:r>
-            <a:r>
-              <a:rPr lang="en-US" dirty="0">
-                <a:solidFill>
-                  <a:srgbClr val="0000FF"/>
-                </a:solidFill>
-                <a:highlight>
-                  <a:srgbClr val="FFFFFF"/>
-                </a:highlight>
-              </a:rPr>
-              <a:t>new</a:t>
-            </a:r>
-            <a:r>
-              <a:rPr lang="en-US" dirty="0">
-                <a:solidFill>
-                  <a:srgbClr val="000000"/>
-                </a:solidFill>
-                <a:highlight>
-                  <a:srgbClr val="FFFFFF"/>
-                </a:highlight>
-              </a:rPr>
-              <a:t> {</a:t>
-            </a:r>
-          </a:p>
-          <a:p>
-            <a:r>
-              <a:rPr lang="en-US" dirty="0">
-                <a:solidFill>
-                  <a:srgbClr val="000000"/>
-                </a:solidFill>
-                <a:highlight>
-                  <a:srgbClr val="FFFFFF"/>
-                </a:highlight>
-              </a:rPr>
-              <a:t>    message = </a:t>
-            </a:r>
-            <a:r>
-              <a:rPr lang="en-US" dirty="0">
-                <a:solidFill>
-                  <a:srgbClr val="A31515"/>
-                </a:solidFill>
-                <a:highlight>
-                  <a:srgbClr val="FFFFFF"/>
-                </a:highlight>
-              </a:rPr>
-              <a:t>"This is a wall post!"</a:t>
-            </a:r>
-            <a:endParaRPr lang="en-US" dirty="0">
-              <a:solidFill>
-                <a:srgbClr val="000000"/>
-              </a:solidFill>
-              <a:highlight>
-                <a:srgbClr val="FFFFFF"/>
-              </a:highlight>
-            </a:endParaRPr>
-          </a:p>
-          <a:p>
-            <a:r>
-              <a:rPr lang="en-US" dirty="0">
-                <a:solidFill>
-                  <a:srgbClr val="000000"/>
-                </a:solidFill>
-                <a:highlight>
-                  <a:srgbClr val="FFFFFF"/>
-                </a:highlight>
-              </a:rPr>
-              <a:t>};</a:t>
-            </a:r>
-          </a:p>
-          <a:p>
-            <a:r>
-              <a:rPr lang="en-US" dirty="0">
-                <a:solidFill>
-                  <a:srgbClr val="0000FF"/>
-                </a:solidFill>
-                <a:highlight>
-                  <a:srgbClr val="FFFFFF"/>
-                </a:highlight>
-              </a:rPr>
-              <a:t>dynamic</a:t>
-            </a:r>
-            <a:r>
-              <a:rPr lang="en-US" dirty="0">
-                <a:solidFill>
-                  <a:srgbClr val="000000"/>
-                </a:solidFill>
-                <a:highlight>
-                  <a:srgbClr val="FFFFFF"/>
-                </a:highlight>
-              </a:rPr>
-              <a:t> result = </a:t>
-            </a:r>
-            <a:r>
-              <a:rPr lang="en-US" dirty="0">
-                <a:solidFill>
-                  <a:srgbClr val="0000FF"/>
-                </a:solidFill>
-                <a:highlight>
-                  <a:srgbClr val="FFFFFF"/>
-                </a:highlight>
-              </a:rPr>
-              <a:t>await</a:t>
-            </a:r>
-            <a:r>
-              <a:rPr lang="en-US" dirty="0">
-                <a:solidFill>
-                  <a:srgbClr val="000000"/>
-                </a:solidFill>
-                <a:highlight>
-                  <a:srgbClr val="FFFFFF"/>
-                </a:highlight>
-              </a:rPr>
-              <a:t> </a:t>
-            </a:r>
-            <a:r>
-              <a:rPr lang="en-US" dirty="0" err="1">
-                <a:solidFill>
-                  <a:srgbClr val="000000"/>
-                </a:solidFill>
-                <a:highlight>
-                  <a:srgbClr val="FFFFFF"/>
-                </a:highlight>
-              </a:rPr>
-              <a:t>client.PostTaskAsync</a:t>
-            </a:r>
-            <a:r>
-              <a:rPr lang="en-US" dirty="0">
-                <a:solidFill>
-                  <a:srgbClr val="000000"/>
-                </a:solidFill>
-                <a:highlight>
-                  <a:srgbClr val="FFFFFF"/>
-                </a:highlight>
-              </a:rPr>
-              <a:t>(</a:t>
-            </a:r>
-            <a:r>
-              <a:rPr lang="en-US" dirty="0">
-                <a:solidFill>
-                  <a:srgbClr val="A31515"/>
-                </a:solidFill>
-                <a:highlight>
-                  <a:srgbClr val="FFFFFF"/>
-                </a:highlight>
-              </a:rPr>
-              <a:t>"me/feed"</a:t>
-            </a:r>
-            <a:r>
-              <a:rPr lang="en-US" dirty="0">
-                <a:solidFill>
-                  <a:srgbClr val="000000"/>
-                </a:solidFill>
-                <a:highlight>
-                  <a:srgbClr val="FFFFFF"/>
-                </a:highlight>
-              </a:rPr>
-              <a:t>, post);</a:t>
-            </a:r>
-            <a:endParaRPr lang="en-US" dirty="0"/>
+            <a:r>
+              <a:rPr lang="en-US" dirty="0" smtClean="0"/>
+              <a:t>	Windows Store Apps</a:t>
+            </a:r>
           </a:p>
         </p:txBody>
       </p:sp>
     </p:spTree>
     <p:extLst>
       <p:ext uri="{BB962C8B-B14F-4D97-AF65-F5344CB8AC3E}">
-        <p14:creationId xmlns:p14="http://schemas.microsoft.com/office/powerpoint/2010/main" val="538028369"/>
+        <p14:creationId xmlns:p14="http://schemas.microsoft.com/office/powerpoint/2010/main" val="1496276647"/>
       </p:ext>
     </p:extLst>
   </p:cSld>
@@ -21719,6 +19052,13 @@
   <p:transition>
     <p:fade/>
   </p:transition>
+  <p:timing>
+    <p:tnLst>
+      <p:par>
+        <p:cTn id="1" dur="indefinite" restart="never" nodeType="tmRoot"/>
+      </p:par>
+    </p:tnLst>
+  </p:timing>
 </p:sld>
 </file>
 
@@ -21756,7 +19096,7 @@
           <a:p>
             <a:r>
               <a:rPr lang="en-US" dirty="0" smtClean="0"/>
-              <a:t>Facebook Template</a:t>
+              <a:t>Flexible API: Dynamic Objects</a:t>
             </a:r>
             <a:endParaRPr lang="en-US" dirty="0"/>
           </a:p>
@@ -21772,57 +19112,554 @@
             <p:ph type="body" sz="quarter" idx="10"/>
           </p:nvPr>
         </p:nvSpPr>
-        <p:spPr>
-          <a:xfrm>
-            <a:off x="519112" y="1447799"/>
-            <a:ext cx="11149013" cy="3901068"/>
-          </a:xfrm>
-        </p:spPr>
+        <p:spPr/>
         <p:txBody>
           <a:bodyPr/>
           <a:lstStyle/>
           <a:p>
             <a:r>
-              <a:rPr lang="en-US" dirty="0" smtClean="0"/>
-              <a:t>ASP.NET MVC 4 Template (</a:t>
-            </a:r>
-            <a:r>
-              <a:rPr lang="en-US" dirty="0" err="1" smtClean="0"/>
-              <a:t>.Net</a:t>
-            </a:r>
-            <a:r>
-              <a:rPr lang="en-US" dirty="0" smtClean="0"/>
-              <a:t> 4.5 Only)</a:t>
+              <a:rPr lang="en-US" dirty="0" err="1" smtClean="0">
+                <a:solidFill>
+                  <a:srgbClr val="0000FF"/>
+                </a:solidFill>
+                <a:highlight>
+                  <a:srgbClr val="FFFFFF"/>
+                </a:highlight>
+              </a:rPr>
+              <a:t>var</a:t>
+            </a:r>
+            <a:r>
+              <a:rPr lang="en-US" dirty="0" smtClean="0">
+                <a:solidFill>
+                  <a:srgbClr val="000000"/>
+                </a:solidFill>
+                <a:highlight>
+                  <a:srgbClr val="FFFFFF"/>
+                </a:highlight>
+              </a:rPr>
+              <a:t> </a:t>
+            </a:r>
+            <a:r>
+              <a:rPr lang="en-US" dirty="0">
+                <a:solidFill>
+                  <a:srgbClr val="000000"/>
+                </a:solidFill>
+                <a:highlight>
+                  <a:srgbClr val="FFFFFF"/>
+                </a:highlight>
+              </a:rPr>
+              <a:t>client = </a:t>
+            </a:r>
+            <a:r>
+              <a:rPr lang="en-US" dirty="0">
+                <a:solidFill>
+                  <a:srgbClr val="0000FF"/>
+                </a:solidFill>
+                <a:highlight>
+                  <a:srgbClr val="FFFFFF"/>
+                </a:highlight>
+              </a:rPr>
+              <a:t>new</a:t>
+            </a:r>
+            <a:r>
+              <a:rPr lang="en-US" dirty="0">
+                <a:solidFill>
+                  <a:srgbClr val="000000"/>
+                </a:solidFill>
+                <a:highlight>
+                  <a:srgbClr val="FFFFFF"/>
+                </a:highlight>
+              </a:rPr>
+              <a:t> </a:t>
+            </a:r>
+            <a:r>
+              <a:rPr lang="en-US" dirty="0" err="1">
+                <a:solidFill>
+                  <a:srgbClr val="2B91AF"/>
+                </a:solidFill>
+                <a:highlight>
+                  <a:srgbClr val="FFFFFF"/>
+                </a:highlight>
+              </a:rPr>
+              <a:t>FacebookClient</a:t>
+            </a:r>
+            <a:r>
+              <a:rPr lang="en-US" dirty="0">
+                <a:solidFill>
+                  <a:srgbClr val="000000"/>
+                </a:solidFill>
+                <a:highlight>
+                  <a:srgbClr val="FFFFFF"/>
+                </a:highlight>
+              </a:rPr>
+              <a:t>(</a:t>
+            </a:r>
+            <a:r>
+              <a:rPr lang="en-US" dirty="0">
+                <a:solidFill>
+                  <a:srgbClr val="A31515"/>
+                </a:solidFill>
+                <a:highlight>
+                  <a:srgbClr val="FFFFFF"/>
+                </a:highlight>
+              </a:rPr>
+              <a:t>"</a:t>
+            </a:r>
+            <a:r>
+              <a:rPr lang="en-US" dirty="0" err="1">
+                <a:solidFill>
+                  <a:srgbClr val="A31515"/>
+                </a:solidFill>
+                <a:highlight>
+                  <a:srgbClr val="FFFFFF"/>
+                </a:highlight>
+              </a:rPr>
+              <a:t>access_token</a:t>
+            </a:r>
+            <a:r>
+              <a:rPr lang="en-US" dirty="0">
+                <a:solidFill>
+                  <a:srgbClr val="A31515"/>
+                </a:solidFill>
+                <a:highlight>
+                  <a:srgbClr val="FFFFFF"/>
+                </a:highlight>
+              </a:rPr>
+              <a:t>"</a:t>
+            </a:r>
+            <a:r>
+              <a:rPr lang="en-US" dirty="0">
+                <a:solidFill>
+                  <a:srgbClr val="000000"/>
+                </a:solidFill>
+                <a:highlight>
+                  <a:srgbClr val="FFFFFF"/>
+                </a:highlight>
+              </a:rPr>
+              <a:t>);</a:t>
             </a:r>
           </a:p>
           <a:p>
             <a:r>
-              <a:rPr lang="en-US" dirty="0" smtClean="0"/>
-              <a:t>Includes the Facebook C# SDK</a:t>
+              <a:rPr lang="en-US" dirty="0">
+                <a:solidFill>
+                  <a:srgbClr val="000000"/>
+                </a:solidFill>
+                <a:highlight>
+                  <a:srgbClr val="FFFFFF"/>
+                </a:highlight>
+              </a:rPr>
+              <a:t>           </a:t>
             </a:r>
           </a:p>
           <a:p>
             <a:r>
-              <a:rPr lang="en-US" dirty="0" smtClean="0"/>
-              <a:t>Authentication and Permissions</a:t>
-            </a:r>
+              <a:rPr lang="en-US" dirty="0">
+                <a:solidFill>
+                  <a:srgbClr val="008000"/>
+                </a:solidFill>
+                <a:highlight>
+                  <a:srgbClr val="FFFFFF"/>
+                </a:highlight>
+              </a:rPr>
+              <a:t>// Get current </a:t>
+            </a:r>
+            <a:r>
+              <a:rPr lang="en-US" dirty="0" smtClean="0">
+                <a:solidFill>
+                  <a:srgbClr val="008000"/>
+                </a:solidFill>
+                <a:highlight>
+                  <a:srgbClr val="FFFFFF"/>
+                </a:highlight>
+              </a:rPr>
+              <a:t>user’s basic information</a:t>
+            </a:r>
+            <a:endParaRPr lang="en-US" dirty="0">
+              <a:solidFill>
+                <a:srgbClr val="000000"/>
+              </a:solidFill>
+              <a:highlight>
+                <a:srgbClr val="FFFFFF"/>
+              </a:highlight>
+            </a:endParaRPr>
           </a:p>
           <a:p>
             <a:r>
-              <a:rPr lang="en-US" dirty="0" smtClean="0"/>
-              <a:t>Storing and Caching Facebook Data</a:t>
-            </a:r>
+              <a:rPr lang="en-US" dirty="0">
+                <a:solidFill>
+                  <a:srgbClr val="0000FF"/>
+                </a:solidFill>
+                <a:highlight>
+                  <a:srgbClr val="FFFFFF"/>
+                </a:highlight>
+              </a:rPr>
+              <a:t>dynamic</a:t>
+            </a:r>
+            <a:r>
+              <a:rPr lang="en-US" dirty="0">
+                <a:solidFill>
+                  <a:srgbClr val="000000"/>
+                </a:solidFill>
+                <a:highlight>
+                  <a:srgbClr val="FFFFFF"/>
+                </a:highlight>
+              </a:rPr>
+              <a:t> me = </a:t>
+            </a:r>
+            <a:r>
+              <a:rPr lang="en-US" dirty="0">
+                <a:solidFill>
+                  <a:srgbClr val="0000FF"/>
+                </a:solidFill>
+                <a:highlight>
+                  <a:srgbClr val="FFFFFF"/>
+                </a:highlight>
+              </a:rPr>
+              <a:t>await</a:t>
+            </a:r>
+            <a:r>
+              <a:rPr lang="en-US" dirty="0">
+                <a:solidFill>
+                  <a:srgbClr val="000000"/>
+                </a:solidFill>
+                <a:highlight>
+                  <a:srgbClr val="FFFFFF"/>
+                </a:highlight>
+              </a:rPr>
+              <a:t> </a:t>
+            </a:r>
+            <a:r>
+              <a:rPr lang="en-US" dirty="0" err="1">
+                <a:solidFill>
+                  <a:srgbClr val="000000"/>
+                </a:solidFill>
+                <a:highlight>
+                  <a:srgbClr val="FFFFFF"/>
+                </a:highlight>
+              </a:rPr>
+              <a:t>client.GetTaskAsync</a:t>
+            </a:r>
+            <a:r>
+              <a:rPr lang="en-US" dirty="0" smtClean="0">
+                <a:solidFill>
+                  <a:srgbClr val="000000"/>
+                </a:solidFill>
+                <a:highlight>
+                  <a:srgbClr val="FFFFFF"/>
+                </a:highlight>
+              </a:rPr>
+              <a:t>(</a:t>
+            </a:r>
+            <a:r>
+              <a:rPr lang="en-US" dirty="0" smtClean="0">
+                <a:solidFill>
+                  <a:srgbClr val="A31515"/>
+                </a:solidFill>
+                <a:highlight>
+                  <a:srgbClr val="FFFFFF"/>
+                </a:highlight>
+              </a:rPr>
+              <a:t>"me"</a:t>
+            </a:r>
+            <a:r>
+              <a:rPr lang="en-US" dirty="0" smtClean="0">
+                <a:solidFill>
+                  <a:srgbClr val="000000"/>
+                </a:solidFill>
+                <a:highlight>
+                  <a:srgbClr val="FFFFFF"/>
+                </a:highlight>
+              </a:rPr>
+              <a:t>);</a:t>
+            </a:r>
+            <a:endParaRPr lang="en-US" dirty="0">
+              <a:solidFill>
+                <a:srgbClr val="000000"/>
+              </a:solidFill>
+              <a:highlight>
+                <a:srgbClr val="FFFFFF"/>
+              </a:highlight>
+            </a:endParaRPr>
           </a:p>
           <a:p>
             <a:r>
-              <a:rPr lang="en-US" dirty="0" smtClean="0"/>
-              <a:t>Graph API</a:t>
+              <a:rPr lang="en-US" dirty="0">
+                <a:solidFill>
+                  <a:srgbClr val="0000FF"/>
+                </a:solidFill>
+                <a:highlight>
+                  <a:srgbClr val="FFFFFF"/>
+                </a:highlight>
+              </a:rPr>
+              <a:t>string</a:t>
+            </a:r>
+            <a:r>
+              <a:rPr lang="en-US" dirty="0">
+                <a:solidFill>
+                  <a:srgbClr val="000000"/>
+                </a:solidFill>
+                <a:highlight>
+                  <a:srgbClr val="FFFFFF"/>
+                </a:highlight>
+              </a:rPr>
+              <a:t> </a:t>
+            </a:r>
+            <a:r>
+              <a:rPr lang="en-US" dirty="0" err="1" smtClean="0">
+                <a:solidFill>
+                  <a:srgbClr val="000000"/>
+                </a:solidFill>
+                <a:highlight>
+                  <a:srgbClr val="FFFFFF"/>
+                </a:highlight>
+              </a:rPr>
+              <a:t>firstName</a:t>
+            </a:r>
+            <a:r>
+              <a:rPr lang="en-US" dirty="0" smtClean="0">
+                <a:solidFill>
+                  <a:srgbClr val="000000"/>
+                </a:solidFill>
+                <a:highlight>
+                  <a:srgbClr val="FFFFFF"/>
+                </a:highlight>
+              </a:rPr>
+              <a:t> = </a:t>
+            </a:r>
+            <a:r>
+              <a:rPr lang="en-US" dirty="0" err="1" smtClean="0">
+                <a:solidFill>
+                  <a:srgbClr val="000000"/>
+                </a:solidFill>
+                <a:highlight>
+                  <a:srgbClr val="FFFFFF"/>
+                </a:highlight>
+              </a:rPr>
+              <a:t>me.first_name</a:t>
+            </a:r>
+            <a:r>
+              <a:rPr lang="en-US" dirty="0">
+                <a:solidFill>
+                  <a:srgbClr val="000000"/>
+                </a:solidFill>
+                <a:highlight>
+                  <a:srgbClr val="FFFFFF"/>
+                </a:highlight>
+              </a:rPr>
+              <a:t>;</a:t>
             </a:r>
           </a:p>
           <a:p>
-            <a:r>
-              <a:rPr lang="en-US" dirty="0" smtClean="0"/>
-              <a:t>Real-Time Updates</a:t>
+            <a:endParaRPr lang="en-US" dirty="0">
+              <a:solidFill>
+                <a:srgbClr val="000000"/>
+              </a:solidFill>
+              <a:highlight>
+                <a:srgbClr val="FFFFFF"/>
+              </a:highlight>
+            </a:endParaRPr>
+          </a:p>
+          <a:p>
+            <a:r>
+              <a:rPr lang="en-US" dirty="0">
+                <a:solidFill>
+                  <a:srgbClr val="008000"/>
+                </a:solidFill>
+                <a:highlight>
+                  <a:srgbClr val="FFFFFF"/>
+                </a:highlight>
+              </a:rPr>
+              <a:t>// Post a message to the current user's wall</a:t>
+            </a:r>
+            <a:endParaRPr lang="en-US" dirty="0">
+              <a:solidFill>
+                <a:srgbClr val="000000"/>
+              </a:solidFill>
+              <a:highlight>
+                <a:srgbClr val="FFFFFF"/>
+              </a:highlight>
+            </a:endParaRPr>
+          </a:p>
+          <a:p>
+            <a:r>
+              <a:rPr lang="en-US" dirty="0" err="1">
+                <a:solidFill>
+                  <a:srgbClr val="0000FF"/>
+                </a:solidFill>
+                <a:highlight>
+                  <a:srgbClr val="FFFFFF"/>
+                </a:highlight>
+              </a:rPr>
+              <a:t>var</a:t>
+            </a:r>
+            <a:r>
+              <a:rPr lang="en-US" dirty="0">
+                <a:solidFill>
+                  <a:srgbClr val="000000"/>
+                </a:solidFill>
+                <a:highlight>
+                  <a:srgbClr val="FFFFFF"/>
+                </a:highlight>
+              </a:rPr>
+              <a:t> post = </a:t>
+            </a:r>
+            <a:r>
+              <a:rPr lang="en-US" dirty="0">
+                <a:solidFill>
+                  <a:srgbClr val="0000FF"/>
+                </a:solidFill>
+                <a:highlight>
+                  <a:srgbClr val="FFFFFF"/>
+                </a:highlight>
+              </a:rPr>
+              <a:t>new</a:t>
+            </a:r>
+            <a:r>
+              <a:rPr lang="en-US" dirty="0">
+                <a:solidFill>
+                  <a:srgbClr val="000000"/>
+                </a:solidFill>
+                <a:highlight>
+                  <a:srgbClr val="FFFFFF"/>
+                </a:highlight>
+              </a:rPr>
+              <a:t> {</a:t>
+            </a:r>
+          </a:p>
+          <a:p>
+            <a:r>
+              <a:rPr lang="en-US" dirty="0">
+                <a:solidFill>
+                  <a:srgbClr val="000000"/>
+                </a:solidFill>
+                <a:highlight>
+                  <a:srgbClr val="FFFFFF"/>
+                </a:highlight>
+              </a:rPr>
+              <a:t>    message = </a:t>
+            </a:r>
+            <a:r>
+              <a:rPr lang="en-US" dirty="0">
+                <a:solidFill>
+                  <a:srgbClr val="A31515"/>
+                </a:solidFill>
+                <a:highlight>
+                  <a:srgbClr val="FFFFFF"/>
+                </a:highlight>
+              </a:rPr>
+              <a:t>"This is a wall post!"</a:t>
+            </a:r>
+            <a:endParaRPr lang="en-US" dirty="0">
+              <a:solidFill>
+                <a:srgbClr val="000000"/>
+              </a:solidFill>
+              <a:highlight>
+                <a:srgbClr val="FFFFFF"/>
+              </a:highlight>
+            </a:endParaRPr>
+          </a:p>
+          <a:p>
+            <a:r>
+              <a:rPr lang="en-US" dirty="0">
+                <a:solidFill>
+                  <a:srgbClr val="000000"/>
+                </a:solidFill>
+                <a:highlight>
+                  <a:srgbClr val="FFFFFF"/>
+                </a:highlight>
+              </a:rPr>
+              <a:t>};</a:t>
+            </a:r>
+          </a:p>
+          <a:p>
+            <a:r>
+              <a:rPr lang="en-US" dirty="0">
+                <a:solidFill>
+                  <a:srgbClr val="0000FF"/>
+                </a:solidFill>
+                <a:highlight>
+                  <a:srgbClr val="FFFFFF"/>
+                </a:highlight>
+              </a:rPr>
+              <a:t>dynamic</a:t>
+            </a:r>
+            <a:r>
+              <a:rPr lang="en-US" dirty="0">
+                <a:solidFill>
+                  <a:srgbClr val="000000"/>
+                </a:solidFill>
+                <a:highlight>
+                  <a:srgbClr val="FFFFFF"/>
+                </a:highlight>
+              </a:rPr>
+              <a:t> result = </a:t>
+            </a:r>
+            <a:r>
+              <a:rPr lang="en-US" dirty="0">
+                <a:solidFill>
+                  <a:srgbClr val="0000FF"/>
+                </a:solidFill>
+                <a:highlight>
+                  <a:srgbClr val="FFFFFF"/>
+                </a:highlight>
+              </a:rPr>
+              <a:t>await</a:t>
+            </a:r>
+            <a:r>
+              <a:rPr lang="en-US" dirty="0">
+                <a:solidFill>
+                  <a:srgbClr val="000000"/>
+                </a:solidFill>
+                <a:highlight>
+                  <a:srgbClr val="FFFFFF"/>
+                </a:highlight>
+              </a:rPr>
+              <a:t> </a:t>
+            </a:r>
+            <a:r>
+              <a:rPr lang="en-US" dirty="0" err="1">
+                <a:solidFill>
+                  <a:srgbClr val="000000"/>
+                </a:solidFill>
+                <a:highlight>
+                  <a:srgbClr val="FFFFFF"/>
+                </a:highlight>
+              </a:rPr>
+              <a:t>client.PostTaskAsync</a:t>
+            </a:r>
+            <a:r>
+              <a:rPr lang="en-US" dirty="0">
+                <a:solidFill>
+                  <a:srgbClr val="000000"/>
+                </a:solidFill>
+                <a:highlight>
+                  <a:srgbClr val="FFFFFF"/>
+                </a:highlight>
+              </a:rPr>
+              <a:t>(</a:t>
+            </a:r>
+            <a:r>
+              <a:rPr lang="en-US" dirty="0">
+                <a:solidFill>
+                  <a:srgbClr val="A31515"/>
+                </a:solidFill>
+                <a:highlight>
+                  <a:srgbClr val="FFFFFF"/>
+                </a:highlight>
+              </a:rPr>
+              <a:t>"me/feed"</a:t>
+            </a:r>
+            <a:r>
+              <a:rPr lang="en-US" dirty="0">
+                <a:solidFill>
+                  <a:srgbClr val="000000"/>
+                </a:solidFill>
+                <a:highlight>
+                  <a:srgbClr val="FFFFFF"/>
+                </a:highlight>
+              </a:rPr>
+              <a:t>, post);</a:t>
             </a:r>
             <a:endParaRPr lang="en-US" dirty="0"/>
           </a:p>
@@ -21831,7 +19668,7 @@
     </p:spTree>
     <p:extLst>
       <p:ext uri="{BB962C8B-B14F-4D97-AF65-F5344CB8AC3E}">
-        <p14:creationId xmlns:p14="http://schemas.microsoft.com/office/powerpoint/2010/main" val="210046918"/>
+        <p14:creationId xmlns:p14="http://schemas.microsoft.com/office/powerpoint/2010/main" val="538028369"/>
       </p:ext>
     </p:extLst>
   </p:cSld>
@@ -21868,6 +19705,128 @@
             <a:spLocks noGrp="1"/>
           </p:cNvSpPr>
           <p:nvPr>
+            <p:ph type="title"/>
+          </p:nvPr>
+        </p:nvSpPr>
+        <p:spPr/>
+        <p:txBody>
+          <a:bodyPr/>
+          <a:lstStyle/>
+          <a:p>
+            <a:r>
+              <a:rPr lang="en-US" dirty="0" smtClean="0"/>
+              <a:t>Facebook Template</a:t>
+            </a:r>
+            <a:endParaRPr lang="en-US" dirty="0"/>
+          </a:p>
+        </p:txBody>
+      </p:sp>
+      <p:sp>
+        <p:nvSpPr>
+          <p:cNvPr id="5" name="Text Placeholder 4"/>
+          <p:cNvSpPr>
+            <a:spLocks noGrp="1"/>
+          </p:cNvSpPr>
+          <p:nvPr>
+            <p:ph type="body" sz="quarter" idx="10"/>
+          </p:nvPr>
+        </p:nvSpPr>
+        <p:spPr>
+          <a:xfrm>
+            <a:off x="519112" y="1447799"/>
+            <a:ext cx="11149013" cy="3901068"/>
+          </a:xfrm>
+        </p:spPr>
+        <p:txBody>
+          <a:bodyPr/>
+          <a:lstStyle/>
+          <a:p>
+            <a:r>
+              <a:rPr lang="en-US" dirty="0" smtClean="0"/>
+              <a:t>ASP.NET MVC 4 Template (</a:t>
+            </a:r>
+            <a:r>
+              <a:rPr lang="en-US" dirty="0" err="1" smtClean="0"/>
+              <a:t>.Net</a:t>
+            </a:r>
+            <a:r>
+              <a:rPr lang="en-US" dirty="0" smtClean="0"/>
+              <a:t> 4.5 Only)</a:t>
+            </a:r>
+          </a:p>
+          <a:p>
+            <a:r>
+              <a:rPr lang="en-US" dirty="0" smtClean="0"/>
+              <a:t>Includes the Facebook C# SDK</a:t>
+            </a:r>
+          </a:p>
+          <a:p>
+            <a:r>
+              <a:rPr lang="en-US" dirty="0" smtClean="0"/>
+              <a:t>Authentication and Permissions</a:t>
+            </a:r>
+          </a:p>
+          <a:p>
+            <a:r>
+              <a:rPr lang="en-US" dirty="0" smtClean="0"/>
+              <a:t>Storing and Caching Facebook Data</a:t>
+            </a:r>
+          </a:p>
+          <a:p>
+            <a:r>
+              <a:rPr lang="en-US" dirty="0" smtClean="0"/>
+              <a:t>Graph API</a:t>
+            </a:r>
+          </a:p>
+          <a:p>
+            <a:r>
+              <a:rPr lang="en-US" dirty="0" smtClean="0"/>
+              <a:t>Real-Time Updates</a:t>
+            </a:r>
+            <a:endParaRPr lang="en-US" dirty="0"/>
+          </a:p>
+        </p:txBody>
+      </p:sp>
+    </p:spTree>
+    <p:extLst>
+      <p:ext uri="{BB962C8B-B14F-4D97-AF65-F5344CB8AC3E}">
+        <p14:creationId xmlns:p14="http://schemas.microsoft.com/office/powerpoint/2010/main" val="210046918"/>
+      </p:ext>
+    </p:extLst>
+  </p:cSld>
+  <p:clrMapOvr>
+    <a:masterClrMapping/>
+  </p:clrMapOvr>
+  <p:transition>
+    <p:fade/>
+  </p:transition>
+</p:sld>
+</file>
+
+<file path=ppt/slides/slide15.xml><?xml version="1.0" encoding="utf-8"?>
+<p:sld xmlns:a="http://schemas.openxmlformats.org/drawingml/2006/main" xmlns:r="http://schemas.openxmlformats.org/officeDocument/2006/relationships" xmlns:p="http://schemas.openxmlformats.org/presentationml/2006/main">
+  <p:cSld>
+    <p:spTree>
+      <p:nvGrpSpPr>
+        <p:cNvPr id="1" name=""/>
+        <p:cNvGrpSpPr/>
+        <p:nvPr/>
+      </p:nvGrpSpPr>
+      <p:grpSpPr>
+        <a:xfrm>
+          <a:off x="0" y="0"/>
+          <a:ext cx="0" cy="0"/>
+          <a:chOff x="0" y="0"/>
+          <a:chExt cx="0" cy="0"/>
+        </a:xfrm>
+      </p:grpSpPr>
+      <p:sp>
+        <p:nvSpPr>
+          <p:cNvPr id="4" name="Title 3"/>
+          <p:cNvSpPr>
+            <a:spLocks noGrp="1"/>
+          </p:cNvSpPr>
+          <p:nvPr>
             <p:ph type="ctrTitle"/>
           </p:nvPr>
         </p:nvSpPr>
@@ -21930,7 +19889,7 @@
 </p:sld>
 </file>
 
-<file path=ppt/slides/slide15.xml><?xml version="1.0" encoding="utf-8"?>
+<file path=ppt/slides/slide16.xml><?xml version="1.0" encoding="utf-8"?>
 <p:sld xmlns:a="http://schemas.openxmlformats.org/drawingml/2006/main" xmlns:r="http://schemas.openxmlformats.org/officeDocument/2006/relationships" xmlns:p="http://schemas.openxmlformats.org/presentationml/2006/main">
   <p:cSld>
     <p:spTree>
@@ -21972,7 +19931,7 @@
           <a:graphicData uri="http://schemas.openxmlformats.org/presentationml/2006/ole">
             <mc:AlternateContent xmlns:mc="http://schemas.openxmlformats.org/markup-compatibility/2006">
               <mc:Choice xmlns:v="urn:schemas-microsoft-com:vml" Requires="v">
-                <p:oleObj spid="_x0000_s58471" name="think-cell Slide" r:id="rId4" imgW="270" imgH="270" progId="TCLayout.ActiveDocument.1">
+                <p:oleObj spid="_x0000_s58477" name="think-cell Slide" r:id="rId4" imgW="270" imgH="270" progId="TCLayout.ActiveDocument.1">
                   <p:embed/>
                 </p:oleObj>
               </mc:Choice>
@@ -22081,7 +20040,7 @@
           <a:graphicData uri="http://schemas.openxmlformats.org/presentationml/2006/ole">
             <mc:AlternateContent xmlns:mc="http://schemas.openxmlformats.org/markup-compatibility/2006">
               <mc:Choice xmlns:v="urn:schemas-microsoft-com:vml" Requires="v">
-                <p:oleObj spid="_x0000_s59491" name="think-cell Slide" r:id="rId4" imgW="270" imgH="270" progId="TCLayout.ActiveDocument.1">
+                <p:oleObj spid="_x0000_s59497" name="think-cell Slide" r:id="rId4" imgW="270" imgH="270" progId="TCLayout.ActiveDocument.1">
                   <p:embed/>
                 </p:oleObj>
               </mc:Choice>
@@ -22138,22 +20097,7 @@
           <a:p>
             <a:r>
               <a:rPr lang="en-US" dirty="0" smtClean="0"/>
-              <a:t>Building </a:t>
-            </a:r>
-            <a:r>
-              <a:rPr lang="en-US" smtClean="0"/>
-              <a:t>&amp; Leveraging</a:t>
-            </a:r>
-            <a:br>
-              <a:rPr lang="en-US" smtClean="0"/>
-            </a:br>
-            <a:r>
-              <a:rPr lang="en-US" smtClean="0"/>
-              <a:t>Social </a:t>
-            </a:r>
-            <a:r>
-              <a:rPr lang="en-US" dirty="0" smtClean="0"/>
-              <a:t>Services in ASP.NET</a:t>
+              <a:t>Building Social Web Apps in ASP.NET</a:t>
             </a:r>
             <a:endParaRPr lang="en-US" dirty="0"/>
           </a:p>
@@ -22268,7 +20212,7 @@
           <a:graphicData uri="http://schemas.openxmlformats.org/presentationml/2006/ole">
             <mc:AlternateContent xmlns:mc="http://schemas.openxmlformats.org/markup-compatibility/2006">
               <mc:Choice xmlns:v="urn:schemas-microsoft-com:vml" Requires="v">
-                <p:oleObj spid="_x0000_s23659" name="think-cell Slide" r:id="rId6" imgW="270" imgH="270" progId="TCLayout.ActiveDocument.1">
+                <p:oleObj spid="_x0000_s23665" name="think-cell Slide" r:id="rId6" imgW="270" imgH="270" progId="TCLayout.ActiveDocument.1">
                   <p:embed/>
                 </p:oleObj>
               </mc:Choice>
@@ -22398,217 +20342,6 @@
 </file>
 
 <file path=ppt/slides/slide4.xml><?xml version="1.0" encoding="utf-8"?>
-<p:sld xmlns:a="http://schemas.openxmlformats.org/drawingml/2006/main" xmlns:r="http://schemas.openxmlformats.org/officeDocument/2006/relationships" xmlns:p="http://schemas.openxmlformats.org/presentationml/2006/main">
-  <p:cSld>
-    <p:spTree>
-      <p:nvGrpSpPr>
-        <p:cNvPr id="1" name=""/>
-        <p:cNvGrpSpPr/>
-        <p:nvPr/>
-      </p:nvGrpSpPr>
-      <p:grpSpPr>
-        <a:xfrm>
-          <a:off x="0" y="0"/>
-          <a:ext cx="0" cy="0"/>
-          <a:chOff x="0" y="0"/>
-          <a:chExt cx="0" cy="0"/>
-        </a:xfrm>
-      </p:grpSpPr>
-      <p:sp>
-        <p:nvSpPr>
-          <p:cNvPr id="2" name="Title 1"/>
-          <p:cNvSpPr>
-            <a:spLocks noGrp="1"/>
-          </p:cNvSpPr>
-          <p:nvPr>
-            <p:ph type="title"/>
-          </p:nvPr>
-        </p:nvSpPr>
-        <p:spPr/>
-        <p:txBody>
-          <a:bodyPr/>
-          <a:lstStyle/>
-          <a:p>
-            <a:r>
-              <a:rPr lang="en-US" smtClean="0"/>
-              <a:t>Social Authentication</a:t>
-            </a:r>
-            <a:endParaRPr lang="en-US" dirty="0"/>
-          </a:p>
-        </p:txBody>
-      </p:sp>
-      <p:sp>
-        <p:nvSpPr>
-          <p:cNvPr id="3" name="Content Placeholder 2"/>
-          <p:cNvSpPr>
-            <a:spLocks noGrp="1"/>
-          </p:cNvSpPr>
-          <p:nvPr>
-            <p:ph type="body" sz="quarter" idx="10"/>
-          </p:nvPr>
-        </p:nvSpPr>
-        <p:spPr>
-          <a:xfrm>
-            <a:off x="519112" y="1257299"/>
-            <a:ext cx="11149013" cy="4778231"/>
-          </a:xfrm>
-        </p:spPr>
-        <p:txBody>
-          <a:bodyPr/>
-          <a:lstStyle/>
-          <a:p>
-            <a:r>
-              <a:rPr lang="en-US" dirty="0" smtClean="0"/>
-              <a:t>Protocols</a:t>
-            </a:r>
-          </a:p>
-          <a:p>
-            <a:pPr lvl="1"/>
-            <a:r>
-              <a:rPr lang="en-US" dirty="0" err="1" smtClean="0"/>
-              <a:t>OAuth</a:t>
-            </a:r>
-            <a:r>
-              <a:rPr lang="en-US" dirty="0" smtClean="0"/>
-              <a:t> 1.0 &amp; 2.0</a:t>
-            </a:r>
-          </a:p>
-          <a:p>
-            <a:pPr lvl="1"/>
-            <a:r>
-              <a:rPr lang="en-US" dirty="0" err="1" smtClean="0"/>
-              <a:t>OpenID</a:t>
-            </a:r>
-            <a:endParaRPr lang="en-US" dirty="0" smtClean="0"/>
-          </a:p>
-          <a:p>
-            <a:pPr lvl="1"/>
-            <a:endParaRPr lang="en-US" dirty="0" smtClean="0"/>
-          </a:p>
-          <a:p>
-            <a:r>
-              <a:rPr lang="en-US" dirty="0" smtClean="0"/>
-              <a:t>Identity</a:t>
-            </a:r>
-          </a:p>
-          <a:p>
-            <a:pPr lvl="1"/>
-            <a:r>
-              <a:rPr lang="en-US" dirty="0" err="1" smtClean="0"/>
-              <a:t>UserId</a:t>
-            </a:r>
-            <a:endParaRPr lang="en-US" dirty="0" smtClean="0"/>
-          </a:p>
-          <a:p>
-            <a:pPr lvl="1"/>
-            <a:r>
-              <a:rPr lang="en-US" dirty="0" smtClean="0"/>
-              <a:t>Possibly Name and Email</a:t>
-            </a:r>
-            <a:br>
-              <a:rPr lang="en-US" dirty="0" smtClean="0"/>
-            </a:br>
-            <a:endParaRPr lang="en-US" dirty="0" smtClean="0"/>
-          </a:p>
-          <a:p>
-            <a:r>
-              <a:rPr lang="en-US" dirty="0" smtClean="0"/>
-              <a:t>Permissions</a:t>
-            </a:r>
-          </a:p>
-          <a:p>
-            <a:pPr lvl="1"/>
-            <a:r>
-              <a:rPr lang="en-US" dirty="0" smtClean="0"/>
-              <a:t>User Information</a:t>
-            </a:r>
-          </a:p>
-          <a:p>
-            <a:pPr lvl="1"/>
-            <a:r>
-              <a:rPr lang="en-US" dirty="0" smtClean="0"/>
-              <a:t>Application Resources</a:t>
-            </a:r>
-          </a:p>
-          <a:p>
-            <a:pPr lvl="1"/>
-            <a:r>
-              <a:rPr lang="en-US" dirty="0" smtClean="0"/>
-              <a:t>Act on Behalf of User</a:t>
-            </a:r>
-          </a:p>
-          <a:p>
-            <a:pPr lvl="1"/>
-            <a:r>
-              <a:rPr lang="en-US" dirty="0" smtClean="0"/>
-              <a:t>Manage Data</a:t>
-            </a:r>
-          </a:p>
-        </p:txBody>
-      </p:sp>
-      <p:pic>
-        <p:nvPicPr>
-          <p:cNvPr id="4" name="Picture 3"/>
-          <p:cNvPicPr>
-            <a:picLocks noChangeAspect="1"/>
-          </p:cNvPicPr>
-          <p:nvPr/>
-        </p:nvPicPr>
-        <p:blipFill>
-          <a:blip r:embed="rId2">
-            <a:extLst>
-              <a:ext uri="{BEBA8EAE-BF5A-486C-A8C5-ECC9F3942E4B}">
-                <a14:imgProps xmlns:a14="http://schemas.microsoft.com/office/drawing/2010/main">
-                  <a14:imgLayer r:embed="rId3">
-                    <a14:imgEffect>
-                      <a14:brightnessContrast bright="-62000"/>
-                    </a14:imgEffect>
-                  </a14:imgLayer>
-                </a14:imgProps>
-              </a:ext>
-              <a:ext uri="{28A0092B-C50C-407E-A947-70E740481C1C}">
-                <a14:useLocalDpi xmlns:a14="http://schemas.microsoft.com/office/drawing/2010/main" val="0"/>
-              </a:ext>
-            </a:extLst>
-          </a:blip>
-          <a:stretch>
-            <a:fillRect/>
-          </a:stretch>
-        </p:blipFill>
-        <p:spPr>
-          <a:xfrm>
-            <a:off x="7036862" y="1930400"/>
-            <a:ext cx="3208438" cy="3208438"/>
-          </a:xfrm>
-          <a:prstGeom prst="rect">
-            <a:avLst/>
-          </a:prstGeom>
-        </p:spPr>
-      </p:pic>
-    </p:spTree>
-    <p:extLst>
-      <p:ext uri="{BB962C8B-B14F-4D97-AF65-F5344CB8AC3E}">
-        <p14:creationId xmlns:p14="http://schemas.microsoft.com/office/powerpoint/2010/main" val="2835587784"/>
-      </p:ext>
-    </p:extLst>
-  </p:cSld>
-  <p:clrMapOvr>
-    <a:masterClrMapping/>
-  </p:clrMapOvr>
-  <p:transition>
-    <p:fade/>
-  </p:transition>
-  <p:timing>
-    <p:tnLst>
-      <p:par>
-        <p:cTn id="1" dur="indefinite" restart="never" nodeType="tmRoot"/>
-      </p:par>
-    </p:tnLst>
-  </p:timing>
-</p:sld>
-</file>
-
-<file path=ppt/slides/slide5.xml><?xml version="1.0" encoding="utf-8"?>
 <p:sld xmlns:a="http://schemas.openxmlformats.org/drawingml/2006/main" xmlns:r="http://schemas.openxmlformats.org/officeDocument/2006/relationships" xmlns:p="http://schemas.openxmlformats.org/presentationml/2006/main">
   <p:cSld>
     <p:spTree>
@@ -23059,6 +20792,217 @@
 </p:sld>
 </file>
 
+<file path=ppt/slides/slide5.xml><?xml version="1.0" encoding="utf-8"?>
+<p:sld xmlns:a="http://schemas.openxmlformats.org/drawingml/2006/main" xmlns:r="http://schemas.openxmlformats.org/officeDocument/2006/relationships" xmlns:p="http://schemas.openxmlformats.org/presentationml/2006/main">
+  <p:cSld>
+    <p:spTree>
+      <p:nvGrpSpPr>
+        <p:cNvPr id="1" name=""/>
+        <p:cNvGrpSpPr/>
+        <p:nvPr/>
+      </p:nvGrpSpPr>
+      <p:grpSpPr>
+        <a:xfrm>
+          <a:off x="0" y="0"/>
+          <a:ext cx="0" cy="0"/>
+          <a:chOff x="0" y="0"/>
+          <a:chExt cx="0" cy="0"/>
+        </a:xfrm>
+      </p:grpSpPr>
+      <p:sp>
+        <p:nvSpPr>
+          <p:cNvPr id="2" name="Title 1"/>
+          <p:cNvSpPr>
+            <a:spLocks noGrp="1"/>
+          </p:cNvSpPr>
+          <p:nvPr>
+            <p:ph type="title"/>
+          </p:nvPr>
+        </p:nvSpPr>
+        <p:spPr/>
+        <p:txBody>
+          <a:bodyPr/>
+          <a:lstStyle/>
+          <a:p>
+            <a:r>
+              <a:rPr lang="en-US" smtClean="0"/>
+              <a:t>Social Authentication</a:t>
+            </a:r>
+            <a:endParaRPr lang="en-US" dirty="0"/>
+          </a:p>
+        </p:txBody>
+      </p:sp>
+      <p:sp>
+        <p:nvSpPr>
+          <p:cNvPr id="3" name="Content Placeholder 2"/>
+          <p:cNvSpPr>
+            <a:spLocks noGrp="1"/>
+          </p:cNvSpPr>
+          <p:nvPr>
+            <p:ph type="body" sz="quarter" idx="10"/>
+          </p:nvPr>
+        </p:nvSpPr>
+        <p:spPr>
+          <a:xfrm>
+            <a:off x="519112" y="1257299"/>
+            <a:ext cx="11149013" cy="4778231"/>
+          </a:xfrm>
+        </p:spPr>
+        <p:txBody>
+          <a:bodyPr/>
+          <a:lstStyle/>
+          <a:p>
+            <a:r>
+              <a:rPr lang="en-US" dirty="0" smtClean="0"/>
+              <a:t>Protocols</a:t>
+            </a:r>
+          </a:p>
+          <a:p>
+            <a:pPr lvl="1"/>
+            <a:r>
+              <a:rPr lang="en-US" dirty="0" err="1" smtClean="0"/>
+              <a:t>OAuth</a:t>
+            </a:r>
+            <a:r>
+              <a:rPr lang="en-US" dirty="0" smtClean="0"/>
+              <a:t> 1.0 &amp; 2.0</a:t>
+            </a:r>
+          </a:p>
+          <a:p>
+            <a:pPr lvl="1"/>
+            <a:r>
+              <a:rPr lang="en-US" dirty="0" err="1" smtClean="0"/>
+              <a:t>OpenID</a:t>
+            </a:r>
+            <a:endParaRPr lang="en-US" dirty="0" smtClean="0"/>
+          </a:p>
+          <a:p>
+            <a:pPr lvl="1"/>
+            <a:endParaRPr lang="en-US" dirty="0" smtClean="0"/>
+          </a:p>
+          <a:p>
+            <a:r>
+              <a:rPr lang="en-US" dirty="0" smtClean="0"/>
+              <a:t>Identity</a:t>
+            </a:r>
+          </a:p>
+          <a:p>
+            <a:pPr lvl="1"/>
+            <a:r>
+              <a:rPr lang="en-US" dirty="0" err="1" smtClean="0"/>
+              <a:t>UserId</a:t>
+            </a:r>
+            <a:endParaRPr lang="en-US" dirty="0" smtClean="0"/>
+          </a:p>
+          <a:p>
+            <a:pPr lvl="1"/>
+            <a:r>
+              <a:rPr lang="en-US" dirty="0" smtClean="0"/>
+              <a:t>Possibly Name and Email</a:t>
+            </a:r>
+            <a:br>
+              <a:rPr lang="en-US" dirty="0" smtClean="0"/>
+            </a:br>
+            <a:endParaRPr lang="en-US" dirty="0" smtClean="0"/>
+          </a:p>
+          <a:p>
+            <a:r>
+              <a:rPr lang="en-US" dirty="0" smtClean="0"/>
+              <a:t>Permissions</a:t>
+            </a:r>
+          </a:p>
+          <a:p>
+            <a:pPr lvl="1"/>
+            <a:r>
+              <a:rPr lang="en-US" dirty="0" smtClean="0"/>
+              <a:t>User Information</a:t>
+            </a:r>
+          </a:p>
+          <a:p>
+            <a:pPr lvl="1"/>
+            <a:r>
+              <a:rPr lang="en-US" dirty="0" smtClean="0"/>
+              <a:t>Application Resources</a:t>
+            </a:r>
+          </a:p>
+          <a:p>
+            <a:pPr lvl="1"/>
+            <a:r>
+              <a:rPr lang="en-US" dirty="0" smtClean="0"/>
+              <a:t>Act on Behalf of User</a:t>
+            </a:r>
+          </a:p>
+          <a:p>
+            <a:pPr lvl="1"/>
+            <a:r>
+              <a:rPr lang="en-US" dirty="0" smtClean="0"/>
+              <a:t>Manage Data</a:t>
+            </a:r>
+          </a:p>
+        </p:txBody>
+      </p:sp>
+      <p:pic>
+        <p:nvPicPr>
+          <p:cNvPr id="4" name="Picture 3"/>
+          <p:cNvPicPr>
+            <a:picLocks noChangeAspect="1"/>
+          </p:cNvPicPr>
+          <p:nvPr/>
+        </p:nvPicPr>
+        <p:blipFill>
+          <a:blip r:embed="rId2">
+            <a:extLst>
+              <a:ext uri="{BEBA8EAE-BF5A-486C-A8C5-ECC9F3942E4B}">
+                <a14:imgProps xmlns:a14="http://schemas.microsoft.com/office/drawing/2010/main">
+                  <a14:imgLayer r:embed="rId3">
+                    <a14:imgEffect>
+                      <a14:brightnessContrast bright="-62000"/>
+                    </a14:imgEffect>
+                  </a14:imgLayer>
+                </a14:imgProps>
+              </a:ext>
+              <a:ext uri="{28A0092B-C50C-407E-A947-70E740481C1C}">
+                <a14:useLocalDpi xmlns:a14="http://schemas.microsoft.com/office/drawing/2010/main" val="0"/>
+              </a:ext>
+            </a:extLst>
+          </a:blip>
+          <a:stretch>
+            <a:fillRect/>
+          </a:stretch>
+        </p:blipFill>
+        <p:spPr>
+          <a:xfrm>
+            <a:off x="7036862" y="1930400"/>
+            <a:ext cx="3208438" cy="3208438"/>
+          </a:xfrm>
+          <a:prstGeom prst="rect">
+            <a:avLst/>
+          </a:prstGeom>
+        </p:spPr>
+      </p:pic>
+    </p:spTree>
+    <p:extLst>
+      <p:ext uri="{BB962C8B-B14F-4D97-AF65-F5344CB8AC3E}">
+        <p14:creationId xmlns:p14="http://schemas.microsoft.com/office/powerpoint/2010/main" val="2835587784"/>
+      </p:ext>
+    </p:extLst>
+  </p:cSld>
+  <p:clrMapOvr>
+    <a:masterClrMapping/>
+  </p:clrMapOvr>
+  <p:transition>
+    <p:fade/>
+  </p:transition>
+  <p:timing>
+    <p:tnLst>
+      <p:par>
+        <p:cTn id="1" dur="indefinite" restart="never" nodeType="tmRoot"/>
+      </p:par>
+    </p:tnLst>
+  </p:timing>
+</p:sld>
+</file>
+
 <file path=ppt/slides/slide6.xml><?xml version="1.0" encoding="utf-8"?>
 <p:sld xmlns:a="http://schemas.openxmlformats.org/drawingml/2006/main" xmlns:r="http://schemas.openxmlformats.org/officeDocument/2006/relationships" xmlns:p="http://schemas.openxmlformats.org/presentationml/2006/main">
   <p:cSld>
@@ -23103,35 +21047,1574 @@
           </a:p>
         </p:txBody>
       </p:sp>
-      <p:graphicFrame>
-        <p:nvGraphicFramePr>
-          <p:cNvPr id="5" name="Content Placeholder 4"/>
-          <p:cNvGraphicFramePr>
-            <a:graphicFrameLocks noGrp="1"/>
-          </p:cNvGraphicFramePr>
-          <p:nvPr>
-            <p:ph idx="4294967295"/>
-            <p:extLst>
-              <p:ext uri="{D42A27DB-BD31-4B8C-83A1-F6EECF244321}">
-                <p14:modId xmlns:p14="http://schemas.microsoft.com/office/powerpoint/2010/main" val="900904932"/>
-              </p:ext>
-            </p:extLst>
-          </p:nvPr>
-        </p:nvGraphicFramePr>
-        <p:xfrm>
-          <a:off x="519112" y="2298700"/>
-          <a:ext cx="11149013" cy="2000250"/>
-        </p:xfrm>
-        <a:graphic>
-          <a:graphicData uri="http://schemas.openxmlformats.org/drawingml/2006/diagram">
-            <dgm:relIds xmlns:dgm="http://schemas.openxmlformats.org/drawingml/2006/diagram" xmlns:r="http://schemas.openxmlformats.org/officeDocument/2006/relationships" r:dm="rId2" r:lo="rId3" r:qs="rId4" r:cs="rId5"/>
-          </a:graphicData>
-        </a:graphic>
-      </p:graphicFrame>
+      <p:sp>
+        <p:nvSpPr>
+          <p:cNvPr id="3" name="Content Placeholder 1"/>
+          <p:cNvSpPr txBox="1">
+            <a:spLocks/>
+          </p:cNvSpPr>
+          <p:nvPr/>
+        </p:nvSpPr>
+        <p:spPr>
+          <a:xfrm>
+            <a:off x="527050" y="1121921"/>
+            <a:ext cx="11149013" cy="409168"/>
+          </a:xfrm>
+          <a:prstGeom prst="rect">
+            <a:avLst/>
+          </a:prstGeom>
+        </p:spPr>
+        <p:txBody>
+          <a:bodyPr vert="horz" wrap="square" lIns="0" tIns="0" rIns="0" bIns="0" rtlCol="0" anchor="ctr">
+            <a:noAutofit/>
+          </a:bodyPr>
+          <a:lstStyle>
+            <a:lvl1pPr indent="0" defTabSz="685864">
+              <a:lnSpc>
+                <a:spcPct val="90000"/>
+              </a:lnSpc>
+              <a:spcBef>
+                <a:spcPts val="1200"/>
+              </a:spcBef>
+              <a:buSzPct val="80000"/>
+              <a:buFont typeface="Arial" pitchFamily="34" charset="0"/>
+              <a:buNone/>
+              <a:defRPr sz="2800">
+                <a:solidFill>
+                  <a:schemeClr val="accent2"/>
+                </a:solidFill>
+              </a:defRPr>
+            </a:lvl1pPr>
+            <a:lvl2pPr marL="259591" lvl="1" indent="0" defTabSz="685864">
+              <a:lnSpc>
+                <a:spcPct val="90000"/>
+              </a:lnSpc>
+              <a:spcBef>
+                <a:spcPts val="1200"/>
+              </a:spcBef>
+              <a:buSzPct val="80000"/>
+              <a:buFont typeface="Arial" pitchFamily="34" charset="0"/>
+              <a:buNone/>
+              <a:defRPr>
+                <a:gradFill>
+                  <a:gsLst>
+                    <a:gs pos="0">
+                      <a:srgbClr val="595959"/>
+                    </a:gs>
+                    <a:gs pos="86000">
+                      <a:srgbClr val="595959"/>
+                    </a:gs>
+                  </a:gsLst>
+                  <a:lin ang="5400000" scaled="0"/>
+                </a:gradFill>
+              </a:defRPr>
+            </a:lvl2pPr>
+            <a:lvl3pPr marL="1258888" indent="-403225" defTabSz="914363">
+              <a:lnSpc>
+                <a:spcPct val="90000"/>
+              </a:lnSpc>
+              <a:spcBef>
+                <a:spcPct val="20000"/>
+              </a:spcBef>
+              <a:buSzPct val="80000"/>
+              <a:buFont typeface="Arial" pitchFamily="34" charset="0"/>
+              <a:buChar char="•"/>
+              <a:defRPr>
+                <a:gradFill>
+                  <a:gsLst>
+                    <a:gs pos="0">
+                      <a:srgbClr val="595959"/>
+                    </a:gs>
+                    <a:gs pos="86000">
+                      <a:srgbClr val="595959"/>
+                    </a:gs>
+                  </a:gsLst>
+                  <a:lin ang="5400000" scaled="0"/>
+                </a:gradFill>
+              </a:defRPr>
+            </a:lvl3pPr>
+            <a:lvl4pPr marL="1604963" indent="-346075" defTabSz="914363">
+              <a:lnSpc>
+                <a:spcPct val="90000"/>
+              </a:lnSpc>
+              <a:spcBef>
+                <a:spcPct val="20000"/>
+              </a:spcBef>
+              <a:buSzPct val="80000"/>
+              <a:buFont typeface="Arial" pitchFamily="34" charset="0"/>
+              <a:buChar char="•"/>
+              <a:defRPr sz="2000">
+                <a:gradFill>
+                  <a:gsLst>
+                    <a:gs pos="0">
+                      <a:srgbClr val="595959"/>
+                    </a:gs>
+                    <a:gs pos="86000">
+                      <a:srgbClr val="595959"/>
+                    </a:gs>
+                  </a:gsLst>
+                  <a:lin ang="5400000" scaled="0"/>
+                </a:gradFill>
+              </a:defRPr>
+            </a:lvl4pPr>
+            <a:lvl5pPr marL="1941513" indent="-336550" defTabSz="914363">
+              <a:lnSpc>
+                <a:spcPct val="90000"/>
+              </a:lnSpc>
+              <a:spcBef>
+                <a:spcPct val="20000"/>
+              </a:spcBef>
+              <a:buSzPct val="80000"/>
+              <a:buFont typeface="Arial" pitchFamily="34" charset="0"/>
+              <a:buChar char="•"/>
+              <a:defRPr sz="2000">
+                <a:gradFill>
+                  <a:gsLst>
+                    <a:gs pos="0">
+                      <a:srgbClr val="595959"/>
+                    </a:gs>
+                    <a:gs pos="86000">
+                      <a:srgbClr val="595959"/>
+                    </a:gs>
+                  </a:gsLst>
+                  <a:lin ang="5400000" scaled="0"/>
+                </a:gradFill>
+              </a:defRPr>
+            </a:lvl5pPr>
+            <a:lvl6pPr marL="2514499" indent="-228591" defTabSz="914363">
+              <a:spcBef>
+                <a:spcPct val="20000"/>
+              </a:spcBef>
+              <a:buFont typeface="Arial" pitchFamily="34" charset="0"/>
+              <a:buChar char="•"/>
+              <a:defRPr sz="2000"/>
+            </a:lvl6pPr>
+            <a:lvl7pPr marL="2971681" indent="-228591" defTabSz="914363">
+              <a:spcBef>
+                <a:spcPct val="20000"/>
+              </a:spcBef>
+              <a:buFont typeface="Arial" pitchFamily="34" charset="0"/>
+              <a:buChar char="•"/>
+              <a:defRPr sz="2000"/>
+            </a:lvl7pPr>
+            <a:lvl8pPr marL="3428863" indent="-228591" defTabSz="914363">
+              <a:spcBef>
+                <a:spcPct val="20000"/>
+              </a:spcBef>
+              <a:buFont typeface="Arial" pitchFamily="34" charset="0"/>
+              <a:buChar char="•"/>
+              <a:defRPr sz="2000"/>
+            </a:lvl8pPr>
+            <a:lvl9pPr marL="3886045" indent="-228591" defTabSz="914363">
+              <a:spcBef>
+                <a:spcPct val="20000"/>
+              </a:spcBef>
+              <a:buFont typeface="Arial" pitchFamily="34" charset="0"/>
+              <a:buChar char="•"/>
+              <a:defRPr sz="2000"/>
+            </a:lvl9pPr>
+          </a:lstStyle>
+          <a:p>
+            <a:r>
+              <a:rPr lang="en-US" dirty="0" smtClean="0">
+                <a:solidFill>
+                  <a:schemeClr val="accent2">
+                    <a:alpha val="99000"/>
+                  </a:schemeClr>
+                </a:solidFill>
+                <a:latin typeface="Segoe UI Light" pitchFamily="34" charset="0"/>
+              </a:rPr>
+              <a:t>How authentication works with </a:t>
+            </a:r>
+            <a:r>
+              <a:rPr lang="en-US" dirty="0" err="1" smtClean="0">
+                <a:solidFill>
+                  <a:schemeClr val="accent2">
+                    <a:alpha val="99000"/>
+                  </a:schemeClr>
+                </a:solidFill>
+                <a:latin typeface="Segoe UI Light" pitchFamily="34" charset="0"/>
+              </a:rPr>
+              <a:t>OAuth</a:t>
+            </a:r>
+            <a:endParaRPr lang="en-US" dirty="0">
+              <a:solidFill>
+                <a:schemeClr val="accent2">
+                  <a:alpha val="99000"/>
+                </a:schemeClr>
+              </a:solidFill>
+              <a:latin typeface="Segoe UI Light" pitchFamily="34" charset="0"/>
+            </a:endParaRPr>
+          </a:p>
+        </p:txBody>
+      </p:sp>
+      <p:sp>
+        <p:nvSpPr>
+          <p:cNvPr id="16" name="Left Arrow 15"/>
+          <p:cNvSpPr/>
+          <p:nvPr/>
+        </p:nvSpPr>
+        <p:spPr bwMode="auto">
+          <a:xfrm rot="16200000">
+            <a:off x="7044901" y="3624567"/>
+            <a:ext cx="1293628" cy="323775"/>
+          </a:xfrm>
+          <a:prstGeom prst="leftArrow">
+            <a:avLst/>
+          </a:prstGeom>
+          <a:solidFill>
+            <a:schemeClr val="tx2"/>
+          </a:solidFill>
+          <a:ln>
+            <a:noFill/>
+            <a:headEnd type="none" w="med" len="med"/>
+            <a:tailEnd type="none" w="med" len="med"/>
+          </a:ln>
+          <a:effectLst/>
+        </p:spPr>
+        <p:style>
+          <a:lnRef idx="1">
+            <a:schemeClr val="accent2"/>
+          </a:lnRef>
+          <a:fillRef idx="3">
+            <a:schemeClr val="accent2"/>
+          </a:fillRef>
+          <a:effectRef idx="2">
+            <a:schemeClr val="accent2"/>
+          </a:effectRef>
+          <a:fontRef idx="minor">
+            <a:schemeClr val="lt1"/>
+          </a:fontRef>
+        </p:style>
+        <p:txBody>
+          <a:bodyPr vert="horz" wrap="square" lIns="91436" tIns="45718" rIns="91436" bIns="45718" numCol="1" rtlCol="0" anchor="ctr" anchorCtr="0" compatLnSpc="1">
+            <a:prstTxWarp prst="textNoShape">
+              <a:avLst/>
+            </a:prstTxWarp>
+          </a:bodyPr>
+          <a:lstStyle/>
+          <a:p>
+            <a:pPr algn="ctr" defTabSz="914099" fontAlgn="base">
+              <a:spcBef>
+                <a:spcPct val="0"/>
+              </a:spcBef>
+              <a:spcAft>
+                <a:spcPct val="0"/>
+              </a:spcAft>
+            </a:pPr>
+            <a:endParaRPr lang="en-US" sz="2800" dirty="0">
+              <a:gradFill>
+                <a:gsLst>
+                  <a:gs pos="0">
+                    <a:srgbClr val="FFFFFF"/>
+                  </a:gs>
+                  <a:gs pos="100000">
+                    <a:srgbClr val="FFFFFF"/>
+                  </a:gs>
+                </a:gsLst>
+                <a:lin ang="5400000" scaled="0"/>
+              </a:gradFill>
+            </a:endParaRPr>
+          </a:p>
+        </p:txBody>
+      </p:sp>
+      <p:grpSp>
+        <p:nvGrpSpPr>
+          <p:cNvPr id="17" name="Group 16"/>
+          <p:cNvGrpSpPr/>
+          <p:nvPr/>
+        </p:nvGrpSpPr>
+        <p:grpSpPr>
+          <a:xfrm>
+            <a:off x="6548715" y="2153564"/>
+            <a:ext cx="5326908" cy="999461"/>
+            <a:chOff x="4951412" y="1690578"/>
+            <a:chExt cx="5326908" cy="999461"/>
+          </a:xfrm>
+        </p:grpSpPr>
+        <p:sp>
+          <p:nvSpPr>
+            <p:cNvPr id="4" name="Rectangle 3"/>
+            <p:cNvSpPr/>
+            <p:nvPr/>
+          </p:nvSpPr>
+          <p:spPr bwMode="auto">
+            <a:xfrm>
+              <a:off x="4951412" y="1690578"/>
+              <a:ext cx="2286000" cy="999460"/>
+            </a:xfrm>
+            <a:prstGeom prst="rect">
+              <a:avLst/>
+            </a:prstGeom>
+            <a:solidFill>
+              <a:schemeClr val="accent2"/>
+            </a:solidFill>
+            <a:ln>
+              <a:noFill/>
+              <a:headEnd type="none" w="med" len="med"/>
+              <a:tailEnd type="none" w="med" len="med"/>
+            </a:ln>
+            <a:effectLst/>
+          </p:spPr>
+          <p:style>
+            <a:lnRef idx="1">
+              <a:schemeClr val="accent2"/>
+            </a:lnRef>
+            <a:fillRef idx="3">
+              <a:schemeClr val="accent2"/>
+            </a:fillRef>
+            <a:effectRef idx="2">
+              <a:schemeClr val="accent2"/>
+            </a:effectRef>
+            <a:fontRef idx="minor">
+              <a:schemeClr val="lt1"/>
+            </a:fontRef>
+          </p:style>
+          <p:txBody>
+            <a:bodyPr vert="horz" wrap="square" lIns="91436" tIns="45718" rIns="91436" bIns="45718" numCol="1" rtlCol="0" anchor="ctr" anchorCtr="0" compatLnSpc="1">
+              <a:prstTxWarp prst="textNoShape">
+                <a:avLst/>
+              </a:prstTxWarp>
+            </a:bodyPr>
+            <a:lstStyle/>
+            <a:p>
+              <a:pPr algn="ctr" defTabSz="914099" fontAlgn="base">
+                <a:spcBef>
+                  <a:spcPct val="0"/>
+                </a:spcBef>
+                <a:spcAft>
+                  <a:spcPct val="0"/>
+                </a:spcAft>
+              </a:pPr>
+              <a:r>
+                <a:rPr lang="en-US" sz="2800" dirty="0" smtClean="0">
+                  <a:gradFill>
+                    <a:gsLst>
+                      <a:gs pos="0">
+                        <a:srgbClr val="FFFFFF"/>
+                      </a:gs>
+                      <a:gs pos="100000">
+                        <a:srgbClr val="FFFFFF"/>
+                      </a:gs>
+                    </a:gsLst>
+                    <a:lin ang="5400000" scaled="0"/>
+                  </a:gradFill>
+                </a:rPr>
+                <a:t>Login Page</a:t>
+              </a:r>
+              <a:endParaRPr lang="en-US" sz="2800" dirty="0">
+                <a:gradFill>
+                  <a:gsLst>
+                    <a:gs pos="0">
+                      <a:srgbClr val="FFFFFF"/>
+                    </a:gs>
+                    <a:gs pos="100000">
+                      <a:srgbClr val="FFFFFF"/>
+                    </a:gs>
+                  </a:gsLst>
+                  <a:lin ang="5400000" scaled="0"/>
+                </a:gradFill>
+              </a:endParaRPr>
+            </a:p>
+          </p:txBody>
+        </p:sp>
+        <p:sp>
+          <p:nvSpPr>
+            <p:cNvPr id="11" name="Content Placeholder 2"/>
+            <p:cNvSpPr txBox="1">
+              <a:spLocks/>
+            </p:cNvSpPr>
+            <p:nvPr/>
+          </p:nvSpPr>
+          <p:spPr>
+            <a:xfrm>
+              <a:off x="7761767" y="1690579"/>
+              <a:ext cx="2516553" cy="999460"/>
+            </a:xfrm>
+            <a:prstGeom prst="rect">
+              <a:avLst/>
+            </a:prstGeom>
+          </p:spPr>
+          <p:txBody>
+            <a:bodyPr vert="horz" wrap="square" lIns="0" tIns="0" rIns="0" bIns="0" rtlCol="0">
+              <a:noAutofit/>
+            </a:bodyPr>
+            <a:lstStyle>
+              <a:lvl1pPr marL="460375" indent="-460375" algn="l" defTabSz="914363" rtl="0" eaLnBrk="1" latinLnBrk="0" hangingPunct="1">
+                <a:lnSpc>
+                  <a:spcPct val="90000"/>
+                </a:lnSpc>
+                <a:spcBef>
+                  <a:spcPct val="20000"/>
+                </a:spcBef>
+                <a:buSzPct val="80000"/>
+                <a:buFont typeface="Arial" pitchFamily="34" charset="0"/>
+                <a:buChar char="•"/>
+                <a:defRPr sz="3200" kern="1200">
+                  <a:gradFill>
+                    <a:gsLst>
+                      <a:gs pos="0">
+                        <a:srgbClr val="595959"/>
+                      </a:gs>
+                      <a:gs pos="86000">
+                        <a:srgbClr val="595959"/>
+                      </a:gs>
+                    </a:gsLst>
+                    <a:lin ang="5400000" scaled="0"/>
+                  </a:gradFill>
+                  <a:latin typeface="+mn-lt"/>
+                  <a:ea typeface="+mn-ea"/>
+                  <a:cs typeface="+mn-cs"/>
+                </a:defRPr>
+              </a:lvl1pPr>
+              <a:lvl2pPr marL="855663" indent="-395288" algn="l" defTabSz="914363" rtl="0" eaLnBrk="1" latinLnBrk="0" hangingPunct="1">
+                <a:lnSpc>
+                  <a:spcPct val="90000"/>
+                </a:lnSpc>
+                <a:spcBef>
+                  <a:spcPct val="20000"/>
+                </a:spcBef>
+                <a:buSzPct val="80000"/>
+                <a:buFont typeface="Arial" pitchFamily="34" charset="0"/>
+                <a:buChar char="•"/>
+                <a:defRPr sz="2800" kern="1200">
+                  <a:gradFill>
+                    <a:gsLst>
+                      <a:gs pos="0">
+                        <a:srgbClr val="595959"/>
+                      </a:gs>
+                      <a:gs pos="86000">
+                        <a:srgbClr val="595959"/>
+                      </a:gs>
+                    </a:gsLst>
+                    <a:lin ang="5400000" scaled="0"/>
+                  </a:gradFill>
+                  <a:latin typeface="+mn-lt"/>
+                  <a:ea typeface="+mn-ea"/>
+                  <a:cs typeface="+mn-cs"/>
+                </a:defRPr>
+              </a:lvl2pPr>
+              <a:lvl3pPr marL="1258888" indent="-403225" algn="l" defTabSz="914363" rtl="0" eaLnBrk="1" latinLnBrk="0" hangingPunct="1">
+                <a:lnSpc>
+                  <a:spcPct val="90000"/>
+                </a:lnSpc>
+                <a:spcBef>
+                  <a:spcPct val="20000"/>
+                </a:spcBef>
+                <a:buSzPct val="80000"/>
+                <a:buFont typeface="Arial" pitchFamily="34" charset="0"/>
+                <a:buChar char="•"/>
+                <a:defRPr sz="2400" kern="1200">
+                  <a:gradFill>
+                    <a:gsLst>
+                      <a:gs pos="0">
+                        <a:srgbClr val="595959"/>
+                      </a:gs>
+                      <a:gs pos="86000">
+                        <a:srgbClr val="595959"/>
+                      </a:gs>
+                    </a:gsLst>
+                    <a:lin ang="5400000" scaled="0"/>
+                  </a:gradFill>
+                  <a:latin typeface="+mn-lt"/>
+                  <a:ea typeface="+mn-ea"/>
+                  <a:cs typeface="+mn-cs"/>
+                </a:defRPr>
+              </a:lvl3pPr>
+              <a:lvl4pPr marL="1604963" indent="-346075" algn="l" defTabSz="914363" rtl="0" eaLnBrk="1" latinLnBrk="0" hangingPunct="1">
+                <a:lnSpc>
+                  <a:spcPct val="90000"/>
+                </a:lnSpc>
+                <a:spcBef>
+                  <a:spcPct val="20000"/>
+                </a:spcBef>
+                <a:buSzPct val="80000"/>
+                <a:buFont typeface="Arial" pitchFamily="34" charset="0"/>
+                <a:buChar char="•"/>
+                <a:defRPr sz="2000" kern="1200">
+                  <a:gradFill>
+                    <a:gsLst>
+                      <a:gs pos="0">
+                        <a:srgbClr val="595959"/>
+                      </a:gs>
+                      <a:gs pos="86000">
+                        <a:srgbClr val="595959"/>
+                      </a:gs>
+                    </a:gsLst>
+                    <a:lin ang="5400000" scaled="0"/>
+                  </a:gradFill>
+                  <a:latin typeface="+mn-lt"/>
+                  <a:ea typeface="+mn-ea"/>
+                  <a:cs typeface="+mn-cs"/>
+                </a:defRPr>
+              </a:lvl4pPr>
+              <a:lvl5pPr marL="1941513" indent="-336550" algn="l" defTabSz="914363" rtl="0" eaLnBrk="1" latinLnBrk="0" hangingPunct="1">
+                <a:lnSpc>
+                  <a:spcPct val="90000"/>
+                </a:lnSpc>
+                <a:spcBef>
+                  <a:spcPct val="20000"/>
+                </a:spcBef>
+                <a:buSzPct val="80000"/>
+                <a:buFont typeface="Arial" pitchFamily="34" charset="0"/>
+                <a:buChar char="•"/>
+                <a:defRPr sz="2000" kern="1200">
+                  <a:gradFill>
+                    <a:gsLst>
+                      <a:gs pos="0">
+                        <a:srgbClr val="595959"/>
+                      </a:gs>
+                      <a:gs pos="86000">
+                        <a:srgbClr val="595959"/>
+                      </a:gs>
+                    </a:gsLst>
+                    <a:lin ang="5400000" scaled="0"/>
+                  </a:gradFill>
+                  <a:latin typeface="+mn-lt"/>
+                  <a:ea typeface="+mn-ea"/>
+                  <a:cs typeface="+mn-cs"/>
+                </a:defRPr>
+              </a:lvl5pPr>
+              <a:lvl6pPr marL="2514499" indent="-228591" algn="l" defTabSz="914363" rtl="0" eaLnBrk="1" latinLnBrk="0" hangingPunct="1">
+                <a:spcBef>
+                  <a:spcPct val="20000"/>
+                </a:spcBef>
+                <a:buFont typeface="Arial" pitchFamily="34" charset="0"/>
+                <a:buChar char="•"/>
+                <a:defRPr sz="2000" kern="1200">
+                  <a:solidFill>
+                    <a:schemeClr val="tx1"/>
+                  </a:solidFill>
+                  <a:latin typeface="+mn-lt"/>
+                  <a:ea typeface="+mn-ea"/>
+                  <a:cs typeface="+mn-cs"/>
+                </a:defRPr>
+              </a:lvl6pPr>
+              <a:lvl7pPr marL="2971681" indent="-228591" algn="l" defTabSz="914363" rtl="0" eaLnBrk="1" latinLnBrk="0" hangingPunct="1">
+                <a:spcBef>
+                  <a:spcPct val="20000"/>
+                </a:spcBef>
+                <a:buFont typeface="Arial" pitchFamily="34" charset="0"/>
+                <a:buChar char="•"/>
+                <a:defRPr sz="2000" kern="1200">
+                  <a:solidFill>
+                    <a:schemeClr val="tx1"/>
+                  </a:solidFill>
+                  <a:latin typeface="+mn-lt"/>
+                  <a:ea typeface="+mn-ea"/>
+                  <a:cs typeface="+mn-cs"/>
+                </a:defRPr>
+              </a:lvl7pPr>
+              <a:lvl8pPr marL="3428863" indent="-228591" algn="l" defTabSz="914363" rtl="0" eaLnBrk="1" latinLnBrk="0" hangingPunct="1">
+                <a:spcBef>
+                  <a:spcPct val="20000"/>
+                </a:spcBef>
+                <a:buFont typeface="Arial" pitchFamily="34" charset="0"/>
+                <a:buChar char="•"/>
+                <a:defRPr sz="2000" kern="1200">
+                  <a:solidFill>
+                    <a:schemeClr val="tx1"/>
+                  </a:solidFill>
+                  <a:latin typeface="+mn-lt"/>
+                  <a:ea typeface="+mn-ea"/>
+                  <a:cs typeface="+mn-cs"/>
+                </a:defRPr>
+              </a:lvl8pPr>
+              <a:lvl9pPr marL="3886045" indent="-228591" algn="l" defTabSz="914363" rtl="0" eaLnBrk="1" latinLnBrk="0" hangingPunct="1">
+                <a:spcBef>
+                  <a:spcPct val="20000"/>
+                </a:spcBef>
+                <a:buFont typeface="Arial" pitchFamily="34" charset="0"/>
+                <a:buChar char="•"/>
+                <a:defRPr sz="2000" kern="1200">
+                  <a:solidFill>
+                    <a:schemeClr val="tx1"/>
+                  </a:solidFill>
+                  <a:latin typeface="+mn-lt"/>
+                  <a:ea typeface="+mn-ea"/>
+                  <a:cs typeface="+mn-cs"/>
+                </a:defRPr>
+              </a:lvl9pPr>
+            </a:lstStyle>
+            <a:p>
+              <a:pPr marL="0" indent="0" defTabSz="685864">
+                <a:spcBef>
+                  <a:spcPts val="1200"/>
+                </a:spcBef>
+                <a:buNone/>
+              </a:pPr>
+              <a:r>
+                <a:rPr lang="en-US" sz="2400" dirty="0" smtClean="0">
+                  <a:solidFill>
+                    <a:schemeClr val="accent2"/>
+                  </a:solidFill>
+                </a:rPr>
+                <a:t>Login Page</a:t>
+              </a:r>
+              <a:endParaRPr lang="en-US" sz="2400" dirty="0">
+                <a:solidFill>
+                  <a:schemeClr val="accent2"/>
+                </a:solidFill>
+              </a:endParaRPr>
+            </a:p>
+            <a:p>
+              <a:pPr marL="0" lvl="1" indent="0" defTabSz="685864">
+                <a:spcBef>
+                  <a:spcPts val="600"/>
+                </a:spcBef>
+                <a:buNone/>
+              </a:pPr>
+              <a:r>
+                <a:rPr lang="en-US" sz="2000" dirty="0" smtClean="0"/>
+                <a:t>Enter your credentials</a:t>
+              </a:r>
+              <a:endParaRPr lang="en-US" sz="2000" dirty="0"/>
+            </a:p>
+          </p:txBody>
+        </p:sp>
+      </p:grpSp>
+      <p:grpSp>
+        <p:nvGrpSpPr>
+          <p:cNvPr id="19" name="Group 18"/>
+          <p:cNvGrpSpPr/>
+          <p:nvPr/>
+        </p:nvGrpSpPr>
+        <p:grpSpPr>
+          <a:xfrm>
+            <a:off x="6548715" y="4426182"/>
+            <a:ext cx="5326908" cy="1006547"/>
+            <a:chOff x="4951412" y="3963196"/>
+            <a:chExt cx="5326908" cy="1006547"/>
+          </a:xfrm>
+        </p:grpSpPr>
+        <p:sp>
+          <p:nvSpPr>
+            <p:cNvPr id="5" name="Rectangle 4"/>
+            <p:cNvSpPr/>
+            <p:nvPr/>
+          </p:nvSpPr>
+          <p:spPr bwMode="auto">
+            <a:xfrm>
+              <a:off x="4951412" y="3970283"/>
+              <a:ext cx="2286000" cy="999460"/>
+            </a:xfrm>
+            <a:prstGeom prst="rect">
+              <a:avLst/>
+            </a:prstGeom>
+            <a:solidFill>
+              <a:schemeClr val="accent2"/>
+            </a:solidFill>
+            <a:ln>
+              <a:noFill/>
+              <a:headEnd type="none" w="med" len="med"/>
+              <a:tailEnd type="none" w="med" len="med"/>
+            </a:ln>
+            <a:effectLst/>
+          </p:spPr>
+          <p:style>
+            <a:lnRef idx="1">
+              <a:schemeClr val="accent2"/>
+            </a:lnRef>
+            <a:fillRef idx="3">
+              <a:schemeClr val="accent2"/>
+            </a:fillRef>
+            <a:effectRef idx="2">
+              <a:schemeClr val="accent2"/>
+            </a:effectRef>
+            <a:fontRef idx="minor">
+              <a:schemeClr val="lt1"/>
+            </a:fontRef>
+          </p:style>
+          <p:txBody>
+            <a:bodyPr vert="horz" wrap="square" lIns="91436" tIns="45718" rIns="91436" bIns="45718" numCol="1" rtlCol="0" anchor="ctr" anchorCtr="0" compatLnSpc="1">
+              <a:prstTxWarp prst="textNoShape">
+                <a:avLst/>
+              </a:prstTxWarp>
+            </a:bodyPr>
+            <a:lstStyle/>
+            <a:p>
+              <a:pPr algn="ctr" defTabSz="914099" fontAlgn="base">
+                <a:spcBef>
+                  <a:spcPct val="0"/>
+                </a:spcBef>
+                <a:spcAft>
+                  <a:spcPct val="0"/>
+                </a:spcAft>
+              </a:pPr>
+              <a:r>
+                <a:rPr lang="en-US" sz="2800" dirty="0" smtClean="0">
+                  <a:gradFill>
+                    <a:gsLst>
+                      <a:gs pos="0">
+                        <a:srgbClr val="FFFFFF"/>
+                      </a:gs>
+                      <a:gs pos="100000">
+                        <a:srgbClr val="FFFFFF"/>
+                      </a:gs>
+                    </a:gsLst>
+                    <a:lin ang="5400000" scaled="0"/>
+                  </a:gradFill>
+                </a:rPr>
+                <a:t>Permission Page</a:t>
+              </a:r>
+              <a:endParaRPr lang="en-US" sz="2800" dirty="0">
+                <a:gradFill>
+                  <a:gsLst>
+                    <a:gs pos="0">
+                      <a:srgbClr val="FFFFFF"/>
+                    </a:gs>
+                    <a:gs pos="100000">
+                      <a:srgbClr val="FFFFFF"/>
+                    </a:gs>
+                  </a:gsLst>
+                  <a:lin ang="5400000" scaled="0"/>
+                </a:gradFill>
+              </a:endParaRPr>
+            </a:p>
+          </p:txBody>
+        </p:sp>
+        <p:sp>
+          <p:nvSpPr>
+            <p:cNvPr id="12" name="Content Placeholder 2"/>
+            <p:cNvSpPr txBox="1">
+              <a:spLocks/>
+            </p:cNvSpPr>
+            <p:nvPr/>
+          </p:nvSpPr>
+          <p:spPr>
+            <a:xfrm>
+              <a:off x="7761767" y="3963196"/>
+              <a:ext cx="2516553" cy="999460"/>
+            </a:xfrm>
+            <a:prstGeom prst="rect">
+              <a:avLst/>
+            </a:prstGeom>
+          </p:spPr>
+          <p:txBody>
+            <a:bodyPr vert="horz" wrap="square" lIns="0" tIns="0" rIns="0" bIns="0" rtlCol="0">
+              <a:noAutofit/>
+            </a:bodyPr>
+            <a:lstStyle>
+              <a:lvl1pPr marL="460375" indent="-460375" algn="l" defTabSz="914363" rtl="0" eaLnBrk="1" latinLnBrk="0" hangingPunct="1">
+                <a:lnSpc>
+                  <a:spcPct val="90000"/>
+                </a:lnSpc>
+                <a:spcBef>
+                  <a:spcPct val="20000"/>
+                </a:spcBef>
+                <a:buSzPct val="80000"/>
+                <a:buFont typeface="Arial" pitchFamily="34" charset="0"/>
+                <a:buChar char="•"/>
+                <a:defRPr sz="3200" kern="1200">
+                  <a:gradFill>
+                    <a:gsLst>
+                      <a:gs pos="0">
+                        <a:srgbClr val="595959"/>
+                      </a:gs>
+                      <a:gs pos="86000">
+                        <a:srgbClr val="595959"/>
+                      </a:gs>
+                    </a:gsLst>
+                    <a:lin ang="5400000" scaled="0"/>
+                  </a:gradFill>
+                  <a:latin typeface="+mn-lt"/>
+                  <a:ea typeface="+mn-ea"/>
+                  <a:cs typeface="+mn-cs"/>
+                </a:defRPr>
+              </a:lvl1pPr>
+              <a:lvl2pPr marL="855663" indent="-395288" algn="l" defTabSz="914363" rtl="0" eaLnBrk="1" latinLnBrk="0" hangingPunct="1">
+                <a:lnSpc>
+                  <a:spcPct val="90000"/>
+                </a:lnSpc>
+                <a:spcBef>
+                  <a:spcPct val="20000"/>
+                </a:spcBef>
+                <a:buSzPct val="80000"/>
+                <a:buFont typeface="Arial" pitchFamily="34" charset="0"/>
+                <a:buChar char="•"/>
+                <a:defRPr sz="2800" kern="1200">
+                  <a:gradFill>
+                    <a:gsLst>
+                      <a:gs pos="0">
+                        <a:srgbClr val="595959"/>
+                      </a:gs>
+                      <a:gs pos="86000">
+                        <a:srgbClr val="595959"/>
+                      </a:gs>
+                    </a:gsLst>
+                    <a:lin ang="5400000" scaled="0"/>
+                  </a:gradFill>
+                  <a:latin typeface="+mn-lt"/>
+                  <a:ea typeface="+mn-ea"/>
+                  <a:cs typeface="+mn-cs"/>
+                </a:defRPr>
+              </a:lvl2pPr>
+              <a:lvl3pPr marL="1258888" indent="-403225" algn="l" defTabSz="914363" rtl="0" eaLnBrk="1" latinLnBrk="0" hangingPunct="1">
+                <a:lnSpc>
+                  <a:spcPct val="90000"/>
+                </a:lnSpc>
+                <a:spcBef>
+                  <a:spcPct val="20000"/>
+                </a:spcBef>
+                <a:buSzPct val="80000"/>
+                <a:buFont typeface="Arial" pitchFamily="34" charset="0"/>
+                <a:buChar char="•"/>
+                <a:defRPr sz="2400" kern="1200">
+                  <a:gradFill>
+                    <a:gsLst>
+                      <a:gs pos="0">
+                        <a:srgbClr val="595959"/>
+                      </a:gs>
+                      <a:gs pos="86000">
+                        <a:srgbClr val="595959"/>
+                      </a:gs>
+                    </a:gsLst>
+                    <a:lin ang="5400000" scaled="0"/>
+                  </a:gradFill>
+                  <a:latin typeface="+mn-lt"/>
+                  <a:ea typeface="+mn-ea"/>
+                  <a:cs typeface="+mn-cs"/>
+                </a:defRPr>
+              </a:lvl3pPr>
+              <a:lvl4pPr marL="1604963" indent="-346075" algn="l" defTabSz="914363" rtl="0" eaLnBrk="1" latinLnBrk="0" hangingPunct="1">
+                <a:lnSpc>
+                  <a:spcPct val="90000"/>
+                </a:lnSpc>
+                <a:spcBef>
+                  <a:spcPct val="20000"/>
+                </a:spcBef>
+                <a:buSzPct val="80000"/>
+                <a:buFont typeface="Arial" pitchFamily="34" charset="0"/>
+                <a:buChar char="•"/>
+                <a:defRPr sz="2000" kern="1200">
+                  <a:gradFill>
+                    <a:gsLst>
+                      <a:gs pos="0">
+                        <a:srgbClr val="595959"/>
+                      </a:gs>
+                      <a:gs pos="86000">
+                        <a:srgbClr val="595959"/>
+                      </a:gs>
+                    </a:gsLst>
+                    <a:lin ang="5400000" scaled="0"/>
+                  </a:gradFill>
+                  <a:latin typeface="+mn-lt"/>
+                  <a:ea typeface="+mn-ea"/>
+                  <a:cs typeface="+mn-cs"/>
+                </a:defRPr>
+              </a:lvl4pPr>
+              <a:lvl5pPr marL="1941513" indent="-336550" algn="l" defTabSz="914363" rtl="0" eaLnBrk="1" latinLnBrk="0" hangingPunct="1">
+                <a:lnSpc>
+                  <a:spcPct val="90000"/>
+                </a:lnSpc>
+                <a:spcBef>
+                  <a:spcPct val="20000"/>
+                </a:spcBef>
+                <a:buSzPct val="80000"/>
+                <a:buFont typeface="Arial" pitchFamily="34" charset="0"/>
+                <a:buChar char="•"/>
+                <a:defRPr sz="2000" kern="1200">
+                  <a:gradFill>
+                    <a:gsLst>
+                      <a:gs pos="0">
+                        <a:srgbClr val="595959"/>
+                      </a:gs>
+                      <a:gs pos="86000">
+                        <a:srgbClr val="595959"/>
+                      </a:gs>
+                    </a:gsLst>
+                    <a:lin ang="5400000" scaled="0"/>
+                  </a:gradFill>
+                  <a:latin typeface="+mn-lt"/>
+                  <a:ea typeface="+mn-ea"/>
+                  <a:cs typeface="+mn-cs"/>
+                </a:defRPr>
+              </a:lvl5pPr>
+              <a:lvl6pPr marL="2514499" indent="-228591" algn="l" defTabSz="914363" rtl="0" eaLnBrk="1" latinLnBrk="0" hangingPunct="1">
+                <a:spcBef>
+                  <a:spcPct val="20000"/>
+                </a:spcBef>
+                <a:buFont typeface="Arial" pitchFamily="34" charset="0"/>
+                <a:buChar char="•"/>
+                <a:defRPr sz="2000" kern="1200">
+                  <a:solidFill>
+                    <a:schemeClr val="tx1"/>
+                  </a:solidFill>
+                  <a:latin typeface="+mn-lt"/>
+                  <a:ea typeface="+mn-ea"/>
+                  <a:cs typeface="+mn-cs"/>
+                </a:defRPr>
+              </a:lvl6pPr>
+              <a:lvl7pPr marL="2971681" indent="-228591" algn="l" defTabSz="914363" rtl="0" eaLnBrk="1" latinLnBrk="0" hangingPunct="1">
+                <a:spcBef>
+                  <a:spcPct val="20000"/>
+                </a:spcBef>
+                <a:buFont typeface="Arial" pitchFamily="34" charset="0"/>
+                <a:buChar char="•"/>
+                <a:defRPr sz="2000" kern="1200">
+                  <a:solidFill>
+                    <a:schemeClr val="tx1"/>
+                  </a:solidFill>
+                  <a:latin typeface="+mn-lt"/>
+                  <a:ea typeface="+mn-ea"/>
+                  <a:cs typeface="+mn-cs"/>
+                </a:defRPr>
+              </a:lvl7pPr>
+              <a:lvl8pPr marL="3428863" indent="-228591" algn="l" defTabSz="914363" rtl="0" eaLnBrk="1" latinLnBrk="0" hangingPunct="1">
+                <a:spcBef>
+                  <a:spcPct val="20000"/>
+                </a:spcBef>
+                <a:buFont typeface="Arial" pitchFamily="34" charset="0"/>
+                <a:buChar char="•"/>
+                <a:defRPr sz="2000" kern="1200">
+                  <a:solidFill>
+                    <a:schemeClr val="tx1"/>
+                  </a:solidFill>
+                  <a:latin typeface="+mn-lt"/>
+                  <a:ea typeface="+mn-ea"/>
+                  <a:cs typeface="+mn-cs"/>
+                </a:defRPr>
+              </a:lvl8pPr>
+              <a:lvl9pPr marL="3886045" indent="-228591" algn="l" defTabSz="914363" rtl="0" eaLnBrk="1" latinLnBrk="0" hangingPunct="1">
+                <a:spcBef>
+                  <a:spcPct val="20000"/>
+                </a:spcBef>
+                <a:buFont typeface="Arial" pitchFamily="34" charset="0"/>
+                <a:buChar char="•"/>
+                <a:defRPr sz="2000" kern="1200">
+                  <a:solidFill>
+                    <a:schemeClr val="tx1"/>
+                  </a:solidFill>
+                  <a:latin typeface="+mn-lt"/>
+                  <a:ea typeface="+mn-ea"/>
+                  <a:cs typeface="+mn-cs"/>
+                </a:defRPr>
+              </a:lvl9pPr>
+            </a:lstStyle>
+            <a:p>
+              <a:pPr marL="0" indent="0" defTabSz="685864">
+                <a:spcBef>
+                  <a:spcPts val="1200"/>
+                </a:spcBef>
+                <a:buNone/>
+              </a:pPr>
+              <a:r>
+                <a:rPr lang="en-US" sz="2400" dirty="0" smtClean="0">
+                  <a:solidFill>
+                    <a:schemeClr val="accent2"/>
+                  </a:solidFill>
+                </a:rPr>
+                <a:t>Permission Page</a:t>
+              </a:r>
+              <a:endParaRPr lang="en-US" sz="2400" dirty="0">
+                <a:solidFill>
+                  <a:schemeClr val="accent2"/>
+                </a:solidFill>
+              </a:endParaRPr>
+            </a:p>
+            <a:p>
+              <a:pPr marL="0" lvl="1" indent="0" defTabSz="685864">
+                <a:spcBef>
+                  <a:spcPts val="600"/>
+                </a:spcBef>
+                <a:buNone/>
+              </a:pPr>
+              <a:r>
+                <a:rPr lang="en-US" sz="2000" dirty="0" smtClean="0"/>
+                <a:t>Grant requested permissions</a:t>
+              </a:r>
+              <a:endParaRPr lang="en-US" sz="2000" dirty="0"/>
+            </a:p>
+          </p:txBody>
+        </p:sp>
+      </p:grpSp>
+      <p:sp>
+        <p:nvSpPr>
+          <p:cNvPr id="13" name="Right Arrow 12"/>
+          <p:cNvSpPr/>
+          <p:nvPr/>
+        </p:nvSpPr>
+        <p:spPr bwMode="auto">
+          <a:xfrm>
+            <a:off x="3543246" y="2153565"/>
+            <a:ext cx="2614482" cy="999459"/>
+          </a:xfrm>
+          <a:prstGeom prst="rightArrow">
+            <a:avLst/>
+          </a:prstGeom>
+          <a:solidFill>
+            <a:schemeClr val="tx2"/>
+          </a:solidFill>
+          <a:ln>
+            <a:noFill/>
+            <a:headEnd type="none" w="med" len="med"/>
+            <a:tailEnd type="none" w="med" len="med"/>
+          </a:ln>
+          <a:effectLst/>
+        </p:spPr>
+        <p:style>
+          <a:lnRef idx="1">
+            <a:schemeClr val="accent2"/>
+          </a:lnRef>
+          <a:fillRef idx="3">
+            <a:schemeClr val="accent2"/>
+          </a:fillRef>
+          <a:effectRef idx="2">
+            <a:schemeClr val="accent2"/>
+          </a:effectRef>
+          <a:fontRef idx="minor">
+            <a:schemeClr val="lt1"/>
+          </a:fontRef>
+        </p:style>
+        <p:txBody>
+          <a:bodyPr vert="horz" wrap="square" lIns="91436" tIns="45718" rIns="91436" bIns="45718" numCol="1" rtlCol="0" anchor="ctr" anchorCtr="0" compatLnSpc="1">
+            <a:prstTxWarp prst="textNoShape">
+              <a:avLst/>
+            </a:prstTxWarp>
+          </a:bodyPr>
+          <a:lstStyle/>
+          <a:p>
+            <a:pPr algn="ctr" defTabSz="914099" fontAlgn="base">
+              <a:spcBef>
+                <a:spcPct val="0"/>
+              </a:spcBef>
+              <a:spcAft>
+                <a:spcPct val="0"/>
+              </a:spcAft>
+            </a:pPr>
+            <a:r>
+              <a:rPr lang="en-US" sz="1800" dirty="0" smtClean="0">
+                <a:gradFill>
+                  <a:gsLst>
+                    <a:gs pos="0">
+                      <a:srgbClr val="FFFFFF"/>
+                    </a:gs>
+                    <a:gs pos="100000">
+                      <a:srgbClr val="FFFFFF"/>
+                    </a:gs>
+                  </a:gsLst>
+                  <a:lin ang="5400000" scaled="0"/>
+                </a:gradFill>
+              </a:rPr>
+              <a:t>Redirect to Provider</a:t>
+            </a:r>
+            <a:endParaRPr lang="en-US" sz="1800" dirty="0">
+              <a:gradFill>
+                <a:gsLst>
+                  <a:gs pos="0">
+                    <a:srgbClr val="FFFFFF"/>
+                  </a:gs>
+                  <a:gs pos="100000">
+                    <a:srgbClr val="FFFFFF"/>
+                  </a:gs>
+                </a:gsLst>
+                <a:lin ang="5400000" scaled="0"/>
+              </a:gradFill>
+            </a:endParaRPr>
+          </a:p>
+        </p:txBody>
+      </p:sp>
+      <p:sp>
+        <p:nvSpPr>
+          <p:cNvPr id="14" name="Left Arrow 13"/>
+          <p:cNvSpPr/>
+          <p:nvPr/>
+        </p:nvSpPr>
+        <p:spPr bwMode="auto">
+          <a:xfrm>
+            <a:off x="3543245" y="4426181"/>
+            <a:ext cx="2614483" cy="999459"/>
+          </a:xfrm>
+          <a:prstGeom prst="leftArrow">
+            <a:avLst/>
+          </a:prstGeom>
+          <a:solidFill>
+            <a:schemeClr val="tx2"/>
+          </a:solidFill>
+          <a:ln>
+            <a:noFill/>
+            <a:headEnd type="none" w="med" len="med"/>
+            <a:tailEnd type="none" w="med" len="med"/>
+          </a:ln>
+          <a:effectLst/>
+        </p:spPr>
+        <p:style>
+          <a:lnRef idx="1">
+            <a:schemeClr val="accent2"/>
+          </a:lnRef>
+          <a:fillRef idx="3">
+            <a:schemeClr val="accent2"/>
+          </a:fillRef>
+          <a:effectRef idx="2">
+            <a:schemeClr val="accent2"/>
+          </a:effectRef>
+          <a:fontRef idx="minor">
+            <a:schemeClr val="lt1"/>
+          </a:fontRef>
+        </p:style>
+        <p:txBody>
+          <a:bodyPr vert="horz" wrap="square" lIns="91436" tIns="45718" rIns="91436" bIns="45718" numCol="1" rtlCol="0" anchor="ctr" anchorCtr="0" compatLnSpc="1">
+            <a:prstTxWarp prst="textNoShape">
+              <a:avLst/>
+            </a:prstTxWarp>
+          </a:bodyPr>
+          <a:lstStyle/>
+          <a:p>
+            <a:pPr defTabSz="914099" fontAlgn="base">
+              <a:spcBef>
+                <a:spcPct val="0"/>
+              </a:spcBef>
+              <a:spcAft>
+                <a:spcPct val="0"/>
+              </a:spcAft>
+            </a:pPr>
+            <a:r>
+              <a:rPr lang="en-US" sz="1800" dirty="0" smtClean="0">
+                <a:gradFill>
+                  <a:gsLst>
+                    <a:gs pos="0">
+                      <a:srgbClr val="FFFFFF"/>
+                    </a:gs>
+                    <a:gs pos="100000">
+                      <a:srgbClr val="FFFFFF"/>
+                    </a:gs>
+                  </a:gsLst>
+                  <a:lin ang="5400000" scaled="0"/>
+                </a:gradFill>
+              </a:rPr>
+              <a:t>Access Token</a:t>
+            </a:r>
+            <a:endParaRPr lang="en-US" sz="1800" dirty="0">
+              <a:gradFill>
+                <a:gsLst>
+                  <a:gs pos="0">
+                    <a:srgbClr val="FFFFFF"/>
+                  </a:gs>
+                  <a:gs pos="100000">
+                    <a:srgbClr val="FFFFFF"/>
+                  </a:gs>
+                </a:gsLst>
+                <a:lin ang="5400000" scaled="0"/>
+              </a:gradFill>
+            </a:endParaRPr>
+          </a:p>
+        </p:txBody>
+      </p:sp>
+      <p:sp>
+        <p:nvSpPr>
+          <p:cNvPr id="22" name="Rectangle 21"/>
+          <p:cNvSpPr/>
+          <p:nvPr/>
+        </p:nvSpPr>
+        <p:spPr bwMode="auto">
+          <a:xfrm>
+            <a:off x="766690" y="2170157"/>
+            <a:ext cx="2286000" cy="999460"/>
+          </a:xfrm>
+          <a:prstGeom prst="rect">
+            <a:avLst/>
+          </a:prstGeom>
+          <a:solidFill>
+            <a:schemeClr val="accent4"/>
+          </a:solidFill>
+          <a:ln>
+            <a:noFill/>
+            <a:headEnd type="none" w="med" len="med"/>
+            <a:tailEnd type="none" w="med" len="med"/>
+          </a:ln>
+          <a:effectLst/>
+        </p:spPr>
+        <p:style>
+          <a:lnRef idx="1">
+            <a:schemeClr val="accent2"/>
+          </a:lnRef>
+          <a:fillRef idx="3">
+            <a:schemeClr val="accent2"/>
+          </a:fillRef>
+          <a:effectRef idx="2">
+            <a:schemeClr val="accent2"/>
+          </a:effectRef>
+          <a:fontRef idx="minor">
+            <a:schemeClr val="lt1"/>
+          </a:fontRef>
+        </p:style>
+        <p:txBody>
+          <a:bodyPr vert="horz" wrap="square" lIns="91436" tIns="45718" rIns="91436" bIns="45718" numCol="1" rtlCol="0" anchor="ctr" anchorCtr="0" compatLnSpc="1">
+            <a:prstTxWarp prst="textNoShape">
+              <a:avLst/>
+            </a:prstTxWarp>
+          </a:bodyPr>
+          <a:lstStyle/>
+          <a:p>
+            <a:pPr algn="ctr" defTabSz="914099" fontAlgn="base">
+              <a:spcBef>
+                <a:spcPct val="0"/>
+              </a:spcBef>
+              <a:spcAft>
+                <a:spcPct val="0"/>
+              </a:spcAft>
+            </a:pPr>
+            <a:r>
+              <a:rPr lang="en-US" sz="2800" dirty="0" smtClean="0">
+                <a:gradFill>
+                  <a:gsLst>
+                    <a:gs pos="0">
+                      <a:srgbClr val="FFFFFF"/>
+                    </a:gs>
+                    <a:gs pos="100000">
+                      <a:srgbClr val="FFFFFF"/>
+                    </a:gs>
+                  </a:gsLst>
+                  <a:lin ang="5400000" scaled="0"/>
+                </a:gradFill>
+              </a:rPr>
+              <a:t>Your App</a:t>
+            </a:r>
+            <a:endParaRPr lang="en-US" sz="2800" dirty="0">
+              <a:gradFill>
+                <a:gsLst>
+                  <a:gs pos="0">
+                    <a:srgbClr val="FFFFFF"/>
+                  </a:gs>
+                  <a:gs pos="100000">
+                    <a:srgbClr val="FFFFFF"/>
+                  </a:gs>
+                </a:gsLst>
+                <a:lin ang="5400000" scaled="0"/>
+              </a:gradFill>
+            </a:endParaRPr>
+          </a:p>
+        </p:txBody>
+      </p:sp>
+      <p:sp>
+        <p:nvSpPr>
+          <p:cNvPr id="23" name="Rectangle 22"/>
+          <p:cNvSpPr/>
+          <p:nvPr/>
+        </p:nvSpPr>
+        <p:spPr bwMode="auto">
+          <a:xfrm>
+            <a:off x="766690" y="4426181"/>
+            <a:ext cx="2286000" cy="999460"/>
+          </a:xfrm>
+          <a:prstGeom prst="rect">
+            <a:avLst/>
+          </a:prstGeom>
+          <a:solidFill>
+            <a:schemeClr val="accent4"/>
+          </a:solidFill>
+          <a:ln>
+            <a:noFill/>
+            <a:headEnd type="none" w="med" len="med"/>
+            <a:tailEnd type="none" w="med" len="med"/>
+          </a:ln>
+          <a:effectLst/>
+        </p:spPr>
+        <p:style>
+          <a:lnRef idx="1">
+            <a:schemeClr val="accent2"/>
+          </a:lnRef>
+          <a:fillRef idx="3">
+            <a:schemeClr val="accent2"/>
+          </a:fillRef>
+          <a:effectRef idx="2">
+            <a:schemeClr val="accent2"/>
+          </a:effectRef>
+          <a:fontRef idx="minor">
+            <a:schemeClr val="lt1"/>
+          </a:fontRef>
+        </p:style>
+        <p:txBody>
+          <a:bodyPr vert="horz" wrap="square" lIns="91436" tIns="45718" rIns="91436" bIns="45718" numCol="1" rtlCol="0" anchor="ctr" anchorCtr="0" compatLnSpc="1">
+            <a:prstTxWarp prst="textNoShape">
+              <a:avLst/>
+            </a:prstTxWarp>
+          </a:bodyPr>
+          <a:lstStyle/>
+          <a:p>
+            <a:pPr algn="ctr" defTabSz="914099" fontAlgn="base">
+              <a:spcBef>
+                <a:spcPct val="0"/>
+              </a:spcBef>
+              <a:spcAft>
+                <a:spcPct val="0"/>
+              </a:spcAft>
+            </a:pPr>
+            <a:r>
+              <a:rPr lang="en-US" sz="2800" dirty="0" smtClean="0">
+                <a:gradFill>
+                  <a:gsLst>
+                    <a:gs pos="0">
+                      <a:srgbClr val="FFFFFF"/>
+                    </a:gs>
+                    <a:gs pos="100000">
+                      <a:srgbClr val="FFFFFF"/>
+                    </a:gs>
+                  </a:gsLst>
+                  <a:lin ang="5400000" scaled="0"/>
+                </a:gradFill>
+              </a:rPr>
+              <a:t>Secure Page</a:t>
+            </a:r>
+            <a:endParaRPr lang="en-US" sz="2800" dirty="0">
+              <a:gradFill>
+                <a:gsLst>
+                  <a:gs pos="0">
+                    <a:srgbClr val="FFFFFF"/>
+                  </a:gs>
+                  <a:gs pos="100000">
+                    <a:srgbClr val="FFFFFF"/>
+                  </a:gs>
+                </a:gsLst>
+                <a:lin ang="5400000" scaled="0"/>
+              </a:gradFill>
+            </a:endParaRPr>
+          </a:p>
+        </p:txBody>
+      </p:sp>
+      <p:sp>
+        <p:nvSpPr>
+          <p:cNvPr id="29" name="Freeform 5"/>
+          <p:cNvSpPr>
+            <a:spLocks noEditPoints="1"/>
+          </p:cNvSpPr>
+          <p:nvPr/>
+        </p:nvSpPr>
+        <p:spPr bwMode="auto">
+          <a:xfrm>
+            <a:off x="5294968" y="4736169"/>
+            <a:ext cx="798650" cy="379482"/>
+          </a:xfrm>
+          <a:custGeom>
+            <a:avLst/>
+            <a:gdLst>
+              <a:gd name="T0" fmla="*/ 2792 w 2833"/>
+              <a:gd name="T1" fmla="*/ 565 h 1335"/>
+              <a:gd name="T2" fmla="*/ 2565 w 2833"/>
+              <a:gd name="T3" fmla="*/ 336 h 1335"/>
+              <a:gd name="T4" fmla="*/ 1234 w 2833"/>
+              <a:gd name="T5" fmla="*/ 336 h 1335"/>
+              <a:gd name="T6" fmla="*/ 662 w 2833"/>
+              <a:gd name="T7" fmla="*/ 1 h 1335"/>
+              <a:gd name="T8" fmla="*/ 0 w 2833"/>
+              <a:gd name="T9" fmla="*/ 667 h 1335"/>
+              <a:gd name="T10" fmla="*/ 662 w 2833"/>
+              <a:gd name="T11" fmla="*/ 1335 h 1335"/>
+              <a:gd name="T12" fmla="*/ 1233 w 2833"/>
+              <a:gd name="T13" fmla="*/ 1000 h 1335"/>
+              <a:gd name="T14" fmla="*/ 1501 w 2833"/>
+              <a:gd name="T15" fmla="*/ 1000 h 1335"/>
+              <a:gd name="T16" fmla="*/ 1713 w 2833"/>
+              <a:gd name="T17" fmla="*/ 788 h 1335"/>
+              <a:gd name="T18" fmla="*/ 1875 w 2833"/>
+              <a:gd name="T19" fmla="*/ 950 h 1335"/>
+              <a:gd name="T20" fmla="*/ 2031 w 2833"/>
+              <a:gd name="T21" fmla="*/ 794 h 1335"/>
+              <a:gd name="T22" fmla="*/ 2191 w 2833"/>
+              <a:gd name="T23" fmla="*/ 954 h 1335"/>
+              <a:gd name="T24" fmla="*/ 2353 w 2833"/>
+              <a:gd name="T25" fmla="*/ 792 h 1335"/>
+              <a:gd name="T26" fmla="*/ 2515 w 2833"/>
+              <a:gd name="T27" fmla="*/ 954 h 1335"/>
+              <a:gd name="T28" fmla="*/ 2792 w 2833"/>
+              <a:gd name="T29" fmla="*/ 678 h 1335"/>
+              <a:gd name="T30" fmla="*/ 2792 w 2833"/>
+              <a:gd name="T31" fmla="*/ 565 h 1335"/>
+              <a:gd name="T32" fmla="*/ 372 w 2833"/>
+              <a:gd name="T33" fmla="*/ 842 h 1335"/>
+              <a:gd name="T34" fmla="*/ 197 w 2833"/>
+              <a:gd name="T35" fmla="*/ 665 h 1335"/>
+              <a:gd name="T36" fmla="*/ 372 w 2833"/>
+              <a:gd name="T37" fmla="*/ 487 h 1335"/>
+              <a:gd name="T38" fmla="*/ 547 w 2833"/>
+              <a:gd name="T39" fmla="*/ 665 h 1335"/>
+              <a:gd name="T40" fmla="*/ 372 w 2833"/>
+              <a:gd name="T41" fmla="*/ 842 h 1335"/>
+            </a:gdLst>
+            <a:ahLst/>
+            <a:cxnLst>
+              <a:cxn ang="0">
+                <a:pos x="T0" y="T1"/>
+              </a:cxn>
+              <a:cxn ang="0">
+                <a:pos x="T2" y="T3"/>
+              </a:cxn>
+              <a:cxn ang="0">
+                <a:pos x="T4" y="T5"/>
+              </a:cxn>
+              <a:cxn ang="0">
+                <a:pos x="T6" y="T7"/>
+              </a:cxn>
+              <a:cxn ang="0">
+                <a:pos x="T8" y="T9"/>
+              </a:cxn>
+              <a:cxn ang="0">
+                <a:pos x="T10" y="T11"/>
+              </a:cxn>
+              <a:cxn ang="0">
+                <a:pos x="T12" y="T13"/>
+              </a:cxn>
+              <a:cxn ang="0">
+                <a:pos x="T14" y="T15"/>
+              </a:cxn>
+              <a:cxn ang="0">
+                <a:pos x="T16" y="T17"/>
+              </a:cxn>
+              <a:cxn ang="0">
+                <a:pos x="T18" y="T19"/>
+              </a:cxn>
+              <a:cxn ang="0">
+                <a:pos x="T20" y="T21"/>
+              </a:cxn>
+              <a:cxn ang="0">
+                <a:pos x="T22" y="T23"/>
+              </a:cxn>
+              <a:cxn ang="0">
+                <a:pos x="T24" y="T25"/>
+              </a:cxn>
+              <a:cxn ang="0">
+                <a:pos x="T26" y="T27"/>
+              </a:cxn>
+              <a:cxn ang="0">
+                <a:pos x="T28" y="T29"/>
+              </a:cxn>
+              <a:cxn ang="0">
+                <a:pos x="T30" y="T31"/>
+              </a:cxn>
+              <a:cxn ang="0">
+                <a:pos x="T32" y="T33"/>
+              </a:cxn>
+              <a:cxn ang="0">
+                <a:pos x="T34" y="T35"/>
+              </a:cxn>
+              <a:cxn ang="0">
+                <a:pos x="T36" y="T37"/>
+              </a:cxn>
+              <a:cxn ang="0">
+                <a:pos x="T38" y="T39"/>
+              </a:cxn>
+              <a:cxn ang="0">
+                <a:pos x="T40" y="T41"/>
+              </a:cxn>
+            </a:cxnLst>
+            <a:rect l="0" t="0" r="r" b="b"/>
+            <a:pathLst>
+              <a:path w="2833" h="1335">
+                <a:moveTo>
+                  <a:pt x="2792" y="565"/>
+                </a:moveTo>
+                <a:lnTo>
+                  <a:pt x="2565" y="336"/>
+                </a:lnTo>
+                <a:lnTo>
+                  <a:pt x="1234" y="336"/>
+                </a:lnTo>
+                <a:cubicBezTo>
+                  <a:pt x="1120" y="136"/>
+                  <a:pt x="907" y="0"/>
+                  <a:pt x="662" y="1"/>
+                </a:cubicBezTo>
+                <a:cubicBezTo>
+                  <a:pt x="297" y="0"/>
+                  <a:pt x="1" y="299"/>
+                  <a:pt x="0" y="667"/>
+                </a:cubicBezTo>
+                <a:cubicBezTo>
+                  <a:pt x="1" y="1036"/>
+                  <a:pt x="297" y="1334"/>
+                  <a:pt x="662" y="1335"/>
+                </a:cubicBezTo>
+                <a:cubicBezTo>
+                  <a:pt x="906" y="1335"/>
+                  <a:pt x="1119" y="1200"/>
+                  <a:pt x="1233" y="1000"/>
+                </a:cubicBezTo>
+                <a:lnTo>
+                  <a:pt x="1501" y="1000"/>
+                </a:lnTo>
+                <a:lnTo>
+                  <a:pt x="1713" y="788"/>
+                </a:lnTo>
+                <a:lnTo>
+                  <a:pt x="1875" y="950"/>
+                </a:lnTo>
+                <a:lnTo>
+                  <a:pt x="2031" y="794"/>
+                </a:lnTo>
+                <a:lnTo>
+                  <a:pt x="2191" y="954"/>
+                </a:lnTo>
+                <a:lnTo>
+                  <a:pt x="2353" y="792"/>
+                </a:lnTo>
+                <a:lnTo>
+                  <a:pt x="2515" y="954"/>
+                </a:lnTo>
+                <a:lnTo>
+                  <a:pt x="2792" y="678"/>
+                </a:lnTo>
+                <a:cubicBezTo>
+                  <a:pt x="2832" y="636"/>
+                  <a:pt x="2833" y="607"/>
+                  <a:pt x="2792" y="565"/>
+                </a:cubicBezTo>
+                <a:close/>
+                <a:moveTo>
+                  <a:pt x="372" y="842"/>
+                </a:moveTo>
+                <a:cubicBezTo>
+                  <a:pt x="274" y="841"/>
+                  <a:pt x="196" y="762"/>
+                  <a:pt x="197" y="665"/>
+                </a:cubicBezTo>
+                <a:cubicBezTo>
+                  <a:pt x="196" y="566"/>
+                  <a:pt x="274" y="487"/>
+                  <a:pt x="372" y="487"/>
+                </a:cubicBezTo>
+                <a:cubicBezTo>
+                  <a:pt x="468" y="487"/>
+                  <a:pt x="546" y="566"/>
+                  <a:pt x="547" y="665"/>
+                </a:cubicBezTo>
+                <a:cubicBezTo>
+                  <a:pt x="546" y="762"/>
+                  <a:pt x="468" y="841"/>
+                  <a:pt x="372" y="842"/>
+                </a:cubicBezTo>
+                <a:close/>
+              </a:path>
+            </a:pathLst>
+          </a:custGeom>
+          <a:solidFill>
+            <a:schemeClr val="accent4"/>
+          </a:solidFill>
+          <a:ln w="0">
+            <a:solidFill>
+              <a:schemeClr val="accent4"/>
+            </a:solidFill>
+            <a:prstDash val="solid"/>
+            <a:round/>
+            <a:headEnd/>
+            <a:tailEnd/>
+          </a:ln>
+        </p:spPr>
+        <p:txBody>
+          <a:bodyPr vert="horz" wrap="square" lIns="91440" tIns="45720" rIns="91440" bIns="45720" numCol="1" anchor="t" anchorCtr="0" compatLnSpc="1">
+            <a:prstTxWarp prst="textNoShape">
+              <a:avLst/>
+            </a:prstTxWarp>
+          </a:bodyPr>
+          <a:lstStyle/>
+          <a:p>
+            <a:endParaRPr lang="en-US"/>
+          </a:p>
+        </p:txBody>
+      </p:sp>
     </p:spTree>
     <p:extLst>
       <p:ext uri="{BB962C8B-B14F-4D97-AF65-F5344CB8AC3E}">
-        <p14:creationId xmlns:p14="http://schemas.microsoft.com/office/powerpoint/2010/main" val="2368833154"/>
+        <p14:creationId xmlns:p14="http://schemas.microsoft.com/office/powerpoint/2010/main" val="1117205616"/>
       </p:ext>
     </p:extLst>
   </p:cSld>
@@ -23141,6 +22624,13 @@
   <p:transition>
     <p:fade/>
   </p:transition>
+  <p:timing>
+    <p:tnLst>
+      <p:par>
+        <p:cTn id="1" dur="indefinite" restart="never" nodeType="tmRoot"/>
+      </p:par>
+    </p:tnLst>
+  </p:timing>
 </p:sld>
 </file>
 
@@ -23274,46 +22764,28 @@
           </a:p>
         </p:txBody>
       </p:sp>
-      <p:sp>
-        <p:nvSpPr>
-          <p:cNvPr id="6" name="Text Placeholder 5"/>
-          <p:cNvSpPr>
-            <a:spLocks noGrp="1"/>
-          </p:cNvSpPr>
+      <p:graphicFrame>
+        <p:nvGraphicFramePr>
+          <p:cNvPr id="2" name="Diagram 1"/>
+          <p:cNvGraphicFramePr/>
           <p:nvPr>
-            <p:ph type="body" sz="quarter" idx="10"/>
+            <p:extLst>
+              <p:ext uri="{D42A27DB-BD31-4B8C-83A1-F6EECF244321}">
+                <p14:modId xmlns:p14="http://schemas.microsoft.com/office/powerpoint/2010/main" val="3618401384"/>
+              </p:ext>
+            </p:extLst>
           </p:nvPr>
-        </p:nvSpPr>
-        <p:spPr>
-          <a:xfrm>
-            <a:off x="519112" y="1447799"/>
-            <a:ext cx="11149013" cy="1892826"/>
-          </a:xfrm>
-        </p:spPr>
-        <p:txBody>
-          <a:bodyPr/>
-          <a:lstStyle/>
-          <a:p>
-            <a:r>
-              <a:rPr lang="en-US" dirty="0" smtClean="0"/>
-              <a:t>Identity</a:t>
-            </a:r>
-          </a:p>
-          <a:p>
-            <a:r>
-              <a:rPr lang="en-US" dirty="0" smtClean="0"/>
-              <a:t>Social Graph</a:t>
-            </a:r>
-          </a:p>
-          <a:p>
-            <a:r>
-              <a:rPr lang="en-US" dirty="0" smtClean="0"/>
-              <a:t>Application Integration</a:t>
-            </a:r>
-            <a:endParaRPr lang="en-US" dirty="0"/>
-          </a:p>
-        </p:txBody>
-      </p:sp>
+        </p:nvGraphicFramePr>
+        <p:xfrm>
+          <a:off x="519112" y="1215342"/>
+          <a:ext cx="11149013" cy="4664597"/>
+        </p:xfrm>
+        <a:graphic>
+          <a:graphicData uri="http://schemas.openxmlformats.org/drawingml/2006/diagram">
+            <dgm:relIds xmlns:dgm="http://schemas.openxmlformats.org/drawingml/2006/diagram" xmlns:r="http://schemas.openxmlformats.org/officeDocument/2006/relationships" r:dm="rId2" r:lo="rId3" r:qs="rId4" r:cs="rId5"/>
+          </a:graphicData>
+        </a:graphic>
+      </p:graphicFrame>
     </p:spTree>
     <p:extLst>
       <p:ext uri="{BB962C8B-B14F-4D97-AF65-F5344CB8AC3E}">
@@ -23327,6 +22799,13 @@
   <p:transition>
     <p:fade/>
   </p:transition>
+  <p:timing>
+    <p:tnLst>
+      <p:par>
+        <p:cTn id="1" dur="indefinite" restart="never" nodeType="tmRoot"/>
+      </p:par>
+    </p:tnLst>
+  </p:timing>
 </p:sld>
 </file>
 
@@ -23370,31 +22849,315 @@
           </a:p>
         </p:txBody>
       </p:sp>
-      <p:graphicFrame>
-        <p:nvGraphicFramePr>
-          <p:cNvPr id="4" name="Content Placeholder 3"/>
-          <p:cNvGraphicFramePr>
-            <a:graphicFrameLocks noGrp="1"/>
-          </p:cNvGraphicFramePr>
-          <p:nvPr>
-            <p:ph idx="4294967295"/>
-            <p:extLst>
-              <p:ext uri="{D42A27DB-BD31-4B8C-83A1-F6EECF244321}">
-                <p14:modId xmlns:p14="http://schemas.microsoft.com/office/powerpoint/2010/main" val="1393100059"/>
-              </p:ext>
-            </p:extLst>
-          </p:nvPr>
-        </p:nvGraphicFramePr>
-        <p:xfrm>
-          <a:off x="519112" y="2465388"/>
-          <a:ext cx="11149013" cy="2000250"/>
-        </p:xfrm>
-        <a:graphic>
-          <a:graphicData uri="http://schemas.openxmlformats.org/drawingml/2006/diagram">
-            <dgm:relIds xmlns:dgm="http://schemas.openxmlformats.org/drawingml/2006/diagram" xmlns:r="http://schemas.openxmlformats.org/officeDocument/2006/relationships" r:dm="rId2" r:lo="rId3" r:qs="rId4" r:cs="rId5"/>
-          </a:graphicData>
-        </a:graphic>
-      </p:graphicFrame>
+      <p:sp>
+        <p:nvSpPr>
+          <p:cNvPr id="6" name="Freeform 5"/>
+          <p:cNvSpPr/>
+          <p:nvPr/>
+        </p:nvSpPr>
+        <p:spPr>
+          <a:xfrm>
+            <a:off x="519112" y="2465388"/>
+            <a:ext cx="3344703" cy="2000250"/>
+          </a:xfrm>
+          <a:custGeom>
+            <a:avLst/>
+            <a:gdLst>
+              <a:gd name="connsiteX0" fmla="*/ 0 w 3344703"/>
+              <a:gd name="connsiteY0" fmla="*/ 0 h 2000250"/>
+              <a:gd name="connsiteX1" fmla="*/ 3344703 w 3344703"/>
+              <a:gd name="connsiteY1" fmla="*/ 0 h 2000250"/>
+              <a:gd name="connsiteX2" fmla="*/ 3344703 w 3344703"/>
+              <a:gd name="connsiteY2" fmla="*/ 2000250 h 2000250"/>
+              <a:gd name="connsiteX3" fmla="*/ 0 w 3344703"/>
+              <a:gd name="connsiteY3" fmla="*/ 2000250 h 2000250"/>
+              <a:gd name="connsiteX4" fmla="*/ 0 w 3344703"/>
+              <a:gd name="connsiteY4" fmla="*/ 0 h 2000250"/>
+            </a:gdLst>
+            <a:ahLst/>
+            <a:cxnLst>
+              <a:cxn ang="0">
+                <a:pos x="connsiteX0" y="connsiteY0"/>
+              </a:cxn>
+              <a:cxn ang="0">
+                <a:pos x="connsiteX1" y="connsiteY1"/>
+              </a:cxn>
+              <a:cxn ang="0">
+                <a:pos x="connsiteX2" y="connsiteY2"/>
+              </a:cxn>
+              <a:cxn ang="0">
+                <a:pos x="connsiteX3" y="connsiteY3"/>
+              </a:cxn>
+              <a:cxn ang="0">
+                <a:pos x="connsiteX4" y="connsiteY4"/>
+              </a:cxn>
+            </a:cxnLst>
+            <a:rect l="l" t="t" r="r" b="b"/>
+            <a:pathLst>
+              <a:path w="3344703" h="2000250">
+                <a:moveTo>
+                  <a:pt x="0" y="0"/>
+                </a:moveTo>
+                <a:lnTo>
+                  <a:pt x="3344703" y="0"/>
+                </a:lnTo>
+                <a:lnTo>
+                  <a:pt x="3344703" y="2000250"/>
+                </a:lnTo>
+                <a:lnTo>
+                  <a:pt x="0" y="2000250"/>
+                </a:lnTo>
+                <a:lnTo>
+                  <a:pt x="0" y="0"/>
+                </a:lnTo>
+                <a:close/>
+              </a:path>
+            </a:pathLst>
+          </a:custGeom>
+          <a:solidFill>
+            <a:schemeClr val="tx2"/>
+          </a:solidFill>
+        </p:spPr>
+        <p:style>
+          <a:lnRef idx="2">
+            <a:schemeClr val="lt1">
+              <a:hueOff val="0"/>
+              <a:satOff val="0"/>
+              <a:lumOff val="0"/>
+              <a:alphaOff val="0"/>
+            </a:schemeClr>
+          </a:lnRef>
+          <a:fillRef idx="1">
+            <a:scrgbClr r="0" g="0" b="0"/>
+          </a:fillRef>
+          <a:effectRef idx="0">
+            <a:schemeClr val="accent2">
+              <a:shade val="80000"/>
+              <a:hueOff val="0"/>
+              <a:satOff val="0"/>
+              <a:lumOff val="0"/>
+              <a:alphaOff val="0"/>
+            </a:schemeClr>
+          </a:effectRef>
+          <a:fontRef idx="minor">
+            <a:schemeClr val="lt1"/>
+          </a:fontRef>
+        </p:style>
+        <p:txBody>
+          <a:bodyPr spcFirstLastPara="0" vert="horz" wrap="square" lIns="133350" tIns="133350" rIns="133350" bIns="133350" numCol="1" spcCol="1270" anchor="ctr" anchorCtr="0">
+            <a:noAutofit/>
+          </a:bodyPr>
+          <a:lstStyle/>
+          <a:p>
+            <a:pPr lvl="0" algn="ctr" defTabSz="1555750">
+              <a:lnSpc>
+                <a:spcPct val="90000"/>
+              </a:lnSpc>
+              <a:spcBef>
+                <a:spcPct val="0"/>
+              </a:spcBef>
+              <a:spcAft>
+                <a:spcPct val="35000"/>
+              </a:spcAft>
+            </a:pPr>
+            <a:r>
+              <a:rPr lang="en-US" sz="3500" kern="1200" dirty="0" smtClean="0"/>
+              <a:t>User</a:t>
+            </a:r>
+            <a:endParaRPr lang="en-US" sz="3500" kern="1200" dirty="0"/>
+          </a:p>
+        </p:txBody>
+      </p:sp>
+      <p:sp>
+        <p:nvSpPr>
+          <p:cNvPr id="7" name="Right Arrow 6"/>
+          <p:cNvSpPr/>
+          <p:nvPr/>
+        </p:nvSpPr>
+        <p:spPr>
+          <a:xfrm>
+            <a:off x="4421266" y="2443251"/>
+            <a:ext cx="3344703" cy="2003336"/>
+          </a:xfrm>
+          <a:prstGeom prst="rightArrow">
+            <a:avLst/>
+          </a:prstGeom>
+        </p:spPr>
+        <p:style>
+          <a:lnRef idx="2">
+            <a:schemeClr val="lt1">
+              <a:hueOff val="0"/>
+              <a:satOff val="0"/>
+              <a:lumOff val="0"/>
+              <a:alphaOff val="0"/>
+            </a:schemeClr>
+          </a:lnRef>
+          <a:fillRef idx="1">
+            <a:schemeClr val="accent2">
+              <a:shade val="80000"/>
+              <a:hueOff val="285527"/>
+              <a:satOff val="-9433"/>
+              <a:lumOff val="17283"/>
+              <a:alphaOff val="0"/>
+            </a:schemeClr>
+          </a:fillRef>
+          <a:effectRef idx="0">
+            <a:schemeClr val="accent2">
+              <a:shade val="80000"/>
+              <a:hueOff val="285527"/>
+              <a:satOff val="-9433"/>
+              <a:lumOff val="17283"/>
+              <a:alphaOff val="0"/>
+            </a:schemeClr>
+          </a:effectRef>
+          <a:fontRef idx="minor">
+            <a:schemeClr val="lt1"/>
+          </a:fontRef>
+        </p:style>
+        <p:txBody>
+          <a:bodyPr spcFirstLastPara="0" vert="horz" wrap="square" lIns="133350" tIns="133350" rIns="133350" bIns="133350" numCol="1" spcCol="1270" anchor="ctr" anchorCtr="0">
+            <a:noAutofit/>
+          </a:bodyPr>
+          <a:lstStyle/>
+          <a:p>
+            <a:pPr lvl="0" algn="ctr" defTabSz="1555750">
+              <a:lnSpc>
+                <a:spcPct val="90000"/>
+              </a:lnSpc>
+              <a:spcBef>
+                <a:spcPct val="0"/>
+              </a:spcBef>
+              <a:spcAft>
+                <a:spcPct val="35000"/>
+              </a:spcAft>
+            </a:pPr>
+            <a:r>
+              <a:rPr lang="en-US" sz="3500" kern="1200" dirty="0" smtClean="0"/>
+              <a:t>Action</a:t>
+            </a:r>
+            <a:endParaRPr lang="en-US" sz="3500" kern="1200" dirty="0"/>
+          </a:p>
+        </p:txBody>
+      </p:sp>
+      <p:sp>
+        <p:nvSpPr>
+          <p:cNvPr id="8" name="Freeform 7"/>
+          <p:cNvSpPr/>
+          <p:nvPr/>
+        </p:nvSpPr>
+        <p:spPr>
+          <a:xfrm>
+            <a:off x="8323421" y="2484438"/>
+            <a:ext cx="3344703" cy="1962149"/>
+          </a:xfrm>
+          <a:custGeom>
+            <a:avLst/>
+            <a:gdLst>
+              <a:gd name="connsiteX0" fmla="*/ 0 w 3344703"/>
+              <a:gd name="connsiteY0" fmla="*/ 0 h 1962149"/>
+              <a:gd name="connsiteX1" fmla="*/ 3344703 w 3344703"/>
+              <a:gd name="connsiteY1" fmla="*/ 0 h 1962149"/>
+              <a:gd name="connsiteX2" fmla="*/ 3344703 w 3344703"/>
+              <a:gd name="connsiteY2" fmla="*/ 1962149 h 1962149"/>
+              <a:gd name="connsiteX3" fmla="*/ 0 w 3344703"/>
+              <a:gd name="connsiteY3" fmla="*/ 1962149 h 1962149"/>
+              <a:gd name="connsiteX4" fmla="*/ 0 w 3344703"/>
+              <a:gd name="connsiteY4" fmla="*/ 0 h 1962149"/>
+            </a:gdLst>
+            <a:ahLst/>
+            <a:cxnLst>
+              <a:cxn ang="0">
+                <a:pos x="connsiteX0" y="connsiteY0"/>
+              </a:cxn>
+              <a:cxn ang="0">
+                <a:pos x="connsiteX1" y="connsiteY1"/>
+              </a:cxn>
+              <a:cxn ang="0">
+                <a:pos x="connsiteX2" y="connsiteY2"/>
+              </a:cxn>
+              <a:cxn ang="0">
+                <a:pos x="connsiteX3" y="connsiteY3"/>
+              </a:cxn>
+              <a:cxn ang="0">
+                <a:pos x="connsiteX4" y="connsiteY4"/>
+              </a:cxn>
+            </a:cxnLst>
+            <a:rect l="l" t="t" r="r" b="b"/>
+            <a:pathLst>
+              <a:path w="3344703" h="1962149">
+                <a:moveTo>
+                  <a:pt x="0" y="0"/>
+                </a:moveTo>
+                <a:lnTo>
+                  <a:pt x="3344703" y="0"/>
+                </a:lnTo>
+                <a:lnTo>
+                  <a:pt x="3344703" y="1962149"/>
+                </a:lnTo>
+                <a:lnTo>
+                  <a:pt x="0" y="1962149"/>
+                </a:lnTo>
+                <a:lnTo>
+                  <a:pt x="0" y="0"/>
+                </a:lnTo>
+                <a:close/>
+              </a:path>
+            </a:pathLst>
+          </a:custGeom>
+          <a:solidFill>
+            <a:schemeClr val="accent4"/>
+          </a:solidFill>
+        </p:spPr>
+        <p:style>
+          <a:lnRef idx="2">
+            <a:schemeClr val="lt1">
+              <a:hueOff val="0"/>
+              <a:satOff val="0"/>
+              <a:lumOff val="0"/>
+              <a:alphaOff val="0"/>
+            </a:schemeClr>
+          </a:lnRef>
+          <a:fillRef idx="1">
+            <a:scrgbClr r="0" g="0" b="0"/>
+          </a:fillRef>
+          <a:effectRef idx="0">
+            <a:schemeClr val="accent2">
+              <a:shade val="80000"/>
+              <a:hueOff val="571054"/>
+              <a:satOff val="-18867"/>
+              <a:lumOff val="34566"/>
+              <a:alphaOff val="0"/>
+            </a:schemeClr>
+          </a:effectRef>
+          <a:fontRef idx="minor">
+            <a:schemeClr val="lt1"/>
+          </a:fontRef>
+        </p:style>
+        <p:txBody>
+          <a:bodyPr spcFirstLastPara="0" vert="horz" wrap="square" lIns="133350" tIns="133350" rIns="133350" bIns="133350" numCol="1" spcCol="1270" anchor="ctr" anchorCtr="0">
+            <a:noAutofit/>
+          </a:bodyPr>
+          <a:lstStyle/>
+          <a:p>
+            <a:pPr lvl="0" algn="ctr" defTabSz="1555750">
+              <a:lnSpc>
+                <a:spcPct val="90000"/>
+              </a:lnSpc>
+              <a:spcBef>
+                <a:spcPct val="0"/>
+              </a:spcBef>
+              <a:spcAft>
+                <a:spcPct val="35000"/>
+              </a:spcAft>
+            </a:pPr>
+            <a:r>
+              <a:rPr lang="en-US" sz="3500" kern="1200" dirty="0" smtClean="0"/>
+              <a:t>Object</a:t>
+            </a:r>
+            <a:endParaRPr lang="en-US" sz="3500" kern="1200" dirty="0"/>
+          </a:p>
+        </p:txBody>
+      </p:sp>
     </p:spTree>
     <p:extLst>
       <p:ext uri="{BB962C8B-B14F-4D97-AF65-F5344CB8AC3E}">
